--- a/doc/material/slides/section_2/Angular concepts.pptx
+++ b/doc/material/slides/section_2/Angular concepts.pptx
@@ -5,10 +5,10 @@
     <p:sldMasterId id="2147483708" r:id="rId1"/>
   </p:sldMasterIdLst>
   <p:notesMasterIdLst>
-    <p:notesMasterId r:id="rId32"/>
+    <p:notesMasterId r:id="rId42"/>
   </p:notesMasterIdLst>
   <p:handoutMasterIdLst>
-    <p:handoutMasterId r:id="rId33"/>
+    <p:handoutMasterId r:id="rId43"/>
   </p:handoutMasterIdLst>
   <p:sldIdLst>
     <p:sldId id="256" r:id="rId2"/>
@@ -40,7 +40,17 @@
     <p:sldId id="314" r:id="rId28"/>
     <p:sldId id="317" r:id="rId29"/>
     <p:sldId id="315" r:id="rId30"/>
-    <p:sldId id="271" r:id="rId31"/>
+    <p:sldId id="318" r:id="rId31"/>
+    <p:sldId id="319" r:id="rId32"/>
+    <p:sldId id="320" r:id="rId33"/>
+    <p:sldId id="321" r:id="rId34"/>
+    <p:sldId id="322" r:id="rId35"/>
+    <p:sldId id="323" r:id="rId36"/>
+    <p:sldId id="324" r:id="rId37"/>
+    <p:sldId id="325" r:id="rId38"/>
+    <p:sldId id="326" r:id="rId39"/>
+    <p:sldId id="327" r:id="rId40"/>
+    <p:sldId id="271" r:id="rId41"/>
   </p:sldIdLst>
   <p:sldSz cx="12192000" cy="6858000"/>
   <p:notesSz cx="6858000" cy="9144000"/>
@@ -255,7 +265,7 @@
           <a:p>
             <a:fld id="{9BADE926-BA31-43BD-881D-1ECCA6A4FE3B}" type="datetimeFigureOut">
               <a:rPr lang="en-US" smtClean="0"/>
-              <a:t>5/20/2021</a:t>
+              <a:t>5/21/2021</a:t>
             </a:fld>
             <a:endParaRPr lang="en-US"/>
           </a:p>
@@ -420,7 +430,7 @@
           <a:p>
             <a:fld id="{7DBC1745-093B-4D3D-9A89-9CD99C9E4F7D}" type="datetimeFigureOut">
               <a:rPr lang="en-US" smtClean="0"/>
-              <a:t>5/20/2021</a:t>
+              <a:t>5/21/2021</a:t>
             </a:fld>
             <a:endParaRPr lang="en-US"/>
           </a:p>
@@ -13230,7 +13240,7 @@
           <a:p>
             <a:fld id="{AF88043E-905E-4148-B009-B3CB700EBBEA}" type="datetimeFigureOut">
               <a:rPr lang="en-US" smtClean="0"/>
-              <a:t>5/20/2021</a:t>
+              <a:t>5/21/2021</a:t>
             </a:fld>
             <a:endParaRPr lang="en-US"/>
           </a:p>
@@ -13616,7 +13626,7 @@
           <a:p>
             <a:fld id="{AF88043E-905E-4148-B009-B3CB700EBBEA}" type="datetimeFigureOut">
               <a:rPr lang="en-US" smtClean="0"/>
-              <a:t>5/20/2021</a:t>
+              <a:t>5/21/2021</a:t>
             </a:fld>
             <a:endParaRPr lang="en-US"/>
           </a:p>
@@ -13765,7 +13775,7 @@
           <a:p>
             <a:fld id="{AF88043E-905E-4148-B009-B3CB700EBBEA}" type="datetimeFigureOut">
               <a:rPr lang="en-US" smtClean="0"/>
-              <a:t>5/20/2021</a:t>
+              <a:t>5/21/2021</a:t>
             </a:fld>
             <a:endParaRPr lang="en-US"/>
           </a:p>
@@ -14406,7 +14416,7 @@
           <a:p>
             <a:fld id="{AF88043E-905E-4148-B009-B3CB700EBBEA}" type="datetimeFigureOut">
               <a:rPr lang="en-US" smtClean="0"/>
-              <a:t>5/20/2021</a:t>
+              <a:t>5/21/2021</a:t>
             </a:fld>
             <a:endParaRPr lang="en-US"/>
           </a:p>
@@ -15257,7 +15267,7 @@
           <a:p>
             <a:fld id="{AF88043E-905E-4148-B009-B3CB700EBBEA}" type="datetimeFigureOut">
               <a:rPr lang="en-US" smtClean="0"/>
-              <a:t>5/20/2021</a:t>
+              <a:t>5/21/2021</a:t>
             </a:fld>
             <a:endParaRPr lang="en-US"/>
           </a:p>
@@ -15436,7 +15446,7 @@
           <a:p>
             <a:fld id="{AF88043E-905E-4148-B009-B3CB700EBBEA}" type="datetimeFigureOut">
               <a:rPr lang="en-US" smtClean="0"/>
-              <a:t>5/20/2021</a:t>
+              <a:t>5/21/2021</a:t>
             </a:fld>
             <a:endParaRPr lang="en-US"/>
           </a:p>
@@ -20023,12 +20033,8 @@
           <a:lstStyle/>
           <a:p>
             <a:r>
-              <a:rPr lang="en-US" dirty="0"/>
-              <a:t>Lifecycle </a:t>
-            </a:r>
-            <a:r>
               <a:rPr lang="en-US" dirty="0" smtClean="0"/>
-              <a:t>hooks</a:t>
+              <a:t>Lifecycle</a:t>
             </a:r>
             <a:endParaRPr lang="en-US" dirty="0"/>
           </a:p>
@@ -20046,14 +20052,40 @@
         </p:nvSpPr>
         <p:spPr>
           <a:xfrm>
-            <a:off x="1154955" y="1692275"/>
-            <a:ext cx="9868645" cy="3416300"/>
+            <a:off x="1154955" y="1692274"/>
+            <a:ext cx="9868645" cy="4200525"/>
           </a:xfrm>
         </p:spPr>
         <p:txBody>
-          <a:bodyPr/>
+          <a:bodyPr>
+            <a:normAutofit/>
+          </a:bodyPr>
           <a:lstStyle/>
           <a:p>
+            <a:r>
+              <a:rPr lang="en-US" dirty="0"/>
+              <a:t>A component instance has a lifecycle that starts when Angular instantiates the component class and renders the component view along with its child views. The lifecycle continues with change detection, as Angular checks to see when data-bound properties change, and updates both the view and the component instance as needed. The lifecycle ends when Angular destroys the component instance and removes its rendered template from the DOM. Directives have a similar lifecycle, as Angular creates, updates, and destroys instances in the course of execution</a:t>
+            </a:r>
+            <a:r>
+              <a:rPr lang="en-US" dirty="0" smtClean="0"/>
+              <a:t>.</a:t>
+            </a:r>
+          </a:p>
+          <a:p>
+            <a:r>
+              <a:rPr lang="en-US" dirty="0"/>
+              <a:t>Your application can use </a:t>
+            </a:r>
+            <a:r>
+              <a:rPr lang="en-US" dirty="0">
+                <a:hlinkClick r:id="rId2" tooltip="Definition of lifecycle hook"/>
+              </a:rPr>
+              <a:t>lifecycle hook methods</a:t>
+            </a:r>
+            <a:r>
+              <a:rPr lang="en-US" dirty="0"/>
+              <a:t> to tap into key events in the lifecycle of a component or directive in order to initialize new instances, initiate change detection when needed, respond to updates during change detection, and clean up before deletion of instances.</a:t>
+            </a:r>
             <a:endParaRPr lang="en-US" dirty="0"/>
           </a:p>
         </p:txBody>
@@ -20195,6 +20227,1764 @@
 </file>
 
 <file path=ppt/slides/slide30.xml><?xml version="1.0" encoding="utf-8"?>
+<p:sld xmlns:a="http://schemas.openxmlformats.org/drawingml/2006/main" xmlns:r="http://schemas.openxmlformats.org/officeDocument/2006/relationships" xmlns:p="http://schemas.openxmlformats.org/presentationml/2006/main">
+  <p:cSld>
+    <p:spTree>
+      <p:nvGrpSpPr>
+        <p:cNvPr id="1" name=""/>
+        <p:cNvGrpSpPr/>
+        <p:nvPr/>
+      </p:nvGrpSpPr>
+      <p:grpSpPr>
+        <a:xfrm>
+          <a:off x="0" y="0"/>
+          <a:ext cx="0" cy="0"/>
+          <a:chOff x="0" y="0"/>
+          <a:chExt cx="0" cy="0"/>
+        </a:xfrm>
+      </p:grpSpPr>
+      <p:sp>
+        <p:nvSpPr>
+          <p:cNvPr id="2" name="Title 1"/>
+          <p:cNvSpPr>
+            <a:spLocks noGrp="1"/>
+          </p:cNvSpPr>
+          <p:nvPr>
+            <p:ph type="title"/>
+          </p:nvPr>
+        </p:nvSpPr>
+        <p:spPr/>
+        <p:txBody>
+          <a:bodyPr/>
+          <a:lstStyle/>
+          <a:p>
+            <a:r>
+              <a:rPr lang="en-US" dirty="0" smtClean="0"/>
+              <a:t>Lifecycle hooks</a:t>
+            </a:r>
+            <a:endParaRPr lang="en-US" dirty="0"/>
+          </a:p>
+        </p:txBody>
+      </p:sp>
+      <p:sp>
+        <p:nvSpPr>
+          <p:cNvPr id="3" name="Content Placeholder 2"/>
+          <p:cNvSpPr>
+            <a:spLocks noGrp="1"/>
+          </p:cNvSpPr>
+          <p:nvPr>
+            <p:ph idx="1"/>
+          </p:nvPr>
+        </p:nvSpPr>
+        <p:spPr/>
+        <p:txBody>
+          <a:bodyPr/>
+          <a:lstStyle/>
+          <a:p>
+            <a:r>
+              <a:rPr lang="en-US" dirty="0"/>
+              <a:t>Lifecycle hooks are a special functionality in Angular that allow us to “hook into” and run code at a specific lifecycle event of a component or directive</a:t>
+            </a:r>
+            <a:r>
+              <a:rPr lang="en-US" dirty="0" smtClean="0"/>
+              <a:t>.</a:t>
+            </a:r>
+            <a:endParaRPr lang="en-US" dirty="0"/>
+          </a:p>
+          <a:p>
+            <a:r>
+              <a:rPr lang="en-US" dirty="0"/>
+              <a:t>Angular manages components and directives for us   when it creates them, updates them, or destroys them. With lifecycle hooks, we can gain better control of our application</a:t>
+            </a:r>
+            <a:r>
+              <a:rPr lang="en-US" dirty="0" smtClean="0"/>
+              <a:t>.</a:t>
+            </a:r>
+            <a:endParaRPr lang="en-US" dirty="0"/>
+          </a:p>
+          <a:p>
+            <a:r>
+              <a:rPr lang="en-US" dirty="0"/>
+              <a:t>To do this, we add some specific hook methods prefixed with ng to our component or directive. These hooks are split into two types: hooks for components or directives, and hooks for child components.</a:t>
+            </a:r>
+          </a:p>
+        </p:txBody>
+      </p:sp>
+    </p:spTree>
+    <p:extLst>
+      <p:ext uri="{BB962C8B-B14F-4D97-AF65-F5344CB8AC3E}">
+        <p14:creationId xmlns:p14="http://schemas.microsoft.com/office/powerpoint/2010/main" val="899794048"/>
+      </p:ext>
+    </p:extLst>
+  </p:cSld>
+  <p:clrMapOvr>
+    <a:masterClrMapping/>
+  </p:clrMapOvr>
+</p:sld>
+</file>
+
+<file path=ppt/slides/slide31.xml><?xml version="1.0" encoding="utf-8"?>
+<p:sld xmlns:a="http://schemas.openxmlformats.org/drawingml/2006/main" xmlns:r="http://schemas.openxmlformats.org/officeDocument/2006/relationships" xmlns:p="http://schemas.openxmlformats.org/presentationml/2006/main">
+  <p:cSld>
+    <p:spTree>
+      <p:nvGrpSpPr>
+        <p:cNvPr id="1" name=""/>
+        <p:cNvGrpSpPr/>
+        <p:nvPr/>
+      </p:nvGrpSpPr>
+      <p:grpSpPr>
+        <a:xfrm>
+          <a:off x="0" y="0"/>
+          <a:ext cx="0" cy="0"/>
+          <a:chOff x="0" y="0"/>
+          <a:chExt cx="0" cy="0"/>
+        </a:xfrm>
+      </p:grpSpPr>
+      <p:sp>
+        <p:nvSpPr>
+          <p:cNvPr id="2" name="Title 1"/>
+          <p:cNvSpPr>
+            <a:spLocks noGrp="1"/>
+          </p:cNvSpPr>
+          <p:nvPr>
+            <p:ph type="title"/>
+          </p:nvPr>
+        </p:nvSpPr>
+        <p:spPr/>
+        <p:txBody>
+          <a:bodyPr/>
+          <a:lstStyle/>
+          <a:p>
+            <a:r>
+              <a:rPr lang="en-US" dirty="0"/>
+              <a:t>Lifecycle event </a:t>
+            </a:r>
+            <a:r>
+              <a:rPr lang="en-US" dirty="0" smtClean="0"/>
+              <a:t>sequence</a:t>
+            </a:r>
+            <a:endParaRPr lang="en-US" dirty="0"/>
+          </a:p>
+        </p:txBody>
+      </p:sp>
+      <p:sp>
+        <p:nvSpPr>
+          <p:cNvPr id="3" name="Content Placeholder 2"/>
+          <p:cNvSpPr>
+            <a:spLocks noGrp="1"/>
+          </p:cNvSpPr>
+          <p:nvPr>
+            <p:ph idx="1"/>
+          </p:nvPr>
+        </p:nvSpPr>
+        <p:spPr>
+          <a:xfrm>
+            <a:off x="1154955" y="1654174"/>
+            <a:ext cx="9868645" cy="4276726"/>
+          </a:xfrm>
+        </p:spPr>
+        <p:txBody>
+          <a:bodyPr>
+            <a:normAutofit/>
+          </a:bodyPr>
+          <a:lstStyle/>
+          <a:p>
+            <a:r>
+              <a:rPr lang="en-US" dirty="0"/>
+              <a:t>Angular executes hook methods in the following sequence. You can use them to perform the following kinds of operations</a:t>
+            </a:r>
+            <a:r>
+              <a:rPr lang="en-US" dirty="0" smtClean="0"/>
+              <a:t>.</a:t>
+            </a:r>
+            <a:endParaRPr lang="en-US" dirty="0"/>
+          </a:p>
+          <a:p>
+            <a:pPr lvl="1">
+              <a:buFont typeface="+mj-lt"/>
+              <a:buAutoNum type="arabicPeriod"/>
+            </a:pPr>
+            <a:r>
+              <a:rPr lang="en-US" dirty="0" err="1"/>
+              <a:t>ngOnChanges</a:t>
+            </a:r>
+            <a:r>
+              <a:rPr lang="en-US" dirty="0" smtClean="0"/>
+              <a:t>()</a:t>
+            </a:r>
+          </a:p>
+          <a:p>
+            <a:pPr lvl="1">
+              <a:buFont typeface="+mj-lt"/>
+              <a:buAutoNum type="arabicPeriod"/>
+            </a:pPr>
+            <a:r>
+              <a:rPr lang="en-US" dirty="0" err="1"/>
+              <a:t>ngOnInit</a:t>
+            </a:r>
+            <a:r>
+              <a:rPr lang="en-US" dirty="0" smtClean="0"/>
+              <a:t>()</a:t>
+            </a:r>
+          </a:p>
+          <a:p>
+            <a:pPr lvl="1">
+              <a:buFont typeface="+mj-lt"/>
+              <a:buAutoNum type="arabicPeriod"/>
+            </a:pPr>
+            <a:r>
+              <a:rPr lang="en-US" dirty="0" err="1"/>
+              <a:t>ngDoCheck</a:t>
+            </a:r>
+            <a:r>
+              <a:rPr lang="en-US" dirty="0" smtClean="0"/>
+              <a:t>()</a:t>
+            </a:r>
+          </a:p>
+          <a:p>
+            <a:pPr lvl="1">
+              <a:buFont typeface="+mj-lt"/>
+              <a:buAutoNum type="arabicPeriod"/>
+            </a:pPr>
+            <a:r>
+              <a:rPr lang="en-US" dirty="0" err="1"/>
+              <a:t>ngAfterContentInit</a:t>
+            </a:r>
+            <a:r>
+              <a:rPr lang="en-US" dirty="0" smtClean="0"/>
+              <a:t>()</a:t>
+            </a:r>
+          </a:p>
+          <a:p>
+            <a:pPr lvl="1">
+              <a:buFont typeface="+mj-lt"/>
+              <a:buAutoNum type="arabicPeriod"/>
+            </a:pPr>
+            <a:r>
+              <a:rPr lang="en-US" dirty="0" err="1"/>
+              <a:t>ngAfterContentChecked</a:t>
+            </a:r>
+            <a:r>
+              <a:rPr lang="en-US" dirty="0"/>
+              <a:t>()</a:t>
+            </a:r>
+            <a:endParaRPr lang="en-US" dirty="0" smtClean="0"/>
+          </a:p>
+          <a:p>
+            <a:pPr lvl="1">
+              <a:buFont typeface="+mj-lt"/>
+              <a:buAutoNum type="arabicPeriod"/>
+            </a:pPr>
+            <a:r>
+              <a:rPr lang="en-US" dirty="0" err="1"/>
+              <a:t>ngAfterViewInit</a:t>
+            </a:r>
+            <a:r>
+              <a:rPr lang="en-US" dirty="0" smtClean="0"/>
+              <a:t>() </a:t>
+            </a:r>
+          </a:p>
+          <a:p>
+            <a:pPr lvl="1">
+              <a:buFont typeface="+mj-lt"/>
+              <a:buAutoNum type="arabicPeriod"/>
+            </a:pPr>
+            <a:r>
+              <a:rPr lang="en-US" dirty="0" err="1"/>
+              <a:t>ngAfterViewChecked</a:t>
+            </a:r>
+            <a:r>
+              <a:rPr lang="en-US" dirty="0" smtClean="0"/>
+              <a:t>()</a:t>
+            </a:r>
+          </a:p>
+          <a:p>
+            <a:pPr lvl="1">
+              <a:buFont typeface="+mj-lt"/>
+              <a:buAutoNum type="arabicPeriod"/>
+            </a:pPr>
+            <a:r>
+              <a:rPr lang="en-US" dirty="0" err="1"/>
+              <a:t>ngOnDestroy</a:t>
+            </a:r>
+            <a:r>
+              <a:rPr lang="en-US" dirty="0"/>
+              <a:t>()</a:t>
+            </a:r>
+            <a:endParaRPr lang="en-US" dirty="0" smtClean="0"/>
+          </a:p>
+          <a:p>
+            <a:pPr lvl="1">
+              <a:buFont typeface="+mj-lt"/>
+              <a:buAutoNum type="arabicPeriod"/>
+            </a:pPr>
+            <a:endParaRPr lang="en-US" dirty="0"/>
+          </a:p>
+        </p:txBody>
+      </p:sp>
+      <p:sp>
+        <p:nvSpPr>
+          <p:cNvPr id="4" name="Content Placeholder 2"/>
+          <p:cNvSpPr txBox="1">
+            <a:spLocks/>
+          </p:cNvSpPr>
+          <p:nvPr/>
+        </p:nvSpPr>
+        <p:spPr>
+          <a:xfrm>
+            <a:off x="5803900" y="2260599"/>
+            <a:ext cx="5372100" cy="2809875"/>
+          </a:xfrm>
+          <a:prstGeom prst="rect">
+            <a:avLst/>
+          </a:prstGeom>
+        </p:spPr>
+        <p:txBody>
+          <a:bodyPr vert="horz" lIns="91440" tIns="45720" rIns="91440" bIns="45720" rtlCol="0">
+            <a:normAutofit/>
+          </a:bodyPr>
+          <a:lstStyle>
+            <a:lvl1pPr marL="342900" indent="-342900" algn="l" defTabSz="457200" rtl="0" eaLnBrk="1" latinLnBrk="0" hangingPunct="1">
+              <a:spcBef>
+                <a:spcPts val="1000"/>
+              </a:spcBef>
+              <a:spcAft>
+                <a:spcPts val="0"/>
+              </a:spcAft>
+              <a:buClr>
+                <a:schemeClr val="accent1"/>
+              </a:buClr>
+              <a:buSzPct val="80000"/>
+              <a:buFont typeface="Wingdings 3" charset="2"/>
+              <a:buChar char=""/>
+              <a:defRPr sz="1800" b="0" i="0" kern="1200">
+                <a:solidFill>
+                  <a:schemeClr val="tx1">
+                    <a:lumMod val="75000"/>
+                    <a:lumOff val="25000"/>
+                  </a:schemeClr>
+                </a:solidFill>
+                <a:latin typeface="+mn-lt"/>
+                <a:ea typeface="+mn-ea"/>
+                <a:cs typeface="+mn-cs"/>
+              </a:defRPr>
+            </a:lvl1pPr>
+            <a:lvl2pPr marL="742950" indent="-285750" algn="l" defTabSz="457200" rtl="0" eaLnBrk="1" latinLnBrk="0" hangingPunct="1">
+              <a:spcBef>
+                <a:spcPts val="1000"/>
+              </a:spcBef>
+              <a:spcAft>
+                <a:spcPts val="0"/>
+              </a:spcAft>
+              <a:buClr>
+                <a:schemeClr val="accent1"/>
+              </a:buClr>
+              <a:buSzPct val="80000"/>
+              <a:buFont typeface="Wingdings 3" charset="2"/>
+              <a:buChar char=""/>
+              <a:defRPr sz="1600" b="0" i="0" kern="1200">
+                <a:solidFill>
+                  <a:schemeClr val="tx1">
+                    <a:lumMod val="75000"/>
+                    <a:lumOff val="25000"/>
+                  </a:schemeClr>
+                </a:solidFill>
+                <a:latin typeface="+mn-lt"/>
+                <a:ea typeface="+mn-ea"/>
+                <a:cs typeface="+mn-cs"/>
+              </a:defRPr>
+            </a:lvl2pPr>
+            <a:lvl3pPr marL="1143000" indent="-228600" algn="l" defTabSz="457200" rtl="0" eaLnBrk="1" latinLnBrk="0" hangingPunct="1">
+              <a:spcBef>
+                <a:spcPts val="1000"/>
+              </a:spcBef>
+              <a:spcAft>
+                <a:spcPts val="0"/>
+              </a:spcAft>
+              <a:buClr>
+                <a:schemeClr val="accent1"/>
+              </a:buClr>
+              <a:buSzPct val="80000"/>
+              <a:buFont typeface="Wingdings 3" charset="2"/>
+              <a:buChar char=""/>
+              <a:defRPr sz="1400" b="0" i="0" kern="1200">
+                <a:solidFill>
+                  <a:schemeClr val="tx1">
+                    <a:lumMod val="75000"/>
+                    <a:lumOff val="25000"/>
+                  </a:schemeClr>
+                </a:solidFill>
+                <a:latin typeface="+mn-lt"/>
+                <a:ea typeface="+mn-ea"/>
+                <a:cs typeface="+mn-cs"/>
+              </a:defRPr>
+            </a:lvl3pPr>
+            <a:lvl4pPr marL="1600200" indent="-228600" algn="l" defTabSz="457200" rtl="0" eaLnBrk="1" latinLnBrk="0" hangingPunct="1">
+              <a:spcBef>
+                <a:spcPts val="1000"/>
+              </a:spcBef>
+              <a:spcAft>
+                <a:spcPts val="0"/>
+              </a:spcAft>
+              <a:buClr>
+                <a:schemeClr val="accent1"/>
+              </a:buClr>
+              <a:buSzPct val="80000"/>
+              <a:buFont typeface="Wingdings 3" charset="2"/>
+              <a:buChar char=""/>
+              <a:defRPr sz="1200" b="0" i="0" kern="1200">
+                <a:solidFill>
+                  <a:schemeClr val="tx1">
+                    <a:lumMod val="75000"/>
+                    <a:lumOff val="25000"/>
+                  </a:schemeClr>
+                </a:solidFill>
+                <a:latin typeface="+mn-lt"/>
+                <a:ea typeface="+mn-ea"/>
+                <a:cs typeface="+mn-cs"/>
+              </a:defRPr>
+            </a:lvl4pPr>
+            <a:lvl5pPr marL="2057400" indent="-228600" algn="l" defTabSz="457200" rtl="0" eaLnBrk="1" latinLnBrk="0" hangingPunct="1">
+              <a:spcBef>
+                <a:spcPts val="1000"/>
+              </a:spcBef>
+              <a:spcAft>
+                <a:spcPts val="0"/>
+              </a:spcAft>
+              <a:buClr>
+                <a:schemeClr val="accent1"/>
+              </a:buClr>
+              <a:buSzPct val="80000"/>
+              <a:buFont typeface="Wingdings 3" charset="2"/>
+              <a:buChar char=""/>
+              <a:defRPr sz="1200" b="0" i="0" kern="1200">
+                <a:solidFill>
+                  <a:schemeClr val="tx1">
+                    <a:lumMod val="75000"/>
+                    <a:lumOff val="25000"/>
+                  </a:schemeClr>
+                </a:solidFill>
+                <a:latin typeface="+mn-lt"/>
+                <a:ea typeface="+mn-ea"/>
+                <a:cs typeface="+mn-cs"/>
+              </a:defRPr>
+            </a:lvl5pPr>
+            <a:lvl6pPr marL="2514600" indent="-228600" algn="l" defTabSz="457200" rtl="0" eaLnBrk="1" latinLnBrk="0" hangingPunct="1">
+              <a:spcBef>
+                <a:spcPts val="1000"/>
+              </a:spcBef>
+              <a:spcAft>
+                <a:spcPts val="0"/>
+              </a:spcAft>
+              <a:buClr>
+                <a:schemeClr val="accent1"/>
+              </a:buClr>
+              <a:buSzPct val="80000"/>
+              <a:buFont typeface="Wingdings 3" charset="2"/>
+              <a:buChar char=""/>
+              <a:defRPr sz="1200" b="0" i="0" kern="1200">
+                <a:solidFill>
+                  <a:schemeClr val="tx1">
+                    <a:lumMod val="75000"/>
+                    <a:lumOff val="25000"/>
+                  </a:schemeClr>
+                </a:solidFill>
+                <a:latin typeface="+mn-lt"/>
+                <a:ea typeface="+mn-ea"/>
+                <a:cs typeface="+mn-cs"/>
+              </a:defRPr>
+            </a:lvl6pPr>
+            <a:lvl7pPr marL="2971800" indent="-228600" algn="l" defTabSz="457200" rtl="0" eaLnBrk="1" latinLnBrk="0" hangingPunct="1">
+              <a:spcBef>
+                <a:spcPts val="1000"/>
+              </a:spcBef>
+              <a:spcAft>
+                <a:spcPts val="0"/>
+              </a:spcAft>
+              <a:buClr>
+                <a:schemeClr val="accent1"/>
+              </a:buClr>
+              <a:buSzPct val="80000"/>
+              <a:buFont typeface="Wingdings 3" charset="2"/>
+              <a:buChar char=""/>
+              <a:defRPr sz="1200" b="0" i="0" kern="1200">
+                <a:solidFill>
+                  <a:schemeClr val="tx1">
+                    <a:lumMod val="75000"/>
+                    <a:lumOff val="25000"/>
+                  </a:schemeClr>
+                </a:solidFill>
+                <a:latin typeface="+mn-lt"/>
+                <a:ea typeface="+mn-ea"/>
+                <a:cs typeface="+mn-cs"/>
+              </a:defRPr>
+            </a:lvl7pPr>
+            <a:lvl8pPr marL="3429000" indent="-228600" algn="l" defTabSz="457200" rtl="0" eaLnBrk="1" latinLnBrk="0" hangingPunct="1">
+              <a:spcBef>
+                <a:spcPts val="1000"/>
+              </a:spcBef>
+              <a:spcAft>
+                <a:spcPts val="0"/>
+              </a:spcAft>
+              <a:buClr>
+                <a:schemeClr val="accent1"/>
+              </a:buClr>
+              <a:buSzPct val="80000"/>
+              <a:buFont typeface="Wingdings 3" charset="2"/>
+              <a:buChar char=""/>
+              <a:defRPr sz="1200" b="0" i="0" kern="1200">
+                <a:solidFill>
+                  <a:schemeClr val="tx1">
+                    <a:lumMod val="75000"/>
+                    <a:lumOff val="25000"/>
+                  </a:schemeClr>
+                </a:solidFill>
+                <a:latin typeface="+mn-lt"/>
+                <a:ea typeface="+mn-ea"/>
+                <a:cs typeface="+mn-cs"/>
+              </a:defRPr>
+            </a:lvl8pPr>
+            <a:lvl9pPr marL="3886200" indent="-228600" algn="l" defTabSz="457200" rtl="0" eaLnBrk="1" latinLnBrk="0" hangingPunct="1">
+              <a:spcBef>
+                <a:spcPts val="1000"/>
+              </a:spcBef>
+              <a:spcAft>
+                <a:spcPts val="0"/>
+              </a:spcAft>
+              <a:buClr>
+                <a:schemeClr val="accent1"/>
+              </a:buClr>
+              <a:buSzPct val="80000"/>
+              <a:buFont typeface="Wingdings 3" charset="2"/>
+              <a:buChar char=""/>
+              <a:defRPr sz="1200" b="0" i="0" kern="1200">
+                <a:solidFill>
+                  <a:schemeClr val="tx1">
+                    <a:lumMod val="75000"/>
+                    <a:lumOff val="25000"/>
+                  </a:schemeClr>
+                </a:solidFill>
+                <a:latin typeface="+mn-lt"/>
+                <a:ea typeface="+mn-ea"/>
+                <a:cs typeface="+mn-cs"/>
+              </a:defRPr>
+            </a:lvl9pPr>
+          </a:lstStyle>
+          <a:p>
+            <a:pPr lvl="1">
+              <a:buFont typeface="+mj-lt"/>
+              <a:buAutoNum type="arabicPeriod"/>
+            </a:pPr>
+            <a:endParaRPr lang="en-US" dirty="0"/>
+          </a:p>
+        </p:txBody>
+      </p:sp>
+    </p:spTree>
+    <p:extLst>
+      <p:ext uri="{BB962C8B-B14F-4D97-AF65-F5344CB8AC3E}">
+        <p14:creationId xmlns:p14="http://schemas.microsoft.com/office/powerpoint/2010/main" val="429869138"/>
+      </p:ext>
+    </p:extLst>
+  </p:cSld>
+  <p:clrMapOvr>
+    <a:masterClrMapping/>
+  </p:clrMapOvr>
+</p:sld>
+</file>
+
+<file path=ppt/slides/slide32.xml><?xml version="1.0" encoding="utf-8"?>
+<p:sld xmlns:a="http://schemas.openxmlformats.org/drawingml/2006/main" xmlns:r="http://schemas.openxmlformats.org/officeDocument/2006/relationships" xmlns:p="http://schemas.openxmlformats.org/presentationml/2006/main">
+  <p:cSld>
+    <p:spTree>
+      <p:nvGrpSpPr>
+        <p:cNvPr id="1" name=""/>
+        <p:cNvGrpSpPr/>
+        <p:nvPr/>
+      </p:nvGrpSpPr>
+      <p:grpSpPr>
+        <a:xfrm>
+          <a:off x="0" y="0"/>
+          <a:ext cx="0" cy="0"/>
+          <a:chOff x="0" y="0"/>
+          <a:chExt cx="0" cy="0"/>
+        </a:xfrm>
+      </p:grpSpPr>
+      <p:sp>
+        <p:nvSpPr>
+          <p:cNvPr id="2" name="Title 1"/>
+          <p:cNvSpPr>
+            <a:spLocks noGrp="1"/>
+          </p:cNvSpPr>
+          <p:nvPr>
+            <p:ph type="title"/>
+          </p:nvPr>
+        </p:nvSpPr>
+        <p:spPr/>
+        <p:txBody>
+          <a:bodyPr/>
+          <a:lstStyle/>
+          <a:p>
+            <a:r>
+              <a:rPr lang="en-US" dirty="0" err="1"/>
+              <a:t>ngOnChanges</a:t>
+            </a:r>
+            <a:r>
+              <a:rPr lang="en-US" dirty="0"/>
+              <a:t>()</a:t>
+            </a:r>
+          </a:p>
+        </p:txBody>
+      </p:sp>
+      <p:sp>
+        <p:nvSpPr>
+          <p:cNvPr id="3" name="Content Placeholder 2"/>
+          <p:cNvSpPr>
+            <a:spLocks noGrp="1"/>
+          </p:cNvSpPr>
+          <p:nvPr>
+            <p:ph idx="1"/>
+          </p:nvPr>
+        </p:nvSpPr>
+        <p:spPr/>
+        <p:txBody>
+          <a:bodyPr/>
+          <a:lstStyle/>
+          <a:p>
+            <a:r>
+              <a:rPr lang="en-US" dirty="0" smtClean="0"/>
+              <a:t>Purpose:</a:t>
+            </a:r>
+          </a:p>
+          <a:p>
+            <a:pPr lvl="1"/>
+            <a:r>
+              <a:rPr lang="en-US" dirty="0" smtClean="0"/>
+              <a:t>Respond when Angular </a:t>
+            </a:r>
+            <a:r>
+              <a:rPr lang="en-US" dirty="0"/>
+              <a:t>sets or resets data-bound input properties</a:t>
+            </a:r>
+            <a:r>
+              <a:rPr lang="en-US" dirty="0" smtClean="0"/>
+              <a:t>.</a:t>
+            </a:r>
+          </a:p>
+          <a:p>
+            <a:pPr lvl="1"/>
+            <a:r>
+              <a:rPr lang="en-US" dirty="0" smtClean="0"/>
+              <a:t>Tracks current and Previous values.</a:t>
+            </a:r>
+          </a:p>
+          <a:p>
+            <a:pPr lvl="1"/>
+            <a:r>
+              <a:rPr lang="en-US" dirty="0" smtClean="0"/>
+              <a:t>Only tracks @Input property values.</a:t>
+            </a:r>
+          </a:p>
+          <a:p>
+            <a:r>
+              <a:rPr lang="en-US" dirty="0" smtClean="0"/>
+              <a:t>Timing:</a:t>
+            </a:r>
+          </a:p>
+          <a:p>
+            <a:pPr lvl="1"/>
+            <a:r>
+              <a:rPr lang="en-US" dirty="0" smtClean="0"/>
+              <a:t>Called </a:t>
+            </a:r>
+            <a:r>
+              <a:rPr lang="en-US" dirty="0"/>
+              <a:t>before </a:t>
+            </a:r>
+            <a:r>
+              <a:rPr lang="en-US" dirty="0" err="1"/>
+              <a:t>ngOnInit</a:t>
+            </a:r>
+            <a:r>
+              <a:rPr lang="en-US" dirty="0"/>
+              <a:t>() and whenever one or more data-bound input properties change.</a:t>
+            </a:r>
+            <a:endParaRPr lang="en-US" dirty="0" smtClean="0"/>
+          </a:p>
+          <a:p>
+            <a:r>
+              <a:rPr lang="en-US" dirty="0" smtClean="0"/>
+              <a:t>Limitations:</a:t>
+            </a:r>
+          </a:p>
+          <a:p>
+            <a:pPr lvl="1"/>
+            <a:r>
+              <a:rPr lang="en-US" dirty="0" smtClean="0"/>
+              <a:t>Fails to detect changes user Object types.</a:t>
+            </a:r>
+            <a:endParaRPr lang="en-US" dirty="0"/>
+          </a:p>
+        </p:txBody>
+      </p:sp>
+    </p:spTree>
+    <p:extLst>
+      <p:ext uri="{BB962C8B-B14F-4D97-AF65-F5344CB8AC3E}">
+        <p14:creationId xmlns:p14="http://schemas.microsoft.com/office/powerpoint/2010/main" val="2385304559"/>
+      </p:ext>
+    </p:extLst>
+  </p:cSld>
+  <p:clrMapOvr>
+    <a:masterClrMapping/>
+  </p:clrMapOvr>
+</p:sld>
+</file>
+
+<file path=ppt/slides/slide33.xml><?xml version="1.0" encoding="utf-8"?>
+<p:sld xmlns:a="http://schemas.openxmlformats.org/drawingml/2006/main" xmlns:r="http://schemas.openxmlformats.org/officeDocument/2006/relationships" xmlns:p="http://schemas.openxmlformats.org/presentationml/2006/main">
+  <p:cSld>
+    <p:spTree>
+      <p:nvGrpSpPr>
+        <p:cNvPr id="1" name=""/>
+        <p:cNvGrpSpPr/>
+        <p:nvPr/>
+      </p:nvGrpSpPr>
+      <p:grpSpPr>
+        <a:xfrm>
+          <a:off x="0" y="0"/>
+          <a:ext cx="0" cy="0"/>
+          <a:chOff x="0" y="0"/>
+          <a:chExt cx="0" cy="0"/>
+        </a:xfrm>
+      </p:grpSpPr>
+      <p:sp>
+        <p:nvSpPr>
+          <p:cNvPr id="2" name="Title 1"/>
+          <p:cNvSpPr>
+            <a:spLocks noGrp="1"/>
+          </p:cNvSpPr>
+          <p:nvPr>
+            <p:ph type="title"/>
+          </p:nvPr>
+        </p:nvSpPr>
+        <p:spPr/>
+        <p:txBody>
+          <a:bodyPr/>
+          <a:lstStyle/>
+          <a:p>
+            <a:r>
+              <a:rPr lang="en-US" dirty="0" err="1"/>
+              <a:t>ngOnInit</a:t>
+            </a:r>
+            <a:r>
+              <a:rPr lang="en-US" dirty="0"/>
+              <a:t>()</a:t>
+            </a:r>
+          </a:p>
+        </p:txBody>
+      </p:sp>
+      <p:sp>
+        <p:nvSpPr>
+          <p:cNvPr id="3" name="Content Placeholder 2"/>
+          <p:cNvSpPr>
+            <a:spLocks noGrp="1"/>
+          </p:cNvSpPr>
+          <p:nvPr>
+            <p:ph idx="1"/>
+          </p:nvPr>
+        </p:nvSpPr>
+        <p:spPr/>
+        <p:txBody>
+          <a:bodyPr/>
+          <a:lstStyle/>
+          <a:p>
+            <a:r>
+              <a:rPr lang="en-US" dirty="0"/>
+              <a:t>Purpose:</a:t>
+            </a:r>
+          </a:p>
+          <a:p>
+            <a:pPr lvl="1"/>
+            <a:r>
+              <a:rPr lang="en-US" dirty="0"/>
+              <a:t>Initialize the directive or component after Angular first displays the data-bound properties.</a:t>
+            </a:r>
+          </a:p>
+          <a:p>
+            <a:pPr lvl="1"/>
+            <a:r>
+              <a:rPr lang="en-US" dirty="0" smtClean="0"/>
+              <a:t>Sets </a:t>
+            </a:r>
+            <a:r>
+              <a:rPr lang="en-US" dirty="0"/>
+              <a:t>the directive or component's input properties</a:t>
+            </a:r>
+            <a:r>
+              <a:rPr lang="en-US" dirty="0" smtClean="0"/>
+              <a:t>.</a:t>
+            </a:r>
+          </a:p>
+          <a:p>
+            <a:r>
+              <a:rPr lang="en-US" dirty="0" smtClean="0"/>
+              <a:t> Timing:</a:t>
+            </a:r>
+          </a:p>
+          <a:p>
+            <a:pPr lvl="1"/>
+            <a:r>
+              <a:rPr lang="en-US" dirty="0" smtClean="0"/>
+              <a:t>Called </a:t>
+            </a:r>
+            <a:r>
+              <a:rPr lang="en-US" dirty="0"/>
+              <a:t>once, after the first </a:t>
+            </a:r>
+            <a:r>
+              <a:rPr lang="en-US" dirty="0" err="1"/>
+              <a:t>ngOnChanges</a:t>
+            </a:r>
+            <a:r>
+              <a:rPr lang="en-US" dirty="0" smtClean="0"/>
+              <a:t>().</a:t>
+            </a:r>
+            <a:endParaRPr lang="en-US" dirty="0"/>
+          </a:p>
+          <a:p>
+            <a:r>
+              <a:rPr lang="en-US" dirty="0"/>
+              <a:t>Limitations:</a:t>
+            </a:r>
+          </a:p>
+          <a:p>
+            <a:pPr lvl="1"/>
+            <a:r>
+              <a:rPr lang="en-US" dirty="0" smtClean="0"/>
+              <a:t>A directive’s input properties are not set until constructor().</a:t>
+            </a:r>
+            <a:endParaRPr lang="en-US" dirty="0"/>
+          </a:p>
+          <a:p>
+            <a:endParaRPr lang="en-US" dirty="0"/>
+          </a:p>
+        </p:txBody>
+      </p:sp>
+    </p:spTree>
+    <p:extLst>
+      <p:ext uri="{BB962C8B-B14F-4D97-AF65-F5344CB8AC3E}">
+        <p14:creationId xmlns:p14="http://schemas.microsoft.com/office/powerpoint/2010/main" val="2276526635"/>
+      </p:ext>
+    </p:extLst>
+  </p:cSld>
+  <p:clrMapOvr>
+    <a:masterClrMapping/>
+  </p:clrMapOvr>
+</p:sld>
+</file>
+
+<file path=ppt/slides/slide34.xml><?xml version="1.0" encoding="utf-8"?>
+<p:sld xmlns:a="http://schemas.openxmlformats.org/drawingml/2006/main" xmlns:r="http://schemas.openxmlformats.org/officeDocument/2006/relationships" xmlns:p="http://schemas.openxmlformats.org/presentationml/2006/main">
+  <p:cSld>
+    <p:spTree>
+      <p:nvGrpSpPr>
+        <p:cNvPr id="1" name=""/>
+        <p:cNvGrpSpPr/>
+        <p:nvPr/>
+      </p:nvGrpSpPr>
+      <p:grpSpPr>
+        <a:xfrm>
+          <a:off x="0" y="0"/>
+          <a:ext cx="0" cy="0"/>
+          <a:chOff x="0" y="0"/>
+          <a:chExt cx="0" cy="0"/>
+        </a:xfrm>
+      </p:grpSpPr>
+      <p:sp>
+        <p:nvSpPr>
+          <p:cNvPr id="2" name="Title 1"/>
+          <p:cNvSpPr>
+            <a:spLocks noGrp="1"/>
+          </p:cNvSpPr>
+          <p:nvPr>
+            <p:ph type="title"/>
+          </p:nvPr>
+        </p:nvSpPr>
+        <p:spPr/>
+        <p:txBody>
+          <a:bodyPr/>
+          <a:lstStyle/>
+          <a:p>
+            <a:r>
+              <a:rPr lang="en-US" dirty="0" err="1"/>
+              <a:t>ngDoCheck</a:t>
+            </a:r>
+            <a:r>
+              <a:rPr lang="en-US" dirty="0"/>
+              <a:t>()</a:t>
+            </a:r>
+          </a:p>
+        </p:txBody>
+      </p:sp>
+      <p:sp>
+        <p:nvSpPr>
+          <p:cNvPr id="3" name="Content Placeholder 2"/>
+          <p:cNvSpPr>
+            <a:spLocks noGrp="1"/>
+          </p:cNvSpPr>
+          <p:nvPr>
+            <p:ph idx="1"/>
+          </p:nvPr>
+        </p:nvSpPr>
+        <p:spPr/>
+        <p:txBody>
+          <a:bodyPr/>
+          <a:lstStyle/>
+          <a:p>
+            <a:r>
+              <a:rPr lang="en-US" dirty="0"/>
+              <a:t>Purpose:</a:t>
+            </a:r>
+          </a:p>
+          <a:p>
+            <a:pPr lvl="1"/>
+            <a:r>
+              <a:rPr lang="en-US" dirty="0"/>
+              <a:t>Detect and act upon changes that Angular can't or won't detect on its own</a:t>
+            </a:r>
+            <a:r>
+              <a:rPr lang="en-US" dirty="0" smtClean="0"/>
+              <a:t>.</a:t>
+            </a:r>
+          </a:p>
+          <a:p>
+            <a:r>
+              <a:rPr lang="en-US" dirty="0" smtClean="0"/>
+              <a:t> </a:t>
+            </a:r>
+            <a:r>
+              <a:rPr lang="en-US" dirty="0"/>
+              <a:t>Timing</a:t>
+            </a:r>
+            <a:r>
+              <a:rPr lang="en-US" dirty="0" smtClean="0"/>
+              <a:t>:</a:t>
+            </a:r>
+          </a:p>
+          <a:p>
+            <a:pPr lvl="1"/>
+            <a:r>
+              <a:rPr lang="en-US" dirty="0"/>
+              <a:t>Called immediately after </a:t>
+            </a:r>
+            <a:r>
+              <a:rPr lang="en-US" dirty="0" err="1"/>
+              <a:t>ngOnChanges</a:t>
+            </a:r>
+            <a:r>
+              <a:rPr lang="en-US" dirty="0"/>
+              <a:t>() on every change detection </a:t>
+            </a:r>
+            <a:r>
+              <a:rPr lang="en-US" dirty="0" smtClean="0"/>
+              <a:t>run.</a:t>
+            </a:r>
+          </a:p>
+          <a:p>
+            <a:pPr lvl="1"/>
+            <a:r>
+              <a:rPr lang="en-US" dirty="0" smtClean="0"/>
+              <a:t>Called immediately </a:t>
+            </a:r>
+            <a:r>
+              <a:rPr lang="en-US" dirty="0"/>
+              <a:t>after </a:t>
+            </a:r>
+            <a:r>
+              <a:rPr lang="en-US" dirty="0" err="1"/>
+              <a:t>ngOnInit</a:t>
+            </a:r>
+            <a:r>
+              <a:rPr lang="en-US" dirty="0"/>
+              <a:t>() on the first run.</a:t>
+            </a:r>
+          </a:p>
+          <a:p>
+            <a:r>
+              <a:rPr lang="en-US" dirty="0" smtClean="0"/>
+              <a:t>Limitations</a:t>
+            </a:r>
+            <a:r>
+              <a:rPr lang="en-US" dirty="0"/>
+              <a:t>:</a:t>
+            </a:r>
+          </a:p>
+          <a:p>
+            <a:pPr lvl="1"/>
+            <a:r>
+              <a:rPr lang="en-US" dirty="0" smtClean="0"/>
+              <a:t>Called with an enormous frequency.</a:t>
+            </a:r>
+          </a:p>
+          <a:p>
+            <a:pPr lvl="1"/>
+            <a:r>
+              <a:rPr lang="en-US" dirty="0" smtClean="0"/>
+              <a:t>Dependency must be very less or the user experience suffers.</a:t>
+            </a:r>
+            <a:endParaRPr lang="en-US" dirty="0"/>
+          </a:p>
+          <a:p>
+            <a:endParaRPr lang="en-US" dirty="0"/>
+          </a:p>
+          <a:p>
+            <a:endParaRPr lang="en-US" dirty="0"/>
+          </a:p>
+        </p:txBody>
+      </p:sp>
+    </p:spTree>
+    <p:extLst>
+      <p:ext uri="{BB962C8B-B14F-4D97-AF65-F5344CB8AC3E}">
+        <p14:creationId xmlns:p14="http://schemas.microsoft.com/office/powerpoint/2010/main" val="3991534330"/>
+      </p:ext>
+    </p:extLst>
+  </p:cSld>
+  <p:clrMapOvr>
+    <a:masterClrMapping/>
+  </p:clrMapOvr>
+</p:sld>
+</file>
+
+<file path=ppt/slides/slide35.xml><?xml version="1.0" encoding="utf-8"?>
+<p:sld xmlns:a="http://schemas.openxmlformats.org/drawingml/2006/main" xmlns:r="http://schemas.openxmlformats.org/officeDocument/2006/relationships" xmlns:p="http://schemas.openxmlformats.org/presentationml/2006/main">
+  <p:cSld>
+    <p:spTree>
+      <p:nvGrpSpPr>
+        <p:cNvPr id="1" name=""/>
+        <p:cNvGrpSpPr/>
+        <p:nvPr/>
+      </p:nvGrpSpPr>
+      <p:grpSpPr>
+        <a:xfrm>
+          <a:off x="0" y="0"/>
+          <a:ext cx="0" cy="0"/>
+          <a:chOff x="0" y="0"/>
+          <a:chExt cx="0" cy="0"/>
+        </a:xfrm>
+      </p:grpSpPr>
+      <p:sp>
+        <p:nvSpPr>
+          <p:cNvPr id="2" name="Title 1"/>
+          <p:cNvSpPr>
+            <a:spLocks noGrp="1"/>
+          </p:cNvSpPr>
+          <p:nvPr>
+            <p:ph type="title"/>
+          </p:nvPr>
+        </p:nvSpPr>
+        <p:spPr/>
+        <p:txBody>
+          <a:bodyPr/>
+          <a:lstStyle/>
+          <a:p>
+            <a:r>
+              <a:rPr lang="en-US" dirty="0" err="1"/>
+              <a:t>ngAfterContentInit</a:t>
+            </a:r>
+            <a:r>
+              <a:rPr lang="en-US" dirty="0"/>
+              <a:t>()</a:t>
+            </a:r>
+          </a:p>
+        </p:txBody>
+      </p:sp>
+      <p:sp>
+        <p:nvSpPr>
+          <p:cNvPr id="3" name="Content Placeholder 2"/>
+          <p:cNvSpPr>
+            <a:spLocks noGrp="1"/>
+          </p:cNvSpPr>
+          <p:nvPr>
+            <p:ph idx="1"/>
+          </p:nvPr>
+        </p:nvSpPr>
+        <p:spPr/>
+        <p:txBody>
+          <a:bodyPr/>
+          <a:lstStyle/>
+          <a:p>
+            <a:r>
+              <a:rPr lang="en-US" dirty="0"/>
+              <a:t>Purpose:</a:t>
+            </a:r>
+          </a:p>
+          <a:p>
+            <a:pPr lvl="1"/>
+            <a:r>
+              <a:rPr lang="en-US" dirty="0"/>
+              <a:t>Respond after Angular projects external content into the component's view, or into the view that a directive is in</a:t>
+            </a:r>
+            <a:r>
+              <a:rPr lang="en-US" dirty="0" smtClean="0"/>
+              <a:t>.</a:t>
+            </a:r>
+          </a:p>
+          <a:p>
+            <a:r>
+              <a:rPr lang="en-US" dirty="0" smtClean="0"/>
+              <a:t> </a:t>
+            </a:r>
+            <a:r>
+              <a:rPr lang="en-US" dirty="0"/>
+              <a:t>Timing:</a:t>
+            </a:r>
+          </a:p>
+          <a:p>
+            <a:pPr lvl="1"/>
+            <a:r>
+              <a:rPr lang="en-US" dirty="0"/>
+              <a:t>Called </a:t>
+            </a:r>
+            <a:r>
+              <a:rPr lang="en-US" i="1" dirty="0"/>
+              <a:t>once</a:t>
+            </a:r>
+            <a:r>
+              <a:rPr lang="en-US" dirty="0"/>
+              <a:t> after the first </a:t>
+            </a:r>
+            <a:r>
+              <a:rPr lang="en-US" dirty="0" err="1"/>
+              <a:t>ngDoCheck</a:t>
+            </a:r>
+            <a:r>
+              <a:rPr lang="en-US" dirty="0"/>
+              <a:t>().</a:t>
+            </a:r>
+          </a:p>
+        </p:txBody>
+      </p:sp>
+    </p:spTree>
+    <p:extLst>
+      <p:ext uri="{BB962C8B-B14F-4D97-AF65-F5344CB8AC3E}">
+        <p14:creationId xmlns:p14="http://schemas.microsoft.com/office/powerpoint/2010/main" val="3015471844"/>
+      </p:ext>
+    </p:extLst>
+  </p:cSld>
+  <p:clrMapOvr>
+    <a:masterClrMapping/>
+  </p:clrMapOvr>
+</p:sld>
+</file>
+
+<file path=ppt/slides/slide36.xml><?xml version="1.0" encoding="utf-8"?>
+<p:sld xmlns:a="http://schemas.openxmlformats.org/drawingml/2006/main" xmlns:r="http://schemas.openxmlformats.org/officeDocument/2006/relationships" xmlns:p="http://schemas.openxmlformats.org/presentationml/2006/main">
+  <p:cSld>
+    <p:spTree>
+      <p:nvGrpSpPr>
+        <p:cNvPr id="1" name=""/>
+        <p:cNvGrpSpPr/>
+        <p:nvPr/>
+      </p:nvGrpSpPr>
+      <p:grpSpPr>
+        <a:xfrm>
+          <a:off x="0" y="0"/>
+          <a:ext cx="0" cy="0"/>
+          <a:chOff x="0" y="0"/>
+          <a:chExt cx="0" cy="0"/>
+        </a:xfrm>
+      </p:grpSpPr>
+      <p:sp>
+        <p:nvSpPr>
+          <p:cNvPr id="2" name="Title 1"/>
+          <p:cNvSpPr>
+            <a:spLocks noGrp="1"/>
+          </p:cNvSpPr>
+          <p:nvPr>
+            <p:ph type="title"/>
+          </p:nvPr>
+        </p:nvSpPr>
+        <p:spPr/>
+        <p:txBody>
+          <a:bodyPr/>
+          <a:lstStyle/>
+          <a:p>
+            <a:r>
+              <a:rPr lang="en-US" dirty="0" err="1"/>
+              <a:t>ngAfterContentChecked</a:t>
+            </a:r>
+            <a:r>
+              <a:rPr lang="en-US" dirty="0"/>
+              <a:t>()</a:t>
+            </a:r>
+            <a:endParaRPr lang="en-US" dirty="0"/>
+          </a:p>
+        </p:txBody>
+      </p:sp>
+      <p:sp>
+        <p:nvSpPr>
+          <p:cNvPr id="3" name="Content Placeholder 2"/>
+          <p:cNvSpPr>
+            <a:spLocks noGrp="1"/>
+          </p:cNvSpPr>
+          <p:nvPr>
+            <p:ph idx="1"/>
+          </p:nvPr>
+        </p:nvSpPr>
+        <p:spPr/>
+        <p:txBody>
+          <a:bodyPr/>
+          <a:lstStyle/>
+          <a:p>
+            <a:r>
+              <a:rPr lang="en-US" dirty="0"/>
+              <a:t>Purpose:</a:t>
+            </a:r>
+          </a:p>
+          <a:p>
+            <a:pPr lvl="1"/>
+            <a:r>
+              <a:rPr lang="en-US" dirty="0" smtClean="0"/>
+              <a:t>Respond </a:t>
+            </a:r>
+            <a:r>
+              <a:rPr lang="en-US" dirty="0"/>
+              <a:t>after Angular checks the content projected into the directive or component.</a:t>
+            </a:r>
+            <a:endParaRPr lang="en-US" dirty="0" smtClean="0"/>
+          </a:p>
+          <a:p>
+            <a:r>
+              <a:rPr lang="en-US" dirty="0" smtClean="0"/>
+              <a:t>Timing</a:t>
+            </a:r>
+            <a:r>
+              <a:rPr lang="en-US" dirty="0"/>
+              <a:t>:</a:t>
+            </a:r>
+          </a:p>
+          <a:p>
+            <a:pPr lvl="1"/>
+            <a:r>
+              <a:rPr lang="en-US" dirty="0" smtClean="0"/>
+              <a:t>Called after </a:t>
+            </a:r>
+            <a:r>
+              <a:rPr lang="en-US" i="1" dirty="0" err="1"/>
+              <a:t>ngAfterContentInit</a:t>
+            </a:r>
+            <a:r>
+              <a:rPr lang="en-US" dirty="0"/>
+              <a:t>() and every subsequent </a:t>
+            </a:r>
+            <a:r>
+              <a:rPr lang="en-US" i="1" dirty="0" err="1"/>
+              <a:t>ngDoCheck</a:t>
+            </a:r>
+            <a:r>
+              <a:rPr lang="en-US" dirty="0"/>
+              <a:t>().</a:t>
+            </a:r>
+          </a:p>
+        </p:txBody>
+      </p:sp>
+    </p:spTree>
+    <p:extLst>
+      <p:ext uri="{BB962C8B-B14F-4D97-AF65-F5344CB8AC3E}">
+        <p14:creationId xmlns:p14="http://schemas.microsoft.com/office/powerpoint/2010/main" val="2883403857"/>
+      </p:ext>
+    </p:extLst>
+  </p:cSld>
+  <p:clrMapOvr>
+    <a:masterClrMapping/>
+  </p:clrMapOvr>
+</p:sld>
+</file>
+
+<file path=ppt/slides/slide37.xml><?xml version="1.0" encoding="utf-8"?>
+<p:sld xmlns:a="http://schemas.openxmlformats.org/drawingml/2006/main" xmlns:r="http://schemas.openxmlformats.org/officeDocument/2006/relationships" xmlns:p="http://schemas.openxmlformats.org/presentationml/2006/main">
+  <p:cSld>
+    <p:spTree>
+      <p:nvGrpSpPr>
+        <p:cNvPr id="1" name=""/>
+        <p:cNvGrpSpPr/>
+        <p:nvPr/>
+      </p:nvGrpSpPr>
+      <p:grpSpPr>
+        <a:xfrm>
+          <a:off x="0" y="0"/>
+          <a:ext cx="0" cy="0"/>
+          <a:chOff x="0" y="0"/>
+          <a:chExt cx="0" cy="0"/>
+        </a:xfrm>
+      </p:grpSpPr>
+      <p:sp>
+        <p:nvSpPr>
+          <p:cNvPr id="2" name="Title 1"/>
+          <p:cNvSpPr>
+            <a:spLocks noGrp="1"/>
+          </p:cNvSpPr>
+          <p:nvPr>
+            <p:ph type="title"/>
+          </p:nvPr>
+        </p:nvSpPr>
+        <p:spPr/>
+        <p:txBody>
+          <a:bodyPr/>
+          <a:lstStyle/>
+          <a:p>
+            <a:r>
+              <a:rPr lang="en-US" dirty="0" err="1"/>
+              <a:t>ngAfterViewInit</a:t>
+            </a:r>
+            <a:r>
+              <a:rPr lang="en-US" dirty="0"/>
+              <a:t>()</a:t>
+            </a:r>
+          </a:p>
+        </p:txBody>
+      </p:sp>
+      <p:sp>
+        <p:nvSpPr>
+          <p:cNvPr id="3" name="Content Placeholder 2"/>
+          <p:cNvSpPr>
+            <a:spLocks noGrp="1"/>
+          </p:cNvSpPr>
+          <p:nvPr>
+            <p:ph idx="1"/>
+          </p:nvPr>
+        </p:nvSpPr>
+        <p:spPr/>
+        <p:txBody>
+          <a:bodyPr/>
+          <a:lstStyle/>
+          <a:p>
+            <a:r>
+              <a:rPr lang="en-US" dirty="0"/>
+              <a:t>Purpose:</a:t>
+            </a:r>
+          </a:p>
+          <a:p>
+            <a:pPr lvl="1"/>
+            <a:r>
+              <a:rPr lang="en-US" dirty="0" smtClean="0"/>
+              <a:t>Respond </a:t>
+            </a:r>
+            <a:r>
+              <a:rPr lang="en-US" dirty="0"/>
+              <a:t>after Angular initializes the component's views and child views, or the view that contains the directive</a:t>
+            </a:r>
+            <a:r>
+              <a:rPr lang="en-US" dirty="0" smtClean="0"/>
+              <a:t>.</a:t>
+            </a:r>
+          </a:p>
+          <a:p>
+            <a:r>
+              <a:rPr lang="en-US" dirty="0" smtClean="0"/>
+              <a:t>Timing:</a:t>
+            </a:r>
+          </a:p>
+          <a:p>
+            <a:pPr lvl="1"/>
+            <a:r>
+              <a:rPr lang="en-US" dirty="0"/>
+              <a:t>Called once after the first </a:t>
+            </a:r>
+            <a:r>
+              <a:rPr lang="en-US" dirty="0" err="1"/>
+              <a:t>ngAfterContentChecked</a:t>
+            </a:r>
+            <a:r>
+              <a:rPr lang="en-US" dirty="0"/>
+              <a:t>().</a:t>
+            </a:r>
+          </a:p>
+        </p:txBody>
+      </p:sp>
+    </p:spTree>
+    <p:extLst>
+      <p:ext uri="{BB962C8B-B14F-4D97-AF65-F5344CB8AC3E}">
+        <p14:creationId xmlns:p14="http://schemas.microsoft.com/office/powerpoint/2010/main" val="3134480240"/>
+      </p:ext>
+    </p:extLst>
+  </p:cSld>
+  <p:clrMapOvr>
+    <a:masterClrMapping/>
+  </p:clrMapOvr>
+</p:sld>
+</file>
+
+<file path=ppt/slides/slide38.xml><?xml version="1.0" encoding="utf-8"?>
+<p:sld xmlns:a="http://schemas.openxmlformats.org/drawingml/2006/main" xmlns:r="http://schemas.openxmlformats.org/officeDocument/2006/relationships" xmlns:p="http://schemas.openxmlformats.org/presentationml/2006/main">
+  <p:cSld>
+    <p:spTree>
+      <p:nvGrpSpPr>
+        <p:cNvPr id="1" name=""/>
+        <p:cNvGrpSpPr/>
+        <p:nvPr/>
+      </p:nvGrpSpPr>
+      <p:grpSpPr>
+        <a:xfrm>
+          <a:off x="0" y="0"/>
+          <a:ext cx="0" cy="0"/>
+          <a:chOff x="0" y="0"/>
+          <a:chExt cx="0" cy="0"/>
+        </a:xfrm>
+      </p:grpSpPr>
+      <p:sp>
+        <p:nvSpPr>
+          <p:cNvPr id="2" name="Title 1"/>
+          <p:cNvSpPr>
+            <a:spLocks noGrp="1"/>
+          </p:cNvSpPr>
+          <p:nvPr>
+            <p:ph type="title"/>
+          </p:nvPr>
+        </p:nvSpPr>
+        <p:spPr/>
+        <p:txBody>
+          <a:bodyPr/>
+          <a:lstStyle/>
+          <a:p>
+            <a:r>
+              <a:rPr lang="en-US" dirty="0" err="1"/>
+              <a:t>ngAfterViewChecked</a:t>
+            </a:r>
+            <a:r>
+              <a:rPr lang="en-US" dirty="0"/>
+              <a:t>()</a:t>
+            </a:r>
+          </a:p>
+        </p:txBody>
+      </p:sp>
+      <p:sp>
+        <p:nvSpPr>
+          <p:cNvPr id="3" name="Content Placeholder 2"/>
+          <p:cNvSpPr>
+            <a:spLocks noGrp="1"/>
+          </p:cNvSpPr>
+          <p:nvPr>
+            <p:ph idx="1"/>
+          </p:nvPr>
+        </p:nvSpPr>
+        <p:spPr/>
+        <p:txBody>
+          <a:bodyPr/>
+          <a:lstStyle/>
+          <a:p>
+            <a:r>
+              <a:rPr lang="en-US" dirty="0"/>
+              <a:t>Purpose:</a:t>
+            </a:r>
+          </a:p>
+          <a:p>
+            <a:pPr lvl="1"/>
+            <a:r>
+              <a:rPr lang="en-US" dirty="0" smtClean="0"/>
+              <a:t>Respond </a:t>
+            </a:r>
+            <a:r>
+              <a:rPr lang="en-US" dirty="0"/>
+              <a:t>after Angular checks the component's views and child views, or the view that contains the directive</a:t>
+            </a:r>
+            <a:r>
+              <a:rPr lang="en-US" dirty="0" smtClean="0"/>
+              <a:t>.</a:t>
+            </a:r>
+          </a:p>
+          <a:p>
+            <a:r>
+              <a:rPr lang="en-US" dirty="0" smtClean="0"/>
+              <a:t>Timing:</a:t>
+            </a:r>
+          </a:p>
+          <a:p>
+            <a:pPr lvl="1"/>
+            <a:r>
+              <a:rPr lang="en-US" dirty="0" smtClean="0"/>
+              <a:t>Called </a:t>
+            </a:r>
+            <a:r>
+              <a:rPr lang="en-US" dirty="0"/>
+              <a:t>after the </a:t>
+            </a:r>
+            <a:r>
+              <a:rPr lang="en-US" dirty="0" err="1"/>
+              <a:t>ngAfterViewInit</a:t>
+            </a:r>
+            <a:r>
+              <a:rPr lang="en-US" dirty="0"/>
+              <a:t>() and every subsequent </a:t>
+            </a:r>
+            <a:r>
+              <a:rPr lang="en-US" dirty="0" err="1"/>
+              <a:t>ngAfterContentChecked</a:t>
+            </a:r>
+            <a:r>
+              <a:rPr lang="en-US" dirty="0"/>
+              <a:t>().</a:t>
+            </a:r>
+          </a:p>
+        </p:txBody>
+      </p:sp>
+    </p:spTree>
+    <p:extLst>
+      <p:ext uri="{BB962C8B-B14F-4D97-AF65-F5344CB8AC3E}">
+        <p14:creationId xmlns:p14="http://schemas.microsoft.com/office/powerpoint/2010/main" val="652613318"/>
+      </p:ext>
+    </p:extLst>
+  </p:cSld>
+  <p:clrMapOvr>
+    <a:masterClrMapping/>
+  </p:clrMapOvr>
+</p:sld>
+</file>
+
+<file path=ppt/slides/slide39.xml><?xml version="1.0" encoding="utf-8"?>
+<p:sld xmlns:a="http://schemas.openxmlformats.org/drawingml/2006/main" xmlns:r="http://schemas.openxmlformats.org/officeDocument/2006/relationships" xmlns:p="http://schemas.openxmlformats.org/presentationml/2006/main">
+  <p:cSld>
+    <p:spTree>
+      <p:nvGrpSpPr>
+        <p:cNvPr id="1" name=""/>
+        <p:cNvGrpSpPr/>
+        <p:nvPr/>
+      </p:nvGrpSpPr>
+      <p:grpSpPr>
+        <a:xfrm>
+          <a:off x="0" y="0"/>
+          <a:ext cx="0" cy="0"/>
+          <a:chOff x="0" y="0"/>
+          <a:chExt cx="0" cy="0"/>
+        </a:xfrm>
+      </p:grpSpPr>
+      <p:sp>
+        <p:nvSpPr>
+          <p:cNvPr id="2" name="Title 1"/>
+          <p:cNvSpPr>
+            <a:spLocks noGrp="1"/>
+          </p:cNvSpPr>
+          <p:nvPr>
+            <p:ph type="title"/>
+          </p:nvPr>
+        </p:nvSpPr>
+        <p:spPr/>
+        <p:txBody>
+          <a:bodyPr/>
+          <a:lstStyle/>
+          <a:p>
+            <a:r>
+              <a:rPr lang="en-US" dirty="0" err="1"/>
+              <a:t>ngOnDestroy</a:t>
+            </a:r>
+            <a:r>
+              <a:rPr lang="en-US" dirty="0"/>
+              <a:t>()</a:t>
+            </a:r>
+          </a:p>
+        </p:txBody>
+      </p:sp>
+      <p:sp>
+        <p:nvSpPr>
+          <p:cNvPr id="3" name="Content Placeholder 2"/>
+          <p:cNvSpPr>
+            <a:spLocks noGrp="1"/>
+          </p:cNvSpPr>
+          <p:nvPr>
+            <p:ph idx="1"/>
+          </p:nvPr>
+        </p:nvSpPr>
+        <p:spPr/>
+        <p:txBody>
+          <a:bodyPr/>
+          <a:lstStyle/>
+          <a:p>
+            <a:r>
+              <a:rPr lang="en-US" dirty="0"/>
+              <a:t>Purpose:</a:t>
+            </a:r>
+          </a:p>
+          <a:p>
+            <a:pPr lvl="1"/>
+            <a:r>
+              <a:rPr lang="en-US" dirty="0"/>
+              <a:t>Cleanup just before Angular destroys the directive or component. </a:t>
+            </a:r>
+            <a:endParaRPr lang="en-US" dirty="0" smtClean="0"/>
+          </a:p>
+          <a:p>
+            <a:pPr lvl="1"/>
+            <a:r>
+              <a:rPr lang="en-US" dirty="0" smtClean="0"/>
+              <a:t>Unsubscribe </a:t>
+            </a:r>
+            <a:r>
+              <a:rPr lang="en-US" dirty="0"/>
+              <a:t>Observables and detach event handlers to avoid memory leaks</a:t>
+            </a:r>
+            <a:r>
+              <a:rPr lang="en-US" dirty="0" smtClean="0"/>
+              <a:t>.</a:t>
+            </a:r>
+          </a:p>
+          <a:p>
+            <a:r>
+              <a:rPr lang="en-US" dirty="0" smtClean="0"/>
+              <a:t>Timing:</a:t>
+            </a:r>
+          </a:p>
+          <a:p>
+            <a:pPr lvl="1"/>
+            <a:r>
+              <a:rPr lang="en-US" dirty="0"/>
+              <a:t>Called immediately before Angular destroys the directive or component..</a:t>
+            </a:r>
+          </a:p>
+        </p:txBody>
+      </p:sp>
+    </p:spTree>
+    <p:extLst>
+      <p:ext uri="{BB962C8B-B14F-4D97-AF65-F5344CB8AC3E}">
+        <p14:creationId xmlns:p14="http://schemas.microsoft.com/office/powerpoint/2010/main" val="1789190968"/>
+      </p:ext>
+    </p:extLst>
+  </p:cSld>
+  <p:clrMapOvr>
+    <a:masterClrMapping/>
+  </p:clrMapOvr>
+</p:sld>
+</file>
+
+<file path=ppt/slides/slide4.xml><?xml version="1.0" encoding="utf-8"?>
+<p:sld xmlns:a="http://schemas.openxmlformats.org/drawingml/2006/main" xmlns:r="http://schemas.openxmlformats.org/officeDocument/2006/relationships" xmlns:p="http://schemas.openxmlformats.org/presentationml/2006/main">
+  <p:cSld>
+    <p:spTree>
+      <p:nvGrpSpPr>
+        <p:cNvPr id="1" name=""/>
+        <p:cNvGrpSpPr/>
+        <p:nvPr/>
+      </p:nvGrpSpPr>
+      <p:grpSpPr>
+        <a:xfrm>
+          <a:off x="0" y="0"/>
+          <a:ext cx="0" cy="0"/>
+          <a:chOff x="0" y="0"/>
+          <a:chExt cx="0" cy="0"/>
+        </a:xfrm>
+      </p:grpSpPr>
+      <p:sp>
+        <p:nvSpPr>
+          <p:cNvPr id="2" name="Title 1"/>
+          <p:cNvSpPr>
+            <a:spLocks noGrp="1"/>
+          </p:cNvSpPr>
+          <p:nvPr>
+            <p:ph type="title"/>
+          </p:nvPr>
+        </p:nvSpPr>
+        <p:spPr/>
+        <p:txBody>
+          <a:bodyPr/>
+          <a:lstStyle/>
+          <a:p>
+            <a:r>
+              <a:rPr lang="en-US" dirty="0"/>
+              <a:t>Single-Page Applications</a:t>
+            </a:r>
+          </a:p>
+        </p:txBody>
+      </p:sp>
+      <p:sp>
+        <p:nvSpPr>
+          <p:cNvPr id="3" name="Content Placeholder 2"/>
+          <p:cNvSpPr>
+            <a:spLocks noGrp="1"/>
+          </p:cNvSpPr>
+          <p:nvPr>
+            <p:ph idx="1"/>
+          </p:nvPr>
+        </p:nvSpPr>
+        <p:spPr/>
+        <p:txBody>
+          <a:bodyPr/>
+          <a:lstStyle/>
+          <a:p>
+            <a:r>
+              <a:rPr lang="en-US" b="1" i="1" dirty="0"/>
+              <a:t>Single-Page Applications</a:t>
+            </a:r>
+            <a:r>
+              <a:rPr lang="en-US" dirty="0"/>
+              <a:t> (or </a:t>
+            </a:r>
+            <a:r>
+              <a:rPr lang="en-US" b="1" i="1" dirty="0"/>
+              <a:t>SPA’s</a:t>
+            </a:r>
+            <a:r>
+              <a:rPr lang="en-US" dirty="0"/>
+              <a:t>) are applications that are accessed via a web browser like other websites but offer more dynamic interactions resembling native mobile and desktop apps. The most notable difference between a regular website and SPA is the reduced amount of page refreshes. SPAs have a heavier usage of AJAX- a way to communicate with back-end servers without doing a full page refresh to get data loaded into our application. As a result, the process of rendering pages happens mostly on the client-side</a:t>
+            </a:r>
+            <a:r>
+              <a:rPr lang="en-US" dirty="0" smtClean="0"/>
+              <a:t>.</a:t>
+            </a:r>
+          </a:p>
+          <a:p>
+            <a:endParaRPr lang="en-US" dirty="0"/>
+          </a:p>
+        </p:txBody>
+      </p:sp>
+      <p:pic>
+        <p:nvPicPr>
+          <p:cNvPr id="6" name="Picture 5"/>
+          <p:cNvPicPr>
+            <a:picLocks noChangeAspect="1"/>
+          </p:cNvPicPr>
+          <p:nvPr/>
+        </p:nvPicPr>
+        <p:blipFill>
+          <a:blip r:embed="rId2">
+            <a:extLst>
+              <a:ext uri="{28A0092B-C50C-407E-A947-70E740481C1C}">
+                <a14:useLocalDpi xmlns:a14="http://schemas.microsoft.com/office/drawing/2010/main" val="0"/>
+              </a:ext>
+            </a:extLst>
+          </a:blip>
+          <a:stretch>
+            <a:fillRect/>
+          </a:stretch>
+        </p:blipFill>
+        <p:spPr>
+          <a:xfrm>
+            <a:off x="3242276" y="3613997"/>
+            <a:ext cx="5702432" cy="2665771"/>
+          </a:xfrm>
+          <a:prstGeom prst="rect">
+            <a:avLst/>
+          </a:prstGeom>
+        </p:spPr>
+      </p:pic>
+    </p:spTree>
+    <p:extLst>
+      <p:ext uri="{BB962C8B-B14F-4D97-AF65-F5344CB8AC3E}">
+        <p14:creationId xmlns:p14="http://schemas.microsoft.com/office/powerpoint/2010/main" val="2542737808"/>
+      </p:ext>
+    </p:extLst>
+  </p:cSld>
+  <p:clrMapOvr>
+    <a:masterClrMapping/>
+  </p:clrMapOvr>
+  <p:timing>
+    <p:tnLst>
+      <p:par>
+        <p:cTn id="1" dur="indefinite" restart="never" nodeType="tmRoot"/>
+      </p:par>
+    </p:tnLst>
+  </p:timing>
+</p:sld>
+</file>
+
+<file path=ppt/slides/slide40.xml><?xml version="1.0" encoding="utf-8"?>
 <p:sld xmlns:a="http://schemas.openxmlformats.org/drawingml/2006/main" xmlns:r="http://schemas.openxmlformats.org/officeDocument/2006/relationships" xmlns:p="http://schemas.openxmlformats.org/presentationml/2006/main">
   <p:cSld>
     <p:spTree>
@@ -20391,136 +22181,6 @@
       </p:transition>
     </mc:Fallback>
   </mc:AlternateContent>
-  <p:timing>
-    <p:tnLst>
-      <p:par>
-        <p:cTn id="1" dur="indefinite" restart="never" nodeType="tmRoot"/>
-      </p:par>
-    </p:tnLst>
-  </p:timing>
-</p:sld>
-</file>
-
-<file path=ppt/slides/slide4.xml><?xml version="1.0" encoding="utf-8"?>
-<p:sld xmlns:a="http://schemas.openxmlformats.org/drawingml/2006/main" xmlns:r="http://schemas.openxmlformats.org/officeDocument/2006/relationships" xmlns:p="http://schemas.openxmlformats.org/presentationml/2006/main">
-  <p:cSld>
-    <p:spTree>
-      <p:nvGrpSpPr>
-        <p:cNvPr id="1" name=""/>
-        <p:cNvGrpSpPr/>
-        <p:nvPr/>
-      </p:nvGrpSpPr>
-      <p:grpSpPr>
-        <a:xfrm>
-          <a:off x="0" y="0"/>
-          <a:ext cx="0" cy="0"/>
-          <a:chOff x="0" y="0"/>
-          <a:chExt cx="0" cy="0"/>
-        </a:xfrm>
-      </p:grpSpPr>
-      <p:sp>
-        <p:nvSpPr>
-          <p:cNvPr id="2" name="Title 1"/>
-          <p:cNvSpPr>
-            <a:spLocks noGrp="1"/>
-          </p:cNvSpPr>
-          <p:nvPr>
-            <p:ph type="title"/>
-          </p:nvPr>
-        </p:nvSpPr>
-        <p:spPr/>
-        <p:txBody>
-          <a:bodyPr/>
-          <a:lstStyle/>
-          <a:p>
-            <a:r>
-              <a:rPr lang="en-US" dirty="0"/>
-              <a:t>Single-Page Applications</a:t>
-            </a:r>
-          </a:p>
-        </p:txBody>
-      </p:sp>
-      <p:sp>
-        <p:nvSpPr>
-          <p:cNvPr id="3" name="Content Placeholder 2"/>
-          <p:cNvSpPr>
-            <a:spLocks noGrp="1"/>
-          </p:cNvSpPr>
-          <p:nvPr>
-            <p:ph idx="1"/>
-          </p:nvPr>
-        </p:nvSpPr>
-        <p:spPr/>
-        <p:txBody>
-          <a:bodyPr/>
-          <a:lstStyle/>
-          <a:p>
-            <a:r>
-              <a:rPr lang="en-US" b="1" i="1" dirty="0"/>
-              <a:t>Single-Page Applications</a:t>
-            </a:r>
-            <a:r>
-              <a:rPr lang="en-US" dirty="0"/>
-              <a:t> (or </a:t>
-            </a:r>
-            <a:r>
-              <a:rPr lang="en-US" b="1" i="1" dirty="0"/>
-              <a:t>SPA’s</a:t>
-            </a:r>
-            <a:r>
-              <a:rPr lang="en-US" dirty="0"/>
-              <a:t>) are applications that are accessed via a web browser like other websites but offer more dynamic interactions resembling native mobile and desktop apps. The most notable difference between a regular website and SPA is the reduced amount of page refreshes. SPAs have a heavier usage of AJAX- a way to communicate with back-end servers without doing a full page refresh to get data loaded into our application. As a result, the process of rendering pages happens mostly on the client-side</a:t>
-            </a:r>
-            <a:r>
-              <a:rPr lang="en-US" dirty="0" smtClean="0"/>
-              <a:t>.</a:t>
-            </a:r>
-          </a:p>
-          <a:p>
-            <a:endParaRPr lang="en-US" dirty="0"/>
-          </a:p>
-        </p:txBody>
-      </p:sp>
-      <p:pic>
-        <p:nvPicPr>
-          <p:cNvPr id="6" name="Picture 5"/>
-          <p:cNvPicPr>
-            <a:picLocks noChangeAspect="1"/>
-          </p:cNvPicPr>
-          <p:nvPr/>
-        </p:nvPicPr>
-        <p:blipFill>
-          <a:blip r:embed="rId2">
-            <a:extLst>
-              <a:ext uri="{28A0092B-C50C-407E-A947-70E740481C1C}">
-                <a14:useLocalDpi xmlns:a14="http://schemas.microsoft.com/office/drawing/2010/main" val="0"/>
-              </a:ext>
-            </a:extLst>
-          </a:blip>
-          <a:stretch>
-            <a:fillRect/>
-          </a:stretch>
-        </p:blipFill>
-        <p:spPr>
-          <a:xfrm>
-            <a:off x="3242276" y="3613997"/>
-            <a:ext cx="5702432" cy="2665771"/>
-          </a:xfrm>
-          <a:prstGeom prst="rect">
-            <a:avLst/>
-          </a:prstGeom>
-        </p:spPr>
-      </p:pic>
-    </p:spTree>
-    <p:extLst>
-      <p:ext uri="{BB962C8B-B14F-4D97-AF65-F5344CB8AC3E}">
-        <p14:creationId xmlns:p14="http://schemas.microsoft.com/office/powerpoint/2010/main" val="2542737808"/>
-      </p:ext>
-    </p:extLst>
-  </p:cSld>
-  <p:clrMapOvr>
-    <a:masterClrMapping/>
-  </p:clrMapOvr>
   <p:timing>
     <p:tnLst>
       <p:par>

--- a/doc/material/slides/section_2/Angular concepts.pptx
+++ b/doc/material/slides/section_2/Angular concepts.pptx
@@ -5,52 +5,38 @@
     <p:sldMasterId id="2147483708" r:id="rId1"/>
   </p:sldMasterIdLst>
   <p:notesMasterIdLst>
-    <p:notesMasterId r:id="rId42"/>
+    <p:notesMasterId r:id="rId28"/>
   </p:notesMasterIdLst>
   <p:handoutMasterIdLst>
-    <p:handoutMasterId r:id="rId43"/>
+    <p:handoutMasterId r:id="rId29"/>
   </p:handoutMasterIdLst>
   <p:sldIdLst>
     <p:sldId id="256" r:id="rId2"/>
-    <p:sldId id="287" r:id="rId3"/>
-    <p:sldId id="288" r:id="rId4"/>
-    <p:sldId id="289" r:id="rId5"/>
-    <p:sldId id="292" r:id="rId6"/>
-    <p:sldId id="290" r:id="rId7"/>
-    <p:sldId id="291" r:id="rId8"/>
-    <p:sldId id="301" r:id="rId9"/>
-    <p:sldId id="293" r:id="rId10"/>
-    <p:sldId id="302" r:id="rId11"/>
-    <p:sldId id="294" r:id="rId12"/>
-    <p:sldId id="303" r:id="rId13"/>
-    <p:sldId id="296" r:id="rId14"/>
-    <p:sldId id="298" r:id="rId15"/>
-    <p:sldId id="299" r:id="rId16"/>
-    <p:sldId id="300" r:id="rId17"/>
-    <p:sldId id="297" r:id="rId18"/>
-    <p:sldId id="304" r:id="rId19"/>
-    <p:sldId id="305" r:id="rId20"/>
-    <p:sldId id="306" r:id="rId21"/>
-    <p:sldId id="307" r:id="rId22"/>
-    <p:sldId id="308" r:id="rId23"/>
-    <p:sldId id="309" r:id="rId24"/>
-    <p:sldId id="310" r:id="rId25"/>
-    <p:sldId id="311" r:id="rId26"/>
-    <p:sldId id="313" r:id="rId27"/>
-    <p:sldId id="314" r:id="rId28"/>
-    <p:sldId id="317" r:id="rId29"/>
-    <p:sldId id="315" r:id="rId30"/>
-    <p:sldId id="318" r:id="rId31"/>
-    <p:sldId id="319" r:id="rId32"/>
-    <p:sldId id="320" r:id="rId33"/>
-    <p:sldId id="321" r:id="rId34"/>
-    <p:sldId id="322" r:id="rId35"/>
-    <p:sldId id="323" r:id="rId36"/>
-    <p:sldId id="324" r:id="rId37"/>
-    <p:sldId id="325" r:id="rId38"/>
-    <p:sldId id="326" r:id="rId39"/>
-    <p:sldId id="327" r:id="rId40"/>
-    <p:sldId id="271" r:id="rId41"/>
+    <p:sldId id="288" r:id="rId3"/>
+    <p:sldId id="292" r:id="rId4"/>
+    <p:sldId id="290" r:id="rId5"/>
+    <p:sldId id="328" r:id="rId6"/>
+    <p:sldId id="335" r:id="rId7"/>
+    <p:sldId id="329" r:id="rId8"/>
+    <p:sldId id="330" r:id="rId9"/>
+    <p:sldId id="300" r:id="rId10"/>
+    <p:sldId id="332" r:id="rId11"/>
+    <p:sldId id="333" r:id="rId12"/>
+    <p:sldId id="334" r:id="rId13"/>
+    <p:sldId id="337" r:id="rId14"/>
+    <p:sldId id="336" r:id="rId15"/>
+    <p:sldId id="338" r:id="rId16"/>
+    <p:sldId id="339" r:id="rId17"/>
+    <p:sldId id="340" r:id="rId18"/>
+    <p:sldId id="341" r:id="rId19"/>
+    <p:sldId id="342" r:id="rId20"/>
+    <p:sldId id="314" r:id="rId21"/>
+    <p:sldId id="317" r:id="rId22"/>
+    <p:sldId id="343" r:id="rId23"/>
+    <p:sldId id="315" r:id="rId24"/>
+    <p:sldId id="318" r:id="rId25"/>
+    <p:sldId id="319" r:id="rId26"/>
+    <p:sldId id="271" r:id="rId27"/>
   </p:sldIdLst>
   <p:sldSz cx="12192000" cy="6858000"/>
   <p:notesSz cx="6858000" cy="9144000"/>
@@ -265,7 +251,7 @@
           <a:p>
             <a:fld id="{9BADE926-BA31-43BD-881D-1ECCA6A4FE3B}" type="datetimeFigureOut">
               <a:rPr lang="en-US" smtClean="0"/>
-              <a:t>5/21/2021</a:t>
+              <a:t>5/28/2021</a:t>
             </a:fld>
             <a:endParaRPr lang="en-US"/>
           </a:p>
@@ -430,7 +416,7 @@
           <a:p>
             <a:fld id="{7DBC1745-093B-4D3D-9A89-9CD99C9E4F7D}" type="datetimeFigureOut">
               <a:rPr lang="en-US" smtClean="0"/>
-              <a:t>5/21/2021</a:t>
+              <a:t>5/28/2021</a:t>
             </a:fld>
             <a:endParaRPr lang="en-US"/>
           </a:p>
@@ -494,38 +480,37 @@
           <a:p>
             <a:pPr lvl="0"/>
             <a:r>
-              <a:rPr lang="en-US" smtClean="0"/>
+              <a:rPr lang="en-US"/>
               <a:t>Click to edit Master text styles</a:t>
             </a:r>
           </a:p>
           <a:p>
             <a:pPr lvl="1"/>
             <a:r>
-              <a:rPr lang="en-US" smtClean="0"/>
+              <a:rPr lang="en-US"/>
               <a:t>Second level</a:t>
             </a:r>
           </a:p>
           <a:p>
             <a:pPr lvl="2"/>
             <a:r>
-              <a:rPr lang="en-US" smtClean="0"/>
+              <a:rPr lang="en-US"/>
               <a:t>Third level</a:t>
             </a:r>
           </a:p>
           <a:p>
             <a:pPr lvl="3"/>
             <a:r>
-              <a:rPr lang="en-US" smtClean="0"/>
+              <a:rPr lang="en-US"/>
               <a:t>Fourth level</a:t>
             </a:r>
           </a:p>
           <a:p>
             <a:pPr lvl="4"/>
             <a:r>
-              <a:rPr lang="en-US" smtClean="0"/>
+              <a:rPr lang="en-US"/>
               <a:t>Fifth level</a:t>
             </a:r>
-            <a:endParaRPr lang="en-US"/>
           </a:p>
         </p:txBody>
       </p:sp>
@@ -698,6 +683,539 @@
 </p:notesMaster>
 </file>
 
+<file path=ppt/notesSlides/notesSlide1.xml><?xml version="1.0" encoding="utf-8"?>
+<p:notes xmlns:a="http://schemas.openxmlformats.org/drawingml/2006/main" xmlns:r="http://schemas.openxmlformats.org/officeDocument/2006/relationships" xmlns:p="http://schemas.openxmlformats.org/presentationml/2006/main">
+  <p:cSld>
+    <p:spTree>
+      <p:nvGrpSpPr>
+        <p:cNvPr id="1" name=""/>
+        <p:cNvGrpSpPr/>
+        <p:nvPr/>
+      </p:nvGrpSpPr>
+      <p:grpSpPr>
+        <a:xfrm>
+          <a:off x="0" y="0"/>
+          <a:ext cx="0" cy="0"/>
+          <a:chOff x="0" y="0"/>
+          <a:chExt cx="0" cy="0"/>
+        </a:xfrm>
+      </p:grpSpPr>
+      <p:sp>
+        <p:nvSpPr>
+          <p:cNvPr id="2" name="Slide Image Placeholder 1"/>
+          <p:cNvSpPr>
+            <a:spLocks noGrp="1" noRot="1" noChangeAspect="1"/>
+          </p:cNvSpPr>
+          <p:nvPr>
+            <p:ph type="sldImg"/>
+          </p:nvPr>
+        </p:nvSpPr>
+        <p:spPr/>
+      </p:sp>
+      <p:sp>
+        <p:nvSpPr>
+          <p:cNvPr id="3" name="Notes Placeholder 2"/>
+          <p:cNvSpPr>
+            <a:spLocks noGrp="1"/>
+          </p:cNvSpPr>
+          <p:nvPr>
+            <p:ph type="body" idx="1"/>
+          </p:nvPr>
+        </p:nvSpPr>
+        <p:spPr/>
+        <p:txBody>
+          <a:bodyPr/>
+          <a:lstStyle/>
+          <a:p>
+            <a:pPr marL="0" marR="0" lvl="0" indent="0" algn="l" defTabSz="914400" rtl="0" eaLnBrk="1" fontAlgn="auto" latinLnBrk="0" hangingPunct="1">
+              <a:lnSpc>
+                <a:spcPct val="100000"/>
+              </a:lnSpc>
+              <a:spcBef>
+                <a:spcPts val="0"/>
+              </a:spcBef>
+              <a:spcAft>
+                <a:spcPts val="0"/>
+              </a:spcAft>
+              <a:buClrTx/>
+              <a:buSzTx/>
+              <a:buFontTx/>
+              <a:buNone/>
+              <a:tabLst/>
+              <a:defRPr/>
+            </a:pPr>
+            <a:r>
+              <a:rPr lang="en-US" b="1" i="1" dirty="0"/>
+              <a:t>Single-Page Applications</a:t>
+            </a:r>
+            <a:r>
+              <a:rPr lang="en-US" dirty="0"/>
+              <a:t> (or </a:t>
+            </a:r>
+            <a:r>
+              <a:rPr lang="en-US" b="1" i="1" dirty="0"/>
+              <a:t>SPA’s</a:t>
+            </a:r>
+            <a:r>
+              <a:rPr lang="en-US" dirty="0"/>
+              <a:t>) are applications that are accessed via a web browser like other websites but offer more dynamic interactions resembling native mobile and desktop apps. The most notable difference between a regular website and SPA is the reduced amount of page refreshes. SPAs have a heavier usage of AJAX- a way to communicate with back-end servers without doing a full page refresh to get data loaded into our application. As a result, the process of rendering pages happens mostly on the client-side.</a:t>
+            </a:r>
+          </a:p>
+          <a:p>
+            <a:endParaRPr lang="en-US" dirty="0"/>
+          </a:p>
+        </p:txBody>
+      </p:sp>
+      <p:sp>
+        <p:nvSpPr>
+          <p:cNvPr id="4" name="Slide Number Placeholder 3"/>
+          <p:cNvSpPr>
+            <a:spLocks noGrp="1"/>
+          </p:cNvSpPr>
+          <p:nvPr>
+            <p:ph type="sldNum" sz="quarter" idx="5"/>
+          </p:nvPr>
+        </p:nvSpPr>
+        <p:spPr/>
+        <p:txBody>
+          <a:bodyPr/>
+          <a:lstStyle/>
+          <a:p>
+            <a:fld id="{FC7B7C0D-1632-439B-A752-34A9003D6088}" type="slidenum">
+              <a:rPr lang="en-US" smtClean="0"/>
+              <a:t>2</a:t>
+            </a:fld>
+            <a:endParaRPr lang="en-US"/>
+          </a:p>
+        </p:txBody>
+      </p:sp>
+    </p:spTree>
+    <p:extLst>
+      <p:ext uri="{BB962C8B-B14F-4D97-AF65-F5344CB8AC3E}">
+        <p14:creationId xmlns:p14="http://schemas.microsoft.com/office/powerpoint/2010/main" val="553497490"/>
+      </p:ext>
+    </p:extLst>
+  </p:cSld>
+  <p:clrMapOvr>
+    <a:masterClrMapping/>
+  </p:clrMapOvr>
+</p:notes>
+</file>
+
+<file path=ppt/notesSlides/notesSlide2.xml><?xml version="1.0" encoding="utf-8"?>
+<p:notes xmlns:a="http://schemas.openxmlformats.org/drawingml/2006/main" xmlns:r="http://schemas.openxmlformats.org/officeDocument/2006/relationships" xmlns:p="http://schemas.openxmlformats.org/presentationml/2006/main">
+  <p:cSld>
+    <p:spTree>
+      <p:nvGrpSpPr>
+        <p:cNvPr id="1" name=""/>
+        <p:cNvGrpSpPr/>
+        <p:nvPr/>
+      </p:nvGrpSpPr>
+      <p:grpSpPr>
+        <a:xfrm>
+          <a:off x="0" y="0"/>
+          <a:ext cx="0" cy="0"/>
+          <a:chOff x="0" y="0"/>
+          <a:chExt cx="0" cy="0"/>
+        </a:xfrm>
+      </p:grpSpPr>
+      <p:sp>
+        <p:nvSpPr>
+          <p:cNvPr id="2" name="Slide Image Placeholder 1"/>
+          <p:cNvSpPr>
+            <a:spLocks noGrp="1" noRot="1" noChangeAspect="1"/>
+          </p:cNvSpPr>
+          <p:nvPr>
+            <p:ph type="sldImg"/>
+          </p:nvPr>
+        </p:nvSpPr>
+        <p:spPr/>
+      </p:sp>
+      <p:sp>
+        <p:nvSpPr>
+          <p:cNvPr id="3" name="Notes Placeholder 2"/>
+          <p:cNvSpPr>
+            <a:spLocks noGrp="1"/>
+          </p:cNvSpPr>
+          <p:nvPr>
+            <p:ph type="body" idx="1"/>
+          </p:nvPr>
+        </p:nvSpPr>
+        <p:spPr/>
+        <p:txBody>
+          <a:bodyPr/>
+          <a:lstStyle/>
+          <a:p>
+            <a:endParaRPr lang="en-US" dirty="0"/>
+          </a:p>
+        </p:txBody>
+      </p:sp>
+      <p:sp>
+        <p:nvSpPr>
+          <p:cNvPr id="4" name="Slide Number Placeholder 3"/>
+          <p:cNvSpPr>
+            <a:spLocks noGrp="1"/>
+          </p:cNvSpPr>
+          <p:nvPr>
+            <p:ph type="sldNum" sz="quarter" idx="5"/>
+          </p:nvPr>
+        </p:nvSpPr>
+        <p:spPr/>
+        <p:txBody>
+          <a:bodyPr/>
+          <a:lstStyle/>
+          <a:p>
+            <a:fld id="{FC7B7C0D-1632-439B-A752-34A9003D6088}" type="slidenum">
+              <a:rPr lang="en-US" smtClean="0"/>
+              <a:t>4</a:t>
+            </a:fld>
+            <a:endParaRPr lang="en-US"/>
+          </a:p>
+        </p:txBody>
+      </p:sp>
+    </p:spTree>
+    <p:extLst>
+      <p:ext uri="{BB962C8B-B14F-4D97-AF65-F5344CB8AC3E}">
+        <p14:creationId xmlns:p14="http://schemas.microsoft.com/office/powerpoint/2010/main" val="3932539202"/>
+      </p:ext>
+    </p:extLst>
+  </p:cSld>
+  <p:clrMapOvr>
+    <a:masterClrMapping/>
+  </p:clrMapOvr>
+</p:notes>
+</file>
+
+<file path=ppt/notesSlides/notesSlide3.xml><?xml version="1.0" encoding="utf-8"?>
+<p:notes xmlns:a="http://schemas.openxmlformats.org/drawingml/2006/main" xmlns:r="http://schemas.openxmlformats.org/officeDocument/2006/relationships" xmlns:p="http://schemas.openxmlformats.org/presentationml/2006/main">
+  <p:cSld>
+    <p:spTree>
+      <p:nvGrpSpPr>
+        <p:cNvPr id="1" name=""/>
+        <p:cNvGrpSpPr/>
+        <p:nvPr/>
+      </p:nvGrpSpPr>
+      <p:grpSpPr>
+        <a:xfrm>
+          <a:off x="0" y="0"/>
+          <a:ext cx="0" cy="0"/>
+          <a:chOff x="0" y="0"/>
+          <a:chExt cx="0" cy="0"/>
+        </a:xfrm>
+      </p:grpSpPr>
+      <p:sp>
+        <p:nvSpPr>
+          <p:cNvPr id="2" name="Slide Image Placeholder 1"/>
+          <p:cNvSpPr>
+            <a:spLocks noGrp="1" noRot="1" noChangeAspect="1"/>
+          </p:cNvSpPr>
+          <p:nvPr>
+            <p:ph type="sldImg"/>
+          </p:nvPr>
+        </p:nvSpPr>
+        <p:spPr/>
+      </p:sp>
+      <p:sp>
+        <p:nvSpPr>
+          <p:cNvPr id="3" name="Notes Placeholder 2"/>
+          <p:cNvSpPr>
+            <a:spLocks noGrp="1"/>
+          </p:cNvSpPr>
+          <p:nvPr>
+            <p:ph type="body" idx="1"/>
+          </p:nvPr>
+        </p:nvSpPr>
+        <p:spPr/>
+        <p:txBody>
+          <a:bodyPr/>
+          <a:lstStyle/>
+          <a:p>
+            <a:pPr marL="0" marR="0" lvl="0" indent="0" algn="l" defTabSz="914400" rtl="0" eaLnBrk="1" fontAlgn="auto" latinLnBrk="0" hangingPunct="1">
+              <a:lnSpc>
+                <a:spcPct val="100000"/>
+              </a:lnSpc>
+              <a:spcBef>
+                <a:spcPts val="0"/>
+              </a:spcBef>
+              <a:spcAft>
+                <a:spcPts val="0"/>
+              </a:spcAft>
+              <a:buClrTx/>
+              <a:buSzTx/>
+              <a:buFontTx/>
+              <a:buNone/>
+              <a:tabLst/>
+              <a:defRPr/>
+            </a:pPr>
+            <a:r>
+              <a:rPr lang="en-US" dirty="0"/>
+              <a:t>This template uses typical HTML elements like &lt;h2&gt; and also includes Angular template-syntax elements, *</a:t>
+            </a:r>
+            <a:r>
+              <a:rPr lang="en-US" dirty="0" err="1"/>
+              <a:t>ngFor</a:t>
+            </a:r>
+            <a:r>
+              <a:rPr lang="en-US" dirty="0"/>
+              <a:t>, {{</a:t>
+            </a:r>
+            <a:r>
+              <a:rPr lang="en-US" dirty="0" err="1"/>
+              <a:t>employee.username</a:t>
+            </a:r>
+            <a:r>
+              <a:rPr lang="en-US" dirty="0"/>
+              <a:t>}}, [employee], and &lt;app-employee-detail&gt;. The template-syntax elements tell Angular how to render the HTML to the screen, using program logic and data.</a:t>
+            </a:r>
+          </a:p>
+          <a:p>
+            <a:endParaRPr lang="en-US" dirty="0"/>
+          </a:p>
+        </p:txBody>
+      </p:sp>
+      <p:sp>
+        <p:nvSpPr>
+          <p:cNvPr id="4" name="Slide Number Placeholder 3"/>
+          <p:cNvSpPr>
+            <a:spLocks noGrp="1"/>
+          </p:cNvSpPr>
+          <p:nvPr>
+            <p:ph type="sldNum" sz="quarter" idx="5"/>
+          </p:nvPr>
+        </p:nvSpPr>
+        <p:spPr/>
+        <p:txBody>
+          <a:bodyPr/>
+          <a:lstStyle/>
+          <a:p>
+            <a:fld id="{FC7B7C0D-1632-439B-A752-34A9003D6088}" type="slidenum">
+              <a:rPr lang="en-US" smtClean="0"/>
+              <a:t>6</a:t>
+            </a:fld>
+            <a:endParaRPr lang="en-US"/>
+          </a:p>
+        </p:txBody>
+      </p:sp>
+    </p:spTree>
+    <p:extLst>
+      <p:ext uri="{BB962C8B-B14F-4D97-AF65-F5344CB8AC3E}">
+        <p14:creationId xmlns:p14="http://schemas.microsoft.com/office/powerpoint/2010/main" val="2900995498"/>
+      </p:ext>
+    </p:extLst>
+  </p:cSld>
+  <p:clrMapOvr>
+    <a:masterClrMapping/>
+  </p:clrMapOvr>
+</p:notes>
+</file>
+
+<file path=ppt/notesSlides/notesSlide4.xml><?xml version="1.0" encoding="utf-8"?>
+<p:notes xmlns:a="http://schemas.openxmlformats.org/drawingml/2006/main" xmlns:r="http://schemas.openxmlformats.org/officeDocument/2006/relationships" xmlns:p="http://schemas.openxmlformats.org/presentationml/2006/main">
+  <p:cSld>
+    <p:spTree>
+      <p:nvGrpSpPr>
+        <p:cNvPr id="1" name=""/>
+        <p:cNvGrpSpPr/>
+        <p:nvPr/>
+      </p:nvGrpSpPr>
+      <p:grpSpPr>
+        <a:xfrm>
+          <a:off x="0" y="0"/>
+          <a:ext cx="0" cy="0"/>
+          <a:chOff x="0" y="0"/>
+          <a:chExt cx="0" cy="0"/>
+        </a:xfrm>
+      </p:grpSpPr>
+      <p:sp>
+        <p:nvSpPr>
+          <p:cNvPr id="2" name="Slide Image Placeholder 1"/>
+          <p:cNvSpPr>
+            <a:spLocks noGrp="1" noRot="1" noChangeAspect="1"/>
+          </p:cNvSpPr>
+          <p:nvPr>
+            <p:ph type="sldImg"/>
+          </p:nvPr>
+        </p:nvSpPr>
+        <p:spPr/>
+      </p:sp>
+      <p:sp>
+        <p:nvSpPr>
+          <p:cNvPr id="3" name="Notes Placeholder 2"/>
+          <p:cNvSpPr>
+            <a:spLocks noGrp="1"/>
+          </p:cNvSpPr>
+          <p:nvPr>
+            <p:ph type="body" idx="1"/>
+          </p:nvPr>
+        </p:nvSpPr>
+        <p:spPr/>
+        <p:txBody>
+          <a:bodyPr/>
+          <a:lstStyle/>
+          <a:p>
+            <a:pPr marL="0" marR="0" lvl="0" indent="0" algn="l" defTabSz="914400" rtl="0" eaLnBrk="1" fontAlgn="auto" latinLnBrk="0" hangingPunct="1">
+              <a:lnSpc>
+                <a:spcPct val="100000"/>
+              </a:lnSpc>
+              <a:spcBef>
+                <a:spcPts val="0"/>
+              </a:spcBef>
+              <a:spcAft>
+                <a:spcPts val="0"/>
+              </a:spcAft>
+              <a:buClrTx/>
+              <a:buSzTx/>
+              <a:buFontTx/>
+              <a:buNone/>
+              <a:tabLst/>
+              <a:defRPr/>
+            </a:pPr>
+            <a:r>
+              <a:rPr lang="en-US" dirty="0"/>
+              <a:t>This template uses typical HTML elements like &lt;h2&gt; and also includes Angular template-syntax elements, *</a:t>
+            </a:r>
+            <a:r>
+              <a:rPr lang="en-US" dirty="0" err="1"/>
+              <a:t>ngFor</a:t>
+            </a:r>
+            <a:r>
+              <a:rPr lang="en-US" dirty="0"/>
+              <a:t>, {{</a:t>
+            </a:r>
+            <a:r>
+              <a:rPr lang="en-US" dirty="0" err="1"/>
+              <a:t>employee.username</a:t>
+            </a:r>
+            <a:r>
+              <a:rPr lang="en-US" dirty="0"/>
+              <a:t>}}, [employee], and &lt;app-employee-detail&gt;. The template-syntax elements tell Angular how to render the HTML to the screen, using program logic and data.</a:t>
+            </a:r>
+          </a:p>
+          <a:p>
+            <a:endParaRPr lang="en-US" dirty="0"/>
+          </a:p>
+        </p:txBody>
+      </p:sp>
+      <p:sp>
+        <p:nvSpPr>
+          <p:cNvPr id="4" name="Slide Number Placeholder 3"/>
+          <p:cNvSpPr>
+            <a:spLocks noGrp="1"/>
+          </p:cNvSpPr>
+          <p:nvPr>
+            <p:ph type="sldNum" sz="quarter" idx="5"/>
+          </p:nvPr>
+        </p:nvSpPr>
+        <p:spPr/>
+        <p:txBody>
+          <a:bodyPr/>
+          <a:lstStyle/>
+          <a:p>
+            <a:fld id="{FC7B7C0D-1632-439B-A752-34A9003D6088}" type="slidenum">
+              <a:rPr lang="en-US" smtClean="0"/>
+              <a:t>7</a:t>
+            </a:fld>
+            <a:endParaRPr lang="en-US"/>
+          </a:p>
+        </p:txBody>
+      </p:sp>
+    </p:spTree>
+    <p:extLst>
+      <p:ext uri="{BB962C8B-B14F-4D97-AF65-F5344CB8AC3E}">
+        <p14:creationId xmlns:p14="http://schemas.microsoft.com/office/powerpoint/2010/main" val="943667265"/>
+      </p:ext>
+    </p:extLst>
+  </p:cSld>
+  <p:clrMapOvr>
+    <a:masterClrMapping/>
+  </p:clrMapOvr>
+</p:notes>
+</file>
+
+<file path=ppt/notesSlides/notesSlide5.xml><?xml version="1.0" encoding="utf-8"?>
+<p:notes xmlns:a="http://schemas.openxmlformats.org/drawingml/2006/main" xmlns:r="http://schemas.openxmlformats.org/officeDocument/2006/relationships" xmlns:p="http://schemas.openxmlformats.org/presentationml/2006/main">
+  <p:cSld>
+    <p:spTree>
+      <p:nvGrpSpPr>
+        <p:cNvPr id="1" name=""/>
+        <p:cNvGrpSpPr/>
+        <p:nvPr/>
+      </p:nvGrpSpPr>
+      <p:grpSpPr>
+        <a:xfrm>
+          <a:off x="0" y="0"/>
+          <a:ext cx="0" cy="0"/>
+          <a:chOff x="0" y="0"/>
+          <a:chExt cx="0" cy="0"/>
+        </a:xfrm>
+      </p:grpSpPr>
+      <p:sp>
+        <p:nvSpPr>
+          <p:cNvPr id="2" name="Slide Image Placeholder 1"/>
+          <p:cNvSpPr>
+            <a:spLocks noGrp="1" noRot="1" noChangeAspect="1"/>
+          </p:cNvSpPr>
+          <p:nvPr>
+            <p:ph type="sldImg"/>
+          </p:nvPr>
+        </p:nvSpPr>
+        <p:spPr/>
+      </p:sp>
+      <p:sp>
+        <p:nvSpPr>
+          <p:cNvPr id="3" name="Notes Placeholder 2"/>
+          <p:cNvSpPr>
+            <a:spLocks noGrp="1"/>
+          </p:cNvSpPr>
+          <p:nvPr>
+            <p:ph type="body" idx="1"/>
+          </p:nvPr>
+        </p:nvSpPr>
+        <p:spPr/>
+        <p:txBody>
+          <a:bodyPr/>
+          <a:lstStyle/>
+          <a:p>
+            <a:endParaRPr lang="en-US" dirty="0"/>
+          </a:p>
+        </p:txBody>
+      </p:sp>
+      <p:sp>
+        <p:nvSpPr>
+          <p:cNvPr id="4" name="Slide Number Placeholder 3"/>
+          <p:cNvSpPr>
+            <a:spLocks noGrp="1"/>
+          </p:cNvSpPr>
+          <p:nvPr>
+            <p:ph type="sldNum" sz="quarter" idx="5"/>
+          </p:nvPr>
+        </p:nvSpPr>
+        <p:spPr/>
+        <p:txBody>
+          <a:bodyPr/>
+          <a:lstStyle/>
+          <a:p>
+            <a:fld id="{FC7B7C0D-1632-439B-A752-34A9003D6088}" type="slidenum">
+              <a:rPr lang="en-US" smtClean="0"/>
+              <a:t>8</a:t>
+            </a:fld>
+            <a:endParaRPr lang="en-US"/>
+          </a:p>
+        </p:txBody>
+      </p:sp>
+    </p:spTree>
+    <p:extLst>
+      <p:ext uri="{BB962C8B-B14F-4D97-AF65-F5344CB8AC3E}">
+        <p14:creationId xmlns:p14="http://schemas.microsoft.com/office/powerpoint/2010/main" val="3004342405"/>
+      </p:ext>
+    </p:extLst>
+  </p:cSld>
+  <p:clrMapOvr>
+    <a:masterClrMapping/>
+  </p:clrMapOvr>
+</p:notes>
+</file>
+
 <file path=ppt/slideLayouts/slideLayout1.xml><?xml version="1.0" encoding="utf-8"?>
 <p:sldLayout xmlns:a="http://schemas.openxmlformats.org/drawingml/2006/main" xmlns:r="http://schemas.openxmlformats.org/officeDocument/2006/relationships" xmlns:p="http://schemas.openxmlformats.org/presentationml/2006/main" showMasterSp="0" preserve="1" userDrawn="1">
   <p:cSld name="Title Slide">
@@ -748,13 +1266,6 @@
   <p:clrMapOvr>
     <a:masterClrMapping/>
   </p:clrMapOvr>
-  <p:timing>
-    <p:tnLst>
-      <p:par>
-        <p:cTn id="1" dur="indefinite" restart="never" nodeType="tmRoot"/>
-      </p:par>
-    </p:tnLst>
-  </p:timing>
 </p:sldLayout>
 </file>
 
@@ -12819,7 +13330,7 @@
           <a:p>
             <a:pPr algn="ctr"/>
             <a:r>
-              <a:rPr lang="en-US" sz="2400" b="1" cap="none" spc="0" dirty="0" smtClean="0">
+              <a:rPr lang="en-US" sz="2400" b="1" cap="none" spc="0" dirty="0">
                 <a:ln w="0"/>
                 <a:solidFill>
                   <a:srgbClr val="164D90"/>
@@ -12828,13 +13339,6 @@
               </a:rPr>
               <a:t>Self-Healing</a:t>
             </a:r>
-            <a:endParaRPr lang="en-US" sz="2400" b="1" cap="none" spc="0" dirty="0">
-              <a:ln w="0"/>
-              <a:solidFill>
-                <a:srgbClr val="164D90"/>
-              </a:solidFill>
-              <a:latin typeface="Montserrat" panose="00000500000000000000" pitchFamily="2" charset="0"/>
-            </a:endParaRPr>
           </a:p>
         </p:txBody>
       </p:sp>
@@ -12927,7 +13431,7 @@
           </a:lstStyle>
           <a:p>
             <a:r>
-              <a:rPr lang="en-US" smtClean="0"/>
+              <a:rPr lang="en-US"/>
               <a:t>TITLE</a:t>
             </a:r>
             <a:endParaRPr lang="en-US" dirty="0"/>
@@ -12956,38 +13460,37 @@
           <a:p>
             <a:pPr lvl="0"/>
             <a:r>
-              <a:rPr lang="en-US" dirty="0" smtClean="0"/>
+              <a:rPr lang="en-US" dirty="0"/>
               <a:t>Click to edit Master text styles</a:t>
             </a:r>
           </a:p>
           <a:p>
             <a:pPr lvl="1"/>
             <a:r>
-              <a:rPr lang="en-US" dirty="0" smtClean="0"/>
+              <a:rPr lang="en-US" dirty="0"/>
               <a:t>Second level</a:t>
             </a:r>
           </a:p>
           <a:p>
             <a:pPr lvl="2"/>
             <a:r>
-              <a:rPr lang="en-US" dirty="0" smtClean="0"/>
+              <a:rPr lang="en-US" dirty="0"/>
               <a:t>Third level</a:t>
             </a:r>
           </a:p>
           <a:p>
             <a:pPr lvl="3"/>
             <a:r>
-              <a:rPr lang="en-US" dirty="0" smtClean="0"/>
+              <a:rPr lang="en-US" dirty="0"/>
               <a:t>Fourth level</a:t>
             </a:r>
           </a:p>
           <a:p>
             <a:pPr lvl="4"/>
             <a:r>
-              <a:rPr lang="en-US" dirty="0" smtClean="0"/>
+              <a:rPr lang="en-US" dirty="0"/>
               <a:t>Fifth level</a:t>
             </a:r>
-            <a:endParaRPr lang="en-US" dirty="0"/>
           </a:p>
         </p:txBody>
       </p:sp>
@@ -13047,13 +13550,6 @@
   <p:clrMapOvr>
     <a:masterClrMapping/>
   </p:clrMapOvr>
-  <p:timing>
-    <p:tnLst>
-      <p:par>
-        <p:cTn id="1" dur="indefinite" restart="never" nodeType="tmRoot"/>
-      </p:par>
-    </p:tnLst>
-  </p:timing>
 </p:sldLayout>
 </file>
 
@@ -13090,7 +13586,7 @@
           <a:lstStyle/>
           <a:p>
             <a:r>
-              <a:rPr lang="en-US" smtClean="0"/>
+              <a:rPr lang="en-US"/>
               <a:t>Click to edit Master title style</a:t>
             </a:r>
             <a:endParaRPr lang="en-US" dirty="0"/>
@@ -13121,35 +13617,35 @@
           <a:p>
             <a:pPr lvl="0"/>
             <a:r>
-              <a:rPr lang="en-US" smtClean="0"/>
+              <a:rPr lang="en-US"/>
               <a:t>Click to edit Master text styles</a:t>
             </a:r>
           </a:p>
           <a:p>
             <a:pPr lvl="1"/>
             <a:r>
-              <a:rPr lang="en-US" smtClean="0"/>
+              <a:rPr lang="en-US"/>
               <a:t>Second level</a:t>
             </a:r>
           </a:p>
           <a:p>
             <a:pPr lvl="2"/>
             <a:r>
-              <a:rPr lang="en-US" smtClean="0"/>
+              <a:rPr lang="en-US"/>
               <a:t>Third level</a:t>
             </a:r>
           </a:p>
           <a:p>
             <a:pPr lvl="3"/>
             <a:r>
-              <a:rPr lang="en-US" smtClean="0"/>
+              <a:rPr lang="en-US"/>
               <a:t>Fourth level</a:t>
             </a:r>
           </a:p>
           <a:p>
             <a:pPr lvl="4"/>
             <a:r>
-              <a:rPr lang="en-US" smtClean="0"/>
+              <a:rPr lang="en-US"/>
               <a:t>Fifth level</a:t>
             </a:r>
             <a:endParaRPr lang="en-US" dirty="0"/>
@@ -13180,35 +13676,35 @@
           <a:p>
             <a:pPr lvl="0"/>
             <a:r>
-              <a:rPr lang="en-US" smtClean="0"/>
+              <a:rPr lang="en-US"/>
               <a:t>Click to edit Master text styles</a:t>
             </a:r>
           </a:p>
           <a:p>
             <a:pPr lvl="1"/>
             <a:r>
-              <a:rPr lang="en-US" smtClean="0"/>
+              <a:rPr lang="en-US"/>
               <a:t>Second level</a:t>
             </a:r>
           </a:p>
           <a:p>
             <a:pPr lvl="2"/>
             <a:r>
-              <a:rPr lang="en-US" smtClean="0"/>
+              <a:rPr lang="en-US"/>
               <a:t>Third level</a:t>
             </a:r>
           </a:p>
           <a:p>
             <a:pPr lvl="3"/>
             <a:r>
-              <a:rPr lang="en-US" smtClean="0"/>
+              <a:rPr lang="en-US"/>
               <a:t>Fourth level</a:t>
             </a:r>
           </a:p>
           <a:p>
             <a:pPr lvl="4"/>
             <a:r>
-              <a:rPr lang="en-US" smtClean="0"/>
+              <a:rPr lang="en-US"/>
               <a:t>Fifth level</a:t>
             </a:r>
             <a:endParaRPr lang="en-US" dirty="0"/>
@@ -13240,7 +13736,7 @@
           <a:p>
             <a:fld id="{AF88043E-905E-4148-B009-B3CB700EBBEA}" type="datetimeFigureOut">
               <a:rPr lang="en-US" smtClean="0"/>
-              <a:t>5/21/2021</a:t>
+              <a:t>5/28/2021</a:t>
             </a:fld>
             <a:endParaRPr lang="en-US"/>
           </a:p>
@@ -13287,13 +13783,6 @@
   <p:clrMapOvr>
     <a:masterClrMapping/>
   </p:clrMapOvr>
-  <p:timing>
-    <p:tnLst>
-      <p:par>
-        <p:cTn id="1" dur="indefinite" restart="never" nodeType="tmRoot"/>
-      </p:par>
-    </p:tnLst>
-  </p:timing>
 </p:sldLayout>
 </file>
 
@@ -13334,7 +13823,7 @@
           </a:lstStyle>
           <a:p>
             <a:r>
-              <a:rPr lang="en-US" smtClean="0"/>
+              <a:rPr lang="en-US"/>
               <a:t>Click to edit Master title style</a:t>
             </a:r>
             <a:endParaRPr lang="en-US" dirty="0"/>
@@ -13406,7 +13895,7 @@
           <a:p>
             <a:pPr lvl="0"/>
             <a:r>
-              <a:rPr lang="en-US" smtClean="0"/>
+              <a:rPr lang="en-US"/>
               <a:t>Click to edit Master text styles</a:t>
             </a:r>
           </a:p>
@@ -13436,35 +13925,35 @@
           <a:p>
             <a:pPr lvl="0"/>
             <a:r>
-              <a:rPr lang="en-US" smtClean="0"/>
+              <a:rPr lang="en-US"/>
               <a:t>Click to edit Master text styles</a:t>
             </a:r>
           </a:p>
           <a:p>
             <a:pPr lvl="1"/>
             <a:r>
-              <a:rPr lang="en-US" smtClean="0"/>
+              <a:rPr lang="en-US"/>
               <a:t>Second level</a:t>
             </a:r>
           </a:p>
           <a:p>
             <a:pPr lvl="2"/>
             <a:r>
-              <a:rPr lang="en-US" smtClean="0"/>
+              <a:rPr lang="en-US"/>
               <a:t>Third level</a:t>
             </a:r>
           </a:p>
           <a:p>
             <a:pPr lvl="3"/>
             <a:r>
-              <a:rPr lang="en-US" smtClean="0"/>
+              <a:rPr lang="en-US"/>
               <a:t>Fourth level</a:t>
             </a:r>
           </a:p>
           <a:p>
             <a:pPr lvl="4"/>
             <a:r>
-              <a:rPr lang="en-US" smtClean="0"/>
+              <a:rPr lang="en-US"/>
               <a:t>Fifth level</a:t>
             </a:r>
             <a:endParaRPr lang="en-US" dirty="0"/>
@@ -13536,7 +14025,7 @@
           <a:p>
             <a:pPr lvl="0"/>
             <a:r>
-              <a:rPr lang="en-US" smtClean="0"/>
+              <a:rPr lang="en-US"/>
               <a:t>Click to edit Master text styles</a:t>
             </a:r>
           </a:p>
@@ -13566,35 +14055,35 @@
           <a:p>
             <a:pPr lvl="0"/>
             <a:r>
-              <a:rPr lang="en-US" smtClean="0"/>
+              <a:rPr lang="en-US"/>
               <a:t>Click to edit Master text styles</a:t>
             </a:r>
           </a:p>
           <a:p>
             <a:pPr lvl="1"/>
             <a:r>
-              <a:rPr lang="en-US" smtClean="0"/>
+              <a:rPr lang="en-US"/>
               <a:t>Second level</a:t>
             </a:r>
           </a:p>
           <a:p>
             <a:pPr lvl="2"/>
             <a:r>
-              <a:rPr lang="en-US" smtClean="0"/>
+              <a:rPr lang="en-US"/>
               <a:t>Third level</a:t>
             </a:r>
           </a:p>
           <a:p>
             <a:pPr lvl="3"/>
             <a:r>
-              <a:rPr lang="en-US" smtClean="0"/>
+              <a:rPr lang="en-US"/>
               <a:t>Fourth level</a:t>
             </a:r>
           </a:p>
           <a:p>
             <a:pPr lvl="4"/>
             <a:r>
-              <a:rPr lang="en-US" smtClean="0"/>
+              <a:rPr lang="en-US"/>
               <a:t>Fifth level</a:t>
             </a:r>
             <a:endParaRPr lang="en-US" dirty="0"/>
@@ -13626,7 +14115,7 @@
           <a:p>
             <a:fld id="{AF88043E-905E-4148-B009-B3CB700EBBEA}" type="datetimeFigureOut">
               <a:rPr lang="en-US" smtClean="0"/>
-              <a:t>5/21/2021</a:t>
+              <a:t>5/28/2021</a:t>
             </a:fld>
             <a:endParaRPr lang="en-US"/>
           </a:p>
@@ -13700,13 +14189,6 @@
   <p:clrMapOvr>
     <a:masterClrMapping/>
   </p:clrMapOvr>
-  <p:timing>
-    <p:tnLst>
-      <p:par>
-        <p:cTn id="1" dur="indefinite" restart="never" nodeType="tmRoot"/>
-      </p:par>
-    </p:tnLst>
-  </p:timing>
 </p:sldLayout>
 </file>
 
@@ -13743,7 +14225,7 @@
           <a:lstStyle/>
           <a:p>
             <a:r>
-              <a:rPr lang="en-US" smtClean="0"/>
+              <a:rPr lang="en-US"/>
               <a:t>Click to edit Master title style</a:t>
             </a:r>
             <a:endParaRPr lang="en-US" dirty="0"/>
@@ -13775,7 +14257,7 @@
           <a:p>
             <a:fld id="{AF88043E-905E-4148-B009-B3CB700EBBEA}" type="datetimeFigureOut">
               <a:rPr lang="en-US" smtClean="0"/>
-              <a:t>5/21/2021</a:t>
+              <a:t>5/28/2021</a:t>
             </a:fld>
             <a:endParaRPr lang="en-US"/>
           </a:p>
@@ -13849,13 +14331,6 @@
   <p:clrMapOvr>
     <a:masterClrMapping/>
   </p:clrMapOvr>
-  <p:timing>
-    <p:tnLst>
-      <p:par>
-        <p:cTn id="1" dur="indefinite" restart="never" nodeType="tmRoot"/>
-      </p:par>
-    </p:tnLst>
-  </p:timing>
 </p:sldLayout>
 </file>
 
@@ -13896,7 +14371,7 @@
           </a:lstStyle>
           <a:p>
             <a:r>
-              <a:rPr lang="en-US" smtClean="0"/>
+              <a:rPr lang="en-US"/>
               <a:t>Click to edit Master title style</a:t>
             </a:r>
             <a:endParaRPr lang="en-US" dirty="0"/>
@@ -13968,7 +14443,7 @@
           <a:p>
             <a:pPr lvl="0"/>
             <a:r>
-              <a:rPr lang="en-US" smtClean="0"/>
+              <a:rPr lang="en-US"/>
               <a:t>Click to edit Master text styles</a:t>
             </a:r>
           </a:p>
@@ -14035,7 +14510,7 @@
           <a:p>
             <a:pPr lvl="0"/>
             <a:r>
-              <a:rPr lang="en-US" smtClean="0"/>
+              <a:rPr lang="en-US"/>
               <a:t>Click to edit Master text styles</a:t>
             </a:r>
           </a:p>
@@ -14106,7 +14581,7 @@
           <a:p>
             <a:pPr lvl="0"/>
             <a:r>
-              <a:rPr lang="en-US" smtClean="0"/>
+              <a:rPr lang="en-US"/>
               <a:t>Click to edit Master text styles</a:t>
             </a:r>
           </a:p>
@@ -14173,7 +14648,7 @@
           <a:p>
             <a:pPr lvl="0"/>
             <a:r>
-              <a:rPr lang="en-US" smtClean="0"/>
+              <a:rPr lang="en-US"/>
               <a:t>Click to edit Master text styles</a:t>
             </a:r>
           </a:p>
@@ -14244,7 +14719,7 @@
           <a:p>
             <a:pPr lvl="0"/>
             <a:r>
-              <a:rPr lang="en-US" smtClean="0"/>
+              <a:rPr lang="en-US"/>
               <a:t>Click to edit Master text styles</a:t>
             </a:r>
           </a:p>
@@ -14311,7 +14786,7 @@
           <a:p>
             <a:pPr lvl="0"/>
             <a:r>
-              <a:rPr lang="en-US" smtClean="0"/>
+              <a:rPr lang="en-US"/>
               <a:t>Click to edit Master text styles</a:t>
             </a:r>
           </a:p>
@@ -14416,7 +14891,7 @@
           <a:p>
             <a:fld id="{AF88043E-905E-4148-B009-B3CB700EBBEA}" type="datetimeFigureOut">
               <a:rPr lang="en-US" smtClean="0"/>
-              <a:t>5/21/2021</a:t>
+              <a:t>5/28/2021</a:t>
             </a:fld>
             <a:endParaRPr lang="en-US"/>
           </a:p>
@@ -14463,13 +14938,6 @@
   <p:clrMapOvr>
     <a:masterClrMapping/>
   </p:clrMapOvr>
-  <p:timing>
-    <p:tnLst>
-      <p:par>
-        <p:cTn id="1" dur="indefinite" restart="never" nodeType="tmRoot"/>
-      </p:par>
-    </p:tnLst>
-  </p:timing>
 </p:sldLayout>
 </file>
 
@@ -14510,7 +14978,7 @@
           </a:lstStyle>
           <a:p>
             <a:r>
-              <a:rPr lang="en-US" smtClean="0"/>
+              <a:rPr lang="en-US"/>
               <a:t>Click to edit Master title style</a:t>
             </a:r>
             <a:endParaRPr lang="en-US" dirty="0"/>
@@ -14582,7 +15050,7 @@
           <a:p>
             <a:pPr lvl="0"/>
             <a:r>
-              <a:rPr lang="en-US" smtClean="0"/>
+              <a:rPr lang="en-US"/>
               <a:t>Click to edit Master text styles</a:t>
             </a:r>
           </a:p>
@@ -14660,7 +15128,7 @@
           </a:lstStyle>
           <a:p>
             <a:r>
-              <a:rPr lang="en-US" smtClean="0"/>
+              <a:rPr lang="en-US"/>
               <a:t>Click icon to add picture</a:t>
             </a:r>
             <a:endParaRPr lang="en-US" dirty="0"/>
@@ -14728,7 +15196,7 @@
           <a:p>
             <a:pPr lvl="0"/>
             <a:r>
-              <a:rPr lang="en-US" smtClean="0"/>
+              <a:rPr lang="en-US"/>
               <a:t>Click to edit Master text styles</a:t>
             </a:r>
           </a:p>
@@ -14799,7 +15267,7 @@
           <a:p>
             <a:pPr lvl="0"/>
             <a:r>
-              <a:rPr lang="en-US" smtClean="0"/>
+              <a:rPr lang="en-US"/>
               <a:t>Click to edit Master text styles</a:t>
             </a:r>
           </a:p>
@@ -14877,7 +15345,7 @@
           </a:lstStyle>
           <a:p>
             <a:r>
-              <a:rPr lang="en-US" smtClean="0"/>
+              <a:rPr lang="en-US"/>
               <a:t>Click icon to add picture</a:t>
             </a:r>
             <a:endParaRPr lang="en-US" dirty="0"/>
@@ -14945,7 +15413,7 @@
           <a:p>
             <a:pPr lvl="0"/>
             <a:r>
-              <a:rPr lang="en-US" smtClean="0"/>
+              <a:rPr lang="en-US"/>
               <a:t>Click to edit Master text styles</a:t>
             </a:r>
           </a:p>
@@ -15016,7 +15484,7 @@
           <a:p>
             <a:pPr lvl="0"/>
             <a:r>
-              <a:rPr lang="en-US" smtClean="0"/>
+              <a:rPr lang="en-US"/>
               <a:t>Click to edit Master text styles</a:t>
             </a:r>
           </a:p>
@@ -15094,7 +15562,7 @@
           </a:lstStyle>
           <a:p>
             <a:r>
-              <a:rPr lang="en-US" smtClean="0"/>
+              <a:rPr lang="en-US"/>
               <a:t>Click icon to add picture</a:t>
             </a:r>
             <a:endParaRPr lang="en-US" dirty="0"/>
@@ -15162,7 +15630,7 @@
           <a:p>
             <a:pPr lvl="0"/>
             <a:r>
-              <a:rPr lang="en-US" smtClean="0"/>
+              <a:rPr lang="en-US"/>
               <a:t>Click to edit Master text styles</a:t>
             </a:r>
           </a:p>
@@ -15267,7 +15735,7 @@
           <a:p>
             <a:fld id="{AF88043E-905E-4148-B009-B3CB700EBBEA}" type="datetimeFigureOut">
               <a:rPr lang="en-US" smtClean="0"/>
-              <a:t>5/21/2021</a:t>
+              <a:t>5/28/2021</a:t>
             </a:fld>
             <a:endParaRPr lang="en-US"/>
           </a:p>
@@ -15314,13 +15782,6 @@
   <p:clrMapOvr>
     <a:masterClrMapping/>
   </p:clrMapOvr>
-  <p:timing>
-    <p:tnLst>
-      <p:par>
-        <p:cTn id="1" dur="indefinite" restart="never" nodeType="tmRoot"/>
-      </p:par>
-    </p:tnLst>
-  </p:timing>
 </p:sldLayout>
 </file>
 
@@ -15362,7 +15823,7 @@
           <a:lstStyle/>
           <a:p>
             <a:r>
-              <a:rPr lang="en-US" smtClean="0"/>
+              <a:rPr lang="en-US"/>
               <a:t>Click to edit Master title style</a:t>
             </a:r>
             <a:endParaRPr lang="en-US" dirty="0"/>
@@ -15386,35 +15847,35 @@
           <a:p>
             <a:pPr lvl="0"/>
             <a:r>
-              <a:rPr lang="en-US" smtClean="0"/>
+              <a:rPr lang="en-US"/>
               <a:t>Click to edit Master text styles</a:t>
             </a:r>
           </a:p>
           <a:p>
             <a:pPr lvl="1"/>
             <a:r>
-              <a:rPr lang="en-US" smtClean="0"/>
+              <a:rPr lang="en-US"/>
               <a:t>Second level</a:t>
             </a:r>
           </a:p>
           <a:p>
             <a:pPr lvl="2"/>
             <a:r>
-              <a:rPr lang="en-US" smtClean="0"/>
+              <a:rPr lang="en-US"/>
               <a:t>Third level</a:t>
             </a:r>
           </a:p>
           <a:p>
             <a:pPr lvl="3"/>
             <a:r>
-              <a:rPr lang="en-US" smtClean="0"/>
+              <a:rPr lang="en-US"/>
               <a:t>Fourth level</a:t>
             </a:r>
           </a:p>
           <a:p>
             <a:pPr lvl="4"/>
             <a:r>
-              <a:rPr lang="en-US" smtClean="0"/>
+              <a:rPr lang="en-US"/>
               <a:t>Fifth level</a:t>
             </a:r>
             <a:endParaRPr lang="en-US" dirty="0"/>
@@ -15446,7 +15907,7 @@
           <a:p>
             <a:fld id="{AF88043E-905E-4148-B009-B3CB700EBBEA}" type="datetimeFigureOut">
               <a:rPr lang="en-US" smtClean="0"/>
-              <a:t>5/21/2021</a:t>
+              <a:t>5/28/2021</a:t>
             </a:fld>
             <a:endParaRPr lang="en-US"/>
           </a:p>
@@ -15493,13 +15954,6 @@
   <p:clrMapOvr>
     <a:masterClrMapping/>
   </p:clrMapOvr>
-  <p:timing>
-    <p:tnLst>
-      <p:par>
-        <p:cTn id="1" dur="indefinite" restart="never" nodeType="tmRoot"/>
-      </p:par>
-    </p:tnLst>
-  </p:timing>
 </p:sldLayout>
 </file>
 
@@ -15581,10 +16035,9 @@
           <a:lstStyle/>
           <a:p>
             <a:r>
-              <a:rPr lang="en-US" dirty="0" smtClean="0"/>
+              <a:rPr lang="en-US" dirty="0"/>
               <a:t>Click to edit Master title style</a:t>
             </a:r>
-            <a:endParaRPr lang="en-US" dirty="0"/>
           </a:p>
         </p:txBody>
       </p:sp>
@@ -15615,35 +16068,35 @@
           <a:p>
             <a:pPr lvl="0"/>
             <a:r>
-              <a:rPr lang="en-US" smtClean="0"/>
+              <a:rPr lang="en-US"/>
               <a:t>Click to edit Master text styles</a:t>
             </a:r>
           </a:p>
           <a:p>
             <a:pPr lvl="1"/>
             <a:r>
-              <a:rPr lang="en-US" smtClean="0"/>
+              <a:rPr lang="en-US"/>
               <a:t>Second level</a:t>
             </a:r>
           </a:p>
           <a:p>
             <a:pPr lvl="2"/>
             <a:r>
-              <a:rPr lang="en-US" smtClean="0"/>
+              <a:rPr lang="en-US"/>
               <a:t>Third level</a:t>
             </a:r>
           </a:p>
           <a:p>
             <a:pPr lvl="3"/>
             <a:r>
-              <a:rPr lang="en-US" smtClean="0"/>
+              <a:rPr lang="en-US"/>
               <a:t>Fourth level</a:t>
             </a:r>
           </a:p>
           <a:p>
             <a:pPr lvl="4"/>
             <a:r>
-              <a:rPr lang="en-US" smtClean="0"/>
+              <a:rPr lang="en-US"/>
               <a:t>Fifth level</a:t>
             </a:r>
             <a:endParaRPr lang="en-US" dirty="0"/>
@@ -15674,7 +16127,7 @@
           <a:p>
             <a:pPr algn="r"/>
             <a:r>
-              <a:rPr lang="en-US" sz="1000" i="0" dirty="0" smtClean="0">
+              <a:rPr lang="en-US" sz="1000" i="0" dirty="0">
                 <a:solidFill>
                   <a:srgbClr val="1E4C8F"/>
                 </a:solidFill>
@@ -15745,7 +16198,7 @@
           <a:p>
             <a:pPr algn="ctr"/>
             <a:r>
-              <a:rPr lang="en-US" sz="1000" i="0" dirty="0" smtClean="0">
+              <a:rPr lang="en-US" sz="1000" i="0" dirty="0">
                 <a:solidFill>
                   <a:srgbClr val="1E4C8F"/>
                 </a:solidFill>
@@ -15754,7 +16207,7 @@
               <a:t>Silicon Valley Testing</a:t>
             </a:r>
             <a:r>
-              <a:rPr lang="en-US" sz="1000" i="0" baseline="0" dirty="0" smtClean="0">
+              <a:rPr lang="en-US" sz="1000" i="0" baseline="0" dirty="0">
                 <a:solidFill>
                   <a:srgbClr val="1E4C8F"/>
                 </a:solidFill>
@@ -15821,13 +16274,6 @@
     <p:sldLayoutId id="2147483725" r:id="rId9"/>
     <p:sldLayoutId id="2147483727" r:id="rId10"/>
   </p:sldLayoutIdLst>
-  <p:timing>
-    <p:tnLst>
-      <p:par>
-        <p:cTn id="1" dur="indefinite" restart="never" nodeType="tmRoot"/>
-      </p:par>
-    </p:tnLst>
-  </p:timing>
   <p:txStyles>
     <p:titleStyle>
       <a:lvl1pPr algn="l" defTabSz="457200" rtl="0" eaLnBrk="1" latinLnBrk="0" hangingPunct="1">
@@ -16276,20 +16722,9 @@
                 <a:ea typeface="Open Sans" panose="020B0606030504020204" pitchFamily="34" charset="0"/>
                 <a:cs typeface="Open Sans" panose="020B0606030504020204" pitchFamily="34" charset="0"/>
               </a:rPr>
-              <a:t>Angular </a:t>
-            </a:r>
-            <a:r>
-              <a:rPr lang="en-US" sz="4400" b="1" dirty="0" smtClean="0">
-                <a:solidFill>
-                  <a:srgbClr val="164D90"/>
-                </a:solidFill>
-                <a:latin typeface="Open Sans" panose="020B0606030504020204" pitchFamily="34" charset="0"/>
-                <a:ea typeface="Open Sans" panose="020B0606030504020204" pitchFamily="34" charset="0"/>
-                <a:cs typeface="Open Sans" panose="020B0606030504020204" pitchFamily="34" charset="0"/>
-              </a:rPr>
-              <a:t>Concepts</a:t>
-            </a:r>
-            <a:endParaRPr lang="en-US" sz="2000" b="1" dirty="0" smtClean="0">
+              <a:t>Angular Concepts</a:t>
+            </a:r>
+            <a:endParaRPr lang="en-US" sz="2000" b="1" dirty="0">
               <a:solidFill>
                 <a:srgbClr val="164D90"/>
               </a:solidFill>
@@ -16301,7 +16736,7 @@
           <a:p>
             <a:pPr algn="ctr"/>
             <a:r>
-              <a:rPr lang="en-US" sz="2000" b="1" dirty="0" smtClean="0">
+              <a:rPr lang="en-US" sz="2000" b="1" dirty="0">
                 <a:solidFill>
                   <a:srgbClr val="164D90"/>
                 </a:solidFill>
@@ -16420,13 +16855,6 @@
       </p:transition>
     </mc:Fallback>
   </mc:AlternateContent>
-  <p:timing>
-    <p:tnLst>
-      <p:par>
-        <p:cTn id="1" dur="indefinite" restart="never" nodeType="tmRoot"/>
-      </p:par>
-    </p:tnLst>
-  </p:timing>
 </p:sld>
 </file>
 
@@ -16463,22 +16891,65 @@
           <a:lstStyle/>
           <a:p>
             <a:r>
-              <a:rPr lang="en-US" dirty="0" smtClean="0"/>
-              <a:t>Example of Component</a:t>
-            </a:r>
-            <a:endParaRPr lang="en-US" dirty="0"/>
+              <a:rPr lang="en-US" dirty="0"/>
+              <a:t>Two-way Data Binding</a:t>
+            </a:r>
+            <a:br>
+              <a:rPr lang="en-US" dirty="0"/>
+            </a:br>
+            <a:r>
+              <a:rPr lang="en-US" sz="2400" dirty="0"/>
+              <a:t>Angular Architecture</a:t>
+            </a:r>
+          </a:p>
+        </p:txBody>
+      </p:sp>
+      <p:sp>
+        <p:nvSpPr>
+          <p:cNvPr id="7" name="Content Placeholder 2">
+            <a:extLst>
+              <a:ext uri="{FF2B5EF4-FFF2-40B4-BE49-F238E27FC236}">
+                <a16:creationId xmlns:a16="http://schemas.microsoft.com/office/drawing/2014/main" id="{7D02C817-2C7B-45F5-ACF0-BC885710469A}"/>
+              </a:ext>
+            </a:extLst>
+          </p:cNvPr>
+          <p:cNvSpPr>
+            <a:spLocks noGrp="1"/>
+          </p:cNvSpPr>
+          <p:nvPr>
+            <p:ph idx="1"/>
+          </p:nvPr>
+        </p:nvSpPr>
+        <p:spPr>
+          <a:xfrm>
+            <a:off x="1154955" y="1654175"/>
+            <a:ext cx="9868645" cy="3416300"/>
+          </a:xfrm>
+        </p:spPr>
+        <p:txBody>
+          <a:bodyPr/>
+          <a:lstStyle/>
+          <a:p>
+            <a:r>
+              <a:rPr lang="en-US" dirty="0"/>
+              <a:t>In two-way binding, a data property value flows to the input box from the component as with property binding. The user's changes also flow back to the component, resetting the property to the latest value, as with event binding.</a:t>
+            </a:r>
           </a:p>
         </p:txBody>
       </p:sp>
       <p:pic>
         <p:nvPicPr>
-          <p:cNvPr id="4" name="Content Placeholder 3"/>
+          <p:cNvPr id="8" name="Picture 7">
+            <a:extLst>
+              <a:ext uri="{FF2B5EF4-FFF2-40B4-BE49-F238E27FC236}">
+                <a16:creationId xmlns:a16="http://schemas.microsoft.com/office/drawing/2014/main" id="{B16ACB67-3D3C-4F58-8FA6-1510CE8E0DC2}"/>
+              </a:ext>
+            </a:extLst>
+          </p:cNvPr>
           <p:cNvPicPr>
-            <a:picLocks noGrp="1" noChangeAspect="1"/>
+            <a:picLocks noChangeAspect="1"/>
           </p:cNvPicPr>
-          <p:nvPr>
-            <p:ph idx="1"/>
-          </p:nvPr>
+          <p:nvPr/>
         </p:nvPicPr>
         <p:blipFill>
           <a:blip r:embed="rId2">
@@ -16494,15 +16965,18 @@
         </p:blipFill>
         <p:spPr>
           <a:xfrm>
-            <a:off x="1412688" y="1654175"/>
-            <a:ext cx="9353176" cy="4570570"/>
+            <a:off x="3436333" y="2870200"/>
+            <a:ext cx="5293209" cy="3348197"/>
           </a:xfrm>
+          <a:prstGeom prst="rect">
+            <a:avLst/>
+          </a:prstGeom>
         </p:spPr>
       </p:pic>
     </p:spTree>
     <p:extLst>
       <p:ext uri="{BB962C8B-B14F-4D97-AF65-F5344CB8AC3E}">
-        <p14:creationId xmlns:p14="http://schemas.microsoft.com/office/powerpoint/2010/main" val="3145248539"/>
+        <p14:creationId xmlns:p14="http://schemas.microsoft.com/office/powerpoint/2010/main" val="1885624784"/>
       </p:ext>
     </p:extLst>
   </p:cSld>
@@ -16546,14 +17020,27 @@
           <a:p>
             <a:r>
               <a:rPr lang="en-US" dirty="0"/>
-              <a:t>Component metadata</a:t>
+              <a:t>Directives</a:t>
+            </a:r>
+            <a:br>
+              <a:rPr lang="en-US" dirty="0"/>
+            </a:br>
+            <a:r>
+              <a:rPr lang="en-US" sz="2400" dirty="0"/>
+              <a:t>Angular Architecture</a:t>
             </a:r>
           </a:p>
         </p:txBody>
       </p:sp>
       <p:sp>
         <p:nvSpPr>
-          <p:cNvPr id="3" name="Content Placeholder 2"/>
+          <p:cNvPr id="7" name="Content Placeholder 2">
+            <a:extLst>
+              <a:ext uri="{FF2B5EF4-FFF2-40B4-BE49-F238E27FC236}">
+                <a16:creationId xmlns:a16="http://schemas.microsoft.com/office/drawing/2014/main" id="{7D02C817-2C7B-45F5-ACF0-BC885710469A}"/>
+              </a:ext>
+            </a:extLst>
+          </p:cNvPr>
           <p:cNvSpPr>
             <a:spLocks noGrp="1"/>
           </p:cNvSpPr>
@@ -16563,8 +17050,8 @@
         </p:nvSpPr>
         <p:spPr>
           <a:xfrm>
-            <a:off x="1154955" y="1654174"/>
-            <a:ext cx="9868645" cy="3756025"/>
+            <a:off x="1154955" y="1654175"/>
+            <a:ext cx="9868645" cy="4485368"/>
           </a:xfrm>
         </p:spPr>
         <p:txBody>
@@ -16575,72 +17062,100 @@
           <a:p>
             <a:r>
               <a:rPr lang="en-US" dirty="0"/>
-              <a:t>The @Component decorator identifies the class immediately below it as a component class, and specifies its metadata. In the example code below, you can see that </a:t>
-            </a:r>
-            <a:r>
-              <a:rPr lang="en-US" dirty="0" err="1" smtClean="0"/>
-              <a:t>EmployeesComponent</a:t>
-            </a:r>
-            <a:r>
-              <a:rPr lang="en-US" dirty="0" smtClean="0"/>
-              <a:t> </a:t>
+              <a:t>Angular templates are </a:t>
+            </a:r>
+            <a:r>
+              <a:rPr lang="en-US" i="1" dirty="0"/>
+              <a:t>dynamic</a:t>
             </a:r>
             <a:r>
               <a:rPr lang="en-US" dirty="0"/>
-              <a:t>is just a class, with no special Angular notation or syntax at all. It's not a component until you mark it as one with the @Component decorator</a:t>
-            </a:r>
-            <a:r>
-              <a:rPr lang="en-US" dirty="0" smtClean="0"/>
-              <a:t>.</a:t>
-            </a:r>
-          </a:p>
-          <a:p>
+              <a:t>. </a:t>
+            </a:r>
+          </a:p>
+          <a:p>
+            <a:pPr lvl="1"/>
             <a:r>
               <a:rPr lang="en-US" dirty="0"/>
-              <a:t>The metadata for a component tells Angular where to get the major building blocks that it needs to create and present the component and its view. In particular, it associates a </a:t>
+              <a:t>When Angular renders them, it transforms the DOM according to the instructions given by </a:t>
+            </a:r>
+            <a:r>
+              <a:rPr lang="en-US" b="1" dirty="0"/>
+              <a:t>directives</a:t>
+            </a:r>
+            <a:r>
+              <a:rPr lang="en-US" dirty="0"/>
+              <a:t>. </a:t>
+            </a:r>
+          </a:p>
+          <a:p>
+            <a:r>
+              <a:rPr lang="en-US" dirty="0"/>
+              <a:t>A directive is a class with a @Directive decorator. </a:t>
+            </a:r>
+          </a:p>
+          <a:p>
+            <a:r>
+              <a:rPr lang="en-US" dirty="0"/>
+              <a:t>A component is a </a:t>
             </a:r>
             <a:r>
               <a:rPr lang="en-US" i="1" dirty="0"/>
-              <a:t>template</a:t>
+              <a:t>directive-with-a-template</a:t>
             </a:r>
             <a:r>
               <a:rPr lang="en-US" dirty="0"/>
-              <a:t> with the component, either directly with inline code, or by reference. Together, the component and its template describe a </a:t>
-            </a:r>
-            <a:r>
-              <a:rPr lang="en-US" i="1" dirty="0"/>
-              <a:t>view</a:t>
-            </a:r>
-            <a:r>
-              <a:rPr lang="en-US" dirty="0" smtClean="0"/>
-              <a:t>.</a:t>
-            </a:r>
-          </a:p>
-          <a:p>
+              <a:t>;</a:t>
+            </a:r>
+          </a:p>
+          <a:p>
+            <a:pPr lvl="1"/>
             <a:r>
               <a:rPr lang="en-US" dirty="0"/>
-              <a:t>In addition to containing or pointing to the template, the @Component metadata configures, for example, how the component can be referenced in HTML and what services it requires.</a:t>
-            </a:r>
+              <a:t>A @Component decorator is actually a @Directive decorator extended with template-oriented features.</a:t>
+            </a:r>
+          </a:p>
+          <a:p>
+            <a:r>
+              <a:rPr lang="en-US" dirty="0"/>
+              <a:t>Appear within an element tag as attributes do</a:t>
+            </a:r>
+          </a:p>
+          <a:p>
+            <a:r>
+              <a:rPr lang="en-US" dirty="0"/>
+              <a:t>Two types of directives</a:t>
+            </a:r>
+          </a:p>
+          <a:p>
+            <a:pPr lvl="1"/>
+            <a:r>
+              <a:rPr lang="en-US" dirty="0"/>
+              <a:t>Structural directives</a:t>
+            </a:r>
+          </a:p>
+          <a:p>
+            <a:pPr lvl="1"/>
+            <a:r>
+              <a:rPr lang="en-US" dirty="0"/>
+              <a:t>Attribute directives</a:t>
+            </a:r>
+          </a:p>
+          <a:p>
+            <a:endParaRPr lang="en-US" dirty="0"/>
           </a:p>
         </p:txBody>
       </p:sp>
     </p:spTree>
     <p:extLst>
       <p:ext uri="{BB962C8B-B14F-4D97-AF65-F5344CB8AC3E}">
-        <p14:creationId xmlns:p14="http://schemas.microsoft.com/office/powerpoint/2010/main" val="3568015802"/>
+        <p14:creationId xmlns:p14="http://schemas.microsoft.com/office/powerpoint/2010/main" val="2423901730"/>
       </p:ext>
     </p:extLst>
   </p:cSld>
   <p:clrMapOvr>
     <a:masterClrMapping/>
   </p:clrMapOvr>
-  <p:timing>
-    <p:tnLst>
-      <p:par>
-        <p:cTn id="1" dur="indefinite" restart="never" nodeType="tmRoot"/>
-      </p:par>
-    </p:tnLst>
-  </p:timing>
 </p:sld>
 </file>
 
@@ -16677,16 +17192,28 @@
           <a:lstStyle/>
           <a:p>
             <a:r>
-              <a:rPr lang="en-US" dirty="0" smtClean="0"/>
-              <a:t>Example of Component metadata</a:t>
-            </a:r>
-            <a:endParaRPr lang="en-US" dirty="0"/>
+              <a:rPr lang="en-US" dirty="0"/>
+              <a:t>Directives</a:t>
+            </a:r>
+            <a:br>
+              <a:rPr lang="en-US" dirty="0"/>
+            </a:br>
+            <a:r>
+              <a:rPr lang="en-US" sz="2400" dirty="0"/>
+              <a:t>Angular Architecture</a:t>
+            </a:r>
           </a:p>
         </p:txBody>
       </p:sp>
       <p:sp>
         <p:nvSpPr>
-          <p:cNvPr id="8" name="Content Placeholder 7"/>
+          <p:cNvPr id="7" name="Content Placeholder 2">
+            <a:extLst>
+              <a:ext uri="{FF2B5EF4-FFF2-40B4-BE49-F238E27FC236}">
+                <a16:creationId xmlns:a16="http://schemas.microsoft.com/office/drawing/2014/main" id="{7D02C817-2C7B-45F5-ACF0-BC885710469A}"/>
+              </a:ext>
+            </a:extLst>
+          </p:cNvPr>
           <p:cNvSpPr>
             <a:spLocks noGrp="1"/>
           </p:cNvSpPr>
@@ -16696,8 +17223,8 @@
         </p:nvSpPr>
         <p:spPr>
           <a:xfrm>
-            <a:off x="1154955" y="2924949"/>
-            <a:ext cx="9868645" cy="3416300"/>
+            <a:off x="1154952" y="1719489"/>
+            <a:ext cx="9868645" cy="4485368"/>
           </a:xfrm>
         </p:spPr>
         <p:txBody>
@@ -16707,107 +17234,104 @@
           <a:lstStyle/>
           <a:p>
             <a:r>
-              <a:rPr lang="en-US" b="1" i="1" dirty="0"/>
-              <a:t>selector</a:t>
-            </a:r>
-            <a:r>
               <a:rPr lang="en-US" dirty="0"/>
-              <a:t>: A CSS selector that tells Angular to create and insert an instance of this component wherever it finds the corresponding tag in template HTML. For example, if an app's HTML contains &lt;</a:t>
-            </a:r>
-            <a:r>
-              <a:rPr lang="en-US" dirty="0" smtClean="0"/>
-              <a:t>app-employees&gt;&lt;/app-employees&gt;, </a:t>
-            </a:r>
+              <a:t>Structural directives</a:t>
+            </a:r>
+          </a:p>
+          <a:p>
+            <a:pPr lvl="1"/>
             <a:r>
               <a:rPr lang="en-US" dirty="0"/>
-              <a:t>then Angular inserts an instance of the </a:t>
-            </a:r>
-            <a:r>
-              <a:rPr lang="en-US" dirty="0" err="1" smtClean="0"/>
-              <a:t>EmployeesComponent</a:t>
-            </a:r>
-            <a:r>
-              <a:rPr lang="en-US" dirty="0" smtClean="0"/>
-              <a:t> </a:t>
-            </a:r>
+              <a:t>Alter the layout by adding, removing and replacing elements in the DOM</a:t>
+            </a:r>
+          </a:p>
+          <a:p>
+            <a:pPr marL="457200" lvl="1" indent="0">
+              <a:buNone/>
+            </a:pPr>
+            <a:endParaRPr lang="en-US" dirty="0"/>
+          </a:p>
+          <a:p>
+            <a:pPr marL="457200" lvl="1" indent="0">
+              <a:buNone/>
+            </a:pPr>
+            <a:endParaRPr lang="en-US" dirty="0"/>
+          </a:p>
+          <a:p>
             <a:r>
               <a:rPr lang="en-US" dirty="0"/>
-              <a:t>view between those tags</a:t>
-            </a:r>
-            <a:r>
-              <a:rPr lang="en-US" dirty="0" smtClean="0"/>
-              <a:t>.</a:t>
-            </a:r>
+              <a:t>Attribute directives</a:t>
+            </a:r>
+          </a:p>
+          <a:p>
+            <a:pPr lvl="1"/>
+            <a:r>
+              <a:rPr lang="en-US" dirty="0"/>
+              <a:t>Alter the appearance or </a:t>
+            </a:r>
+            <a:r>
+              <a:rPr lang="en-US" dirty="0" err="1"/>
+              <a:t>behaviour</a:t>
+            </a:r>
+            <a:r>
+              <a:rPr lang="en-US" dirty="0"/>
+              <a:t> of an </a:t>
+            </a:r>
+            <a:r>
+              <a:rPr lang="en-US" dirty="0" err="1"/>
+              <a:t>existant</a:t>
+            </a:r>
+            <a:r>
+              <a:rPr lang="en-US" dirty="0"/>
+              <a:t> element</a:t>
+            </a:r>
+          </a:p>
+          <a:p>
+            <a:pPr lvl="1"/>
+            <a:r>
+              <a:rPr lang="en-US" dirty="0"/>
+              <a:t>Look like regular HTML attributes</a:t>
+            </a:r>
+          </a:p>
+          <a:p>
+            <a:pPr marL="457200" lvl="1" indent="0">
+              <a:buNone/>
+            </a:pPr>
             <a:endParaRPr lang="en-US" dirty="0"/>
           </a:p>
           <a:p>
-            <a:r>
-              <a:rPr lang="en-US" b="1" i="1" dirty="0" err="1"/>
-              <a:t>templateUrl</a:t>
-            </a:r>
+            <a:pPr marL="457200" lvl="1" indent="0">
+              <a:buNone/>
+            </a:pPr>
+            <a:endParaRPr lang="en-US" dirty="0"/>
+          </a:p>
+          <a:p>
             <a:r>
               <a:rPr lang="en-US" dirty="0"/>
-              <a:t>: The module-relative address of this component's HTML template. </a:t>
-            </a:r>
-            <a:r>
-              <a:rPr lang="en-US" dirty="0" smtClean="0"/>
-              <a:t>This </a:t>
-            </a:r>
+              <a:t>Custom attributes</a:t>
+            </a:r>
+          </a:p>
+          <a:p>
+            <a:pPr lvl="1"/>
             <a:r>
               <a:rPr lang="en-US" dirty="0"/>
-              <a:t>template defines the component's host view</a:t>
-            </a:r>
-            <a:r>
-              <a:rPr lang="en-US" dirty="0" smtClean="0"/>
-              <a:t>.</a:t>
-            </a:r>
+              <a:t>You can write your own directives</a:t>
+            </a:r>
+          </a:p>
+          <a:p>
             <a:endParaRPr lang="en-US" dirty="0"/>
-          </a:p>
-          <a:p>
-            <a:r>
-              <a:rPr lang="en-US" b="1" i="1" dirty="0"/>
-              <a:t>providers</a:t>
-            </a:r>
-            <a:r>
-              <a:rPr lang="en-US" dirty="0"/>
-              <a:t>: An array of providers for services that the component requires. In the example, this tells Angular how to provide the </a:t>
-            </a:r>
-            <a:r>
-              <a:rPr lang="en-US" dirty="0" err="1" smtClean="0"/>
-              <a:t>EmployeeService</a:t>
-            </a:r>
-            <a:r>
-              <a:rPr lang="en-US" dirty="0" smtClean="0"/>
-              <a:t> </a:t>
-            </a:r>
-            <a:r>
-              <a:rPr lang="en-US" dirty="0"/>
-              <a:t>instance that the component's constructor uses to get the list of heroes to display</a:t>
-            </a:r>
-            <a:r>
-              <a:rPr lang="en-US" dirty="0" smtClean="0"/>
-              <a:t>.</a:t>
-            </a:r>
-          </a:p>
-          <a:p>
-            <a:r>
-              <a:rPr lang="en-US" b="1" i="1" dirty="0" err="1" smtClean="0"/>
-              <a:t>styleUrls</a:t>
-            </a:r>
-            <a:r>
-              <a:rPr lang="en-US" dirty="0" smtClean="0"/>
-              <a:t>: Gives </a:t>
-            </a:r>
-            <a:r>
-              <a:rPr lang="en-US" dirty="0"/>
-              <a:t>the path of the CSS style sheet.</a:t>
-            </a:r>
           </a:p>
         </p:txBody>
       </p:sp>
       <p:pic>
         <p:nvPicPr>
-          <p:cNvPr id="11" name="Picture 10"/>
+          <p:cNvPr id="4" name="Picture 3">
+            <a:extLst>
+              <a:ext uri="{FF2B5EF4-FFF2-40B4-BE49-F238E27FC236}">
+                <a16:creationId xmlns:a16="http://schemas.microsoft.com/office/drawing/2014/main" id="{D2E50542-215D-47EA-AE67-DB545D7BCD88}"/>
+              </a:ext>
+            </a:extLst>
+          </p:cNvPr>
           <p:cNvPicPr>
             <a:picLocks noChangeAspect="1"/>
           </p:cNvPicPr>
@@ -16827,8 +17351,44 @@
         </p:blipFill>
         <p:spPr>
           <a:xfrm>
-            <a:off x="3502319" y="1236908"/>
-            <a:ext cx="5173913" cy="1688041"/>
+            <a:off x="3795212" y="2497666"/>
+            <a:ext cx="4588123" cy="600190"/>
+          </a:xfrm>
+          <a:prstGeom prst="rect">
+            <a:avLst/>
+          </a:prstGeom>
+        </p:spPr>
+      </p:pic>
+      <p:pic>
+        <p:nvPicPr>
+          <p:cNvPr id="6" name="Picture 5">
+            <a:extLst>
+              <a:ext uri="{FF2B5EF4-FFF2-40B4-BE49-F238E27FC236}">
+                <a16:creationId xmlns:a16="http://schemas.microsoft.com/office/drawing/2014/main" id="{121C8897-B295-447B-9C42-F55F749738C3}"/>
+              </a:ext>
+            </a:extLst>
+          </p:cNvPr>
+          <p:cNvPicPr>
+            <a:picLocks noChangeAspect="1"/>
+          </p:cNvPicPr>
+          <p:nvPr/>
+        </p:nvPicPr>
+        <p:blipFill>
+          <a:blip r:embed="rId3">
+            <a:extLst>
+              <a:ext uri="{28A0092B-C50C-407E-A947-70E740481C1C}">
+                <a14:useLocalDpi xmlns:a14="http://schemas.microsoft.com/office/drawing/2010/main" val="0"/>
+              </a:ext>
+            </a:extLst>
+          </a:blip>
+          <a:stretch>
+            <a:fillRect/>
+          </a:stretch>
+        </p:blipFill>
+        <p:spPr>
+          <a:xfrm>
+            <a:off x="2078479" y="4485685"/>
+            <a:ext cx="8035041" cy="331342"/>
           </a:xfrm>
           <a:prstGeom prst="rect">
             <a:avLst/>
@@ -16838,20 +17398,13 @@
     </p:spTree>
     <p:extLst>
       <p:ext uri="{BB962C8B-B14F-4D97-AF65-F5344CB8AC3E}">
-        <p14:creationId xmlns:p14="http://schemas.microsoft.com/office/powerpoint/2010/main" val="1406710191"/>
+        <p14:creationId xmlns:p14="http://schemas.microsoft.com/office/powerpoint/2010/main" val="50648907"/>
       </p:ext>
     </p:extLst>
   </p:cSld>
   <p:clrMapOvr>
     <a:masterClrMapping/>
   </p:clrMapOvr>
-  <p:timing>
-    <p:tnLst>
-      <p:par>
-        <p:cTn id="1" dur="indefinite" restart="never" nodeType="tmRoot"/>
-      </p:par>
-    </p:tnLst>
-  </p:timing>
 </p:sld>
 </file>
 
@@ -16874,7 +17427,13 @@
       </p:grpSpPr>
       <p:sp>
         <p:nvSpPr>
-          <p:cNvPr id="2" name="Title 1"/>
+          <p:cNvPr id="2" name="Title 1">
+            <a:extLst>
+              <a:ext uri="{FF2B5EF4-FFF2-40B4-BE49-F238E27FC236}">
+                <a16:creationId xmlns:a16="http://schemas.microsoft.com/office/drawing/2014/main" id="{9B27BDC2-B667-4F89-B5F3-1B7FD8417B21}"/>
+              </a:ext>
+            </a:extLst>
+          </p:cNvPr>
           <p:cNvSpPr>
             <a:spLocks noGrp="1"/>
           </p:cNvSpPr>
@@ -16889,19 +17448,20 @@
           <a:p>
             <a:r>
               <a:rPr lang="en-US" dirty="0"/>
-              <a:t>Template </a:t>
-            </a:r>
-            <a:r>
-              <a:rPr lang="en-US" dirty="0" smtClean="0"/>
-              <a:t>syntax</a:t>
-            </a:r>
-            <a:endParaRPr lang="en-US" dirty="0"/>
+              <a:t>Demo</a:t>
+            </a:r>
           </a:p>
         </p:txBody>
       </p:sp>
       <p:sp>
         <p:nvSpPr>
-          <p:cNvPr id="3" name="Content Placeholder 2"/>
+          <p:cNvPr id="3" name="Content Placeholder 2">
+            <a:extLst>
+              <a:ext uri="{FF2B5EF4-FFF2-40B4-BE49-F238E27FC236}">
+                <a16:creationId xmlns:a16="http://schemas.microsoft.com/office/drawing/2014/main" id="{B6244EBB-4398-4AA1-B6F0-3AD07408417E}"/>
+              </a:ext>
+            </a:extLst>
+          </p:cNvPr>
           <p:cNvSpPr>
             <a:spLocks noGrp="1"/>
           </p:cNvSpPr>
@@ -16916,41 +17476,7 @@
           <a:p>
             <a:r>
               <a:rPr lang="en-US" dirty="0"/>
-              <a:t>A template looks like regular HTML, except that it also contains Angular </a:t>
-            </a:r>
-            <a:r>
-              <a:rPr lang="en-US" dirty="0">
-                <a:hlinkClick r:id="rId2"/>
-              </a:rPr>
-              <a:t>template syntax</a:t>
-            </a:r>
-            <a:r>
-              <a:rPr lang="en-US" dirty="0"/>
-              <a:t>, which alters the HTML based on your app's logic and the state of app and DOM data. Your template can use </a:t>
-            </a:r>
-            <a:r>
-              <a:rPr lang="en-US" i="1" dirty="0"/>
-              <a:t>data binding</a:t>
-            </a:r>
-            <a:r>
-              <a:rPr lang="en-US" dirty="0"/>
-              <a:t> to coordinate the app and DOM data, </a:t>
-            </a:r>
-            <a:r>
-              <a:rPr lang="en-US" i="1" dirty="0"/>
-              <a:t>pipes</a:t>
-            </a:r>
-            <a:r>
-              <a:rPr lang="en-US" dirty="0"/>
-              <a:t> to transform data before it is displayed, and </a:t>
-            </a:r>
-            <a:r>
-              <a:rPr lang="en-US" i="1" dirty="0"/>
-              <a:t>directives</a:t>
-            </a:r>
-            <a:r>
-              <a:rPr lang="en-US" dirty="0"/>
-              <a:t> to apply app logic to what gets displayed.</a:t>
+              <a:t>Create components</a:t>
             </a:r>
           </a:p>
         </p:txBody>
@@ -16958,20 +17484,13 @@
     </p:spTree>
     <p:extLst>
       <p:ext uri="{BB962C8B-B14F-4D97-AF65-F5344CB8AC3E}">
-        <p14:creationId xmlns:p14="http://schemas.microsoft.com/office/powerpoint/2010/main" val="1041945305"/>
+        <p14:creationId xmlns:p14="http://schemas.microsoft.com/office/powerpoint/2010/main" val="2615996406"/>
       </p:ext>
     </p:extLst>
   </p:cSld>
   <p:clrMapOvr>
     <a:masterClrMapping/>
   </p:clrMapOvr>
-  <p:timing>
-    <p:tnLst>
-      <p:par>
-        <p:cTn id="1" dur="indefinite" restart="never" nodeType="tmRoot"/>
-      </p:par>
-    </p:tnLst>
-  </p:timing>
 </p:sld>
 </file>
 
@@ -17008,16 +17527,28 @@
           <a:lstStyle/>
           <a:p>
             <a:r>
-              <a:rPr lang="en-US" dirty="0" smtClean="0"/>
-              <a:t>Example of Template</a:t>
-            </a:r>
-            <a:endParaRPr lang="en-US" dirty="0"/>
+              <a:rPr lang="en-US" dirty="0"/>
+              <a:t>Services</a:t>
+            </a:r>
+            <a:br>
+              <a:rPr lang="en-US" dirty="0"/>
+            </a:br>
+            <a:r>
+              <a:rPr lang="en-US" sz="2400" dirty="0"/>
+              <a:t>Angular Architecture</a:t>
+            </a:r>
           </a:p>
         </p:txBody>
       </p:sp>
       <p:sp>
         <p:nvSpPr>
-          <p:cNvPr id="3" name="Content Placeholder 2"/>
+          <p:cNvPr id="7" name="Content Placeholder 2">
+            <a:extLst>
+              <a:ext uri="{FF2B5EF4-FFF2-40B4-BE49-F238E27FC236}">
+                <a16:creationId xmlns:a16="http://schemas.microsoft.com/office/drawing/2014/main" id="{7D02C817-2C7B-45F5-ACF0-BC885710469A}"/>
+              </a:ext>
+            </a:extLst>
+          </p:cNvPr>
           <p:cNvSpPr>
             <a:spLocks noGrp="1"/>
           </p:cNvSpPr>
@@ -17027,112 +17558,85 @@
         </p:nvSpPr>
         <p:spPr>
           <a:xfrm>
-            <a:off x="1154955" y="4203699"/>
-            <a:ext cx="9868645" cy="1603375"/>
+            <a:off x="1154952" y="1719489"/>
+            <a:ext cx="9868645" cy="4485368"/>
           </a:xfrm>
         </p:spPr>
         <p:txBody>
-          <a:bodyPr/>
+          <a:bodyPr>
+            <a:normAutofit/>
+          </a:bodyPr>
           <a:lstStyle/>
           <a:p>
             <a:r>
               <a:rPr lang="en-US" dirty="0"/>
-              <a:t>This template uses typical HTML elements like &lt;</a:t>
-            </a:r>
-            <a:r>
-              <a:rPr lang="en-US" dirty="0" smtClean="0"/>
-              <a:t>h2&gt; and </a:t>
-            </a:r>
+              <a:t>Almost anything can be a service</a:t>
+            </a:r>
+          </a:p>
+          <a:p>
             <a:r>
               <a:rPr lang="en-US" dirty="0"/>
-              <a:t>also includes Angular template-syntax elements, *</a:t>
-            </a:r>
-            <a:r>
-              <a:rPr lang="en-US" dirty="0" err="1"/>
-              <a:t>ngFor</a:t>
-            </a:r>
+              <a:t>A class with a narrow, well-defined purpose</a:t>
+            </a:r>
+          </a:p>
+          <a:p>
+            <a:pPr lvl="1"/>
             <a:r>
               <a:rPr lang="en-US" dirty="0"/>
-              <a:t>, </a:t>
-            </a:r>
-            <a:r>
-              <a:rPr lang="en-US" dirty="0" smtClean="0"/>
-              <a:t>{{</a:t>
-            </a:r>
-            <a:r>
-              <a:rPr lang="en-US" dirty="0" err="1" smtClean="0"/>
-              <a:t>employee.username</a:t>
-            </a:r>
+              <a:t>Ex: logging service, data service, application configurations,…</a:t>
+            </a:r>
+          </a:p>
+          <a:p>
             <a:r>
               <a:rPr lang="en-US" dirty="0"/>
-              <a:t>}}, </a:t>
-            </a:r>
-            <a:r>
-              <a:rPr lang="en-US" dirty="0" smtClean="0"/>
-              <a:t>[employee], </a:t>
-            </a:r>
+              <a:t>There is no specific definition of a class in Angular, but classes are fundamental to any Angular application</a:t>
+            </a:r>
+          </a:p>
+          <a:p>
             <a:r>
               <a:rPr lang="en-US" dirty="0"/>
-              <a:t>and &lt;</a:t>
-            </a:r>
-            <a:r>
-              <a:rPr lang="en-US" dirty="0" smtClean="0"/>
-              <a:t>app-employee-detail</a:t>
-            </a:r>
+              <a:t>Component classes should be lean</a:t>
+            </a:r>
+          </a:p>
+          <a:p>
+            <a:pPr lvl="1"/>
             <a:r>
               <a:rPr lang="en-US" dirty="0"/>
-              <a:t>&gt;. The template-syntax elements tell Angular how to render the HTML to the screen, using program logic and data.</a:t>
+              <a:t>They shouldn’t fetch data from the server, validate user input or log directly to the console</a:t>
+            </a:r>
+          </a:p>
+          <a:p>
+            <a:pPr lvl="1"/>
+            <a:r>
+              <a:rPr lang="en-US" dirty="0"/>
+              <a:t>They just deal with user experience, mediate between the view and the logic</a:t>
+            </a:r>
+          </a:p>
+          <a:p>
+            <a:pPr lvl="1"/>
+            <a:r>
+              <a:rPr lang="en-US" dirty="0"/>
+              <a:t>Everything non trivial should be delegated to services</a:t>
+            </a:r>
+          </a:p>
+          <a:p>
+            <a:r>
+              <a:rPr lang="en-US" dirty="0"/>
+              <a:t>A service is associated to a component using dependency injection</a:t>
             </a:r>
           </a:p>
         </p:txBody>
       </p:sp>
-      <p:pic>
-        <p:nvPicPr>
-          <p:cNvPr id="5" name="Picture 4"/>
-          <p:cNvPicPr>
-            <a:picLocks noChangeAspect="1"/>
-          </p:cNvPicPr>
-          <p:nvPr/>
-        </p:nvPicPr>
-        <p:blipFill>
-          <a:blip r:embed="rId2">
-            <a:extLst>
-              <a:ext uri="{28A0092B-C50C-407E-A947-70E740481C1C}">
-                <a14:useLocalDpi xmlns:a14="http://schemas.microsoft.com/office/drawing/2010/main" val="0"/>
-              </a:ext>
-            </a:extLst>
-          </a:blip>
-          <a:stretch>
-            <a:fillRect/>
-          </a:stretch>
-        </p:blipFill>
-        <p:spPr>
-          <a:xfrm>
-            <a:off x="2568922" y="1468366"/>
-            <a:ext cx="7040707" cy="2306248"/>
-          </a:xfrm>
-          <a:prstGeom prst="rect">
-            <a:avLst/>
-          </a:prstGeom>
-        </p:spPr>
-      </p:pic>
     </p:spTree>
     <p:extLst>
       <p:ext uri="{BB962C8B-B14F-4D97-AF65-F5344CB8AC3E}">
-        <p14:creationId xmlns:p14="http://schemas.microsoft.com/office/powerpoint/2010/main" val="3052963936"/>
+        <p14:creationId xmlns:p14="http://schemas.microsoft.com/office/powerpoint/2010/main" val="640722413"/>
       </p:ext>
     </p:extLst>
   </p:cSld>
   <p:clrMapOvr>
     <a:masterClrMapping/>
   </p:clrMapOvr>
-  <p:timing>
-    <p:tnLst>
-      <p:par>
-        <p:cTn id="1" dur="indefinite" restart="never" nodeType="tmRoot"/>
-      </p:par>
-    </p:tnLst>
-  </p:timing>
 </p:sld>
 </file>
 
@@ -17170,1487 +17674,8 @@
           <a:p>
             <a:r>
               <a:rPr lang="en-US" dirty="0"/>
-              <a:t>Example of Template</a:t>
-            </a:r>
-          </a:p>
-        </p:txBody>
-      </p:sp>
-      <p:sp>
-        <p:nvSpPr>
-          <p:cNvPr id="3" name="Content Placeholder 2"/>
-          <p:cNvSpPr>
-            <a:spLocks noGrp="1"/>
-          </p:cNvSpPr>
-          <p:nvPr>
-            <p:ph idx="1"/>
-          </p:nvPr>
-        </p:nvSpPr>
-        <p:spPr/>
-        <p:txBody>
-          <a:bodyPr>
-            <a:normAutofit/>
-          </a:bodyPr>
-          <a:lstStyle/>
-          <a:p>
-            <a:pPr lvl="1"/>
-            <a:r>
-              <a:rPr lang="en-US" dirty="0" smtClean="0"/>
-              <a:t>The </a:t>
-            </a:r>
-            <a:r>
-              <a:rPr lang="en-US" dirty="0"/>
-              <a:t>*</a:t>
-            </a:r>
-            <a:r>
-              <a:rPr lang="en-US" dirty="0" err="1"/>
-              <a:t>ngFor</a:t>
-            </a:r>
-            <a:r>
-              <a:rPr lang="en-US" dirty="0"/>
-              <a:t> directive tells Angular to iterate over a list.</a:t>
-            </a:r>
-          </a:p>
-          <a:p>
-            <a:pPr lvl="1"/>
-            <a:r>
-              <a:rPr lang="en-US" dirty="0" smtClean="0"/>
-              <a:t>{{</a:t>
-            </a:r>
-            <a:r>
-              <a:rPr lang="en-US" dirty="0" err="1" smtClean="0"/>
-              <a:t>employee.username</a:t>
-            </a:r>
-            <a:r>
-              <a:rPr lang="en-US" dirty="0"/>
-              <a:t>}}, </a:t>
-            </a:r>
-            <a:r>
-              <a:rPr lang="en-US" dirty="0" smtClean="0"/>
-              <a:t>and [employee] </a:t>
-            </a:r>
-            <a:r>
-              <a:rPr lang="en-US" dirty="0"/>
-              <a:t>bind program data to and from the DOM, responding to user input. See more about data binding below.</a:t>
-            </a:r>
-          </a:p>
-          <a:p>
-            <a:pPr lvl="1"/>
-            <a:r>
-              <a:rPr lang="en-US" dirty="0"/>
-              <a:t>The &lt;app-hero-detail&gt; tag in the example is an element that represents a new component, </a:t>
-            </a:r>
-            <a:r>
-              <a:rPr lang="en-US" dirty="0" err="1"/>
-              <a:t>HeroDetailComponent</a:t>
-            </a:r>
-            <a:r>
-              <a:rPr lang="en-US" dirty="0"/>
-              <a:t>. </a:t>
-            </a:r>
-            <a:r>
-              <a:rPr lang="en-US" dirty="0" err="1"/>
-              <a:t>HeroDetailComponent</a:t>
-            </a:r>
-            <a:r>
-              <a:rPr lang="en-US" dirty="0"/>
-              <a:t> (code not shown) defines the hero-detail child view of </a:t>
-            </a:r>
-            <a:r>
-              <a:rPr lang="en-US" dirty="0" err="1"/>
-              <a:t>HeroListComponent</a:t>
-            </a:r>
-            <a:r>
-              <a:rPr lang="en-US" dirty="0"/>
-              <a:t>. Notice how custom components like this mix seamlessly with native HTML in the same layouts.</a:t>
-            </a:r>
-          </a:p>
-        </p:txBody>
-      </p:sp>
-    </p:spTree>
-    <p:extLst>
-      <p:ext uri="{BB962C8B-B14F-4D97-AF65-F5344CB8AC3E}">
-        <p14:creationId xmlns:p14="http://schemas.microsoft.com/office/powerpoint/2010/main" val="614115626"/>
-      </p:ext>
-    </p:extLst>
-  </p:cSld>
-  <p:clrMapOvr>
-    <a:masterClrMapping/>
-  </p:clrMapOvr>
-  <p:timing>
-    <p:tnLst>
-      <p:par>
-        <p:cTn id="1" dur="indefinite" restart="never" nodeType="tmRoot"/>
-      </p:par>
-    </p:tnLst>
-  </p:timing>
-</p:sld>
-</file>
-
-<file path=ppt/slides/slide16.xml><?xml version="1.0" encoding="utf-8"?>
-<p:sld xmlns:a="http://schemas.openxmlformats.org/drawingml/2006/main" xmlns:r="http://schemas.openxmlformats.org/officeDocument/2006/relationships" xmlns:p="http://schemas.openxmlformats.org/presentationml/2006/main">
-  <p:cSld>
-    <p:spTree>
-      <p:nvGrpSpPr>
-        <p:cNvPr id="1" name=""/>
-        <p:cNvGrpSpPr/>
-        <p:nvPr/>
-      </p:nvGrpSpPr>
-      <p:grpSpPr>
-        <a:xfrm>
-          <a:off x="0" y="0"/>
-          <a:ext cx="0" cy="0"/>
-          <a:chOff x="0" y="0"/>
-          <a:chExt cx="0" cy="0"/>
-        </a:xfrm>
-      </p:grpSpPr>
-      <p:sp>
-        <p:nvSpPr>
-          <p:cNvPr id="2" name="Title 1"/>
-          <p:cNvSpPr>
-            <a:spLocks noGrp="1"/>
-          </p:cNvSpPr>
-          <p:nvPr>
-            <p:ph type="title"/>
-          </p:nvPr>
-        </p:nvSpPr>
-        <p:spPr/>
-        <p:txBody>
-          <a:bodyPr/>
-          <a:lstStyle/>
-          <a:p>
-            <a:r>
-              <a:rPr lang="en-US" dirty="0"/>
-              <a:t>Data </a:t>
-            </a:r>
-            <a:r>
-              <a:rPr lang="en-US" dirty="0" smtClean="0"/>
-              <a:t>binding</a:t>
-            </a:r>
-            <a:endParaRPr lang="en-US" dirty="0"/>
-          </a:p>
-        </p:txBody>
-      </p:sp>
-      <p:sp>
-        <p:nvSpPr>
-          <p:cNvPr id="3" name="Content Placeholder 2"/>
-          <p:cNvSpPr>
-            <a:spLocks noGrp="1"/>
-          </p:cNvSpPr>
-          <p:nvPr>
-            <p:ph idx="1"/>
-          </p:nvPr>
-        </p:nvSpPr>
-        <p:spPr>
-          <a:xfrm>
-            <a:off x="1154955" y="1654174"/>
-            <a:ext cx="7074645" cy="4594226"/>
-          </a:xfrm>
-        </p:spPr>
-        <p:txBody>
-          <a:bodyPr>
-            <a:normAutofit/>
-          </a:bodyPr>
-          <a:lstStyle/>
-          <a:p>
-            <a:r>
-              <a:rPr lang="en-US" dirty="0" smtClean="0"/>
-              <a:t>The </a:t>
-            </a:r>
-            <a:r>
-              <a:rPr lang="en-US" dirty="0"/>
-              <a:t>following diagram shows the four forms of data binding markup. Each form has a direction: to the DOM, from the DOM, or both</a:t>
-            </a:r>
-            <a:r>
-              <a:rPr lang="en-US" dirty="0" smtClean="0"/>
-              <a:t>.</a:t>
-            </a:r>
-          </a:p>
-          <a:p>
-            <a:pPr lvl="1"/>
-            <a:r>
-              <a:rPr lang="en-US" b="1" i="1" dirty="0"/>
-              <a:t>interpolation</a:t>
-            </a:r>
-            <a:r>
-              <a:rPr lang="en-US" dirty="0"/>
-              <a:t> </a:t>
-            </a:r>
-            <a:r>
-              <a:rPr lang="en-US" dirty="0" smtClean="0"/>
-              <a:t>{{value}} displays </a:t>
-            </a:r>
-            <a:r>
-              <a:rPr lang="en-US" dirty="0"/>
-              <a:t>the component's </a:t>
-            </a:r>
-            <a:r>
-              <a:rPr lang="en-US" dirty="0" smtClean="0"/>
-              <a:t>property </a:t>
-            </a:r>
-            <a:r>
-              <a:rPr lang="en-US" dirty="0"/>
-              <a:t>value within the </a:t>
-            </a:r>
-            <a:r>
-              <a:rPr lang="en-US" dirty="0" smtClean="0"/>
-              <a:t>tag </a:t>
-            </a:r>
-            <a:r>
-              <a:rPr lang="en-US" dirty="0"/>
-              <a:t>element</a:t>
-            </a:r>
-            <a:r>
-              <a:rPr lang="en-US" dirty="0" smtClean="0"/>
-              <a:t>.</a:t>
-            </a:r>
-          </a:p>
-          <a:p>
-            <a:pPr lvl="1"/>
-            <a:r>
-              <a:rPr lang="en-US" b="1" i="1" dirty="0"/>
-              <a:t>p</a:t>
-            </a:r>
-            <a:r>
-              <a:rPr lang="en-US" b="1" i="1" dirty="0" smtClean="0"/>
-              <a:t>roperty binding </a:t>
-            </a:r>
-            <a:r>
-              <a:rPr lang="en-US" dirty="0" smtClean="0"/>
-              <a:t>[property] passes the value from the parent to the child</a:t>
-            </a:r>
-            <a:endParaRPr lang="en-US" b="1" i="1" dirty="0" smtClean="0"/>
-          </a:p>
-          <a:p>
-            <a:pPr lvl="1"/>
-            <a:r>
-              <a:rPr lang="en-US" b="1" i="1" dirty="0" smtClean="0"/>
-              <a:t>event binding </a:t>
-            </a:r>
-            <a:r>
-              <a:rPr lang="en-US" dirty="0" smtClean="0"/>
-              <a:t>(click) calls the </a:t>
-            </a:r>
-            <a:r>
-              <a:rPr lang="en-US" dirty="0" err="1" smtClean="0"/>
-              <a:t>compnenet’s</a:t>
-            </a:r>
-            <a:r>
-              <a:rPr lang="en-US" dirty="0" smtClean="0"/>
-              <a:t> method when user click on HTML</a:t>
-            </a:r>
-          </a:p>
-          <a:p>
-            <a:pPr lvl="1"/>
-            <a:r>
-              <a:rPr lang="en-US" b="1" dirty="0"/>
-              <a:t>Two-way data binding</a:t>
-            </a:r>
-            <a:r>
-              <a:rPr lang="en-US" dirty="0"/>
-              <a:t> is an important part as it combines property and event binding in a single notation, using the </a:t>
-            </a:r>
-            <a:r>
-              <a:rPr lang="en-US" dirty="0" err="1"/>
-              <a:t>ngModel</a:t>
-            </a:r>
-            <a:r>
-              <a:rPr lang="en-US" dirty="0"/>
-              <a:t> directive. </a:t>
-            </a:r>
-          </a:p>
-        </p:txBody>
-      </p:sp>
-      <p:pic>
-        <p:nvPicPr>
-          <p:cNvPr id="6" name="Picture 5"/>
-          <p:cNvPicPr>
-            <a:picLocks noChangeAspect="1"/>
-          </p:cNvPicPr>
-          <p:nvPr/>
-        </p:nvPicPr>
-        <p:blipFill>
-          <a:blip r:embed="rId2">
-            <a:extLst>
-              <a:ext uri="{28A0092B-C50C-407E-A947-70E740481C1C}">
-                <a14:useLocalDpi xmlns:a14="http://schemas.microsoft.com/office/drawing/2010/main" val="0"/>
-              </a:ext>
-            </a:extLst>
-          </a:blip>
-          <a:stretch>
-            <a:fillRect/>
-          </a:stretch>
-        </p:blipFill>
-        <p:spPr>
-          <a:xfrm>
-            <a:off x="8227946" y="1654174"/>
-            <a:ext cx="3517747" cy="3286126"/>
-          </a:xfrm>
-          <a:prstGeom prst="rect">
-            <a:avLst/>
-          </a:prstGeom>
-        </p:spPr>
-      </p:pic>
-    </p:spTree>
-    <p:extLst>
-      <p:ext uri="{BB962C8B-B14F-4D97-AF65-F5344CB8AC3E}">
-        <p14:creationId xmlns:p14="http://schemas.microsoft.com/office/powerpoint/2010/main" val="3389977214"/>
-      </p:ext>
-    </p:extLst>
-  </p:cSld>
-  <p:clrMapOvr>
-    <a:masterClrMapping/>
-  </p:clrMapOvr>
-  <p:timing>
-    <p:tnLst>
-      <p:par>
-        <p:cTn id="1" dur="indefinite" restart="never" nodeType="tmRoot"/>
-      </p:par>
-    </p:tnLst>
-  </p:timing>
-</p:sld>
-</file>
-
-<file path=ppt/slides/slide17.xml><?xml version="1.0" encoding="utf-8"?>
-<p:sld xmlns:a="http://schemas.openxmlformats.org/drawingml/2006/main" xmlns:r="http://schemas.openxmlformats.org/officeDocument/2006/relationships" xmlns:p="http://schemas.openxmlformats.org/presentationml/2006/main">
-  <p:cSld>
-    <p:spTree>
-      <p:nvGrpSpPr>
-        <p:cNvPr id="1" name=""/>
-        <p:cNvGrpSpPr/>
-        <p:nvPr/>
-      </p:nvGrpSpPr>
-      <p:grpSpPr>
-        <a:xfrm>
-          <a:off x="0" y="0"/>
-          <a:ext cx="0" cy="0"/>
-          <a:chOff x="0" y="0"/>
-          <a:chExt cx="0" cy="0"/>
-        </a:xfrm>
-      </p:grpSpPr>
-      <p:sp>
-        <p:nvSpPr>
-          <p:cNvPr id="2" name="Title 1"/>
-          <p:cNvSpPr>
-            <a:spLocks noGrp="1"/>
-          </p:cNvSpPr>
-          <p:nvPr>
-            <p:ph type="title"/>
-          </p:nvPr>
-        </p:nvSpPr>
-        <p:spPr/>
-        <p:txBody>
-          <a:bodyPr/>
-          <a:lstStyle/>
-          <a:p>
-            <a:r>
-              <a:rPr lang="en-US" dirty="0" smtClean="0"/>
-              <a:t>Example of Data binding</a:t>
-            </a:r>
-            <a:endParaRPr lang="en-US" dirty="0"/>
-          </a:p>
-        </p:txBody>
-      </p:sp>
-      <p:pic>
-        <p:nvPicPr>
-          <p:cNvPr id="4" name="Content Placeholder 3"/>
-          <p:cNvPicPr>
-            <a:picLocks noGrp="1" noChangeAspect="1"/>
-          </p:cNvPicPr>
-          <p:nvPr>
-            <p:ph idx="1"/>
-          </p:nvPr>
-        </p:nvPicPr>
-        <p:blipFill>
-          <a:blip r:embed="rId2"/>
-          <a:stretch>
-            <a:fillRect/>
-          </a:stretch>
-        </p:blipFill>
-        <p:spPr>
-          <a:xfrm>
-            <a:off x="1154953" y="3956050"/>
-            <a:ext cx="9579873" cy="1949450"/>
-          </a:xfrm>
-          <a:prstGeom prst="rect">
-            <a:avLst/>
-          </a:prstGeom>
-        </p:spPr>
-      </p:pic>
-      <p:pic>
-        <p:nvPicPr>
-          <p:cNvPr id="6" name="Picture 5"/>
-          <p:cNvPicPr>
-            <a:picLocks noChangeAspect="1"/>
-          </p:cNvPicPr>
-          <p:nvPr/>
-        </p:nvPicPr>
-        <p:blipFill>
-          <a:blip r:embed="rId3">
-            <a:extLst>
-              <a:ext uri="{28A0092B-C50C-407E-A947-70E740481C1C}">
-                <a14:useLocalDpi xmlns:a14="http://schemas.microsoft.com/office/drawing/2010/main" val="0"/>
-              </a:ext>
-            </a:extLst>
-          </a:blip>
-          <a:stretch>
-            <a:fillRect/>
-          </a:stretch>
-        </p:blipFill>
-        <p:spPr>
-          <a:xfrm>
-            <a:off x="2568922" y="1519166"/>
-            <a:ext cx="7040707" cy="2306248"/>
-          </a:xfrm>
-          <a:prstGeom prst="rect">
-            <a:avLst/>
-          </a:prstGeom>
-        </p:spPr>
-      </p:pic>
-    </p:spTree>
-    <p:extLst>
-      <p:ext uri="{BB962C8B-B14F-4D97-AF65-F5344CB8AC3E}">
-        <p14:creationId xmlns:p14="http://schemas.microsoft.com/office/powerpoint/2010/main" val="3092398929"/>
-      </p:ext>
-    </p:extLst>
-  </p:cSld>
-  <p:clrMapOvr>
-    <a:masterClrMapping/>
-  </p:clrMapOvr>
-  <p:timing>
-    <p:tnLst>
-      <p:par>
-        <p:cTn id="1" dur="indefinite" restart="never" nodeType="tmRoot"/>
-      </p:par>
-    </p:tnLst>
-  </p:timing>
-</p:sld>
-</file>
-
-<file path=ppt/slides/slide18.xml><?xml version="1.0" encoding="utf-8"?>
-<p:sld xmlns:a="http://schemas.openxmlformats.org/drawingml/2006/main" xmlns:r="http://schemas.openxmlformats.org/officeDocument/2006/relationships" xmlns:p="http://schemas.openxmlformats.org/presentationml/2006/main">
-  <p:cSld>
-    <p:spTree>
-      <p:nvGrpSpPr>
-        <p:cNvPr id="1" name=""/>
-        <p:cNvGrpSpPr/>
-        <p:nvPr/>
-      </p:nvGrpSpPr>
-      <p:grpSpPr>
-        <a:xfrm>
-          <a:off x="0" y="0"/>
-          <a:ext cx="0" cy="0"/>
-          <a:chOff x="0" y="0"/>
-          <a:chExt cx="0" cy="0"/>
-        </a:xfrm>
-      </p:grpSpPr>
-      <p:sp>
-        <p:nvSpPr>
-          <p:cNvPr id="2" name="Title 1"/>
-          <p:cNvSpPr>
-            <a:spLocks noGrp="1"/>
-          </p:cNvSpPr>
-          <p:nvPr>
-            <p:ph type="title"/>
-          </p:nvPr>
-        </p:nvSpPr>
-        <p:spPr/>
-        <p:txBody>
-          <a:bodyPr/>
-          <a:lstStyle/>
-          <a:p>
-            <a:r>
-              <a:rPr lang="en-US" dirty="0"/>
-              <a:t>Two-way data binding</a:t>
-            </a:r>
-          </a:p>
-        </p:txBody>
-      </p:sp>
-      <p:sp>
-        <p:nvSpPr>
-          <p:cNvPr id="3" name="Content Placeholder 2"/>
-          <p:cNvSpPr>
-            <a:spLocks noGrp="1"/>
-          </p:cNvSpPr>
-          <p:nvPr>
-            <p:ph idx="1"/>
-          </p:nvPr>
-        </p:nvSpPr>
-        <p:spPr/>
-        <p:txBody>
-          <a:bodyPr/>
-          <a:lstStyle/>
-          <a:p>
-            <a:r>
-              <a:rPr lang="en-US" dirty="0"/>
-              <a:t>In two-way binding, a data property value flows to the input box from the component as with property binding. The user's changes also flow back to the component, resetting the property to the latest value, as with event binding.</a:t>
-            </a:r>
-          </a:p>
-        </p:txBody>
-      </p:sp>
-      <p:pic>
-        <p:nvPicPr>
-          <p:cNvPr id="4" name="Picture 3"/>
-          <p:cNvPicPr>
-            <a:picLocks noChangeAspect="1"/>
-          </p:cNvPicPr>
-          <p:nvPr/>
-        </p:nvPicPr>
-        <p:blipFill>
-          <a:blip r:embed="rId2">
-            <a:extLst>
-              <a:ext uri="{28A0092B-C50C-407E-A947-70E740481C1C}">
-                <a14:useLocalDpi xmlns:a14="http://schemas.microsoft.com/office/drawing/2010/main" val="0"/>
-              </a:ext>
-            </a:extLst>
-          </a:blip>
-          <a:stretch>
-            <a:fillRect/>
-          </a:stretch>
-        </p:blipFill>
-        <p:spPr>
-          <a:xfrm>
-            <a:off x="3436333" y="2870200"/>
-            <a:ext cx="5293209" cy="3348197"/>
-          </a:xfrm>
-          <a:prstGeom prst="rect">
-            <a:avLst/>
-          </a:prstGeom>
-        </p:spPr>
-      </p:pic>
-    </p:spTree>
-    <p:extLst>
-      <p:ext uri="{BB962C8B-B14F-4D97-AF65-F5344CB8AC3E}">
-        <p14:creationId xmlns:p14="http://schemas.microsoft.com/office/powerpoint/2010/main" val="1802856565"/>
-      </p:ext>
-    </p:extLst>
-  </p:cSld>
-  <p:clrMapOvr>
-    <a:masterClrMapping/>
-  </p:clrMapOvr>
-</p:sld>
-</file>
-
-<file path=ppt/slides/slide19.xml><?xml version="1.0" encoding="utf-8"?>
-<p:sld xmlns:a="http://schemas.openxmlformats.org/drawingml/2006/main" xmlns:r="http://schemas.openxmlformats.org/officeDocument/2006/relationships" xmlns:p="http://schemas.openxmlformats.org/presentationml/2006/main">
-  <p:cSld>
-    <p:spTree>
-      <p:nvGrpSpPr>
-        <p:cNvPr id="1" name=""/>
-        <p:cNvGrpSpPr/>
-        <p:nvPr/>
-      </p:nvGrpSpPr>
-      <p:grpSpPr>
-        <a:xfrm>
-          <a:off x="0" y="0"/>
-          <a:ext cx="0" cy="0"/>
-          <a:chOff x="0" y="0"/>
-          <a:chExt cx="0" cy="0"/>
-        </a:xfrm>
-      </p:grpSpPr>
-      <p:sp>
-        <p:nvSpPr>
-          <p:cNvPr id="2" name="Title 1"/>
-          <p:cNvSpPr>
-            <a:spLocks noGrp="1"/>
-          </p:cNvSpPr>
-          <p:nvPr>
-            <p:ph type="title"/>
-          </p:nvPr>
-        </p:nvSpPr>
-        <p:spPr/>
-        <p:txBody>
-          <a:bodyPr/>
-          <a:lstStyle/>
-          <a:p>
-            <a:r>
-              <a:rPr lang="en-US" dirty="0" smtClean="0"/>
-              <a:t>Directives</a:t>
-            </a:r>
-            <a:endParaRPr lang="en-US" dirty="0"/>
-          </a:p>
-        </p:txBody>
-      </p:sp>
-      <p:sp>
-        <p:nvSpPr>
-          <p:cNvPr id="3" name="Content Placeholder 2"/>
-          <p:cNvSpPr>
-            <a:spLocks noGrp="1"/>
-          </p:cNvSpPr>
-          <p:nvPr>
-            <p:ph idx="1"/>
-          </p:nvPr>
-        </p:nvSpPr>
-        <p:spPr/>
-        <p:txBody>
-          <a:bodyPr/>
-          <a:lstStyle/>
-          <a:p>
-            <a:r>
-              <a:rPr lang="en-US" dirty="0"/>
-              <a:t>Angular templates are </a:t>
-            </a:r>
-            <a:r>
-              <a:rPr lang="en-US" i="1" dirty="0"/>
-              <a:t>dynamic</a:t>
-            </a:r>
-            <a:r>
-              <a:rPr lang="en-US" dirty="0"/>
-              <a:t>. When Angular renders them, it transforms the DOM according to the instructions given by </a:t>
-            </a:r>
-            <a:r>
-              <a:rPr lang="en-US" b="1" dirty="0"/>
-              <a:t>directives</a:t>
-            </a:r>
-            <a:r>
-              <a:rPr lang="en-US" dirty="0"/>
-              <a:t>. A directive is a class with a @Directive decorator. </a:t>
-            </a:r>
-            <a:endParaRPr lang="en-US" dirty="0" smtClean="0"/>
-          </a:p>
-          <a:p>
-            <a:r>
-              <a:rPr lang="en-US" dirty="0" smtClean="0"/>
-              <a:t>A </a:t>
-            </a:r>
-            <a:r>
-              <a:rPr lang="en-US" dirty="0"/>
-              <a:t>component is a </a:t>
-            </a:r>
-            <a:r>
-              <a:rPr lang="en-US" i="1" dirty="0"/>
-              <a:t>directive-with-a-template</a:t>
-            </a:r>
-            <a:r>
-              <a:rPr lang="en-US" dirty="0"/>
-              <a:t>; a @Component decorator is actually a @Directive decorator extended with template-oriented features</a:t>
-            </a:r>
-            <a:r>
-              <a:rPr lang="en-US" dirty="0" smtClean="0"/>
-              <a:t>.</a:t>
-            </a:r>
-          </a:p>
-          <a:p>
-            <a:r>
-              <a:rPr lang="en-US" dirty="0"/>
-              <a:t>Just as for components, the metadata for a directive associates the decorated class with a selector element that you use to insert it into HTML. In templates, directives typically appear within an element tag as attributes, either by name or as the target of an assignment or a binding.</a:t>
-            </a:r>
-          </a:p>
-        </p:txBody>
-      </p:sp>
-    </p:spTree>
-    <p:extLst>
-      <p:ext uri="{BB962C8B-B14F-4D97-AF65-F5344CB8AC3E}">
-        <p14:creationId xmlns:p14="http://schemas.microsoft.com/office/powerpoint/2010/main" val="507849368"/>
-      </p:ext>
-    </p:extLst>
-  </p:cSld>
-  <p:clrMapOvr>
-    <a:masterClrMapping/>
-  </p:clrMapOvr>
-</p:sld>
-</file>
-
-<file path=ppt/slides/slide2.xml><?xml version="1.0" encoding="utf-8"?>
-<p:sld xmlns:a="http://schemas.openxmlformats.org/drawingml/2006/main" xmlns:r="http://schemas.openxmlformats.org/officeDocument/2006/relationships" xmlns:p="http://schemas.openxmlformats.org/presentationml/2006/main">
-  <p:cSld>
-    <p:spTree>
-      <p:nvGrpSpPr>
-        <p:cNvPr id="1" name=""/>
-        <p:cNvGrpSpPr/>
-        <p:nvPr/>
-      </p:nvGrpSpPr>
-      <p:grpSpPr>
-        <a:xfrm>
-          <a:off x="0" y="0"/>
-          <a:ext cx="0" cy="0"/>
-          <a:chOff x="0" y="0"/>
-          <a:chExt cx="0" cy="0"/>
-        </a:xfrm>
-      </p:grpSpPr>
-      <p:sp>
-        <p:nvSpPr>
-          <p:cNvPr id="2" name="Title 1"/>
-          <p:cNvSpPr>
-            <a:spLocks noGrp="1"/>
-          </p:cNvSpPr>
-          <p:nvPr>
-            <p:ph type="title"/>
-          </p:nvPr>
-        </p:nvSpPr>
-        <p:spPr/>
-        <p:txBody>
-          <a:bodyPr/>
-          <a:lstStyle/>
-          <a:p>
-            <a:r>
-              <a:rPr lang="en-US" dirty="0"/>
-              <a:t>Content</a:t>
-            </a:r>
-          </a:p>
-        </p:txBody>
-      </p:sp>
-      <p:sp>
-        <p:nvSpPr>
-          <p:cNvPr id="3" name="Content Placeholder 2"/>
-          <p:cNvSpPr>
-            <a:spLocks noGrp="1"/>
-          </p:cNvSpPr>
-          <p:nvPr>
-            <p:ph idx="1"/>
-          </p:nvPr>
-        </p:nvSpPr>
-        <p:spPr/>
-        <p:txBody>
-          <a:bodyPr/>
-          <a:lstStyle/>
-          <a:p>
-            <a:r>
-              <a:rPr lang="en-US" dirty="0" smtClean="0"/>
-              <a:t>What is Angular</a:t>
-            </a:r>
-          </a:p>
-          <a:p>
-            <a:r>
-              <a:rPr lang="en-US" dirty="0" smtClean="0"/>
-              <a:t>Modules</a:t>
-            </a:r>
-          </a:p>
-          <a:p>
-            <a:r>
-              <a:rPr lang="en-US" dirty="0" smtClean="0"/>
-              <a:t>Components</a:t>
-            </a:r>
-          </a:p>
-          <a:p>
-            <a:r>
-              <a:rPr lang="en-US" dirty="0" smtClean="0"/>
-              <a:t>Services and DI</a:t>
-            </a:r>
-          </a:p>
-          <a:p>
-            <a:r>
-              <a:rPr lang="en-US" dirty="0" smtClean="0"/>
-              <a:t>Routing</a:t>
-            </a:r>
-          </a:p>
-          <a:p>
-            <a:r>
-              <a:rPr lang="en-US" dirty="0" smtClean="0"/>
-              <a:t>Hook</a:t>
-            </a:r>
-          </a:p>
-          <a:p>
-            <a:pPr marL="0" indent="0">
-              <a:buNone/>
-            </a:pPr>
-            <a:endParaRPr lang="en-US" dirty="0"/>
-          </a:p>
-        </p:txBody>
-      </p:sp>
-    </p:spTree>
-    <p:extLst>
-      <p:ext uri="{BB962C8B-B14F-4D97-AF65-F5344CB8AC3E}">
-        <p14:creationId xmlns:p14="http://schemas.microsoft.com/office/powerpoint/2010/main" val="945324734"/>
-      </p:ext>
-    </p:extLst>
-  </p:cSld>
-  <p:clrMapOvr>
-    <a:masterClrMapping/>
-  </p:clrMapOvr>
-</p:sld>
-</file>
-
-<file path=ppt/slides/slide20.xml><?xml version="1.0" encoding="utf-8"?>
-<p:sld xmlns:a="http://schemas.openxmlformats.org/drawingml/2006/main" xmlns:r="http://schemas.openxmlformats.org/officeDocument/2006/relationships" xmlns:p="http://schemas.openxmlformats.org/presentationml/2006/main">
-  <p:cSld>
-    <p:spTree>
-      <p:nvGrpSpPr>
-        <p:cNvPr id="1" name=""/>
-        <p:cNvGrpSpPr/>
-        <p:nvPr/>
-      </p:nvGrpSpPr>
-      <p:grpSpPr>
-        <a:xfrm>
-          <a:off x="0" y="0"/>
-          <a:ext cx="0" cy="0"/>
-          <a:chOff x="0" y="0"/>
-          <a:chExt cx="0" cy="0"/>
-        </a:xfrm>
-      </p:grpSpPr>
-      <p:sp>
-        <p:nvSpPr>
-          <p:cNvPr id="2" name="Title 1"/>
-          <p:cNvSpPr>
-            <a:spLocks noGrp="1"/>
-          </p:cNvSpPr>
-          <p:nvPr>
-            <p:ph type="title"/>
-          </p:nvPr>
-        </p:nvSpPr>
-        <p:spPr/>
-        <p:txBody>
-          <a:bodyPr/>
-          <a:lstStyle/>
-          <a:p>
-            <a:r>
-              <a:rPr lang="en-US" dirty="0"/>
-              <a:t>Structural </a:t>
-            </a:r>
-            <a:r>
-              <a:rPr lang="en-US" dirty="0" smtClean="0"/>
-              <a:t>directives</a:t>
-            </a:r>
-            <a:endParaRPr lang="en-US" dirty="0"/>
-          </a:p>
-        </p:txBody>
-      </p:sp>
-      <p:sp>
-        <p:nvSpPr>
-          <p:cNvPr id="3" name="Content Placeholder 2"/>
-          <p:cNvSpPr>
-            <a:spLocks noGrp="1"/>
-          </p:cNvSpPr>
-          <p:nvPr>
-            <p:ph idx="1"/>
-          </p:nvPr>
-        </p:nvSpPr>
-        <p:spPr/>
-        <p:txBody>
-          <a:bodyPr/>
-          <a:lstStyle/>
-          <a:p>
-            <a:r>
-              <a:rPr lang="en-US" i="1" dirty="0"/>
-              <a:t>Structural directives</a:t>
-            </a:r>
-            <a:r>
-              <a:rPr lang="en-US" dirty="0"/>
-              <a:t> alter layout by adding, removing, and replacing elements in the DOM</a:t>
-            </a:r>
-            <a:r>
-              <a:rPr lang="en-US" dirty="0" smtClean="0"/>
-              <a:t>.</a:t>
-            </a:r>
-          </a:p>
-          <a:p>
-            <a:pPr lvl="1"/>
-            <a:r>
-              <a:rPr lang="en-US" dirty="0"/>
-              <a:t>*</a:t>
-            </a:r>
-            <a:r>
-              <a:rPr lang="en-US" dirty="0" err="1"/>
-              <a:t>ngFor</a:t>
-            </a:r>
-            <a:r>
-              <a:rPr lang="en-US" dirty="0"/>
-              <a:t> is an iterative; it tells Angular to stamp out one &lt;li&gt; per </a:t>
-            </a:r>
-            <a:r>
-              <a:rPr lang="en-US" dirty="0" smtClean="0"/>
-              <a:t>employee </a:t>
-            </a:r>
-            <a:r>
-              <a:rPr lang="en-US" dirty="0"/>
-              <a:t>in the </a:t>
-            </a:r>
-            <a:r>
-              <a:rPr lang="en-US" dirty="0" smtClean="0"/>
-              <a:t>employees </a:t>
-            </a:r>
-            <a:r>
-              <a:rPr lang="en-US" dirty="0"/>
-              <a:t>list</a:t>
-            </a:r>
-            <a:r>
-              <a:rPr lang="en-US" dirty="0" smtClean="0"/>
-              <a:t>.</a:t>
-            </a:r>
-          </a:p>
-          <a:p>
-            <a:pPr lvl="1"/>
-            <a:endParaRPr lang="en-US" dirty="0"/>
-          </a:p>
-          <a:p>
-            <a:pPr lvl="1"/>
-            <a:endParaRPr lang="en-US" dirty="0" smtClean="0"/>
-          </a:p>
-          <a:p>
-            <a:pPr lvl="1"/>
-            <a:endParaRPr lang="en-US" dirty="0"/>
-          </a:p>
-          <a:p>
-            <a:pPr lvl="1"/>
-            <a:r>
-              <a:rPr lang="en-US" dirty="0"/>
-              <a:t>*</a:t>
-            </a:r>
-            <a:r>
-              <a:rPr lang="en-US" dirty="0" err="1"/>
-              <a:t>ngIf</a:t>
-            </a:r>
-            <a:r>
-              <a:rPr lang="en-US" dirty="0"/>
-              <a:t> is a conditional; it includes the </a:t>
-            </a:r>
-            <a:r>
-              <a:rPr lang="en-US" dirty="0" smtClean="0"/>
-              <a:t>Employee Detail </a:t>
-            </a:r>
-            <a:r>
-              <a:rPr lang="en-US" dirty="0"/>
-              <a:t>component only if a selected </a:t>
-            </a:r>
-            <a:r>
-              <a:rPr lang="en-US" dirty="0" smtClean="0"/>
-              <a:t>employee </a:t>
-            </a:r>
-            <a:r>
-              <a:rPr lang="en-US" dirty="0"/>
-              <a:t>exists</a:t>
-            </a:r>
-            <a:r>
-              <a:rPr lang="en-US" dirty="0" smtClean="0"/>
-              <a:t>.</a:t>
-            </a:r>
-          </a:p>
-          <a:p>
-            <a:pPr lvl="1"/>
-            <a:endParaRPr lang="en-US" dirty="0"/>
-          </a:p>
-          <a:p>
-            <a:pPr lvl="1"/>
-            <a:endParaRPr lang="en-US" dirty="0"/>
-          </a:p>
-        </p:txBody>
-      </p:sp>
-      <p:pic>
-        <p:nvPicPr>
-          <p:cNvPr id="5" name="Picture 4"/>
-          <p:cNvPicPr>
-            <a:picLocks noChangeAspect="1"/>
-          </p:cNvPicPr>
-          <p:nvPr/>
-        </p:nvPicPr>
-        <p:blipFill>
-          <a:blip r:embed="rId2">
-            <a:extLst>
-              <a:ext uri="{28A0092B-C50C-407E-A947-70E740481C1C}">
-                <a14:useLocalDpi xmlns:a14="http://schemas.microsoft.com/office/drawing/2010/main" val="0"/>
-              </a:ext>
-            </a:extLst>
-          </a:blip>
-          <a:stretch>
-            <a:fillRect/>
-          </a:stretch>
-        </p:blipFill>
-        <p:spPr>
-          <a:xfrm>
-            <a:off x="3217087" y="2914587"/>
-            <a:ext cx="5744377" cy="895475"/>
-          </a:xfrm>
-          <a:prstGeom prst="rect">
-            <a:avLst/>
-          </a:prstGeom>
-        </p:spPr>
-      </p:pic>
-      <p:pic>
-        <p:nvPicPr>
-          <p:cNvPr id="6" name="Picture 5"/>
-          <p:cNvPicPr>
-            <a:picLocks noChangeAspect="1"/>
-          </p:cNvPicPr>
-          <p:nvPr/>
-        </p:nvPicPr>
-        <p:blipFill>
-          <a:blip r:embed="rId3">
-            <a:extLst>
-              <a:ext uri="{28A0092B-C50C-407E-A947-70E740481C1C}">
-                <a14:useLocalDpi xmlns:a14="http://schemas.microsoft.com/office/drawing/2010/main" val="0"/>
-              </a:ext>
-            </a:extLst>
-          </a:blip>
-          <a:stretch>
-            <a:fillRect/>
-          </a:stretch>
-        </p:blipFill>
-        <p:spPr>
-          <a:xfrm>
-            <a:off x="3902982" y="4578235"/>
-            <a:ext cx="4372585" cy="1638529"/>
-          </a:xfrm>
-          <a:prstGeom prst="rect">
-            <a:avLst/>
-          </a:prstGeom>
-        </p:spPr>
-      </p:pic>
-    </p:spTree>
-    <p:extLst>
-      <p:ext uri="{BB962C8B-B14F-4D97-AF65-F5344CB8AC3E}">
-        <p14:creationId xmlns:p14="http://schemas.microsoft.com/office/powerpoint/2010/main" val="1504063992"/>
-      </p:ext>
-    </p:extLst>
-  </p:cSld>
-  <p:clrMapOvr>
-    <a:masterClrMapping/>
-  </p:clrMapOvr>
-</p:sld>
-</file>
-
-<file path=ppt/slides/slide21.xml><?xml version="1.0" encoding="utf-8"?>
-<p:sld xmlns:a="http://schemas.openxmlformats.org/drawingml/2006/main" xmlns:r="http://schemas.openxmlformats.org/officeDocument/2006/relationships" xmlns:p="http://schemas.openxmlformats.org/presentationml/2006/main">
-  <p:cSld>
-    <p:spTree>
-      <p:nvGrpSpPr>
-        <p:cNvPr id="1" name=""/>
-        <p:cNvGrpSpPr/>
-        <p:nvPr/>
-      </p:nvGrpSpPr>
-      <p:grpSpPr>
-        <a:xfrm>
-          <a:off x="0" y="0"/>
-          <a:ext cx="0" cy="0"/>
-          <a:chOff x="0" y="0"/>
-          <a:chExt cx="0" cy="0"/>
-        </a:xfrm>
-      </p:grpSpPr>
-      <p:sp>
-        <p:nvSpPr>
-          <p:cNvPr id="2" name="Title 1"/>
-          <p:cNvSpPr>
-            <a:spLocks noGrp="1"/>
-          </p:cNvSpPr>
-          <p:nvPr>
-            <p:ph type="title"/>
-          </p:nvPr>
-        </p:nvSpPr>
-        <p:spPr/>
-        <p:txBody>
-          <a:bodyPr/>
-          <a:lstStyle/>
-          <a:p>
-            <a:r>
-              <a:rPr lang="en-US" dirty="0"/>
-              <a:t>Attribute</a:t>
-            </a:r>
-            <a:r>
-              <a:rPr lang="en-US" b="0" dirty="0"/>
-              <a:t> </a:t>
-            </a:r>
-            <a:r>
-              <a:rPr lang="en-US" dirty="0"/>
-              <a:t>directives</a:t>
-            </a:r>
-          </a:p>
-        </p:txBody>
-      </p:sp>
-      <p:sp>
-        <p:nvSpPr>
-          <p:cNvPr id="3" name="Content Placeholder 2"/>
-          <p:cNvSpPr>
-            <a:spLocks noGrp="1"/>
-          </p:cNvSpPr>
-          <p:nvPr>
-            <p:ph idx="1"/>
-          </p:nvPr>
-        </p:nvSpPr>
-        <p:spPr/>
-        <p:txBody>
-          <a:bodyPr/>
-          <a:lstStyle/>
-          <a:p>
-            <a:r>
-              <a:rPr lang="en-US" i="1" dirty="0"/>
-              <a:t>Attribute directives</a:t>
-            </a:r>
-            <a:r>
-              <a:rPr lang="en-US" dirty="0"/>
-              <a:t> alter the appearance or behavior of an existing element. In templates they look like regular HTML attributes, hence the name</a:t>
-            </a:r>
-            <a:r>
-              <a:rPr lang="en-US" dirty="0" smtClean="0"/>
-              <a:t>.</a:t>
-            </a:r>
-          </a:p>
-          <a:p>
-            <a:r>
-              <a:rPr lang="en-US" dirty="0"/>
-              <a:t>The </a:t>
-            </a:r>
-            <a:r>
-              <a:rPr lang="en-US" dirty="0" err="1"/>
-              <a:t>ngModel</a:t>
-            </a:r>
-            <a:r>
-              <a:rPr lang="en-US" dirty="0"/>
-              <a:t> directive, which implements two-way data binding, is an example of an attribute directive. </a:t>
-            </a:r>
-            <a:r>
-              <a:rPr lang="en-US" dirty="0" err="1"/>
-              <a:t>ngModel</a:t>
-            </a:r>
-            <a:r>
-              <a:rPr lang="en-US" dirty="0"/>
-              <a:t> modifies the behavior of an existing element (typically &lt;input&gt;) by setting its display value property and responding to change events.</a:t>
-            </a:r>
-          </a:p>
-        </p:txBody>
-      </p:sp>
-    </p:spTree>
-    <p:extLst>
-      <p:ext uri="{BB962C8B-B14F-4D97-AF65-F5344CB8AC3E}">
-        <p14:creationId xmlns:p14="http://schemas.microsoft.com/office/powerpoint/2010/main" val="4099627446"/>
-      </p:ext>
-    </p:extLst>
-  </p:cSld>
-  <p:clrMapOvr>
-    <a:masterClrMapping/>
-  </p:clrMapOvr>
-</p:sld>
-</file>
-
-<file path=ppt/slides/slide22.xml><?xml version="1.0" encoding="utf-8"?>
-<p:sld xmlns:a="http://schemas.openxmlformats.org/drawingml/2006/main" xmlns:r="http://schemas.openxmlformats.org/officeDocument/2006/relationships" xmlns:p="http://schemas.openxmlformats.org/presentationml/2006/main">
-  <p:cSld>
-    <p:spTree>
-      <p:nvGrpSpPr>
-        <p:cNvPr id="1" name=""/>
-        <p:cNvGrpSpPr/>
-        <p:nvPr/>
-      </p:nvGrpSpPr>
-      <p:grpSpPr>
-        <a:xfrm>
-          <a:off x="0" y="0"/>
-          <a:ext cx="0" cy="0"/>
-          <a:chOff x="0" y="0"/>
-          <a:chExt cx="0" cy="0"/>
-        </a:xfrm>
-      </p:grpSpPr>
-      <p:sp>
-        <p:nvSpPr>
-          <p:cNvPr id="2" name="Title 1"/>
-          <p:cNvSpPr>
-            <a:spLocks noGrp="1"/>
-          </p:cNvSpPr>
-          <p:nvPr>
-            <p:ph type="title"/>
-          </p:nvPr>
-        </p:nvSpPr>
-        <p:spPr/>
-        <p:txBody>
-          <a:bodyPr/>
-          <a:lstStyle/>
-          <a:p>
-            <a:r>
-              <a:rPr lang="en-US" dirty="0"/>
-              <a:t>Introduction to services and dependency </a:t>
-            </a:r>
-            <a:r>
-              <a:rPr lang="en-US" dirty="0" smtClean="0"/>
-              <a:t>injection</a:t>
-            </a:r>
-            <a:endParaRPr lang="en-US" dirty="0"/>
-          </a:p>
-        </p:txBody>
-      </p:sp>
-      <p:sp>
-        <p:nvSpPr>
-          <p:cNvPr id="3" name="Content Placeholder 2"/>
-          <p:cNvSpPr>
-            <a:spLocks noGrp="1"/>
-          </p:cNvSpPr>
-          <p:nvPr>
-            <p:ph idx="1"/>
-          </p:nvPr>
-        </p:nvSpPr>
-        <p:spPr>
-          <a:xfrm>
-            <a:off x="1154955" y="1654174"/>
-            <a:ext cx="9868645" cy="4441825"/>
-          </a:xfrm>
-        </p:spPr>
-        <p:txBody>
-          <a:bodyPr>
-            <a:normAutofit/>
-          </a:bodyPr>
-          <a:lstStyle/>
-          <a:p>
-            <a:r>
-              <a:rPr lang="en-US" i="1" dirty="0"/>
-              <a:t>Service</a:t>
-            </a:r>
-            <a:r>
-              <a:rPr lang="en-US" dirty="0"/>
-              <a:t> is a broad category encompassing any value, function, or feature that an app needs. A service is typically a class with a narrow, well-defined purpose. It should do something specific and do it </a:t>
-            </a:r>
-            <a:r>
-              <a:rPr lang="en-US" dirty="0" smtClean="0"/>
-              <a:t>well. </a:t>
-            </a:r>
-          </a:p>
-          <a:p>
-            <a:r>
-              <a:rPr lang="en-US" dirty="0"/>
-              <a:t> A good component presents properties and methods for data binding</a:t>
-            </a:r>
-            <a:r>
-              <a:rPr lang="en-US" dirty="0" smtClean="0"/>
-              <a:t>.</a:t>
-            </a:r>
-          </a:p>
-          <a:p>
-            <a:r>
-              <a:rPr lang="en-US" dirty="0"/>
-              <a:t>A component can delegate certain tasks to services, such </a:t>
-            </a:r>
-            <a:r>
-              <a:rPr lang="en-US" dirty="0" smtClean="0"/>
-              <a:t>as: logging, fetching data from the server or validating user input… By </a:t>
-            </a:r>
-            <a:r>
-              <a:rPr lang="en-US" dirty="0"/>
-              <a:t>defining such processing tasks in an </a:t>
-            </a:r>
-            <a:r>
-              <a:rPr lang="en-US" i="1" dirty="0"/>
-              <a:t>injectable service class</a:t>
-            </a:r>
-            <a:r>
-              <a:rPr lang="en-US" dirty="0"/>
-              <a:t>, you make those tasks available to any component</a:t>
-            </a:r>
-            <a:r>
-              <a:rPr lang="en-US" dirty="0" smtClean="0"/>
-              <a:t>.</a:t>
-            </a:r>
-          </a:p>
-          <a:p>
-            <a:r>
-              <a:rPr lang="en-US" dirty="0" smtClean="0"/>
-              <a:t>Angular </a:t>
-            </a:r>
-            <a:r>
-              <a:rPr lang="en-US" dirty="0"/>
-              <a:t>doesn't </a:t>
-            </a:r>
-            <a:r>
-              <a:rPr lang="en-US" i="1" dirty="0"/>
-              <a:t>enforce</a:t>
-            </a:r>
-            <a:r>
-              <a:rPr lang="en-US" dirty="0"/>
-              <a:t> these principles. Angular does help you </a:t>
-            </a:r>
-            <a:r>
-              <a:rPr lang="en-US" i="1" dirty="0"/>
-              <a:t>follow</a:t>
-            </a:r>
-            <a:r>
-              <a:rPr lang="en-US" dirty="0"/>
-              <a:t> these principles by making it easy to factor your application logic into services and make those services available to components through </a:t>
-            </a:r>
-            <a:r>
-              <a:rPr lang="en-US" i="1" dirty="0"/>
-              <a:t>dependency injection</a:t>
-            </a:r>
-            <a:r>
-              <a:rPr lang="en-US" dirty="0"/>
-              <a:t>.</a:t>
-            </a:r>
-          </a:p>
-        </p:txBody>
-      </p:sp>
-    </p:spTree>
-    <p:extLst>
-      <p:ext uri="{BB962C8B-B14F-4D97-AF65-F5344CB8AC3E}">
-        <p14:creationId xmlns:p14="http://schemas.microsoft.com/office/powerpoint/2010/main" val="1718790737"/>
-      </p:ext>
-    </p:extLst>
-  </p:cSld>
-  <p:clrMapOvr>
-    <a:masterClrMapping/>
-  </p:clrMapOvr>
-</p:sld>
-</file>
-
-<file path=ppt/slides/slide23.xml><?xml version="1.0" encoding="utf-8"?>
-<p:sld xmlns:a="http://schemas.openxmlformats.org/drawingml/2006/main" xmlns:r="http://schemas.openxmlformats.org/officeDocument/2006/relationships" xmlns:p="http://schemas.openxmlformats.org/presentationml/2006/main">
-  <p:cSld>
-    <p:spTree>
-      <p:nvGrpSpPr>
-        <p:cNvPr id="1" name=""/>
-        <p:cNvGrpSpPr/>
-        <p:nvPr/>
-      </p:nvGrpSpPr>
-      <p:grpSpPr>
-        <a:xfrm>
-          <a:off x="0" y="0"/>
-          <a:ext cx="0" cy="0"/>
-          <a:chOff x="0" y="0"/>
-          <a:chExt cx="0" cy="0"/>
-        </a:xfrm>
-      </p:grpSpPr>
-      <p:sp>
-        <p:nvSpPr>
-          <p:cNvPr id="2" name="Title 1"/>
-          <p:cNvSpPr>
-            <a:spLocks noGrp="1"/>
-          </p:cNvSpPr>
-          <p:nvPr>
-            <p:ph type="title"/>
-          </p:nvPr>
-        </p:nvSpPr>
-        <p:spPr/>
-        <p:txBody>
-          <a:bodyPr/>
-          <a:lstStyle/>
-          <a:p>
-            <a:r>
-              <a:rPr lang="en-US" dirty="0"/>
-              <a:t>Service </a:t>
-            </a:r>
-            <a:r>
-              <a:rPr lang="en-US" dirty="0" smtClean="0"/>
-              <a:t>examples</a:t>
-            </a:r>
-            <a:endParaRPr lang="en-US" dirty="0"/>
-          </a:p>
-        </p:txBody>
-      </p:sp>
-      <p:sp>
-        <p:nvSpPr>
-          <p:cNvPr id="7" name="Content Placeholder 6"/>
-          <p:cNvSpPr>
-            <a:spLocks noGrp="1"/>
-          </p:cNvSpPr>
-          <p:nvPr>
-            <p:ph idx="1"/>
-          </p:nvPr>
-        </p:nvSpPr>
-        <p:spPr>
-          <a:xfrm>
-            <a:off x="1154955" y="4963717"/>
-            <a:ext cx="9868645" cy="751284"/>
-          </a:xfrm>
-        </p:spPr>
-        <p:txBody>
-          <a:bodyPr/>
-          <a:lstStyle/>
-          <a:p>
-            <a:r>
-              <a:rPr lang="en-US" dirty="0"/>
-              <a:t>Services can depend on other services. For example, here's a </a:t>
-            </a:r>
-            <a:r>
-              <a:rPr lang="en-US" dirty="0" err="1" smtClean="0"/>
-              <a:t>EmployeeService</a:t>
-            </a:r>
-            <a:r>
-              <a:rPr lang="en-US" dirty="0" smtClean="0"/>
-              <a:t> </a:t>
-            </a:r>
-            <a:r>
-              <a:rPr lang="en-US" dirty="0"/>
-              <a:t>that depends on the </a:t>
-            </a:r>
-            <a:r>
-              <a:rPr lang="en-US" dirty="0" err="1" smtClean="0"/>
-              <a:t>ApiService</a:t>
-            </a:r>
-            <a:r>
-              <a:rPr lang="en-US" dirty="0" smtClean="0"/>
-              <a:t> get employees... </a:t>
-            </a:r>
-          </a:p>
-          <a:p>
-            <a:endParaRPr lang="en-US" dirty="0"/>
-          </a:p>
-        </p:txBody>
-      </p:sp>
-      <p:pic>
-        <p:nvPicPr>
-          <p:cNvPr id="8" name="Picture 7"/>
-          <p:cNvPicPr>
-            <a:picLocks noChangeAspect="1"/>
-          </p:cNvPicPr>
-          <p:nvPr/>
-        </p:nvPicPr>
-        <p:blipFill>
-          <a:blip r:embed="rId2">
-            <a:extLst>
-              <a:ext uri="{28A0092B-C50C-407E-A947-70E740481C1C}">
-                <a14:useLocalDpi xmlns:a14="http://schemas.microsoft.com/office/drawing/2010/main" val="0"/>
-              </a:ext>
-            </a:extLst>
-          </a:blip>
-          <a:stretch>
-            <a:fillRect/>
-          </a:stretch>
-        </p:blipFill>
-        <p:spPr>
-          <a:xfrm>
-            <a:off x="3298316" y="1458341"/>
-            <a:ext cx="5581918" cy="3302175"/>
-          </a:xfrm>
-          <a:prstGeom prst="rect">
-            <a:avLst/>
-          </a:prstGeom>
-        </p:spPr>
-      </p:pic>
-    </p:spTree>
-    <p:extLst>
-      <p:ext uri="{BB962C8B-B14F-4D97-AF65-F5344CB8AC3E}">
-        <p14:creationId xmlns:p14="http://schemas.microsoft.com/office/powerpoint/2010/main" val="1076969877"/>
-      </p:ext>
-    </p:extLst>
-  </p:cSld>
-  <p:clrMapOvr>
-    <a:masterClrMapping/>
-  </p:clrMapOvr>
-</p:sld>
-</file>
-
-<file path=ppt/slides/slide24.xml><?xml version="1.0" encoding="utf-8"?>
-<p:sld xmlns:a="http://schemas.openxmlformats.org/drawingml/2006/main" xmlns:r="http://schemas.openxmlformats.org/officeDocument/2006/relationships" xmlns:p="http://schemas.openxmlformats.org/presentationml/2006/main">
-  <p:cSld>
-    <p:spTree>
-      <p:nvGrpSpPr>
-        <p:cNvPr id="1" name=""/>
-        <p:cNvGrpSpPr/>
-        <p:nvPr/>
-      </p:nvGrpSpPr>
-      <p:grpSpPr>
-        <a:xfrm>
-          <a:off x="0" y="0"/>
-          <a:ext cx="0" cy="0"/>
-          <a:chOff x="0" y="0"/>
-          <a:chExt cx="0" cy="0"/>
-        </a:xfrm>
-      </p:grpSpPr>
-      <p:sp>
-        <p:nvSpPr>
-          <p:cNvPr id="2" name="Title 1"/>
-          <p:cNvSpPr>
-            <a:spLocks noGrp="1"/>
-          </p:cNvSpPr>
-          <p:nvPr>
-            <p:ph type="title"/>
-          </p:nvPr>
-        </p:nvSpPr>
-        <p:spPr/>
-        <p:txBody>
-          <a:bodyPr/>
-          <a:lstStyle/>
-          <a:p>
-            <a:r>
-              <a:rPr lang="en-US" dirty="0"/>
-              <a:t>Dependency injection (DI</a:t>
-            </a:r>
-            <a:r>
-              <a:rPr lang="en-US" dirty="0" smtClean="0"/>
-              <a:t>)</a:t>
-            </a:r>
-            <a:endParaRPr lang="en-US" dirty="0"/>
+              <a:t>Dependency injection (DI)</a:t>
+            </a:r>
           </a:p>
         </p:txBody>
       </p:sp>
@@ -18676,19 +17701,19 @@
           <a:p>
             <a:r>
               <a:rPr lang="en-US" dirty="0"/>
-              <a:t>DI is wired into the Angular framework and used everywhere to provide new components with the services or other things they need. Components consume services; that is, you can </a:t>
-            </a:r>
-            <a:r>
-              <a:rPr lang="en-US" i="1" dirty="0"/>
-              <a:t>inject</a:t>
-            </a:r>
+              <a:t>Important application design pattern</a:t>
+            </a:r>
+          </a:p>
+          <a:p>
             <a:r>
               <a:rPr lang="en-US" dirty="0"/>
-              <a:t> a service into a component, giving the component access to that service class</a:t>
-            </a:r>
-            <a:r>
-              <a:rPr lang="en-US" dirty="0" smtClean="0"/>
-              <a:t>.</a:t>
+              <a:t>Commonly called DI</a:t>
+            </a:r>
+          </a:p>
+          <a:p>
+            <a:r>
+              <a:rPr lang="en-US" dirty="0"/>
+              <a:t>A way to supply a new instance of a class with the fully-formed dependencies it requires</a:t>
             </a:r>
           </a:p>
           <a:p>
@@ -18977,64 +18002,27 @@
           <a:p>
             <a:r>
               <a:rPr lang="en-US" dirty="0"/>
-              <a:t>To define a class as a service in Angular, use the @Injectable() decorator to provide the metadata that allows Angular to inject it into a component as a dependency. Similarly, use the @Injectable() decorator to indicate that a component or other class (such as another service, a pipe, or an </a:t>
-            </a:r>
-            <a:r>
-              <a:rPr lang="en-US" dirty="0" err="1"/>
-              <a:t>NgModule</a:t>
-            </a:r>
+              <a:t>Most dependencies are services</a:t>
+            </a:r>
+          </a:p>
+          <a:p>
+            <a:pPr lvl="1"/>
             <a:r>
               <a:rPr lang="en-US" dirty="0"/>
-              <a:t>) has a dependency</a:t>
-            </a:r>
-            <a:r>
-              <a:rPr lang="en-US" dirty="0" smtClean="0"/>
-              <a:t>.</a:t>
+              <a:t>DI is used to provide new components with the services they need.</a:t>
             </a:r>
           </a:p>
           <a:p>
             <a:pPr lvl="1"/>
             <a:r>
-              <a:rPr lang="en-US" dirty="0" smtClean="0"/>
-              <a:t>The </a:t>
-            </a:r>
-            <a:r>
-              <a:rPr lang="en-US" i="1" dirty="0" smtClean="0"/>
-              <a:t>injector</a:t>
-            </a:r>
-            <a:r>
-              <a:rPr lang="en-US" dirty="0" smtClean="0"/>
-              <a:t> is the main mechanism. Angular creates an application-wide injector for you during the bootstrap process, and additional injectors as needed. You don't have to create injectors.</a:t>
-            </a:r>
-          </a:p>
-          <a:p>
-            <a:pPr lvl="1"/>
-            <a:r>
-              <a:rPr lang="en-US" dirty="0" smtClean="0"/>
-              <a:t>An injector creates dependencies, and maintains a </a:t>
-            </a:r>
-            <a:r>
-              <a:rPr lang="en-US" i="1" dirty="0" smtClean="0"/>
-              <a:t>container</a:t>
-            </a:r>
-            <a:r>
-              <a:rPr lang="en-US" dirty="0" smtClean="0"/>
-              <a:t> of dependency instances that it reuses if possible.</a:t>
-            </a:r>
-          </a:p>
-          <a:p>
-            <a:pPr lvl="1"/>
-            <a:r>
-              <a:rPr lang="en-US" dirty="0" smtClean="0"/>
-              <a:t>A </a:t>
-            </a:r>
-            <a:r>
-              <a:rPr lang="en-US" i="1" dirty="0" smtClean="0"/>
-              <a:t>provider</a:t>
-            </a:r>
-            <a:r>
-              <a:rPr lang="en-US" dirty="0" smtClean="0"/>
-              <a:t> is an object that tells an injector how to obtain or create a dependency.</a:t>
+              <a:rPr lang="en-US" dirty="0"/>
+              <a:t>It knows which services to instantiate by looking at the types of the component’s constructor parameters</a:t>
+            </a:r>
+          </a:p>
+          <a:p>
+            <a:r>
+              <a:rPr lang="en-US" dirty="0"/>
+              <a:t>When Angular creates a component, it ask an injector for the services it requires</a:t>
             </a:r>
           </a:p>
           <a:p>
@@ -19046,7 +18034,7 @@
     </p:spTree>
     <p:extLst>
       <p:ext uri="{BB962C8B-B14F-4D97-AF65-F5344CB8AC3E}">
-        <p14:creationId xmlns:p14="http://schemas.microsoft.com/office/powerpoint/2010/main" val="1143343558"/>
+        <p14:creationId xmlns:p14="http://schemas.microsoft.com/office/powerpoint/2010/main" val="1922702256"/>
       </p:ext>
     </p:extLst>
   </p:cSld>
@@ -19056,7 +18044,7 @@
 </p:sld>
 </file>
 
-<file path=ppt/slides/slide25.xml><?xml version="1.0" encoding="utf-8"?>
+<file path=ppt/slides/slide16.xml><?xml version="1.0" encoding="utf-8"?>
 <p:sld xmlns:a="http://schemas.openxmlformats.org/drawingml/2006/main" xmlns:r="http://schemas.openxmlformats.org/officeDocument/2006/relationships" xmlns:p="http://schemas.openxmlformats.org/presentationml/2006/main">
   <p:cSld>
     <p:spTree>
@@ -19090,19 +18078,27 @@
           <a:p>
             <a:r>
               <a:rPr lang="en-US" dirty="0"/>
-              <a:t>Providing </a:t>
-            </a:r>
-            <a:r>
-              <a:rPr lang="en-US" dirty="0" smtClean="0"/>
-              <a:t>services</a:t>
-            </a:r>
-            <a:endParaRPr lang="en-US" dirty="0"/>
+              <a:t>Injector</a:t>
+            </a:r>
+            <a:br>
+              <a:rPr lang="en-US" dirty="0"/>
+            </a:br>
+            <a:r>
+              <a:rPr lang="en-US" sz="2400" dirty="0"/>
+              <a:t>Dependency injection (DI)</a:t>
+            </a:r>
           </a:p>
         </p:txBody>
       </p:sp>
       <p:sp>
         <p:nvSpPr>
-          <p:cNvPr id="3" name="Content Placeholder 2"/>
+          <p:cNvPr id="7" name="Content Placeholder 6">
+            <a:extLst>
+              <a:ext uri="{FF2B5EF4-FFF2-40B4-BE49-F238E27FC236}">
+                <a16:creationId xmlns:a16="http://schemas.microsoft.com/office/drawing/2014/main" id="{05F99E37-31FF-49F1-A1AF-ECA92B6C2DC1}"/>
+              </a:ext>
+            </a:extLst>
+          </p:cNvPr>
           <p:cNvSpPr>
             <a:spLocks noGrp="1"/>
           </p:cNvSpPr>
@@ -19113,7 +18109,7 @@
         <p:spPr>
           <a:xfrm>
             <a:off x="1154955" y="1654174"/>
-            <a:ext cx="9868645" cy="4354739"/>
+            <a:ext cx="9868645" cy="3946525"/>
           </a:xfrm>
         </p:spPr>
         <p:txBody>
@@ -19122,94 +18118,46 @@
           <a:p>
             <a:r>
               <a:rPr lang="en-US" dirty="0"/>
-              <a:t>You must register at least one </a:t>
-            </a:r>
-            <a:r>
-              <a:rPr lang="en-US" i="1" dirty="0"/>
-              <a:t>provider</a:t>
-            </a:r>
+              <a:t>Maintains a container of service instances that it has previously created</a:t>
+            </a:r>
+          </a:p>
+          <a:p>
             <a:r>
               <a:rPr lang="en-US" dirty="0"/>
-              <a:t> of any service you are going to use. You register providers in the metadata of the service (in the @Injectable() decorator), or in the @</a:t>
-            </a:r>
-            <a:r>
-              <a:rPr lang="en-US" dirty="0" err="1"/>
-              <a:t>NgModule</a:t>
-            </a:r>
-            <a:r>
-              <a:rPr lang="en-US" dirty="0"/>
-              <a:t>() or @Component() </a:t>
-            </a:r>
-            <a:r>
-              <a:rPr lang="en-US" dirty="0" smtClean="0"/>
-              <a:t>metadata</a:t>
-            </a:r>
-          </a:p>
-          <a:p>
-            <a:pPr lvl="1"/>
-            <a:r>
-              <a:rPr lang="en-US" dirty="0"/>
-              <a:t>By default, the Angular CLI command </a:t>
-            </a:r>
-            <a:r>
-              <a:rPr lang="en-US" i="1" dirty="0"/>
-              <a:t>ng generate service</a:t>
-            </a:r>
-            <a:r>
-              <a:rPr lang="en-US" dirty="0"/>
-              <a:t> registers a provider with the root injector for your </a:t>
-            </a:r>
-            <a:r>
-              <a:rPr lang="en-US" dirty="0" smtClean="0"/>
-              <a:t>service</a:t>
-            </a:r>
-          </a:p>
-          <a:p>
-            <a:pPr lvl="1"/>
-            <a:endParaRPr lang="en-US" dirty="0" smtClean="0"/>
-          </a:p>
-          <a:p>
-            <a:pPr lvl="1"/>
+              <a:t>If a requested service instance is not in the container, the injector makes one and adds it to the container before returning the service to Angular</a:t>
+            </a:r>
+          </a:p>
+          <a:p>
+            <a:r>
+              <a:rPr lang="en-US" b="0" i="0" dirty="0">
+                <a:solidFill>
+                  <a:srgbClr val="444444"/>
+                </a:solidFill>
+                <a:effectLst/>
+                <a:latin typeface="Century Gothic (Body)"/>
+              </a:rPr>
+              <a:t>When all requested services have been resolved and returned, Angular can call the component's constructor with those services as arguments.</a:t>
+            </a:r>
+            <a:endParaRPr lang="en-US" dirty="0">
+              <a:latin typeface="Century Gothic (Body)"/>
+            </a:endParaRPr>
+          </a:p>
+          <a:p>
             <a:endParaRPr lang="en-US" dirty="0"/>
-          </a:p>
-          <a:p>
-            <a:pPr lvl="1"/>
-            <a:endParaRPr lang="en-US" dirty="0" smtClean="0"/>
-          </a:p>
-          <a:p>
-            <a:pPr lvl="1"/>
-            <a:endParaRPr lang="en-US" dirty="0"/>
-          </a:p>
-          <a:p>
-            <a:pPr lvl="1"/>
-            <a:r>
-              <a:rPr lang="en-US" dirty="0"/>
-              <a:t>When you provide the service at the root level, </a:t>
-            </a:r>
-            <a:r>
-              <a:rPr lang="en-US" dirty="0" smtClean="0"/>
-              <a:t>Angular </a:t>
-            </a:r>
-            <a:r>
-              <a:rPr lang="en-US" dirty="0"/>
-              <a:t>creates a single, shared instance of </a:t>
-            </a:r>
-            <a:r>
-              <a:rPr lang="en-US" dirty="0" smtClean="0"/>
-              <a:t>service </a:t>
-            </a:r>
-            <a:r>
-              <a:rPr lang="en-US" dirty="0"/>
-              <a:t>and injects it into any class that asks for it. Registering the provider in the @Injectable() metadata also allows Angular to optimize an app by removing the service from the compiled app if it isn't used, a process known as tree-shaking.</a:t>
-            </a:r>
           </a:p>
         </p:txBody>
       </p:sp>
       <p:pic>
         <p:nvPicPr>
-          <p:cNvPr id="8" name="Picture 7"/>
+          <p:cNvPr id="1026" name="Picture 2" descr="Service">
+            <a:extLst>
+              <a:ext uri="{FF2B5EF4-FFF2-40B4-BE49-F238E27FC236}">
+                <a16:creationId xmlns:a16="http://schemas.microsoft.com/office/drawing/2014/main" id="{0E919B52-1B54-4B4E-8AEA-2180B5596A9D}"/>
+              </a:ext>
+            </a:extLst>
+          </p:cNvPr>
           <p:cNvPicPr>
-            <a:picLocks noChangeAspect="1"/>
+            <a:picLocks noChangeAspect="1" noChangeArrowheads="1"/>
           </p:cNvPicPr>
           <p:nvPr/>
         </p:nvPicPr>
@@ -19221,24 +18169,35 @@
               </a:ext>
             </a:extLst>
           </a:blip>
+          <a:srcRect/>
           <a:stretch>
             <a:fillRect/>
           </a:stretch>
         </p:blipFill>
-        <p:spPr>
+        <p:spPr bwMode="auto">
           <a:xfrm>
-            <a:off x="4689567" y="3310574"/>
-            <a:ext cx="2804144" cy="1022506"/>
+            <a:off x="3808038" y="3627436"/>
+            <a:ext cx="4562475" cy="2076450"/>
           </a:xfrm>
           <a:prstGeom prst="rect">
             <a:avLst/>
           </a:prstGeom>
+          <a:noFill/>
+          <a:extLst>
+            <a:ext uri="{909E8E84-426E-40DD-AFC4-6F175D3DCCD1}">
+              <a14:hiddenFill xmlns:a14="http://schemas.microsoft.com/office/drawing/2010/main">
+                <a:solidFill>
+                  <a:srgbClr val="FFFFFF"/>
+                </a:solidFill>
+              </a14:hiddenFill>
+            </a:ext>
+          </a:extLst>
         </p:spPr>
       </p:pic>
     </p:spTree>
     <p:extLst>
       <p:ext uri="{BB962C8B-B14F-4D97-AF65-F5344CB8AC3E}">
-        <p14:creationId xmlns:p14="http://schemas.microsoft.com/office/powerpoint/2010/main" val="3092887572"/>
+        <p14:creationId xmlns:p14="http://schemas.microsoft.com/office/powerpoint/2010/main" val="480890443"/>
       </p:ext>
     </p:extLst>
   </p:cSld>
@@ -19248,7 +18207,7 @@
 </p:sld>
 </file>
 
-<file path=ppt/slides/slide26.xml><?xml version="1.0" encoding="utf-8"?>
+<file path=ppt/slides/slide17.xml><?xml version="1.0" encoding="utf-8"?>
 <p:sld xmlns:a="http://schemas.openxmlformats.org/drawingml/2006/main" xmlns:r="http://schemas.openxmlformats.org/officeDocument/2006/relationships" xmlns:p="http://schemas.openxmlformats.org/presentationml/2006/main">
   <p:cSld>
     <p:spTree>
@@ -19282,19 +18241,27 @@
           <a:p>
             <a:r>
               <a:rPr lang="en-US" dirty="0"/>
-              <a:t>Providing </a:t>
-            </a:r>
-            <a:r>
-              <a:rPr lang="en-US" dirty="0" smtClean="0"/>
-              <a:t>services</a:t>
-            </a:r>
-            <a:endParaRPr lang="en-US" dirty="0"/>
+              <a:t>Provider</a:t>
+            </a:r>
+            <a:br>
+              <a:rPr lang="en-US" dirty="0"/>
+            </a:br>
+            <a:r>
+              <a:rPr lang="en-US" sz="2400" dirty="0"/>
+              <a:t>Dependency injection (DI)</a:t>
+            </a:r>
           </a:p>
         </p:txBody>
       </p:sp>
       <p:sp>
         <p:nvSpPr>
-          <p:cNvPr id="3" name="Content Placeholder 2"/>
+          <p:cNvPr id="7" name="Content Placeholder 6">
+            <a:extLst>
+              <a:ext uri="{FF2B5EF4-FFF2-40B4-BE49-F238E27FC236}">
+                <a16:creationId xmlns:a16="http://schemas.microsoft.com/office/drawing/2014/main" id="{05F99E37-31FF-49F1-A1AF-ECA92B6C2DC1}"/>
+              </a:ext>
+            </a:extLst>
+          </p:cNvPr>
           <p:cNvSpPr>
             <a:spLocks noGrp="1"/>
           </p:cNvSpPr>
@@ -19304,84 +18271,69 @@
         </p:nvSpPr>
         <p:spPr>
           <a:xfrm>
-            <a:off x="1154955" y="1593669"/>
-            <a:ext cx="9868645" cy="4741817"/>
+            <a:off x="1154955" y="1654174"/>
+            <a:ext cx="9868645" cy="3946525"/>
           </a:xfrm>
         </p:spPr>
         <p:txBody>
           <a:bodyPr/>
           <a:lstStyle/>
           <a:p>
+            <a:r>
+              <a:rPr lang="en-US" dirty="0">
+                <a:latin typeface="Century Gothic (Body)"/>
+              </a:rPr>
+              <a:t>In order for the injector to know which services to instantiate, you need to register a provider of each one of them</a:t>
+            </a:r>
+          </a:p>
+          <a:p>
+            <a:r>
+              <a:rPr lang="en-US" dirty="0">
+                <a:latin typeface="Century Gothic (Body)"/>
+              </a:rPr>
+              <a:t>Provider: creates or returns a service</a:t>
+            </a:r>
+          </a:p>
+          <a:p>
+            <a:r>
+              <a:rPr lang="en-US" dirty="0">
+                <a:latin typeface="Century Gothic (Body)"/>
+              </a:rPr>
+              <a:t>It is registered in a module or a component</a:t>
+            </a:r>
+          </a:p>
+          <a:p>
             <a:pPr lvl="1"/>
             <a:r>
-              <a:rPr lang="en-US" dirty="0" smtClean="0"/>
-              <a:t>When </a:t>
-            </a:r>
-            <a:r>
-              <a:rPr lang="en-US" dirty="0"/>
-              <a:t>you register a provider with a specific </a:t>
-            </a:r>
-            <a:r>
-              <a:rPr lang="en-US" dirty="0" err="1"/>
-              <a:t>NgModule</a:t>
-            </a:r>
-            <a:r>
-              <a:rPr lang="en-US" dirty="0"/>
-              <a:t>, the same instance of a service is available to all components in that </a:t>
-            </a:r>
-            <a:r>
-              <a:rPr lang="en-US" dirty="0" err="1"/>
-              <a:t>NgModule</a:t>
-            </a:r>
-            <a:r>
-              <a:rPr lang="en-US" dirty="0"/>
-              <a:t>. To register at this level, use the providers property of the @</a:t>
-            </a:r>
-            <a:r>
-              <a:rPr lang="en-US" dirty="0" err="1"/>
-              <a:t>NgModule</a:t>
-            </a:r>
-            <a:r>
-              <a:rPr lang="en-US" dirty="0"/>
-              <a:t>() decorator</a:t>
-            </a:r>
-            <a:r>
-              <a:rPr lang="en-US" dirty="0" smtClean="0"/>
-              <a:t>.</a:t>
+              <a:rPr lang="en-US" dirty="0">
+                <a:latin typeface="Century Gothic (Body)"/>
+              </a:rPr>
+              <a:t>Add it to the root module for it to be available everywhere</a:t>
             </a:r>
           </a:p>
           <a:p>
             <a:pPr lvl="1"/>
-            <a:endParaRPr lang="en-US" dirty="0" smtClean="0"/>
-          </a:p>
-          <a:p>
-            <a:pPr lvl="1"/>
+            <a:r>
+              <a:rPr lang="en-US" dirty="0">
+                <a:latin typeface="Century Gothic (Body)"/>
+              </a:rPr>
+              <a:t>Register it in the component to get a new instance of the service with each new instance of the component</a:t>
+            </a:r>
+          </a:p>
+          <a:p>
             <a:endParaRPr lang="en-US" dirty="0"/>
-          </a:p>
-          <a:p>
-            <a:pPr lvl="1"/>
-            <a:endParaRPr lang="en-US" dirty="0" smtClean="0"/>
-          </a:p>
-          <a:p>
-            <a:pPr lvl="1"/>
-            <a:endParaRPr lang="en-US" dirty="0"/>
-          </a:p>
-          <a:p>
-            <a:pPr lvl="1"/>
-            <a:r>
-              <a:rPr lang="en-US" dirty="0" smtClean="0"/>
-              <a:t>When </a:t>
-            </a:r>
-            <a:r>
-              <a:rPr lang="en-US" dirty="0"/>
-              <a:t>you register a provider at the component level, you get a new instance of the service with each new instance of that component. At the component level, register a service provider in the providers property of the @Component() metadata.</a:t>
-            </a:r>
           </a:p>
         </p:txBody>
       </p:sp>
       <p:pic>
         <p:nvPicPr>
-          <p:cNvPr id="7" name="Picture 6"/>
+          <p:cNvPr id="5" name="Picture 4">
+            <a:extLst>
+              <a:ext uri="{FF2B5EF4-FFF2-40B4-BE49-F238E27FC236}">
+                <a16:creationId xmlns:a16="http://schemas.microsoft.com/office/drawing/2014/main" id="{6AA5B499-3CDB-4812-B4FF-B476CD002835}"/>
+              </a:ext>
+            </a:extLst>
+          </p:cNvPr>
           <p:cNvPicPr>
             <a:picLocks noChangeAspect="1"/>
           </p:cNvPicPr>
@@ -19401,8 +18353,8 @@
         </p:blipFill>
         <p:spPr>
           <a:xfrm>
-            <a:off x="4803875" y="2435763"/>
-            <a:ext cx="2570801" cy="1485352"/>
+            <a:off x="1926771" y="4365077"/>
+            <a:ext cx="2857499" cy="1651000"/>
           </a:xfrm>
           <a:prstGeom prst="rect">
             <a:avLst/>
@@ -19411,7 +18363,13 @@
       </p:pic>
       <p:pic>
         <p:nvPicPr>
-          <p:cNvPr id="9" name="Picture 8"/>
+          <p:cNvPr id="6" name="Picture 5">
+            <a:extLst>
+              <a:ext uri="{FF2B5EF4-FFF2-40B4-BE49-F238E27FC236}">
+                <a16:creationId xmlns:a16="http://schemas.microsoft.com/office/drawing/2014/main" id="{91200442-F425-44B9-ABDA-5EEFF407842B}"/>
+              </a:ext>
+            </a:extLst>
+          </p:cNvPr>
           <p:cNvPicPr>
             <a:picLocks noChangeAspect="1"/>
           </p:cNvPicPr>
@@ -19431,8 +18389,8 @@
         </p:blipFill>
         <p:spPr>
           <a:xfrm>
-            <a:off x="3833593" y="4763208"/>
-            <a:ext cx="4515341" cy="1480837"/>
+            <a:off x="5556085" y="4365077"/>
+            <a:ext cx="5114996" cy="1677498"/>
           </a:xfrm>
           <a:prstGeom prst="rect">
             <a:avLst/>
@@ -19442,7 +18400,7 @@
     </p:spTree>
     <p:extLst>
       <p:ext uri="{BB962C8B-B14F-4D97-AF65-F5344CB8AC3E}">
-        <p14:creationId xmlns:p14="http://schemas.microsoft.com/office/powerpoint/2010/main" val="3182748856"/>
+        <p14:creationId xmlns:p14="http://schemas.microsoft.com/office/powerpoint/2010/main" val="3469975356"/>
       </p:ext>
     </p:extLst>
   </p:cSld>
@@ -19452,7 +18410,7 @@
 </p:sld>
 </file>
 
-<file path=ppt/slides/slide27.xml><?xml version="1.0" encoding="utf-8"?>
+<file path=ppt/slides/slide18.xml><?xml version="1.0" encoding="utf-8"?>
 <p:sld xmlns:a="http://schemas.openxmlformats.org/drawingml/2006/main" xmlns:r="http://schemas.openxmlformats.org/officeDocument/2006/relationships" xmlns:p="http://schemas.openxmlformats.org/presentationml/2006/main">
   <p:cSld>
     <p:spTree>
@@ -19485,16 +18443,184 @@
           <a:lstStyle/>
           <a:p>
             <a:r>
-              <a:rPr lang="en-US" dirty="0" smtClean="0"/>
-              <a:t>Routing</a:t>
-            </a:r>
-            <a:endParaRPr lang="en-US" dirty="0"/>
+              <a:rPr lang="en-US" dirty="0"/>
+              <a:t>@Injectable()</a:t>
+            </a:r>
+            <a:br>
+              <a:rPr lang="en-US" dirty="0"/>
+            </a:br>
+            <a:r>
+              <a:rPr lang="en-US" sz="2400" dirty="0"/>
+              <a:t>Dependency injection (DI)</a:t>
+            </a:r>
           </a:p>
         </p:txBody>
       </p:sp>
       <p:sp>
         <p:nvSpPr>
-          <p:cNvPr id="3" name="Content Placeholder 2"/>
+          <p:cNvPr id="7" name="Content Placeholder 6">
+            <a:extLst>
+              <a:ext uri="{FF2B5EF4-FFF2-40B4-BE49-F238E27FC236}">
+                <a16:creationId xmlns:a16="http://schemas.microsoft.com/office/drawing/2014/main" id="{05F99E37-31FF-49F1-A1AF-ECA92B6C2DC1}"/>
+              </a:ext>
+            </a:extLst>
+          </p:cNvPr>
+          <p:cNvSpPr>
+            <a:spLocks noGrp="1"/>
+          </p:cNvSpPr>
+          <p:nvPr>
+            <p:ph idx="1"/>
+          </p:nvPr>
+        </p:nvSpPr>
+        <p:spPr>
+          <a:xfrm>
+            <a:off x="1154955" y="1654174"/>
+            <a:ext cx="9868645" cy="3946525"/>
+          </a:xfrm>
+        </p:spPr>
+        <p:txBody>
+          <a:bodyPr/>
+          <a:lstStyle/>
+          <a:p>
+            <a:r>
+              <a:rPr lang="en-US" dirty="0">
+                <a:latin typeface="Century Gothic (Body)"/>
+              </a:rPr>
+              <a:t>@Injectable() marks a class as available to an injector for instantiation</a:t>
+            </a:r>
+          </a:p>
+          <a:p>
+            <a:r>
+              <a:rPr lang="en-US" dirty="0">
+                <a:latin typeface="Century Gothic (Body)"/>
+              </a:rPr>
+              <a:t>It is mandatory if the service class has and injected dependency</a:t>
+            </a:r>
+          </a:p>
+          <a:p>
+            <a:pPr lvl="1"/>
+            <a:r>
+              <a:rPr lang="en-US" dirty="0">
+                <a:latin typeface="Century Gothic (Body)"/>
+              </a:rPr>
+              <a:t>For ex: if the service needs another service, which is injected in it</a:t>
+            </a:r>
+          </a:p>
+          <a:p>
+            <a:r>
+              <a:rPr lang="en-US" dirty="0">
+                <a:latin typeface="Century Gothic (Body)"/>
+              </a:rPr>
+              <a:t>It is highly recommended to add an @Injectable() decorator for every service class for the sake of</a:t>
+            </a:r>
+          </a:p>
+          <a:p>
+            <a:pPr lvl="1"/>
+            <a:r>
+              <a:rPr lang="en-US" dirty="0">
+                <a:latin typeface="Century Gothic (Body)"/>
+              </a:rPr>
+              <a:t>Future proofing</a:t>
+            </a:r>
+          </a:p>
+          <a:p>
+            <a:pPr lvl="1"/>
+            <a:r>
+              <a:rPr lang="en-US" dirty="0">
+                <a:latin typeface="Century Gothic (Body)"/>
+              </a:rPr>
+              <a:t>Consistency</a:t>
+            </a:r>
+          </a:p>
+          <a:p>
+            <a:r>
+              <a:rPr lang="en-US" dirty="0">
+                <a:latin typeface="Century Gothic (Body)"/>
+              </a:rPr>
+              <a:t>All components and directives are already subtypes of Injectable</a:t>
+            </a:r>
+          </a:p>
+          <a:p>
+            <a:pPr lvl="1"/>
+            <a:r>
+              <a:rPr lang="en-US" dirty="0">
+                <a:latin typeface="Century Gothic (Body)"/>
+              </a:rPr>
+              <a:t>Event though they are instantiated by the injector, you don’t have to add the @Injectable() decorator to them</a:t>
+            </a:r>
+          </a:p>
+          <a:p>
+            <a:endParaRPr lang="en-US" dirty="0"/>
+          </a:p>
+        </p:txBody>
+      </p:sp>
+    </p:spTree>
+    <p:extLst>
+      <p:ext uri="{BB962C8B-B14F-4D97-AF65-F5344CB8AC3E}">
+        <p14:creationId xmlns:p14="http://schemas.microsoft.com/office/powerpoint/2010/main" val="2744249923"/>
+      </p:ext>
+    </p:extLst>
+  </p:cSld>
+  <p:clrMapOvr>
+    <a:masterClrMapping/>
+  </p:clrMapOvr>
+</p:sld>
+</file>
+
+<file path=ppt/slides/slide19.xml><?xml version="1.0" encoding="utf-8"?>
+<p:sld xmlns:a="http://schemas.openxmlformats.org/drawingml/2006/main" xmlns:r="http://schemas.openxmlformats.org/officeDocument/2006/relationships" xmlns:p="http://schemas.openxmlformats.org/presentationml/2006/main">
+  <p:cSld>
+    <p:spTree>
+      <p:nvGrpSpPr>
+        <p:cNvPr id="1" name=""/>
+        <p:cNvGrpSpPr/>
+        <p:nvPr/>
+      </p:nvGrpSpPr>
+      <p:grpSpPr>
+        <a:xfrm>
+          <a:off x="0" y="0"/>
+          <a:ext cx="0" cy="0"/>
+          <a:chOff x="0" y="0"/>
+          <a:chExt cx="0" cy="0"/>
+        </a:xfrm>
+      </p:grpSpPr>
+      <p:sp>
+        <p:nvSpPr>
+          <p:cNvPr id="2" name="Title 1">
+            <a:extLst>
+              <a:ext uri="{FF2B5EF4-FFF2-40B4-BE49-F238E27FC236}">
+                <a16:creationId xmlns:a16="http://schemas.microsoft.com/office/drawing/2014/main" id="{D1A7BC42-B635-4342-8029-05C83BE5AD50}"/>
+              </a:ext>
+            </a:extLst>
+          </p:cNvPr>
+          <p:cNvSpPr>
+            <a:spLocks noGrp="1"/>
+          </p:cNvSpPr>
+          <p:nvPr>
+            <p:ph type="title"/>
+          </p:nvPr>
+        </p:nvSpPr>
+        <p:spPr/>
+        <p:txBody>
+          <a:bodyPr/>
+          <a:lstStyle/>
+          <a:p>
+            <a:r>
+              <a:rPr lang="en-US" dirty="0"/>
+              <a:t>Demo</a:t>
+            </a:r>
+          </a:p>
+        </p:txBody>
+      </p:sp>
+      <p:sp>
+        <p:nvSpPr>
+          <p:cNvPr id="3" name="Content Placeholder 2">
+            <a:extLst>
+              <a:ext uri="{FF2B5EF4-FFF2-40B4-BE49-F238E27FC236}">
+                <a16:creationId xmlns:a16="http://schemas.microsoft.com/office/drawing/2014/main" id="{F6B50989-8EDA-4C8F-B8C9-8BBF37770CEF}"/>
+              </a:ext>
+            </a:extLst>
+          </p:cNvPr>
           <p:cNvSpPr>
             <a:spLocks noGrp="1"/>
           </p:cNvSpPr>
@@ -19509,27 +18635,7 @@
           <a:p>
             <a:r>
               <a:rPr lang="en-US" dirty="0"/>
-              <a:t>In a single-page app, you change what the user sees by showing or hiding portions of the display that correspond to particular components, rather than going out to the server to get a new page. As users perform application tasks, they need to move between the different </a:t>
-            </a:r>
-            <a:r>
-              <a:rPr lang="en-US" dirty="0">
-                <a:hlinkClick r:id="rId2" tooltip="Definition of view"/>
-              </a:rPr>
-              <a:t>views</a:t>
-            </a:r>
-            <a:r>
-              <a:rPr lang="en-US" dirty="0"/>
-              <a:t> that you have defined</a:t>
-            </a:r>
-            <a:r>
-              <a:rPr lang="en-US" dirty="0" smtClean="0"/>
-              <a:t>.</a:t>
-            </a:r>
-          </a:p>
-          <a:p>
-            <a:r>
-              <a:rPr lang="en-US" dirty="0"/>
-              <a:t>To handle the navigation from one view to the next, you use the Angular Router. The Router enables navigation by interpreting a browser URL as an instruction to change the view.</a:t>
+              <a:t>Create service</a:t>
             </a:r>
           </a:p>
         </p:txBody>
@@ -19537,7 +18643,7 @@
     </p:spTree>
     <p:extLst>
       <p:ext uri="{BB962C8B-B14F-4D97-AF65-F5344CB8AC3E}">
-        <p14:creationId xmlns:p14="http://schemas.microsoft.com/office/powerpoint/2010/main" val="1710896921"/>
+        <p14:creationId xmlns:p14="http://schemas.microsoft.com/office/powerpoint/2010/main" val="941579910"/>
       </p:ext>
     </p:extLst>
   </p:cSld>
@@ -19547,7 +18653,7 @@
 </p:sld>
 </file>
 
-<file path=ppt/slides/slide28.xml><?xml version="1.0" encoding="utf-8"?>
+<file path=ppt/slides/slide2.xml><?xml version="1.0" encoding="utf-8"?>
 <p:sld xmlns:a="http://schemas.openxmlformats.org/drawingml/2006/main" xmlns:r="http://schemas.openxmlformats.org/officeDocument/2006/relationships" xmlns:p="http://schemas.openxmlformats.org/presentationml/2006/main">
   <p:cSld>
     <p:spTree>
@@ -19581,6 +18687,211 @@
           <a:p>
             <a:r>
               <a:rPr lang="en-US" dirty="0"/>
+              <a:t>What is Angular</a:t>
+            </a:r>
+          </a:p>
+        </p:txBody>
+      </p:sp>
+      <p:sp>
+        <p:nvSpPr>
+          <p:cNvPr id="3" name="Content Placeholder 2"/>
+          <p:cNvSpPr>
+            <a:spLocks noGrp="1"/>
+          </p:cNvSpPr>
+          <p:nvPr>
+            <p:ph idx="1"/>
+          </p:nvPr>
+        </p:nvSpPr>
+        <p:spPr>
+          <a:xfrm>
+            <a:off x="1154955" y="1654174"/>
+            <a:ext cx="9868645" cy="4175125"/>
+          </a:xfrm>
+        </p:spPr>
+        <p:txBody>
+          <a:bodyPr/>
+          <a:lstStyle/>
+          <a:p>
+            <a:r>
+              <a:rPr lang="en-US" dirty="0"/>
+              <a:t>Angular is a client-side JavaScript framework that was specifically designed to help developers build SPAs (Single Page Applications) in accordance with best practices for web development. By providing a structured environment for building SPAs, the risk of producing “spaghetti code” is highly reduced. </a:t>
+            </a:r>
+          </a:p>
+        </p:txBody>
+      </p:sp>
+      <p:pic>
+        <p:nvPicPr>
+          <p:cNvPr id="4" name="Picture 3">
+            <a:extLst>
+              <a:ext uri="{FF2B5EF4-FFF2-40B4-BE49-F238E27FC236}">
+                <a16:creationId xmlns:a16="http://schemas.microsoft.com/office/drawing/2014/main" id="{D828C782-4720-4371-8A12-7A32C9C6DD65}"/>
+              </a:ext>
+            </a:extLst>
+          </p:cNvPr>
+          <p:cNvPicPr>
+            <a:picLocks noChangeAspect="1"/>
+          </p:cNvPicPr>
+          <p:nvPr/>
+        </p:nvPicPr>
+        <p:blipFill>
+          <a:blip r:embed="rId3">
+            <a:extLst>
+              <a:ext uri="{28A0092B-C50C-407E-A947-70E740481C1C}">
+                <a14:useLocalDpi xmlns:a14="http://schemas.microsoft.com/office/drawing/2010/main" val="0"/>
+              </a:ext>
+            </a:extLst>
+          </a:blip>
+          <a:stretch>
+            <a:fillRect/>
+          </a:stretch>
+        </p:blipFill>
+        <p:spPr>
+          <a:xfrm>
+            <a:off x="2990017" y="2925331"/>
+            <a:ext cx="6211966" cy="2903968"/>
+          </a:xfrm>
+          <a:prstGeom prst="rect">
+            <a:avLst/>
+          </a:prstGeom>
+        </p:spPr>
+      </p:pic>
+    </p:spTree>
+    <p:extLst>
+      <p:ext uri="{BB962C8B-B14F-4D97-AF65-F5344CB8AC3E}">
+        <p14:creationId xmlns:p14="http://schemas.microsoft.com/office/powerpoint/2010/main" val="1103541991"/>
+      </p:ext>
+    </p:extLst>
+  </p:cSld>
+  <p:clrMapOvr>
+    <a:masterClrMapping/>
+  </p:clrMapOvr>
+</p:sld>
+</file>
+
+<file path=ppt/slides/slide20.xml><?xml version="1.0" encoding="utf-8"?>
+<p:sld xmlns:a="http://schemas.openxmlformats.org/drawingml/2006/main" xmlns:r="http://schemas.openxmlformats.org/officeDocument/2006/relationships" xmlns:p="http://schemas.openxmlformats.org/presentationml/2006/main">
+  <p:cSld>
+    <p:spTree>
+      <p:nvGrpSpPr>
+        <p:cNvPr id="1" name=""/>
+        <p:cNvGrpSpPr/>
+        <p:nvPr/>
+      </p:nvGrpSpPr>
+      <p:grpSpPr>
+        <a:xfrm>
+          <a:off x="0" y="0"/>
+          <a:ext cx="0" cy="0"/>
+          <a:chOff x="0" y="0"/>
+          <a:chExt cx="0" cy="0"/>
+        </a:xfrm>
+      </p:grpSpPr>
+      <p:sp>
+        <p:nvSpPr>
+          <p:cNvPr id="2" name="Title 1"/>
+          <p:cNvSpPr>
+            <a:spLocks noGrp="1"/>
+          </p:cNvSpPr>
+          <p:nvPr>
+            <p:ph type="title"/>
+          </p:nvPr>
+        </p:nvSpPr>
+        <p:spPr/>
+        <p:txBody>
+          <a:bodyPr/>
+          <a:lstStyle/>
+          <a:p>
+            <a:r>
+              <a:rPr lang="en-US" dirty="0"/>
+              <a:t>Routing</a:t>
+            </a:r>
+          </a:p>
+        </p:txBody>
+      </p:sp>
+      <p:sp>
+        <p:nvSpPr>
+          <p:cNvPr id="3" name="Content Placeholder 2"/>
+          <p:cNvSpPr>
+            <a:spLocks noGrp="1"/>
+          </p:cNvSpPr>
+          <p:nvPr>
+            <p:ph idx="1"/>
+          </p:nvPr>
+        </p:nvSpPr>
+        <p:spPr/>
+        <p:txBody>
+          <a:bodyPr/>
+          <a:lstStyle/>
+          <a:p>
+            <a:r>
+              <a:rPr lang="en-US" dirty="0"/>
+              <a:t>In a single-page app, you change what the user sees by showing or hiding portions of the display that correspond to particular components, rather than going out to the server to get a new page. As users perform application tasks, they need to move between the different </a:t>
+            </a:r>
+            <a:r>
+              <a:rPr lang="en-US" dirty="0">
+                <a:hlinkClick r:id="rId2" tooltip="Definition of view"/>
+              </a:rPr>
+              <a:t>views</a:t>
+            </a:r>
+            <a:r>
+              <a:rPr lang="en-US" dirty="0"/>
+              <a:t> that you have defined.</a:t>
+            </a:r>
+          </a:p>
+          <a:p>
+            <a:r>
+              <a:rPr lang="en-US" dirty="0"/>
+              <a:t>To handle the navigation from one view to the next, you use the Angular Router. The Router enables navigation by interpreting a browser URL as an instruction to change the view.</a:t>
+            </a:r>
+          </a:p>
+        </p:txBody>
+      </p:sp>
+    </p:spTree>
+    <p:extLst>
+      <p:ext uri="{BB962C8B-B14F-4D97-AF65-F5344CB8AC3E}">
+        <p14:creationId xmlns:p14="http://schemas.microsoft.com/office/powerpoint/2010/main" val="1710896921"/>
+      </p:ext>
+    </p:extLst>
+  </p:cSld>
+  <p:clrMapOvr>
+    <a:masterClrMapping/>
+  </p:clrMapOvr>
+</p:sld>
+</file>
+
+<file path=ppt/slides/slide21.xml><?xml version="1.0" encoding="utf-8"?>
+<p:sld xmlns:a="http://schemas.openxmlformats.org/drawingml/2006/main" xmlns:r="http://schemas.openxmlformats.org/officeDocument/2006/relationships" xmlns:p="http://schemas.openxmlformats.org/presentationml/2006/main">
+  <p:cSld>
+    <p:spTree>
+      <p:nvGrpSpPr>
+        <p:cNvPr id="1" name=""/>
+        <p:cNvGrpSpPr/>
+        <p:nvPr/>
+      </p:nvGrpSpPr>
+      <p:grpSpPr>
+        <a:xfrm>
+          <a:off x="0" y="0"/>
+          <a:ext cx="0" cy="0"/>
+          <a:chOff x="0" y="0"/>
+          <a:chExt cx="0" cy="0"/>
+        </a:xfrm>
+      </p:grpSpPr>
+      <p:sp>
+        <p:nvSpPr>
+          <p:cNvPr id="2" name="Title 1"/>
+          <p:cNvSpPr>
+            <a:spLocks noGrp="1"/>
+          </p:cNvSpPr>
+          <p:nvPr>
+            <p:ph type="title"/>
+          </p:nvPr>
+        </p:nvSpPr>
+        <p:spPr/>
+        <p:txBody>
+          <a:bodyPr/>
+          <a:lstStyle/>
+          <a:p>
+            <a:r>
+              <a:rPr lang="en-US" dirty="0"/>
               <a:t>Routing</a:t>
             </a:r>
           </a:p>
@@ -19617,7 +18928,7 @@
               <a:t>NgModule</a:t>
             </a:r>
             <a:r>
-              <a:rPr lang="en-US" dirty="0" smtClean="0"/>
+              <a:rPr lang="en-US" dirty="0"/>
               <a:t>()</a:t>
             </a:r>
           </a:p>
@@ -19632,13 +18943,8 @@
             <a:pPr lvl="1"/>
             <a:r>
               <a:rPr lang="en-US" dirty="0"/>
-              <a:t>component, defines the component Angular should use for the corresponding path</a:t>
-            </a:r>
-            <a:r>
-              <a:rPr lang="en-US" dirty="0" smtClean="0"/>
-              <a:t>.</a:t>
-            </a:r>
-            <a:endParaRPr lang="en-US" dirty="0"/>
+              <a:t>component, defines the component Angular should use for the corresponding path.</a:t>
+            </a:r>
           </a:p>
         </p:txBody>
       </p:sp>
@@ -19990,17 +19296,102 @@
   <p:clrMapOvr>
     <a:masterClrMapping/>
   </p:clrMapOvr>
-  <p:timing>
-    <p:tnLst>
-      <p:par>
-        <p:cTn id="1" dur="indefinite" restart="never" nodeType="tmRoot"/>
-      </p:par>
-    </p:tnLst>
-  </p:timing>
 </p:sld>
 </file>
 
-<file path=ppt/slides/slide29.xml><?xml version="1.0" encoding="utf-8"?>
+<file path=ppt/slides/slide22.xml><?xml version="1.0" encoding="utf-8"?>
+<p:sld xmlns:a="http://schemas.openxmlformats.org/drawingml/2006/main" xmlns:r="http://schemas.openxmlformats.org/officeDocument/2006/relationships" xmlns:p="http://schemas.openxmlformats.org/presentationml/2006/main">
+  <p:cSld>
+    <p:spTree>
+      <p:nvGrpSpPr>
+        <p:cNvPr id="1" name=""/>
+        <p:cNvGrpSpPr/>
+        <p:nvPr/>
+      </p:nvGrpSpPr>
+      <p:grpSpPr>
+        <a:xfrm>
+          <a:off x="0" y="0"/>
+          <a:ext cx="0" cy="0"/>
+          <a:chOff x="0" y="0"/>
+          <a:chExt cx="0" cy="0"/>
+        </a:xfrm>
+      </p:grpSpPr>
+      <p:sp>
+        <p:nvSpPr>
+          <p:cNvPr id="2" name="Title 1">
+            <a:extLst>
+              <a:ext uri="{FF2B5EF4-FFF2-40B4-BE49-F238E27FC236}">
+                <a16:creationId xmlns:a16="http://schemas.microsoft.com/office/drawing/2014/main" id="{68D2B0C9-3714-4B65-91A7-AA679B2572EC}"/>
+              </a:ext>
+            </a:extLst>
+          </p:cNvPr>
+          <p:cNvSpPr>
+            <a:spLocks noGrp="1"/>
+          </p:cNvSpPr>
+          <p:nvPr>
+            <p:ph type="title"/>
+          </p:nvPr>
+        </p:nvSpPr>
+        <p:spPr/>
+        <p:txBody>
+          <a:bodyPr/>
+          <a:lstStyle/>
+          <a:p>
+            <a:r>
+              <a:rPr lang="en-US" dirty="0"/>
+              <a:t>Demo</a:t>
+            </a:r>
+          </a:p>
+        </p:txBody>
+      </p:sp>
+      <p:sp>
+        <p:nvSpPr>
+          <p:cNvPr id="3" name="Content Placeholder 2">
+            <a:extLst>
+              <a:ext uri="{FF2B5EF4-FFF2-40B4-BE49-F238E27FC236}">
+                <a16:creationId xmlns:a16="http://schemas.microsoft.com/office/drawing/2014/main" id="{8A15A44B-47F5-4AD2-A537-4585429154B1}"/>
+              </a:ext>
+            </a:extLst>
+          </p:cNvPr>
+          <p:cNvSpPr>
+            <a:spLocks noGrp="1"/>
+          </p:cNvSpPr>
+          <p:nvPr>
+            <p:ph idx="1"/>
+          </p:nvPr>
+        </p:nvSpPr>
+        <p:spPr/>
+        <p:txBody>
+          <a:bodyPr/>
+          <a:lstStyle/>
+          <a:p>
+            <a:r>
+              <a:rPr lang="en-US" dirty="0"/>
+              <a:t>Routing</a:t>
+            </a:r>
+          </a:p>
+          <a:p>
+            <a:r>
+              <a:rPr lang="en-US" dirty="0"/>
+              <a:t>Lazy loading</a:t>
+            </a:r>
+          </a:p>
+        </p:txBody>
+      </p:sp>
+    </p:spTree>
+    <p:extLst>
+      <p:ext uri="{BB962C8B-B14F-4D97-AF65-F5344CB8AC3E}">
+        <p14:creationId xmlns:p14="http://schemas.microsoft.com/office/powerpoint/2010/main" val="3538851843"/>
+      </p:ext>
+    </p:extLst>
+  </p:cSld>
+  <p:clrMapOvr>
+    <a:masterClrMapping/>
+  </p:clrMapOvr>
+</p:sld>
+</file>
+
+<file path=ppt/slides/slide23.xml><?xml version="1.0" encoding="utf-8"?>
 <p:sld xmlns:a="http://schemas.openxmlformats.org/drawingml/2006/main" xmlns:r="http://schemas.openxmlformats.org/officeDocument/2006/relationships" xmlns:p="http://schemas.openxmlformats.org/presentationml/2006/main">
   <p:cSld>
     <p:spTree>
@@ -20033,10 +19424,9 @@
           <a:lstStyle/>
           <a:p>
             <a:r>
-              <a:rPr lang="en-US" dirty="0" smtClean="0"/>
+              <a:rPr lang="en-US" dirty="0"/>
               <a:t>Lifecycle</a:t>
             </a:r>
-            <a:endParaRPr lang="en-US" dirty="0"/>
           </a:p>
         </p:txBody>
       </p:sp>
@@ -20064,11 +19454,7 @@
           <a:p>
             <a:r>
               <a:rPr lang="en-US" dirty="0"/>
-              <a:t>A component instance has a lifecycle that starts when Angular instantiates the component class and renders the component view along with its child views. The lifecycle continues with change detection, as Angular checks to see when data-bound properties change, and updates both the view and the component instance as needed. The lifecycle ends when Angular destroys the component instance and removes its rendered template from the DOM. Directives have a similar lifecycle, as Angular creates, updates, and destroys instances in the course of execution</a:t>
-            </a:r>
-            <a:r>
-              <a:rPr lang="en-US" dirty="0" smtClean="0"/>
-              <a:t>.</a:t>
+              <a:t>A component instance has a lifecycle that starts when Angular instantiates the component class and renders the component view along with its child views. The lifecycle continues with change detection, as Angular checks to see when data-bound properties change, and updates both the view and the component instance as needed. The lifecycle ends when Angular destroys the component instance and removes its rendered template from the DOM. Directives have a similar lifecycle, as Angular creates, updates, and destroys instances in the course of execution.</a:t>
             </a:r>
           </a:p>
           <a:p>
@@ -20086,7 +19472,6 @@
               <a:rPr lang="en-US" dirty="0"/>
               <a:t> to tap into key events in the lifecycle of a component or directive in order to initialize new instances, initiate change detection when needed, respond to updates during change detection, and clean up before deletion of instances.</a:t>
             </a:r>
-            <a:endParaRPr lang="en-US" dirty="0"/>
           </a:p>
         </p:txBody>
       </p:sp>
@@ -20100,17 +19485,10 @@
   <p:clrMapOvr>
     <a:masterClrMapping/>
   </p:clrMapOvr>
-  <p:timing>
-    <p:tnLst>
-      <p:par>
-        <p:cTn id="1" dur="indefinite" restart="never" nodeType="tmRoot"/>
-      </p:par>
-    </p:tnLst>
-  </p:timing>
 </p:sld>
 </file>
 
-<file path=ppt/slides/slide3.xml><?xml version="1.0" encoding="utf-8"?>
+<file path=ppt/slides/slide24.xml><?xml version="1.0" encoding="utf-8"?>
 <p:sld xmlns:a="http://schemas.openxmlformats.org/drawingml/2006/main" xmlns:r="http://schemas.openxmlformats.org/officeDocument/2006/relationships" xmlns:p="http://schemas.openxmlformats.org/presentationml/2006/main">
   <p:cSld>
     <p:spTree>
@@ -20143,10 +19521,9 @@
           <a:lstStyle/>
           <a:p>
             <a:r>
-              <a:rPr lang="en-US" dirty="0" smtClean="0"/>
-              <a:t>What is Angular</a:t>
-            </a:r>
-            <a:endParaRPr lang="en-US" dirty="0"/>
+              <a:rPr lang="en-US" dirty="0"/>
+              <a:t>Lifecycle hooks</a:t>
+            </a:r>
           </a:p>
         </p:txBody>
       </p:sp>
@@ -20167,41 +19544,19 @@
           <a:p>
             <a:r>
               <a:rPr lang="en-US" dirty="0"/>
-              <a:t>Angular is a platform and framework for building single-page client applications using HTML and </a:t>
-            </a:r>
-            <a:r>
-              <a:rPr lang="en-US" dirty="0" err="1"/>
-              <a:t>TypeScript</a:t>
-            </a:r>
+              <a:t>Lifecycle hooks are a special functionality in Angular that allow us to “hook into” and run code at a specific lifecycle event of a component or directive.</a:t>
+            </a:r>
+          </a:p>
+          <a:p>
             <a:r>
               <a:rPr lang="en-US" dirty="0"/>
-              <a:t>. Angular is written in </a:t>
-            </a:r>
-            <a:r>
-              <a:rPr lang="en-US" dirty="0" err="1"/>
-              <a:t>TypeScript</a:t>
-            </a:r>
+              <a:t>Angular manages components and directives for us   when it creates them, updates them, or destroys them. With lifecycle hooks, we can gain better control of our application.</a:t>
+            </a:r>
+          </a:p>
+          <a:p>
             <a:r>
               <a:rPr lang="en-US" dirty="0"/>
-              <a:t>. It implements core and optional functionality as a set of </a:t>
-            </a:r>
-            <a:r>
-              <a:rPr lang="en-US" dirty="0" err="1"/>
-              <a:t>TypeScript</a:t>
-            </a:r>
-            <a:r>
-              <a:rPr lang="en-US" dirty="0"/>
-              <a:t> libraries that you import into your apps</a:t>
-            </a:r>
-            <a:r>
-              <a:rPr lang="en-US" dirty="0" smtClean="0"/>
-              <a:t>.</a:t>
-            </a:r>
-          </a:p>
-          <a:p>
-            <a:r>
-              <a:rPr lang="en-US" dirty="0"/>
-              <a:t>Angular is a client-side JavaScript framework that was specifically designed to help developers build SPAs (Single Page Applications) in accordance with best practices for web development. By providing a structured environment for building SPAs, the risk of producing “spaghetti code” is highly reduced. </a:t>
+              <a:t>To do this, we add some specific hook methods prefixed with ng to our component or directive. These hooks are split into two types: hooks for components or directives, and hooks for child components.</a:t>
             </a:r>
           </a:p>
         </p:txBody>
@@ -20209,24 +19564,17 @@
     </p:spTree>
     <p:extLst>
       <p:ext uri="{BB962C8B-B14F-4D97-AF65-F5344CB8AC3E}">
-        <p14:creationId xmlns:p14="http://schemas.microsoft.com/office/powerpoint/2010/main" val="1103541991"/>
+        <p14:creationId xmlns:p14="http://schemas.microsoft.com/office/powerpoint/2010/main" val="899794048"/>
       </p:ext>
     </p:extLst>
   </p:cSld>
   <p:clrMapOvr>
     <a:masterClrMapping/>
   </p:clrMapOvr>
-  <p:timing>
-    <p:tnLst>
-      <p:par>
-        <p:cTn id="1" dur="indefinite" restart="never" nodeType="tmRoot"/>
-      </p:par>
-    </p:tnLst>
-  </p:timing>
 </p:sld>
 </file>
 
-<file path=ppt/slides/slide30.xml><?xml version="1.0" encoding="utf-8"?>
+<file path=ppt/slides/slide25.xml><?xml version="1.0" encoding="utf-8"?>
 <p:sld xmlns:a="http://schemas.openxmlformats.org/drawingml/2006/main" xmlns:r="http://schemas.openxmlformats.org/officeDocument/2006/relationships" xmlns:p="http://schemas.openxmlformats.org/presentationml/2006/main">
   <p:cSld>
     <p:spTree>
@@ -20259,111 +19607,9 @@
           <a:lstStyle/>
           <a:p>
             <a:r>
-              <a:rPr lang="en-US" dirty="0" smtClean="0"/>
-              <a:t>Lifecycle hooks</a:t>
-            </a:r>
-            <a:endParaRPr lang="en-US" dirty="0"/>
-          </a:p>
-        </p:txBody>
-      </p:sp>
-      <p:sp>
-        <p:nvSpPr>
-          <p:cNvPr id="3" name="Content Placeholder 2"/>
-          <p:cNvSpPr>
-            <a:spLocks noGrp="1"/>
-          </p:cNvSpPr>
-          <p:nvPr>
-            <p:ph idx="1"/>
-          </p:nvPr>
-        </p:nvSpPr>
-        <p:spPr/>
-        <p:txBody>
-          <a:bodyPr/>
-          <a:lstStyle/>
-          <a:p>
-            <a:r>
               <a:rPr lang="en-US" dirty="0"/>
-              <a:t>Lifecycle hooks are a special functionality in Angular that allow us to “hook into” and run code at a specific lifecycle event of a component or directive</a:t>
-            </a:r>
-            <a:r>
-              <a:rPr lang="en-US" dirty="0" smtClean="0"/>
-              <a:t>.</a:t>
-            </a:r>
-            <a:endParaRPr lang="en-US" dirty="0"/>
-          </a:p>
-          <a:p>
-            <a:r>
-              <a:rPr lang="en-US" dirty="0"/>
-              <a:t>Angular manages components and directives for us   when it creates them, updates them, or destroys them. With lifecycle hooks, we can gain better control of our application</a:t>
-            </a:r>
-            <a:r>
-              <a:rPr lang="en-US" dirty="0" smtClean="0"/>
-              <a:t>.</a:t>
-            </a:r>
-            <a:endParaRPr lang="en-US" dirty="0"/>
-          </a:p>
-          <a:p>
-            <a:r>
-              <a:rPr lang="en-US" dirty="0"/>
-              <a:t>To do this, we add some specific hook methods prefixed with ng to our component or directive. These hooks are split into two types: hooks for components or directives, and hooks for child components.</a:t>
-            </a:r>
-          </a:p>
-        </p:txBody>
-      </p:sp>
-    </p:spTree>
-    <p:extLst>
-      <p:ext uri="{BB962C8B-B14F-4D97-AF65-F5344CB8AC3E}">
-        <p14:creationId xmlns:p14="http://schemas.microsoft.com/office/powerpoint/2010/main" val="899794048"/>
-      </p:ext>
-    </p:extLst>
-  </p:cSld>
-  <p:clrMapOvr>
-    <a:masterClrMapping/>
-  </p:clrMapOvr>
-</p:sld>
-</file>
-
-<file path=ppt/slides/slide31.xml><?xml version="1.0" encoding="utf-8"?>
-<p:sld xmlns:a="http://schemas.openxmlformats.org/drawingml/2006/main" xmlns:r="http://schemas.openxmlformats.org/officeDocument/2006/relationships" xmlns:p="http://schemas.openxmlformats.org/presentationml/2006/main">
-  <p:cSld>
-    <p:spTree>
-      <p:nvGrpSpPr>
-        <p:cNvPr id="1" name=""/>
-        <p:cNvGrpSpPr/>
-        <p:nvPr/>
-      </p:nvGrpSpPr>
-      <p:grpSpPr>
-        <a:xfrm>
-          <a:off x="0" y="0"/>
-          <a:ext cx="0" cy="0"/>
-          <a:chOff x="0" y="0"/>
-          <a:chExt cx="0" cy="0"/>
-        </a:xfrm>
-      </p:grpSpPr>
-      <p:sp>
-        <p:nvSpPr>
-          <p:cNvPr id="2" name="Title 1"/>
-          <p:cNvSpPr>
-            <a:spLocks noGrp="1"/>
-          </p:cNvSpPr>
-          <p:nvPr>
-            <p:ph type="title"/>
-          </p:nvPr>
-        </p:nvSpPr>
-        <p:spPr/>
-        <p:txBody>
-          <a:bodyPr/>
-          <a:lstStyle/>
-          <a:p>
-            <a:r>
-              <a:rPr lang="en-US" dirty="0"/>
-              <a:t>Lifecycle event </a:t>
-            </a:r>
-            <a:r>
-              <a:rPr lang="en-US" dirty="0" smtClean="0"/>
-              <a:t>sequence</a:t>
-            </a:r>
-            <a:endParaRPr lang="en-US" dirty="0"/>
+              <a:t>Lifecycle event sequence</a:t>
+            </a:r>
           </a:p>
         </p:txBody>
       </p:sp>
@@ -20391,13 +19637,8 @@
           <a:p>
             <a:r>
               <a:rPr lang="en-US" dirty="0"/>
-              <a:t>Angular executes hook methods in the following sequence. You can use them to perform the following kinds of operations</a:t>
-            </a:r>
-            <a:r>
-              <a:rPr lang="en-US" dirty="0" smtClean="0"/>
-              <a:t>.</a:t>
-            </a:r>
-            <a:endParaRPr lang="en-US" dirty="0"/>
+              <a:t>Angular executes hook methods in the following sequence. You can use them to perform the following kinds of operations.</a:t>
+            </a:r>
           </a:p>
           <a:p>
             <a:pPr lvl="1">
@@ -20409,7 +19650,7 @@
               <a:t>ngOnChanges</a:t>
             </a:r>
             <a:r>
-              <a:rPr lang="en-US" dirty="0" smtClean="0"/>
+              <a:rPr lang="en-US" dirty="0"/>
               <a:t>()</a:t>
             </a:r>
           </a:p>
@@ -20423,7 +19664,7 @@
               <a:t>ngOnInit</a:t>
             </a:r>
             <a:r>
-              <a:rPr lang="en-US" dirty="0" smtClean="0"/>
+              <a:rPr lang="en-US" dirty="0"/>
               <a:t>()</a:t>
             </a:r>
           </a:p>
@@ -20437,7 +19678,7 @@
               <a:t>ngDoCheck</a:t>
             </a:r>
             <a:r>
-              <a:rPr lang="en-US" dirty="0" smtClean="0"/>
+              <a:rPr lang="en-US" dirty="0"/>
               <a:t>()</a:t>
             </a:r>
           </a:p>
@@ -20451,7 +19692,7 @@
               <a:t>ngAfterContentInit</a:t>
             </a:r>
             <a:r>
-              <a:rPr lang="en-US" dirty="0" smtClean="0"/>
+              <a:rPr lang="en-US" dirty="0"/>
               <a:t>()</a:t>
             </a:r>
           </a:p>
@@ -20468,7 +19709,6 @@
               <a:rPr lang="en-US" dirty="0"/>
               <a:t>()</a:t>
             </a:r>
-            <a:endParaRPr lang="en-US" dirty="0" smtClean="0"/>
           </a:p>
           <a:p>
             <a:pPr lvl="1">
@@ -20480,7 +19720,7 @@
               <a:t>ngAfterViewInit</a:t>
             </a:r>
             <a:r>
-              <a:rPr lang="en-US" dirty="0" smtClean="0"/>
+              <a:rPr lang="en-US" dirty="0"/>
               <a:t>() </a:t>
             </a:r>
           </a:p>
@@ -20494,7 +19734,7 @@
               <a:t>ngAfterViewChecked</a:t>
             </a:r>
             <a:r>
-              <a:rPr lang="en-US" dirty="0" smtClean="0"/>
+              <a:rPr lang="en-US" dirty="0"/>
               <a:t>()</a:t>
             </a:r>
           </a:p>
@@ -20511,7 +19751,6 @@
               <a:rPr lang="en-US" dirty="0"/>
               <a:t>()</a:t>
             </a:r>
-            <a:endParaRPr lang="en-US" dirty="0" smtClean="0"/>
           </a:p>
           <a:p>
             <a:pPr lvl="1">
@@ -20792,1199 +20031,7 @@
 </p:sld>
 </file>
 
-<file path=ppt/slides/slide32.xml><?xml version="1.0" encoding="utf-8"?>
-<p:sld xmlns:a="http://schemas.openxmlformats.org/drawingml/2006/main" xmlns:r="http://schemas.openxmlformats.org/officeDocument/2006/relationships" xmlns:p="http://schemas.openxmlformats.org/presentationml/2006/main">
-  <p:cSld>
-    <p:spTree>
-      <p:nvGrpSpPr>
-        <p:cNvPr id="1" name=""/>
-        <p:cNvGrpSpPr/>
-        <p:nvPr/>
-      </p:nvGrpSpPr>
-      <p:grpSpPr>
-        <a:xfrm>
-          <a:off x="0" y="0"/>
-          <a:ext cx="0" cy="0"/>
-          <a:chOff x="0" y="0"/>
-          <a:chExt cx="0" cy="0"/>
-        </a:xfrm>
-      </p:grpSpPr>
-      <p:sp>
-        <p:nvSpPr>
-          <p:cNvPr id="2" name="Title 1"/>
-          <p:cNvSpPr>
-            <a:spLocks noGrp="1"/>
-          </p:cNvSpPr>
-          <p:nvPr>
-            <p:ph type="title"/>
-          </p:nvPr>
-        </p:nvSpPr>
-        <p:spPr/>
-        <p:txBody>
-          <a:bodyPr/>
-          <a:lstStyle/>
-          <a:p>
-            <a:r>
-              <a:rPr lang="en-US" dirty="0" err="1"/>
-              <a:t>ngOnChanges</a:t>
-            </a:r>
-            <a:r>
-              <a:rPr lang="en-US" dirty="0"/>
-              <a:t>()</a:t>
-            </a:r>
-          </a:p>
-        </p:txBody>
-      </p:sp>
-      <p:sp>
-        <p:nvSpPr>
-          <p:cNvPr id="3" name="Content Placeholder 2"/>
-          <p:cNvSpPr>
-            <a:spLocks noGrp="1"/>
-          </p:cNvSpPr>
-          <p:nvPr>
-            <p:ph idx="1"/>
-          </p:nvPr>
-        </p:nvSpPr>
-        <p:spPr/>
-        <p:txBody>
-          <a:bodyPr/>
-          <a:lstStyle/>
-          <a:p>
-            <a:r>
-              <a:rPr lang="en-US" dirty="0" smtClean="0"/>
-              <a:t>Purpose:</a:t>
-            </a:r>
-          </a:p>
-          <a:p>
-            <a:pPr lvl="1"/>
-            <a:r>
-              <a:rPr lang="en-US" dirty="0" smtClean="0"/>
-              <a:t>Respond when Angular </a:t>
-            </a:r>
-            <a:r>
-              <a:rPr lang="en-US" dirty="0"/>
-              <a:t>sets or resets data-bound input properties</a:t>
-            </a:r>
-            <a:r>
-              <a:rPr lang="en-US" dirty="0" smtClean="0"/>
-              <a:t>.</a:t>
-            </a:r>
-          </a:p>
-          <a:p>
-            <a:pPr lvl="1"/>
-            <a:r>
-              <a:rPr lang="en-US" dirty="0" smtClean="0"/>
-              <a:t>Tracks current and Previous values.</a:t>
-            </a:r>
-          </a:p>
-          <a:p>
-            <a:pPr lvl="1"/>
-            <a:r>
-              <a:rPr lang="en-US" dirty="0" smtClean="0"/>
-              <a:t>Only tracks @Input property values.</a:t>
-            </a:r>
-          </a:p>
-          <a:p>
-            <a:r>
-              <a:rPr lang="en-US" dirty="0" smtClean="0"/>
-              <a:t>Timing:</a:t>
-            </a:r>
-          </a:p>
-          <a:p>
-            <a:pPr lvl="1"/>
-            <a:r>
-              <a:rPr lang="en-US" dirty="0" smtClean="0"/>
-              <a:t>Called </a:t>
-            </a:r>
-            <a:r>
-              <a:rPr lang="en-US" dirty="0"/>
-              <a:t>before </a:t>
-            </a:r>
-            <a:r>
-              <a:rPr lang="en-US" dirty="0" err="1"/>
-              <a:t>ngOnInit</a:t>
-            </a:r>
-            <a:r>
-              <a:rPr lang="en-US" dirty="0"/>
-              <a:t>() and whenever one or more data-bound input properties change.</a:t>
-            </a:r>
-            <a:endParaRPr lang="en-US" dirty="0" smtClean="0"/>
-          </a:p>
-          <a:p>
-            <a:r>
-              <a:rPr lang="en-US" dirty="0" smtClean="0"/>
-              <a:t>Limitations:</a:t>
-            </a:r>
-          </a:p>
-          <a:p>
-            <a:pPr lvl="1"/>
-            <a:r>
-              <a:rPr lang="en-US" dirty="0" smtClean="0"/>
-              <a:t>Fails to detect changes user Object types.</a:t>
-            </a:r>
-            <a:endParaRPr lang="en-US" dirty="0"/>
-          </a:p>
-        </p:txBody>
-      </p:sp>
-    </p:spTree>
-    <p:extLst>
-      <p:ext uri="{BB962C8B-B14F-4D97-AF65-F5344CB8AC3E}">
-        <p14:creationId xmlns:p14="http://schemas.microsoft.com/office/powerpoint/2010/main" val="2385304559"/>
-      </p:ext>
-    </p:extLst>
-  </p:cSld>
-  <p:clrMapOvr>
-    <a:masterClrMapping/>
-  </p:clrMapOvr>
-</p:sld>
-</file>
-
-<file path=ppt/slides/slide33.xml><?xml version="1.0" encoding="utf-8"?>
-<p:sld xmlns:a="http://schemas.openxmlformats.org/drawingml/2006/main" xmlns:r="http://schemas.openxmlformats.org/officeDocument/2006/relationships" xmlns:p="http://schemas.openxmlformats.org/presentationml/2006/main">
-  <p:cSld>
-    <p:spTree>
-      <p:nvGrpSpPr>
-        <p:cNvPr id="1" name=""/>
-        <p:cNvGrpSpPr/>
-        <p:nvPr/>
-      </p:nvGrpSpPr>
-      <p:grpSpPr>
-        <a:xfrm>
-          <a:off x="0" y="0"/>
-          <a:ext cx="0" cy="0"/>
-          <a:chOff x="0" y="0"/>
-          <a:chExt cx="0" cy="0"/>
-        </a:xfrm>
-      </p:grpSpPr>
-      <p:sp>
-        <p:nvSpPr>
-          <p:cNvPr id="2" name="Title 1"/>
-          <p:cNvSpPr>
-            <a:spLocks noGrp="1"/>
-          </p:cNvSpPr>
-          <p:nvPr>
-            <p:ph type="title"/>
-          </p:nvPr>
-        </p:nvSpPr>
-        <p:spPr/>
-        <p:txBody>
-          <a:bodyPr/>
-          <a:lstStyle/>
-          <a:p>
-            <a:r>
-              <a:rPr lang="en-US" dirty="0" err="1"/>
-              <a:t>ngOnInit</a:t>
-            </a:r>
-            <a:r>
-              <a:rPr lang="en-US" dirty="0"/>
-              <a:t>()</a:t>
-            </a:r>
-          </a:p>
-        </p:txBody>
-      </p:sp>
-      <p:sp>
-        <p:nvSpPr>
-          <p:cNvPr id="3" name="Content Placeholder 2"/>
-          <p:cNvSpPr>
-            <a:spLocks noGrp="1"/>
-          </p:cNvSpPr>
-          <p:nvPr>
-            <p:ph idx="1"/>
-          </p:nvPr>
-        </p:nvSpPr>
-        <p:spPr/>
-        <p:txBody>
-          <a:bodyPr/>
-          <a:lstStyle/>
-          <a:p>
-            <a:r>
-              <a:rPr lang="en-US" dirty="0"/>
-              <a:t>Purpose:</a:t>
-            </a:r>
-          </a:p>
-          <a:p>
-            <a:pPr lvl="1"/>
-            <a:r>
-              <a:rPr lang="en-US" dirty="0"/>
-              <a:t>Initialize the directive or component after Angular first displays the data-bound properties.</a:t>
-            </a:r>
-          </a:p>
-          <a:p>
-            <a:pPr lvl="1"/>
-            <a:r>
-              <a:rPr lang="en-US" dirty="0" smtClean="0"/>
-              <a:t>Sets </a:t>
-            </a:r>
-            <a:r>
-              <a:rPr lang="en-US" dirty="0"/>
-              <a:t>the directive or component's input properties</a:t>
-            </a:r>
-            <a:r>
-              <a:rPr lang="en-US" dirty="0" smtClean="0"/>
-              <a:t>.</a:t>
-            </a:r>
-          </a:p>
-          <a:p>
-            <a:r>
-              <a:rPr lang="en-US" dirty="0" smtClean="0"/>
-              <a:t> Timing:</a:t>
-            </a:r>
-          </a:p>
-          <a:p>
-            <a:pPr lvl="1"/>
-            <a:r>
-              <a:rPr lang="en-US" dirty="0" smtClean="0"/>
-              <a:t>Called </a:t>
-            </a:r>
-            <a:r>
-              <a:rPr lang="en-US" dirty="0"/>
-              <a:t>once, after the first </a:t>
-            </a:r>
-            <a:r>
-              <a:rPr lang="en-US" dirty="0" err="1"/>
-              <a:t>ngOnChanges</a:t>
-            </a:r>
-            <a:r>
-              <a:rPr lang="en-US" dirty="0" smtClean="0"/>
-              <a:t>().</a:t>
-            </a:r>
-            <a:endParaRPr lang="en-US" dirty="0"/>
-          </a:p>
-          <a:p>
-            <a:r>
-              <a:rPr lang="en-US" dirty="0"/>
-              <a:t>Limitations:</a:t>
-            </a:r>
-          </a:p>
-          <a:p>
-            <a:pPr lvl="1"/>
-            <a:r>
-              <a:rPr lang="en-US" dirty="0" smtClean="0"/>
-              <a:t>A directive’s input properties are not set until constructor().</a:t>
-            </a:r>
-            <a:endParaRPr lang="en-US" dirty="0"/>
-          </a:p>
-          <a:p>
-            <a:endParaRPr lang="en-US" dirty="0"/>
-          </a:p>
-        </p:txBody>
-      </p:sp>
-    </p:spTree>
-    <p:extLst>
-      <p:ext uri="{BB962C8B-B14F-4D97-AF65-F5344CB8AC3E}">
-        <p14:creationId xmlns:p14="http://schemas.microsoft.com/office/powerpoint/2010/main" val="2276526635"/>
-      </p:ext>
-    </p:extLst>
-  </p:cSld>
-  <p:clrMapOvr>
-    <a:masterClrMapping/>
-  </p:clrMapOvr>
-</p:sld>
-</file>
-
-<file path=ppt/slides/slide34.xml><?xml version="1.0" encoding="utf-8"?>
-<p:sld xmlns:a="http://schemas.openxmlformats.org/drawingml/2006/main" xmlns:r="http://schemas.openxmlformats.org/officeDocument/2006/relationships" xmlns:p="http://schemas.openxmlformats.org/presentationml/2006/main">
-  <p:cSld>
-    <p:spTree>
-      <p:nvGrpSpPr>
-        <p:cNvPr id="1" name=""/>
-        <p:cNvGrpSpPr/>
-        <p:nvPr/>
-      </p:nvGrpSpPr>
-      <p:grpSpPr>
-        <a:xfrm>
-          <a:off x="0" y="0"/>
-          <a:ext cx="0" cy="0"/>
-          <a:chOff x="0" y="0"/>
-          <a:chExt cx="0" cy="0"/>
-        </a:xfrm>
-      </p:grpSpPr>
-      <p:sp>
-        <p:nvSpPr>
-          <p:cNvPr id="2" name="Title 1"/>
-          <p:cNvSpPr>
-            <a:spLocks noGrp="1"/>
-          </p:cNvSpPr>
-          <p:nvPr>
-            <p:ph type="title"/>
-          </p:nvPr>
-        </p:nvSpPr>
-        <p:spPr/>
-        <p:txBody>
-          <a:bodyPr/>
-          <a:lstStyle/>
-          <a:p>
-            <a:r>
-              <a:rPr lang="en-US" dirty="0" err="1"/>
-              <a:t>ngDoCheck</a:t>
-            </a:r>
-            <a:r>
-              <a:rPr lang="en-US" dirty="0"/>
-              <a:t>()</a:t>
-            </a:r>
-          </a:p>
-        </p:txBody>
-      </p:sp>
-      <p:sp>
-        <p:nvSpPr>
-          <p:cNvPr id="3" name="Content Placeholder 2"/>
-          <p:cNvSpPr>
-            <a:spLocks noGrp="1"/>
-          </p:cNvSpPr>
-          <p:nvPr>
-            <p:ph idx="1"/>
-          </p:nvPr>
-        </p:nvSpPr>
-        <p:spPr/>
-        <p:txBody>
-          <a:bodyPr/>
-          <a:lstStyle/>
-          <a:p>
-            <a:r>
-              <a:rPr lang="en-US" dirty="0"/>
-              <a:t>Purpose:</a:t>
-            </a:r>
-          </a:p>
-          <a:p>
-            <a:pPr lvl="1"/>
-            <a:r>
-              <a:rPr lang="en-US" dirty="0"/>
-              <a:t>Detect and act upon changes that Angular can't or won't detect on its own</a:t>
-            </a:r>
-            <a:r>
-              <a:rPr lang="en-US" dirty="0" smtClean="0"/>
-              <a:t>.</a:t>
-            </a:r>
-          </a:p>
-          <a:p>
-            <a:r>
-              <a:rPr lang="en-US" dirty="0" smtClean="0"/>
-              <a:t> </a:t>
-            </a:r>
-            <a:r>
-              <a:rPr lang="en-US" dirty="0"/>
-              <a:t>Timing</a:t>
-            </a:r>
-            <a:r>
-              <a:rPr lang="en-US" dirty="0" smtClean="0"/>
-              <a:t>:</a:t>
-            </a:r>
-          </a:p>
-          <a:p>
-            <a:pPr lvl="1"/>
-            <a:r>
-              <a:rPr lang="en-US" dirty="0"/>
-              <a:t>Called immediately after </a:t>
-            </a:r>
-            <a:r>
-              <a:rPr lang="en-US" dirty="0" err="1"/>
-              <a:t>ngOnChanges</a:t>
-            </a:r>
-            <a:r>
-              <a:rPr lang="en-US" dirty="0"/>
-              <a:t>() on every change detection </a:t>
-            </a:r>
-            <a:r>
-              <a:rPr lang="en-US" dirty="0" smtClean="0"/>
-              <a:t>run.</a:t>
-            </a:r>
-          </a:p>
-          <a:p>
-            <a:pPr lvl="1"/>
-            <a:r>
-              <a:rPr lang="en-US" dirty="0" smtClean="0"/>
-              <a:t>Called immediately </a:t>
-            </a:r>
-            <a:r>
-              <a:rPr lang="en-US" dirty="0"/>
-              <a:t>after </a:t>
-            </a:r>
-            <a:r>
-              <a:rPr lang="en-US" dirty="0" err="1"/>
-              <a:t>ngOnInit</a:t>
-            </a:r>
-            <a:r>
-              <a:rPr lang="en-US" dirty="0"/>
-              <a:t>() on the first run.</a:t>
-            </a:r>
-          </a:p>
-          <a:p>
-            <a:r>
-              <a:rPr lang="en-US" dirty="0" smtClean="0"/>
-              <a:t>Limitations</a:t>
-            </a:r>
-            <a:r>
-              <a:rPr lang="en-US" dirty="0"/>
-              <a:t>:</a:t>
-            </a:r>
-          </a:p>
-          <a:p>
-            <a:pPr lvl="1"/>
-            <a:r>
-              <a:rPr lang="en-US" dirty="0" smtClean="0"/>
-              <a:t>Called with an enormous frequency.</a:t>
-            </a:r>
-          </a:p>
-          <a:p>
-            <a:pPr lvl="1"/>
-            <a:r>
-              <a:rPr lang="en-US" dirty="0" smtClean="0"/>
-              <a:t>Dependency must be very less or the user experience suffers.</a:t>
-            </a:r>
-            <a:endParaRPr lang="en-US" dirty="0"/>
-          </a:p>
-          <a:p>
-            <a:endParaRPr lang="en-US" dirty="0"/>
-          </a:p>
-          <a:p>
-            <a:endParaRPr lang="en-US" dirty="0"/>
-          </a:p>
-        </p:txBody>
-      </p:sp>
-    </p:spTree>
-    <p:extLst>
-      <p:ext uri="{BB962C8B-B14F-4D97-AF65-F5344CB8AC3E}">
-        <p14:creationId xmlns:p14="http://schemas.microsoft.com/office/powerpoint/2010/main" val="3991534330"/>
-      </p:ext>
-    </p:extLst>
-  </p:cSld>
-  <p:clrMapOvr>
-    <a:masterClrMapping/>
-  </p:clrMapOvr>
-</p:sld>
-</file>
-
-<file path=ppt/slides/slide35.xml><?xml version="1.0" encoding="utf-8"?>
-<p:sld xmlns:a="http://schemas.openxmlformats.org/drawingml/2006/main" xmlns:r="http://schemas.openxmlformats.org/officeDocument/2006/relationships" xmlns:p="http://schemas.openxmlformats.org/presentationml/2006/main">
-  <p:cSld>
-    <p:spTree>
-      <p:nvGrpSpPr>
-        <p:cNvPr id="1" name=""/>
-        <p:cNvGrpSpPr/>
-        <p:nvPr/>
-      </p:nvGrpSpPr>
-      <p:grpSpPr>
-        <a:xfrm>
-          <a:off x="0" y="0"/>
-          <a:ext cx="0" cy="0"/>
-          <a:chOff x="0" y="0"/>
-          <a:chExt cx="0" cy="0"/>
-        </a:xfrm>
-      </p:grpSpPr>
-      <p:sp>
-        <p:nvSpPr>
-          <p:cNvPr id="2" name="Title 1"/>
-          <p:cNvSpPr>
-            <a:spLocks noGrp="1"/>
-          </p:cNvSpPr>
-          <p:nvPr>
-            <p:ph type="title"/>
-          </p:nvPr>
-        </p:nvSpPr>
-        <p:spPr/>
-        <p:txBody>
-          <a:bodyPr/>
-          <a:lstStyle/>
-          <a:p>
-            <a:r>
-              <a:rPr lang="en-US" dirty="0" err="1"/>
-              <a:t>ngAfterContentInit</a:t>
-            </a:r>
-            <a:r>
-              <a:rPr lang="en-US" dirty="0"/>
-              <a:t>()</a:t>
-            </a:r>
-          </a:p>
-        </p:txBody>
-      </p:sp>
-      <p:sp>
-        <p:nvSpPr>
-          <p:cNvPr id="3" name="Content Placeholder 2"/>
-          <p:cNvSpPr>
-            <a:spLocks noGrp="1"/>
-          </p:cNvSpPr>
-          <p:nvPr>
-            <p:ph idx="1"/>
-          </p:nvPr>
-        </p:nvSpPr>
-        <p:spPr/>
-        <p:txBody>
-          <a:bodyPr/>
-          <a:lstStyle/>
-          <a:p>
-            <a:r>
-              <a:rPr lang="en-US" dirty="0"/>
-              <a:t>Purpose:</a:t>
-            </a:r>
-          </a:p>
-          <a:p>
-            <a:pPr lvl="1"/>
-            <a:r>
-              <a:rPr lang="en-US" dirty="0"/>
-              <a:t>Respond after Angular projects external content into the component's view, or into the view that a directive is in</a:t>
-            </a:r>
-            <a:r>
-              <a:rPr lang="en-US" dirty="0" smtClean="0"/>
-              <a:t>.</a:t>
-            </a:r>
-          </a:p>
-          <a:p>
-            <a:r>
-              <a:rPr lang="en-US" dirty="0" smtClean="0"/>
-              <a:t> </a:t>
-            </a:r>
-            <a:r>
-              <a:rPr lang="en-US" dirty="0"/>
-              <a:t>Timing:</a:t>
-            </a:r>
-          </a:p>
-          <a:p>
-            <a:pPr lvl="1"/>
-            <a:r>
-              <a:rPr lang="en-US" dirty="0"/>
-              <a:t>Called </a:t>
-            </a:r>
-            <a:r>
-              <a:rPr lang="en-US" i="1" dirty="0"/>
-              <a:t>once</a:t>
-            </a:r>
-            <a:r>
-              <a:rPr lang="en-US" dirty="0"/>
-              <a:t> after the first </a:t>
-            </a:r>
-            <a:r>
-              <a:rPr lang="en-US" dirty="0" err="1"/>
-              <a:t>ngDoCheck</a:t>
-            </a:r>
-            <a:r>
-              <a:rPr lang="en-US" dirty="0"/>
-              <a:t>().</a:t>
-            </a:r>
-          </a:p>
-        </p:txBody>
-      </p:sp>
-    </p:spTree>
-    <p:extLst>
-      <p:ext uri="{BB962C8B-B14F-4D97-AF65-F5344CB8AC3E}">
-        <p14:creationId xmlns:p14="http://schemas.microsoft.com/office/powerpoint/2010/main" val="3015471844"/>
-      </p:ext>
-    </p:extLst>
-  </p:cSld>
-  <p:clrMapOvr>
-    <a:masterClrMapping/>
-  </p:clrMapOvr>
-</p:sld>
-</file>
-
-<file path=ppt/slides/slide36.xml><?xml version="1.0" encoding="utf-8"?>
-<p:sld xmlns:a="http://schemas.openxmlformats.org/drawingml/2006/main" xmlns:r="http://schemas.openxmlformats.org/officeDocument/2006/relationships" xmlns:p="http://schemas.openxmlformats.org/presentationml/2006/main">
-  <p:cSld>
-    <p:spTree>
-      <p:nvGrpSpPr>
-        <p:cNvPr id="1" name=""/>
-        <p:cNvGrpSpPr/>
-        <p:nvPr/>
-      </p:nvGrpSpPr>
-      <p:grpSpPr>
-        <a:xfrm>
-          <a:off x="0" y="0"/>
-          <a:ext cx="0" cy="0"/>
-          <a:chOff x="0" y="0"/>
-          <a:chExt cx="0" cy="0"/>
-        </a:xfrm>
-      </p:grpSpPr>
-      <p:sp>
-        <p:nvSpPr>
-          <p:cNvPr id="2" name="Title 1"/>
-          <p:cNvSpPr>
-            <a:spLocks noGrp="1"/>
-          </p:cNvSpPr>
-          <p:nvPr>
-            <p:ph type="title"/>
-          </p:nvPr>
-        </p:nvSpPr>
-        <p:spPr/>
-        <p:txBody>
-          <a:bodyPr/>
-          <a:lstStyle/>
-          <a:p>
-            <a:r>
-              <a:rPr lang="en-US" dirty="0" err="1"/>
-              <a:t>ngAfterContentChecked</a:t>
-            </a:r>
-            <a:r>
-              <a:rPr lang="en-US" dirty="0"/>
-              <a:t>()</a:t>
-            </a:r>
-            <a:endParaRPr lang="en-US" dirty="0"/>
-          </a:p>
-        </p:txBody>
-      </p:sp>
-      <p:sp>
-        <p:nvSpPr>
-          <p:cNvPr id="3" name="Content Placeholder 2"/>
-          <p:cNvSpPr>
-            <a:spLocks noGrp="1"/>
-          </p:cNvSpPr>
-          <p:nvPr>
-            <p:ph idx="1"/>
-          </p:nvPr>
-        </p:nvSpPr>
-        <p:spPr/>
-        <p:txBody>
-          <a:bodyPr/>
-          <a:lstStyle/>
-          <a:p>
-            <a:r>
-              <a:rPr lang="en-US" dirty="0"/>
-              <a:t>Purpose:</a:t>
-            </a:r>
-          </a:p>
-          <a:p>
-            <a:pPr lvl="1"/>
-            <a:r>
-              <a:rPr lang="en-US" dirty="0" smtClean="0"/>
-              <a:t>Respond </a:t>
-            </a:r>
-            <a:r>
-              <a:rPr lang="en-US" dirty="0"/>
-              <a:t>after Angular checks the content projected into the directive or component.</a:t>
-            </a:r>
-            <a:endParaRPr lang="en-US" dirty="0" smtClean="0"/>
-          </a:p>
-          <a:p>
-            <a:r>
-              <a:rPr lang="en-US" dirty="0" smtClean="0"/>
-              <a:t>Timing</a:t>
-            </a:r>
-            <a:r>
-              <a:rPr lang="en-US" dirty="0"/>
-              <a:t>:</a:t>
-            </a:r>
-          </a:p>
-          <a:p>
-            <a:pPr lvl="1"/>
-            <a:r>
-              <a:rPr lang="en-US" dirty="0" smtClean="0"/>
-              <a:t>Called after </a:t>
-            </a:r>
-            <a:r>
-              <a:rPr lang="en-US" i="1" dirty="0" err="1"/>
-              <a:t>ngAfterContentInit</a:t>
-            </a:r>
-            <a:r>
-              <a:rPr lang="en-US" dirty="0"/>
-              <a:t>() and every subsequent </a:t>
-            </a:r>
-            <a:r>
-              <a:rPr lang="en-US" i="1" dirty="0" err="1"/>
-              <a:t>ngDoCheck</a:t>
-            </a:r>
-            <a:r>
-              <a:rPr lang="en-US" dirty="0"/>
-              <a:t>().</a:t>
-            </a:r>
-          </a:p>
-        </p:txBody>
-      </p:sp>
-    </p:spTree>
-    <p:extLst>
-      <p:ext uri="{BB962C8B-B14F-4D97-AF65-F5344CB8AC3E}">
-        <p14:creationId xmlns:p14="http://schemas.microsoft.com/office/powerpoint/2010/main" val="2883403857"/>
-      </p:ext>
-    </p:extLst>
-  </p:cSld>
-  <p:clrMapOvr>
-    <a:masterClrMapping/>
-  </p:clrMapOvr>
-</p:sld>
-</file>
-
-<file path=ppt/slides/slide37.xml><?xml version="1.0" encoding="utf-8"?>
-<p:sld xmlns:a="http://schemas.openxmlformats.org/drawingml/2006/main" xmlns:r="http://schemas.openxmlformats.org/officeDocument/2006/relationships" xmlns:p="http://schemas.openxmlformats.org/presentationml/2006/main">
-  <p:cSld>
-    <p:spTree>
-      <p:nvGrpSpPr>
-        <p:cNvPr id="1" name=""/>
-        <p:cNvGrpSpPr/>
-        <p:nvPr/>
-      </p:nvGrpSpPr>
-      <p:grpSpPr>
-        <a:xfrm>
-          <a:off x="0" y="0"/>
-          <a:ext cx="0" cy="0"/>
-          <a:chOff x="0" y="0"/>
-          <a:chExt cx="0" cy="0"/>
-        </a:xfrm>
-      </p:grpSpPr>
-      <p:sp>
-        <p:nvSpPr>
-          <p:cNvPr id="2" name="Title 1"/>
-          <p:cNvSpPr>
-            <a:spLocks noGrp="1"/>
-          </p:cNvSpPr>
-          <p:nvPr>
-            <p:ph type="title"/>
-          </p:nvPr>
-        </p:nvSpPr>
-        <p:spPr/>
-        <p:txBody>
-          <a:bodyPr/>
-          <a:lstStyle/>
-          <a:p>
-            <a:r>
-              <a:rPr lang="en-US" dirty="0" err="1"/>
-              <a:t>ngAfterViewInit</a:t>
-            </a:r>
-            <a:r>
-              <a:rPr lang="en-US" dirty="0"/>
-              <a:t>()</a:t>
-            </a:r>
-          </a:p>
-        </p:txBody>
-      </p:sp>
-      <p:sp>
-        <p:nvSpPr>
-          <p:cNvPr id="3" name="Content Placeholder 2"/>
-          <p:cNvSpPr>
-            <a:spLocks noGrp="1"/>
-          </p:cNvSpPr>
-          <p:nvPr>
-            <p:ph idx="1"/>
-          </p:nvPr>
-        </p:nvSpPr>
-        <p:spPr/>
-        <p:txBody>
-          <a:bodyPr/>
-          <a:lstStyle/>
-          <a:p>
-            <a:r>
-              <a:rPr lang="en-US" dirty="0"/>
-              <a:t>Purpose:</a:t>
-            </a:r>
-          </a:p>
-          <a:p>
-            <a:pPr lvl="1"/>
-            <a:r>
-              <a:rPr lang="en-US" dirty="0" smtClean="0"/>
-              <a:t>Respond </a:t>
-            </a:r>
-            <a:r>
-              <a:rPr lang="en-US" dirty="0"/>
-              <a:t>after Angular initializes the component's views and child views, or the view that contains the directive</a:t>
-            </a:r>
-            <a:r>
-              <a:rPr lang="en-US" dirty="0" smtClean="0"/>
-              <a:t>.</a:t>
-            </a:r>
-          </a:p>
-          <a:p>
-            <a:r>
-              <a:rPr lang="en-US" dirty="0" smtClean="0"/>
-              <a:t>Timing:</a:t>
-            </a:r>
-          </a:p>
-          <a:p>
-            <a:pPr lvl="1"/>
-            <a:r>
-              <a:rPr lang="en-US" dirty="0"/>
-              <a:t>Called once after the first </a:t>
-            </a:r>
-            <a:r>
-              <a:rPr lang="en-US" dirty="0" err="1"/>
-              <a:t>ngAfterContentChecked</a:t>
-            </a:r>
-            <a:r>
-              <a:rPr lang="en-US" dirty="0"/>
-              <a:t>().</a:t>
-            </a:r>
-          </a:p>
-        </p:txBody>
-      </p:sp>
-    </p:spTree>
-    <p:extLst>
-      <p:ext uri="{BB962C8B-B14F-4D97-AF65-F5344CB8AC3E}">
-        <p14:creationId xmlns:p14="http://schemas.microsoft.com/office/powerpoint/2010/main" val="3134480240"/>
-      </p:ext>
-    </p:extLst>
-  </p:cSld>
-  <p:clrMapOvr>
-    <a:masterClrMapping/>
-  </p:clrMapOvr>
-</p:sld>
-</file>
-
-<file path=ppt/slides/slide38.xml><?xml version="1.0" encoding="utf-8"?>
-<p:sld xmlns:a="http://schemas.openxmlformats.org/drawingml/2006/main" xmlns:r="http://schemas.openxmlformats.org/officeDocument/2006/relationships" xmlns:p="http://schemas.openxmlformats.org/presentationml/2006/main">
-  <p:cSld>
-    <p:spTree>
-      <p:nvGrpSpPr>
-        <p:cNvPr id="1" name=""/>
-        <p:cNvGrpSpPr/>
-        <p:nvPr/>
-      </p:nvGrpSpPr>
-      <p:grpSpPr>
-        <a:xfrm>
-          <a:off x="0" y="0"/>
-          <a:ext cx="0" cy="0"/>
-          <a:chOff x="0" y="0"/>
-          <a:chExt cx="0" cy="0"/>
-        </a:xfrm>
-      </p:grpSpPr>
-      <p:sp>
-        <p:nvSpPr>
-          <p:cNvPr id="2" name="Title 1"/>
-          <p:cNvSpPr>
-            <a:spLocks noGrp="1"/>
-          </p:cNvSpPr>
-          <p:nvPr>
-            <p:ph type="title"/>
-          </p:nvPr>
-        </p:nvSpPr>
-        <p:spPr/>
-        <p:txBody>
-          <a:bodyPr/>
-          <a:lstStyle/>
-          <a:p>
-            <a:r>
-              <a:rPr lang="en-US" dirty="0" err="1"/>
-              <a:t>ngAfterViewChecked</a:t>
-            </a:r>
-            <a:r>
-              <a:rPr lang="en-US" dirty="0"/>
-              <a:t>()</a:t>
-            </a:r>
-          </a:p>
-        </p:txBody>
-      </p:sp>
-      <p:sp>
-        <p:nvSpPr>
-          <p:cNvPr id="3" name="Content Placeholder 2"/>
-          <p:cNvSpPr>
-            <a:spLocks noGrp="1"/>
-          </p:cNvSpPr>
-          <p:nvPr>
-            <p:ph idx="1"/>
-          </p:nvPr>
-        </p:nvSpPr>
-        <p:spPr/>
-        <p:txBody>
-          <a:bodyPr/>
-          <a:lstStyle/>
-          <a:p>
-            <a:r>
-              <a:rPr lang="en-US" dirty="0"/>
-              <a:t>Purpose:</a:t>
-            </a:r>
-          </a:p>
-          <a:p>
-            <a:pPr lvl="1"/>
-            <a:r>
-              <a:rPr lang="en-US" dirty="0" smtClean="0"/>
-              <a:t>Respond </a:t>
-            </a:r>
-            <a:r>
-              <a:rPr lang="en-US" dirty="0"/>
-              <a:t>after Angular checks the component's views and child views, or the view that contains the directive</a:t>
-            </a:r>
-            <a:r>
-              <a:rPr lang="en-US" dirty="0" smtClean="0"/>
-              <a:t>.</a:t>
-            </a:r>
-          </a:p>
-          <a:p>
-            <a:r>
-              <a:rPr lang="en-US" dirty="0" smtClean="0"/>
-              <a:t>Timing:</a:t>
-            </a:r>
-          </a:p>
-          <a:p>
-            <a:pPr lvl="1"/>
-            <a:r>
-              <a:rPr lang="en-US" dirty="0" smtClean="0"/>
-              <a:t>Called </a:t>
-            </a:r>
-            <a:r>
-              <a:rPr lang="en-US" dirty="0"/>
-              <a:t>after the </a:t>
-            </a:r>
-            <a:r>
-              <a:rPr lang="en-US" dirty="0" err="1"/>
-              <a:t>ngAfterViewInit</a:t>
-            </a:r>
-            <a:r>
-              <a:rPr lang="en-US" dirty="0"/>
-              <a:t>() and every subsequent </a:t>
-            </a:r>
-            <a:r>
-              <a:rPr lang="en-US" dirty="0" err="1"/>
-              <a:t>ngAfterContentChecked</a:t>
-            </a:r>
-            <a:r>
-              <a:rPr lang="en-US" dirty="0"/>
-              <a:t>().</a:t>
-            </a:r>
-          </a:p>
-        </p:txBody>
-      </p:sp>
-    </p:spTree>
-    <p:extLst>
-      <p:ext uri="{BB962C8B-B14F-4D97-AF65-F5344CB8AC3E}">
-        <p14:creationId xmlns:p14="http://schemas.microsoft.com/office/powerpoint/2010/main" val="652613318"/>
-      </p:ext>
-    </p:extLst>
-  </p:cSld>
-  <p:clrMapOvr>
-    <a:masterClrMapping/>
-  </p:clrMapOvr>
-</p:sld>
-</file>
-
-<file path=ppt/slides/slide39.xml><?xml version="1.0" encoding="utf-8"?>
-<p:sld xmlns:a="http://schemas.openxmlformats.org/drawingml/2006/main" xmlns:r="http://schemas.openxmlformats.org/officeDocument/2006/relationships" xmlns:p="http://schemas.openxmlformats.org/presentationml/2006/main">
-  <p:cSld>
-    <p:spTree>
-      <p:nvGrpSpPr>
-        <p:cNvPr id="1" name=""/>
-        <p:cNvGrpSpPr/>
-        <p:nvPr/>
-      </p:nvGrpSpPr>
-      <p:grpSpPr>
-        <a:xfrm>
-          <a:off x="0" y="0"/>
-          <a:ext cx="0" cy="0"/>
-          <a:chOff x="0" y="0"/>
-          <a:chExt cx="0" cy="0"/>
-        </a:xfrm>
-      </p:grpSpPr>
-      <p:sp>
-        <p:nvSpPr>
-          <p:cNvPr id="2" name="Title 1"/>
-          <p:cNvSpPr>
-            <a:spLocks noGrp="1"/>
-          </p:cNvSpPr>
-          <p:nvPr>
-            <p:ph type="title"/>
-          </p:nvPr>
-        </p:nvSpPr>
-        <p:spPr/>
-        <p:txBody>
-          <a:bodyPr/>
-          <a:lstStyle/>
-          <a:p>
-            <a:r>
-              <a:rPr lang="en-US" dirty="0" err="1"/>
-              <a:t>ngOnDestroy</a:t>
-            </a:r>
-            <a:r>
-              <a:rPr lang="en-US" dirty="0"/>
-              <a:t>()</a:t>
-            </a:r>
-          </a:p>
-        </p:txBody>
-      </p:sp>
-      <p:sp>
-        <p:nvSpPr>
-          <p:cNvPr id="3" name="Content Placeholder 2"/>
-          <p:cNvSpPr>
-            <a:spLocks noGrp="1"/>
-          </p:cNvSpPr>
-          <p:nvPr>
-            <p:ph idx="1"/>
-          </p:nvPr>
-        </p:nvSpPr>
-        <p:spPr/>
-        <p:txBody>
-          <a:bodyPr/>
-          <a:lstStyle/>
-          <a:p>
-            <a:r>
-              <a:rPr lang="en-US" dirty="0"/>
-              <a:t>Purpose:</a:t>
-            </a:r>
-          </a:p>
-          <a:p>
-            <a:pPr lvl="1"/>
-            <a:r>
-              <a:rPr lang="en-US" dirty="0"/>
-              <a:t>Cleanup just before Angular destroys the directive or component. </a:t>
-            </a:r>
-            <a:endParaRPr lang="en-US" dirty="0" smtClean="0"/>
-          </a:p>
-          <a:p>
-            <a:pPr lvl="1"/>
-            <a:r>
-              <a:rPr lang="en-US" dirty="0" smtClean="0"/>
-              <a:t>Unsubscribe </a:t>
-            </a:r>
-            <a:r>
-              <a:rPr lang="en-US" dirty="0"/>
-              <a:t>Observables and detach event handlers to avoid memory leaks</a:t>
-            </a:r>
-            <a:r>
-              <a:rPr lang="en-US" dirty="0" smtClean="0"/>
-              <a:t>.</a:t>
-            </a:r>
-          </a:p>
-          <a:p>
-            <a:r>
-              <a:rPr lang="en-US" dirty="0" smtClean="0"/>
-              <a:t>Timing:</a:t>
-            </a:r>
-          </a:p>
-          <a:p>
-            <a:pPr lvl="1"/>
-            <a:r>
-              <a:rPr lang="en-US" dirty="0"/>
-              <a:t>Called immediately before Angular destroys the directive or component..</a:t>
-            </a:r>
-          </a:p>
-        </p:txBody>
-      </p:sp>
-    </p:spTree>
-    <p:extLst>
-      <p:ext uri="{BB962C8B-B14F-4D97-AF65-F5344CB8AC3E}">
-        <p14:creationId xmlns:p14="http://schemas.microsoft.com/office/powerpoint/2010/main" val="1789190968"/>
-      </p:ext>
-    </p:extLst>
-  </p:cSld>
-  <p:clrMapOvr>
-    <a:masterClrMapping/>
-  </p:clrMapOvr>
-</p:sld>
-</file>
-
-<file path=ppt/slides/slide4.xml><?xml version="1.0" encoding="utf-8"?>
-<p:sld xmlns:a="http://schemas.openxmlformats.org/drawingml/2006/main" xmlns:r="http://schemas.openxmlformats.org/officeDocument/2006/relationships" xmlns:p="http://schemas.openxmlformats.org/presentationml/2006/main">
-  <p:cSld>
-    <p:spTree>
-      <p:nvGrpSpPr>
-        <p:cNvPr id="1" name=""/>
-        <p:cNvGrpSpPr/>
-        <p:nvPr/>
-      </p:nvGrpSpPr>
-      <p:grpSpPr>
-        <a:xfrm>
-          <a:off x="0" y="0"/>
-          <a:ext cx="0" cy="0"/>
-          <a:chOff x="0" y="0"/>
-          <a:chExt cx="0" cy="0"/>
-        </a:xfrm>
-      </p:grpSpPr>
-      <p:sp>
-        <p:nvSpPr>
-          <p:cNvPr id="2" name="Title 1"/>
-          <p:cNvSpPr>
-            <a:spLocks noGrp="1"/>
-          </p:cNvSpPr>
-          <p:nvPr>
-            <p:ph type="title"/>
-          </p:nvPr>
-        </p:nvSpPr>
-        <p:spPr/>
-        <p:txBody>
-          <a:bodyPr/>
-          <a:lstStyle/>
-          <a:p>
-            <a:r>
-              <a:rPr lang="en-US" dirty="0"/>
-              <a:t>Single-Page Applications</a:t>
-            </a:r>
-          </a:p>
-        </p:txBody>
-      </p:sp>
-      <p:sp>
-        <p:nvSpPr>
-          <p:cNvPr id="3" name="Content Placeholder 2"/>
-          <p:cNvSpPr>
-            <a:spLocks noGrp="1"/>
-          </p:cNvSpPr>
-          <p:nvPr>
-            <p:ph idx="1"/>
-          </p:nvPr>
-        </p:nvSpPr>
-        <p:spPr/>
-        <p:txBody>
-          <a:bodyPr/>
-          <a:lstStyle/>
-          <a:p>
-            <a:r>
-              <a:rPr lang="en-US" b="1" i="1" dirty="0"/>
-              <a:t>Single-Page Applications</a:t>
-            </a:r>
-            <a:r>
-              <a:rPr lang="en-US" dirty="0"/>
-              <a:t> (or </a:t>
-            </a:r>
-            <a:r>
-              <a:rPr lang="en-US" b="1" i="1" dirty="0"/>
-              <a:t>SPA’s</a:t>
-            </a:r>
-            <a:r>
-              <a:rPr lang="en-US" dirty="0"/>
-              <a:t>) are applications that are accessed via a web browser like other websites but offer more dynamic interactions resembling native mobile and desktop apps. The most notable difference between a regular website and SPA is the reduced amount of page refreshes. SPAs have a heavier usage of AJAX- a way to communicate with back-end servers without doing a full page refresh to get data loaded into our application. As a result, the process of rendering pages happens mostly on the client-side</a:t>
-            </a:r>
-            <a:r>
-              <a:rPr lang="en-US" dirty="0" smtClean="0"/>
-              <a:t>.</a:t>
-            </a:r>
-          </a:p>
-          <a:p>
-            <a:endParaRPr lang="en-US" dirty="0"/>
-          </a:p>
-        </p:txBody>
-      </p:sp>
-      <p:pic>
-        <p:nvPicPr>
-          <p:cNvPr id="6" name="Picture 5"/>
-          <p:cNvPicPr>
-            <a:picLocks noChangeAspect="1"/>
-          </p:cNvPicPr>
-          <p:nvPr/>
-        </p:nvPicPr>
-        <p:blipFill>
-          <a:blip r:embed="rId2">
-            <a:extLst>
-              <a:ext uri="{28A0092B-C50C-407E-A947-70E740481C1C}">
-                <a14:useLocalDpi xmlns:a14="http://schemas.microsoft.com/office/drawing/2010/main" val="0"/>
-              </a:ext>
-            </a:extLst>
-          </a:blip>
-          <a:stretch>
-            <a:fillRect/>
-          </a:stretch>
-        </p:blipFill>
-        <p:spPr>
-          <a:xfrm>
-            <a:off x="3242276" y="3613997"/>
-            <a:ext cx="5702432" cy="2665771"/>
-          </a:xfrm>
-          <a:prstGeom prst="rect">
-            <a:avLst/>
-          </a:prstGeom>
-        </p:spPr>
-      </p:pic>
-    </p:spTree>
-    <p:extLst>
-      <p:ext uri="{BB962C8B-B14F-4D97-AF65-F5344CB8AC3E}">
-        <p14:creationId xmlns:p14="http://schemas.microsoft.com/office/powerpoint/2010/main" val="2542737808"/>
-      </p:ext>
-    </p:extLst>
-  </p:cSld>
-  <p:clrMapOvr>
-    <a:masterClrMapping/>
-  </p:clrMapOvr>
-  <p:timing>
-    <p:tnLst>
-      <p:par>
-        <p:cTn id="1" dur="indefinite" restart="never" nodeType="tmRoot"/>
-      </p:par>
-    </p:tnLst>
-  </p:timing>
-</p:sld>
-</file>
-
-<file path=ppt/slides/slide40.xml><?xml version="1.0" encoding="utf-8"?>
+<file path=ppt/slides/slide26.xml><?xml version="1.0" encoding="utf-8"?>
 <p:sld xmlns:a="http://schemas.openxmlformats.org/drawingml/2006/main" xmlns:r="http://schemas.openxmlformats.org/officeDocument/2006/relationships" xmlns:p="http://schemas.openxmlformats.org/presentationml/2006/main">
   <p:cSld>
     <p:spTree>
@@ -22138,7 +20185,7 @@
           <a:p>
             <a:pPr algn="ctr"/>
             <a:r>
-              <a:rPr lang="en-US" sz="6000" b="1" smtClean="0">
+              <a:rPr lang="en-US" sz="6000" b="1">
                 <a:solidFill>
                   <a:schemeClr val="bg1"/>
                 </a:solidFill>
@@ -22181,17 +20228,10 @@
       </p:transition>
     </mc:Fallback>
   </mc:AlternateContent>
-  <p:timing>
-    <p:tnLst>
-      <p:par>
-        <p:cTn id="1" dur="indefinite" restart="never" nodeType="tmRoot"/>
-      </p:par>
-    </p:tnLst>
-  </p:timing>
 </p:sld>
 </file>
 
-<file path=ppt/slides/slide5.xml><?xml version="1.0" encoding="utf-8"?>
+<file path=ppt/slides/slide3.xml><?xml version="1.0" encoding="utf-8"?>
 <p:sld xmlns:a="http://schemas.openxmlformats.org/drawingml/2006/main" xmlns:r="http://schemas.openxmlformats.org/officeDocument/2006/relationships" xmlns:p="http://schemas.openxmlformats.org/presentationml/2006/main">
   <p:cSld>
     <p:spTree>
@@ -22224,10 +20264,9 @@
           <a:lstStyle/>
           <a:p>
             <a:r>
-              <a:rPr lang="en-US" dirty="0" smtClean="0"/>
-              <a:t>Architecture</a:t>
-            </a:r>
-            <a:endParaRPr lang="en-US" dirty="0"/>
+              <a:rPr lang="en-US" dirty="0"/>
+              <a:t>Angular Architecture</a:t>
+            </a:r>
           </a:p>
         </p:txBody>
       </p:sp>
@@ -22255,15 +20294,605 @@
         </p:blipFill>
         <p:spPr>
           <a:xfrm>
-            <a:off x="2502424" y="1666874"/>
+            <a:off x="1154953" y="1613085"/>
             <a:ext cx="7173703" cy="4358825"/>
           </a:xfrm>
         </p:spPr>
       </p:pic>
+      <p:sp>
+        <p:nvSpPr>
+          <p:cNvPr id="5" name="Content Placeholder 2">
+            <a:extLst>
+              <a:ext uri="{FF2B5EF4-FFF2-40B4-BE49-F238E27FC236}">
+                <a16:creationId xmlns:a16="http://schemas.microsoft.com/office/drawing/2014/main" id="{5BEA478E-3E67-41F2-9219-FBFA728DF187}"/>
+              </a:ext>
+            </a:extLst>
+          </p:cNvPr>
+          <p:cNvSpPr txBox="1">
+            <a:spLocks/>
+          </p:cNvSpPr>
+          <p:nvPr/>
+        </p:nvSpPr>
+        <p:spPr>
+          <a:xfrm>
+            <a:off x="8563855" y="1994580"/>
+            <a:ext cx="3205779" cy="2868840"/>
+          </a:xfrm>
+          <a:prstGeom prst="rect">
+            <a:avLst/>
+          </a:prstGeom>
+        </p:spPr>
+        <p:txBody>
+          <a:bodyPr vert="horz" lIns="91440" tIns="45720" rIns="91440" bIns="45720" rtlCol="0">
+            <a:normAutofit fontScale="92500" lnSpcReduction="10000"/>
+          </a:bodyPr>
+          <a:lstStyle>
+            <a:lvl1pPr marL="342900" indent="-342900" algn="l" defTabSz="457200" rtl="0" eaLnBrk="1" latinLnBrk="0" hangingPunct="1">
+              <a:spcBef>
+                <a:spcPts val="1000"/>
+              </a:spcBef>
+              <a:spcAft>
+                <a:spcPts val="0"/>
+              </a:spcAft>
+              <a:buClr>
+                <a:schemeClr val="accent1"/>
+              </a:buClr>
+              <a:buSzPct val="80000"/>
+              <a:buFont typeface="Wingdings 3" charset="2"/>
+              <a:buChar char=""/>
+              <a:defRPr sz="1800" b="0" i="0" kern="1200">
+                <a:solidFill>
+                  <a:schemeClr val="tx1">
+                    <a:lumMod val="75000"/>
+                    <a:lumOff val="25000"/>
+                  </a:schemeClr>
+                </a:solidFill>
+                <a:latin typeface="+mn-lt"/>
+                <a:ea typeface="+mn-ea"/>
+                <a:cs typeface="+mn-cs"/>
+              </a:defRPr>
+            </a:lvl1pPr>
+            <a:lvl2pPr marL="742950" indent="-285750" algn="l" defTabSz="457200" rtl="0" eaLnBrk="1" latinLnBrk="0" hangingPunct="1">
+              <a:spcBef>
+                <a:spcPts val="1000"/>
+              </a:spcBef>
+              <a:spcAft>
+                <a:spcPts val="0"/>
+              </a:spcAft>
+              <a:buClr>
+                <a:schemeClr val="accent1"/>
+              </a:buClr>
+              <a:buSzPct val="80000"/>
+              <a:buFont typeface="Wingdings 3" charset="2"/>
+              <a:buChar char=""/>
+              <a:defRPr sz="1600" b="0" i="0" kern="1200">
+                <a:solidFill>
+                  <a:schemeClr val="tx1">
+                    <a:lumMod val="75000"/>
+                    <a:lumOff val="25000"/>
+                  </a:schemeClr>
+                </a:solidFill>
+                <a:latin typeface="+mn-lt"/>
+                <a:ea typeface="+mn-ea"/>
+                <a:cs typeface="+mn-cs"/>
+              </a:defRPr>
+            </a:lvl2pPr>
+            <a:lvl3pPr marL="1143000" indent="-228600" algn="l" defTabSz="457200" rtl="0" eaLnBrk="1" latinLnBrk="0" hangingPunct="1">
+              <a:spcBef>
+                <a:spcPts val="1000"/>
+              </a:spcBef>
+              <a:spcAft>
+                <a:spcPts val="0"/>
+              </a:spcAft>
+              <a:buClr>
+                <a:schemeClr val="accent1"/>
+              </a:buClr>
+              <a:buSzPct val="80000"/>
+              <a:buFont typeface="Wingdings 3" charset="2"/>
+              <a:buChar char=""/>
+              <a:defRPr sz="1400" b="0" i="0" kern="1200">
+                <a:solidFill>
+                  <a:schemeClr val="tx1">
+                    <a:lumMod val="75000"/>
+                    <a:lumOff val="25000"/>
+                  </a:schemeClr>
+                </a:solidFill>
+                <a:latin typeface="+mn-lt"/>
+                <a:ea typeface="+mn-ea"/>
+                <a:cs typeface="+mn-cs"/>
+              </a:defRPr>
+            </a:lvl3pPr>
+            <a:lvl4pPr marL="1600200" indent="-228600" algn="l" defTabSz="457200" rtl="0" eaLnBrk="1" latinLnBrk="0" hangingPunct="1">
+              <a:spcBef>
+                <a:spcPts val="1000"/>
+              </a:spcBef>
+              <a:spcAft>
+                <a:spcPts val="0"/>
+              </a:spcAft>
+              <a:buClr>
+                <a:schemeClr val="accent1"/>
+              </a:buClr>
+              <a:buSzPct val="80000"/>
+              <a:buFont typeface="Wingdings 3" charset="2"/>
+              <a:buChar char=""/>
+              <a:defRPr sz="1200" b="0" i="0" kern="1200">
+                <a:solidFill>
+                  <a:schemeClr val="tx1">
+                    <a:lumMod val="75000"/>
+                    <a:lumOff val="25000"/>
+                  </a:schemeClr>
+                </a:solidFill>
+                <a:latin typeface="+mn-lt"/>
+                <a:ea typeface="+mn-ea"/>
+                <a:cs typeface="+mn-cs"/>
+              </a:defRPr>
+            </a:lvl4pPr>
+            <a:lvl5pPr marL="2057400" indent="-228600" algn="l" defTabSz="457200" rtl="0" eaLnBrk="1" latinLnBrk="0" hangingPunct="1">
+              <a:spcBef>
+                <a:spcPts val="1000"/>
+              </a:spcBef>
+              <a:spcAft>
+                <a:spcPts val="0"/>
+              </a:spcAft>
+              <a:buClr>
+                <a:schemeClr val="accent1"/>
+              </a:buClr>
+              <a:buSzPct val="80000"/>
+              <a:buFont typeface="Wingdings 3" charset="2"/>
+              <a:buChar char=""/>
+              <a:defRPr sz="1200" b="0" i="0" kern="1200">
+                <a:solidFill>
+                  <a:schemeClr val="tx1">
+                    <a:lumMod val="75000"/>
+                    <a:lumOff val="25000"/>
+                  </a:schemeClr>
+                </a:solidFill>
+                <a:latin typeface="+mn-lt"/>
+                <a:ea typeface="+mn-ea"/>
+                <a:cs typeface="+mn-cs"/>
+              </a:defRPr>
+            </a:lvl5pPr>
+            <a:lvl6pPr marL="2514600" indent="-228600" algn="l" defTabSz="457200" rtl="0" eaLnBrk="1" latinLnBrk="0" hangingPunct="1">
+              <a:spcBef>
+                <a:spcPts val="1000"/>
+              </a:spcBef>
+              <a:spcAft>
+                <a:spcPts val="0"/>
+              </a:spcAft>
+              <a:buClr>
+                <a:schemeClr val="accent1"/>
+              </a:buClr>
+              <a:buSzPct val="80000"/>
+              <a:buFont typeface="Wingdings 3" charset="2"/>
+              <a:buChar char=""/>
+              <a:defRPr sz="1200" b="0" i="0" kern="1200">
+                <a:solidFill>
+                  <a:schemeClr val="tx1">
+                    <a:lumMod val="75000"/>
+                    <a:lumOff val="25000"/>
+                  </a:schemeClr>
+                </a:solidFill>
+                <a:latin typeface="+mn-lt"/>
+                <a:ea typeface="+mn-ea"/>
+                <a:cs typeface="+mn-cs"/>
+              </a:defRPr>
+            </a:lvl6pPr>
+            <a:lvl7pPr marL="2971800" indent="-228600" algn="l" defTabSz="457200" rtl="0" eaLnBrk="1" latinLnBrk="0" hangingPunct="1">
+              <a:spcBef>
+                <a:spcPts val="1000"/>
+              </a:spcBef>
+              <a:spcAft>
+                <a:spcPts val="0"/>
+              </a:spcAft>
+              <a:buClr>
+                <a:schemeClr val="accent1"/>
+              </a:buClr>
+              <a:buSzPct val="80000"/>
+              <a:buFont typeface="Wingdings 3" charset="2"/>
+              <a:buChar char=""/>
+              <a:defRPr sz="1200" b="0" i="0" kern="1200">
+                <a:solidFill>
+                  <a:schemeClr val="tx1">
+                    <a:lumMod val="75000"/>
+                    <a:lumOff val="25000"/>
+                  </a:schemeClr>
+                </a:solidFill>
+                <a:latin typeface="+mn-lt"/>
+                <a:ea typeface="+mn-ea"/>
+                <a:cs typeface="+mn-cs"/>
+              </a:defRPr>
+            </a:lvl7pPr>
+            <a:lvl8pPr marL="3429000" indent="-228600" algn="l" defTabSz="457200" rtl="0" eaLnBrk="1" latinLnBrk="0" hangingPunct="1">
+              <a:spcBef>
+                <a:spcPts val="1000"/>
+              </a:spcBef>
+              <a:spcAft>
+                <a:spcPts val="0"/>
+              </a:spcAft>
+              <a:buClr>
+                <a:schemeClr val="accent1"/>
+              </a:buClr>
+              <a:buSzPct val="80000"/>
+              <a:buFont typeface="Wingdings 3" charset="2"/>
+              <a:buChar char=""/>
+              <a:defRPr sz="1200" b="0" i="0" kern="1200">
+                <a:solidFill>
+                  <a:schemeClr val="tx1">
+                    <a:lumMod val="75000"/>
+                    <a:lumOff val="25000"/>
+                  </a:schemeClr>
+                </a:solidFill>
+                <a:latin typeface="+mn-lt"/>
+                <a:ea typeface="+mn-ea"/>
+                <a:cs typeface="+mn-cs"/>
+              </a:defRPr>
+            </a:lvl8pPr>
+            <a:lvl9pPr marL="3886200" indent="-228600" algn="l" defTabSz="457200" rtl="0" eaLnBrk="1" latinLnBrk="0" hangingPunct="1">
+              <a:spcBef>
+                <a:spcPts val="1000"/>
+              </a:spcBef>
+              <a:spcAft>
+                <a:spcPts val="0"/>
+              </a:spcAft>
+              <a:buClr>
+                <a:schemeClr val="accent1"/>
+              </a:buClr>
+              <a:buSzPct val="80000"/>
+              <a:buFont typeface="Wingdings 3" charset="2"/>
+              <a:buChar char=""/>
+              <a:defRPr sz="1200" b="0" i="0" kern="1200">
+                <a:solidFill>
+                  <a:schemeClr val="tx1">
+                    <a:lumMod val="75000"/>
+                    <a:lumOff val="25000"/>
+                  </a:schemeClr>
+                </a:solidFill>
+                <a:latin typeface="+mn-lt"/>
+                <a:ea typeface="+mn-ea"/>
+                <a:cs typeface="+mn-cs"/>
+              </a:defRPr>
+            </a:lvl9pPr>
+          </a:lstStyle>
+          <a:p>
+            <a:r>
+              <a:rPr lang="en-US" dirty="0"/>
+              <a:t>Modules</a:t>
+            </a:r>
+          </a:p>
+          <a:p>
+            <a:r>
+              <a:rPr lang="en-US" dirty="0"/>
+              <a:t>Components</a:t>
+            </a:r>
+          </a:p>
+          <a:p>
+            <a:r>
+              <a:rPr lang="en-US" dirty="0"/>
+              <a:t>Templates</a:t>
+            </a:r>
+          </a:p>
+          <a:p>
+            <a:r>
+              <a:rPr lang="en-US" dirty="0"/>
+              <a:t>Metadata</a:t>
+            </a:r>
+          </a:p>
+          <a:p>
+            <a:r>
+              <a:rPr lang="en-US" dirty="0"/>
+              <a:t>Data binding</a:t>
+            </a:r>
+          </a:p>
+          <a:p>
+            <a:r>
+              <a:rPr lang="en-US" dirty="0"/>
+              <a:t>Directives</a:t>
+            </a:r>
+          </a:p>
+          <a:p>
+            <a:r>
+              <a:rPr lang="en-US" dirty="0"/>
+              <a:t>Services</a:t>
+            </a:r>
+          </a:p>
+          <a:p>
+            <a:r>
+              <a:rPr lang="en-US" dirty="0"/>
+              <a:t>Dependency injection</a:t>
+            </a:r>
+          </a:p>
+        </p:txBody>
+      </p:sp>
     </p:spTree>
     <p:extLst>
       <p:ext uri="{BB962C8B-B14F-4D97-AF65-F5344CB8AC3E}">
         <p14:creationId xmlns:p14="http://schemas.microsoft.com/office/powerpoint/2010/main" val="1383537260"/>
+      </p:ext>
+    </p:extLst>
+  </p:cSld>
+  <p:clrMapOvr>
+    <a:masterClrMapping/>
+  </p:clrMapOvr>
+</p:sld>
+</file>
+
+<file path=ppt/slides/slide4.xml><?xml version="1.0" encoding="utf-8"?>
+<p:sld xmlns:a="http://schemas.openxmlformats.org/drawingml/2006/main" xmlns:r="http://schemas.openxmlformats.org/officeDocument/2006/relationships" xmlns:p="http://schemas.openxmlformats.org/presentationml/2006/main">
+  <p:cSld>
+    <p:spTree>
+      <p:nvGrpSpPr>
+        <p:cNvPr id="1" name=""/>
+        <p:cNvGrpSpPr/>
+        <p:nvPr/>
+      </p:nvGrpSpPr>
+      <p:grpSpPr>
+        <a:xfrm>
+          <a:off x="0" y="0"/>
+          <a:ext cx="0" cy="0"/>
+          <a:chOff x="0" y="0"/>
+          <a:chExt cx="0" cy="0"/>
+        </a:xfrm>
+      </p:grpSpPr>
+      <p:sp>
+        <p:nvSpPr>
+          <p:cNvPr id="2" name="Title 1"/>
+          <p:cNvSpPr>
+            <a:spLocks noGrp="1"/>
+          </p:cNvSpPr>
+          <p:nvPr>
+            <p:ph type="title"/>
+          </p:nvPr>
+        </p:nvSpPr>
+        <p:spPr/>
+        <p:txBody>
+          <a:bodyPr/>
+          <a:lstStyle/>
+          <a:p>
+            <a:r>
+              <a:rPr lang="en-US" dirty="0"/>
+              <a:t>Modules</a:t>
+            </a:r>
+            <a:br>
+              <a:rPr lang="en-US" dirty="0"/>
+            </a:br>
+            <a:r>
+              <a:rPr lang="en-US" sz="2400" dirty="0"/>
+              <a:t>Angular Architecture</a:t>
+            </a:r>
+          </a:p>
+        </p:txBody>
+      </p:sp>
+      <p:sp>
+        <p:nvSpPr>
+          <p:cNvPr id="3" name="Content Placeholder 2"/>
+          <p:cNvSpPr>
+            <a:spLocks noGrp="1"/>
+          </p:cNvSpPr>
+          <p:nvPr>
+            <p:ph idx="1"/>
+          </p:nvPr>
+        </p:nvSpPr>
+        <p:spPr>
+          <a:xfrm>
+            <a:off x="1154953" y="1539874"/>
+            <a:ext cx="9997459" cy="4871508"/>
+          </a:xfrm>
+        </p:spPr>
+        <p:txBody>
+          <a:bodyPr>
+            <a:normAutofit fontScale="92500" lnSpcReduction="10000"/>
+          </a:bodyPr>
+          <a:lstStyle/>
+          <a:p>
+            <a:r>
+              <a:rPr lang="en-US" dirty="0"/>
+              <a:t>Angular apps are modular:</a:t>
+            </a:r>
+          </a:p>
+          <a:p>
+            <a:pPr lvl="1"/>
+            <a:r>
+              <a:rPr lang="en-US" dirty="0"/>
+              <a:t>An application defines a set of Angular Modules or </a:t>
+            </a:r>
+            <a:r>
+              <a:rPr lang="en-US" i="1" dirty="0" err="1"/>
+              <a:t>NgModules</a:t>
+            </a:r>
+            <a:r>
+              <a:rPr lang="en-US" dirty="0"/>
+              <a:t>. </a:t>
+            </a:r>
+          </a:p>
+          <a:p>
+            <a:pPr lvl="1"/>
+            <a:r>
+              <a:rPr lang="en-US" dirty="0"/>
+              <a:t>Every angular module is a class with an @NgModule decorator.</a:t>
+            </a:r>
+          </a:p>
+          <a:p>
+            <a:r>
+              <a:rPr lang="en-US" dirty="0"/>
+              <a:t>Every Angular App has at least one module: the root module.</a:t>
+            </a:r>
+          </a:p>
+          <a:p>
+            <a:r>
+              <a:rPr lang="en-US" dirty="0"/>
+              <a:t>There are other feature modules:</a:t>
+            </a:r>
+          </a:p>
+          <a:p>
+            <a:pPr lvl="1"/>
+            <a:r>
+              <a:rPr lang="en-US" dirty="0"/>
+              <a:t>Cohesive block of code, dedicated to an application domain, a workflow, or a closely related set of capabilities. </a:t>
+            </a:r>
+          </a:p>
+          <a:p>
+            <a:r>
+              <a:rPr lang="en-US" dirty="0" err="1"/>
+              <a:t>NgModule</a:t>
+            </a:r>
+            <a:r>
+              <a:rPr lang="en-US" dirty="0"/>
+              <a:t> takes a single metadata object describing the module, with the following properties</a:t>
+            </a:r>
+          </a:p>
+          <a:p>
+            <a:pPr lvl="1"/>
+            <a:r>
+              <a:rPr lang="en-US" b="1" i="1" dirty="0"/>
+              <a:t>declarations:</a:t>
+            </a:r>
+            <a:r>
+              <a:rPr lang="en-US" dirty="0"/>
+              <a:t> The classes that are related to views and they belong to this module. There are three classes of Angular that can contain view: components, directives, and pipes</a:t>
+            </a:r>
+          </a:p>
+          <a:p>
+            <a:pPr lvl="1"/>
+            <a:r>
+              <a:rPr lang="en-US" b="1" i="1" dirty="0"/>
+              <a:t>exports</a:t>
+            </a:r>
+            <a:r>
+              <a:rPr lang="en-US" dirty="0"/>
+              <a:t>: subset of public declarations, usable in the templates of other modules</a:t>
+            </a:r>
+          </a:p>
+          <a:p>
+            <a:pPr lvl="1"/>
+            <a:r>
+              <a:rPr lang="en-US" b="1" i="1" dirty="0"/>
+              <a:t>imports</a:t>
+            </a:r>
+            <a:r>
+              <a:rPr lang="en-US" dirty="0"/>
+              <a:t>: external modules needed by the templates of this module</a:t>
+            </a:r>
+          </a:p>
+          <a:p>
+            <a:pPr lvl="1"/>
+            <a:r>
+              <a:rPr lang="en-US" b="1" i="1" dirty="0"/>
+              <a:t>providers</a:t>
+            </a:r>
+            <a:r>
+              <a:rPr lang="en-US" dirty="0"/>
+              <a:t>: creators of services that this module contributes to</a:t>
+            </a:r>
+          </a:p>
+          <a:p>
+            <a:pPr lvl="1"/>
+            <a:r>
+              <a:rPr lang="en-US" b="1" i="1" dirty="0"/>
+              <a:t>bootstrap</a:t>
+            </a:r>
+            <a:r>
+              <a:rPr lang="en-US" dirty="0"/>
+              <a:t>: The main application view, called the root component, which hosts all other app views</a:t>
+            </a:r>
+          </a:p>
+        </p:txBody>
+      </p:sp>
+    </p:spTree>
+    <p:extLst>
+      <p:ext uri="{BB962C8B-B14F-4D97-AF65-F5344CB8AC3E}">
+        <p14:creationId xmlns:p14="http://schemas.microsoft.com/office/powerpoint/2010/main" val="1897117884"/>
+      </p:ext>
+    </p:extLst>
+  </p:cSld>
+  <p:clrMapOvr>
+    <a:masterClrMapping/>
+  </p:clrMapOvr>
+</p:sld>
+</file>
+
+<file path=ppt/slides/slide5.xml><?xml version="1.0" encoding="utf-8"?>
+<p:sld xmlns:a="http://schemas.openxmlformats.org/drawingml/2006/main" xmlns:r="http://schemas.openxmlformats.org/officeDocument/2006/relationships" xmlns:p="http://schemas.openxmlformats.org/presentationml/2006/main">
+  <p:cSld>
+    <p:spTree>
+      <p:nvGrpSpPr>
+        <p:cNvPr id="1" name=""/>
+        <p:cNvGrpSpPr/>
+        <p:nvPr/>
+      </p:nvGrpSpPr>
+      <p:grpSpPr>
+        <a:xfrm>
+          <a:off x="0" y="0"/>
+          <a:ext cx="0" cy="0"/>
+          <a:chOff x="0" y="0"/>
+          <a:chExt cx="0" cy="0"/>
+        </a:xfrm>
+      </p:grpSpPr>
+      <p:sp>
+        <p:nvSpPr>
+          <p:cNvPr id="2" name="Title 1">
+            <a:extLst>
+              <a:ext uri="{FF2B5EF4-FFF2-40B4-BE49-F238E27FC236}">
+                <a16:creationId xmlns:a16="http://schemas.microsoft.com/office/drawing/2014/main" id="{CC920CCC-821C-4999-A7F1-06C2B7CDF1D9}"/>
+              </a:ext>
+            </a:extLst>
+          </p:cNvPr>
+          <p:cNvSpPr>
+            <a:spLocks noGrp="1"/>
+          </p:cNvSpPr>
+          <p:nvPr>
+            <p:ph type="title"/>
+          </p:nvPr>
+        </p:nvSpPr>
+        <p:spPr/>
+        <p:txBody>
+          <a:bodyPr/>
+          <a:lstStyle/>
+          <a:p>
+            <a:r>
+              <a:rPr lang="en-US" dirty="0"/>
+              <a:t>Demo	</a:t>
+            </a:r>
+          </a:p>
+        </p:txBody>
+      </p:sp>
+      <p:sp>
+        <p:nvSpPr>
+          <p:cNvPr id="3" name="Content Placeholder 2">
+            <a:extLst>
+              <a:ext uri="{FF2B5EF4-FFF2-40B4-BE49-F238E27FC236}">
+                <a16:creationId xmlns:a16="http://schemas.microsoft.com/office/drawing/2014/main" id="{C7926198-1081-4EE0-AB36-97AEB2100AA6}"/>
+              </a:ext>
+            </a:extLst>
+          </p:cNvPr>
+          <p:cNvSpPr>
+            <a:spLocks noGrp="1"/>
+          </p:cNvSpPr>
+          <p:nvPr>
+            <p:ph idx="1"/>
+          </p:nvPr>
+        </p:nvSpPr>
+        <p:spPr/>
+        <p:txBody>
+          <a:bodyPr/>
+          <a:lstStyle/>
+          <a:p>
+            <a:r>
+              <a:rPr lang="en-US" dirty="0"/>
+              <a:t>Create root module</a:t>
+            </a:r>
+          </a:p>
+          <a:p>
+            <a:r>
+              <a:rPr lang="en-US" dirty="0"/>
+              <a:t>Create feature module</a:t>
+            </a:r>
+          </a:p>
+        </p:txBody>
+      </p:sp>
+    </p:spTree>
+    <p:extLst>
+      <p:ext uri="{BB962C8B-B14F-4D97-AF65-F5344CB8AC3E}">
+        <p14:creationId xmlns:p14="http://schemas.microsoft.com/office/powerpoint/2010/main" val="3810583935"/>
       </p:ext>
     </p:extLst>
   </p:cSld>
@@ -22307,13 +20936,15 @@
           <a:p>
             <a:r>
               <a:rPr lang="en-US" dirty="0"/>
-              <a:t>Introduction to </a:t>
-            </a:r>
-            <a:r>
-              <a:rPr lang="en-US" dirty="0" smtClean="0"/>
-              <a:t>modules</a:t>
-            </a:r>
-            <a:endParaRPr lang="en-US" dirty="0"/>
+              <a:t>Components</a:t>
+            </a:r>
+            <a:br>
+              <a:rPr lang="en-US" dirty="0"/>
+            </a:br>
+            <a:r>
+              <a:rPr lang="en-US" sz="2400" dirty="0"/>
+              <a:t>Angular Architecture</a:t>
+            </a:r>
           </a:p>
         </p:txBody>
       </p:sp>
@@ -22329,141 +20960,103 @@
         </p:nvSpPr>
         <p:spPr>
           <a:xfrm>
-            <a:off x="1154955" y="1654174"/>
-            <a:ext cx="9868645" cy="4149725"/>
+            <a:off x="1154955" y="1453244"/>
+            <a:ext cx="9868645" cy="4163785"/>
           </a:xfrm>
         </p:spPr>
         <p:txBody>
-          <a:bodyPr/>
+          <a:bodyPr>
+            <a:normAutofit/>
+          </a:bodyPr>
           <a:lstStyle/>
           <a:p>
             <a:r>
-              <a:rPr lang="en-US" dirty="0"/>
-              <a:t>Angular apps are modular and Angular has its own modularity system called </a:t>
-            </a:r>
-            <a:r>
-              <a:rPr lang="en-US" i="1" dirty="0" err="1"/>
-              <a:t>NgModules</a:t>
-            </a:r>
-            <a:r>
-              <a:rPr lang="en-US" dirty="0"/>
-              <a:t>. </a:t>
-            </a:r>
-            <a:r>
-              <a:rPr lang="en-US" dirty="0" err="1"/>
-              <a:t>NgModules</a:t>
-            </a:r>
-            <a:r>
-              <a:rPr lang="en-US" dirty="0"/>
-              <a:t> are containers for a cohesive block of code dedicated to an application domain, a workflow, or a closely related set of capabilities. They can contain components, service providers, and other code files whose scope is defined by the containing </a:t>
-            </a:r>
-            <a:r>
-              <a:rPr lang="en-US" dirty="0" err="1"/>
-              <a:t>NgModule</a:t>
-            </a:r>
-            <a:r>
-              <a:rPr lang="en-US" dirty="0"/>
-              <a:t>. They can import functionality that is exported from other </a:t>
-            </a:r>
-            <a:r>
-              <a:rPr lang="en-US" dirty="0" err="1"/>
-              <a:t>NgModules</a:t>
-            </a:r>
-            <a:r>
-              <a:rPr lang="en-US" dirty="0"/>
-              <a:t>, and export selected functionality for use by other </a:t>
-            </a:r>
-            <a:r>
-              <a:rPr lang="en-US" dirty="0" err="1"/>
-              <a:t>NgModules</a:t>
-            </a:r>
-            <a:r>
-              <a:rPr lang="en-US" dirty="0" smtClean="0"/>
-              <a:t>.</a:t>
-            </a:r>
-          </a:p>
-          <a:p>
-            <a:r>
-              <a:rPr lang="en-US" dirty="0"/>
-              <a:t>Every Angular app has at least one </a:t>
-            </a:r>
-            <a:r>
-              <a:rPr lang="en-US" dirty="0" err="1"/>
-              <a:t>NgModule</a:t>
-            </a:r>
-            <a:r>
-              <a:rPr lang="en-US" dirty="0"/>
-              <a:t> class, the root module, which is conventionally named </a:t>
-            </a:r>
-            <a:r>
-              <a:rPr lang="en-US" dirty="0" err="1"/>
-              <a:t>AppModule</a:t>
-            </a:r>
-            <a:r>
-              <a:rPr lang="en-US" dirty="0"/>
-              <a:t> and resides in a file named </a:t>
-            </a:r>
-            <a:r>
-              <a:rPr lang="en-US" dirty="0" err="1"/>
-              <a:t>app.module.ts</a:t>
-            </a:r>
-            <a:r>
-              <a:rPr lang="en-US" dirty="0"/>
-              <a:t>. You launch your app by bootstrapping the root </a:t>
-            </a:r>
-            <a:r>
-              <a:rPr lang="en-US" dirty="0" err="1"/>
-              <a:t>NgModule</a:t>
-            </a:r>
-            <a:r>
-              <a:rPr lang="en-US" dirty="0" smtClean="0"/>
-              <a:t>.</a:t>
-            </a:r>
-          </a:p>
-          <a:p>
-            <a:r>
-              <a:rPr lang="en-US" dirty="0"/>
-              <a:t>While a small application might have only one </a:t>
-            </a:r>
-            <a:r>
-              <a:rPr lang="en-US" dirty="0" err="1"/>
-              <a:t>NgModule</a:t>
-            </a:r>
-            <a:r>
-              <a:rPr lang="en-US" dirty="0"/>
-              <a:t>, most apps have many more </a:t>
-            </a:r>
-            <a:r>
-              <a:rPr lang="en-US" i="1" dirty="0"/>
-              <a:t>feature modules</a:t>
-            </a:r>
-            <a:r>
-              <a:rPr lang="en-US" dirty="0"/>
-              <a:t>. The </a:t>
-            </a:r>
-            <a:r>
-              <a:rPr lang="en-US" i="1" dirty="0"/>
-              <a:t>root</a:t>
-            </a:r>
-            <a:r>
-              <a:rPr lang="en-US" dirty="0"/>
-              <a:t> </a:t>
-            </a:r>
-            <a:r>
-              <a:rPr lang="en-US" dirty="0" err="1"/>
-              <a:t>NgModule</a:t>
-            </a:r>
-            <a:r>
-              <a:rPr lang="en-US" dirty="0"/>
-              <a:t> for an app is so named because it can include child </a:t>
-            </a:r>
-            <a:r>
-              <a:rPr lang="en-US" dirty="0" err="1"/>
-              <a:t>NgModules</a:t>
-            </a:r>
-            <a:r>
-              <a:rPr lang="en-US" dirty="0"/>
-              <a:t> in a hierarchy of any depth</a:t>
+              <a:rPr lang="en-US" dirty="0">
+                <a:latin typeface="Century Gothic (Body)"/>
+              </a:rPr>
+              <a:t>A </a:t>
+            </a:r>
+            <a:r>
+              <a:rPr lang="en-US" i="1" dirty="0">
+                <a:latin typeface="Century Gothic (Body)"/>
+              </a:rPr>
+              <a:t>component</a:t>
+            </a:r>
+            <a:r>
+              <a:rPr lang="en-US" dirty="0">
+                <a:latin typeface="Century Gothic (Body)"/>
+              </a:rPr>
+              <a:t> controls a patch of screen called a </a:t>
+            </a:r>
+            <a:r>
+              <a:rPr lang="en-US" i="1" dirty="0">
+                <a:latin typeface="Century Gothic (Body)"/>
+                <a:hlinkClick r:id="rId3" tooltip="Definition of view"/>
+              </a:rPr>
+              <a:t>view</a:t>
+            </a:r>
+            <a:r>
+              <a:rPr lang="en-US" dirty="0">
+                <a:latin typeface="Century Gothic (Body)"/>
+              </a:rPr>
+              <a:t>. For example, individual components define and control each of the following views from the Employee Demo:</a:t>
+            </a:r>
+          </a:p>
+          <a:p>
+            <a:pPr lvl="1"/>
+            <a:r>
+              <a:rPr lang="en-US" dirty="0">
+                <a:latin typeface="Century Gothic (Body)"/>
+              </a:rPr>
+              <a:t>The app root with the navigation links.</a:t>
+            </a:r>
+          </a:p>
+          <a:p>
+            <a:pPr lvl="1"/>
+            <a:r>
+              <a:rPr lang="en-US" dirty="0">
+                <a:latin typeface="Century Gothic (Body)"/>
+              </a:rPr>
+              <a:t>The list of employees.</a:t>
+            </a:r>
+          </a:p>
+          <a:p>
+            <a:pPr lvl="1"/>
+            <a:r>
+              <a:rPr lang="en-US" dirty="0">
+                <a:latin typeface="Century Gothic (Body)"/>
+              </a:rPr>
+              <a:t>The employee editor.</a:t>
+            </a:r>
+          </a:p>
+          <a:p>
+            <a:pPr lvl="1"/>
+            <a:r>
+              <a:rPr lang="en-US" dirty="0" err="1">
+                <a:latin typeface="Century Gothic (Body)"/>
+              </a:rPr>
+              <a:t>etc</a:t>
+            </a:r>
+            <a:endParaRPr lang="en-US" dirty="0">
+              <a:latin typeface="Century Gothic (Body)"/>
+            </a:endParaRPr>
+          </a:p>
+          <a:p>
+            <a:r>
+              <a:rPr lang="en-US" b="0" i="0" dirty="0">
+                <a:solidFill>
+                  <a:srgbClr val="4A4A4A"/>
+                </a:solidFill>
+                <a:effectLst/>
+                <a:latin typeface="Century Gothic (Body)"/>
+              </a:rPr>
+              <a:t>Inside the component, y</a:t>
+            </a:r>
+            <a:r>
+              <a:rPr lang="en-US" dirty="0">
+                <a:latin typeface="Century Gothic (Body)"/>
+              </a:rPr>
+              <a:t>ou define a component's application logic—what it does to support the view—inside a class. The class interacts with the view through an API of properties and methods.</a:t>
             </a:r>
           </a:p>
         </p:txBody>
@@ -22471,7 +21064,7 @@
     </p:spTree>
     <p:extLst>
       <p:ext uri="{BB962C8B-B14F-4D97-AF65-F5344CB8AC3E}">
-        <p14:creationId xmlns:p14="http://schemas.microsoft.com/office/powerpoint/2010/main" val="1897117884"/>
+        <p14:creationId xmlns:p14="http://schemas.microsoft.com/office/powerpoint/2010/main" val="2115030797"/>
       </p:ext>
     </p:extLst>
   </p:cSld>
@@ -22514,18 +21107,16 @@
           <a:lstStyle/>
           <a:p>
             <a:r>
-              <a:rPr lang="en-US" dirty="0" err="1"/>
-              <a:t>NgModule</a:t>
-            </a:r>
-            <a:r>
               <a:rPr lang="en-US" dirty="0"/>
-              <a:t> </a:t>
-            </a:r>
-            <a:r>
-              <a:rPr lang="en-US" dirty="0" smtClean="0"/>
-              <a:t>metadata</a:t>
-            </a:r>
-            <a:endParaRPr lang="en-US" dirty="0"/>
+              <a:t>Templates</a:t>
+            </a:r>
+            <a:br>
+              <a:rPr lang="en-US" dirty="0"/>
+            </a:br>
+            <a:r>
+              <a:rPr lang="en-US" sz="2400" dirty="0"/>
+              <a:t>Angular Architecture</a:t>
+            </a:r>
           </a:p>
         </p:txBody>
       </p:sp>
@@ -22541,8 +21132,8 @@
         </p:nvSpPr>
         <p:spPr>
           <a:xfrm>
-            <a:off x="1154955" y="1654174"/>
-            <a:ext cx="9868645" cy="4606926"/>
+            <a:off x="1154955" y="1453244"/>
+            <a:ext cx="9868645" cy="4163785"/>
           </a:xfrm>
         </p:spPr>
         <p:txBody>
@@ -22552,148 +21143,118 @@
           <a:lstStyle/>
           <a:p>
             <a:r>
-              <a:rPr lang="en-US" b="1" i="1" dirty="0"/>
-              <a:t>Decorators</a:t>
-            </a:r>
-            <a:r>
-              <a:rPr lang="en-US" i="1" dirty="0"/>
-              <a:t> </a:t>
-            </a:r>
-            <a:r>
               <a:rPr lang="en-US" dirty="0"/>
-              <a:t>are functions that modify JavaScript classes. Decorators are basically used for attaching metadata to classes so that, it knows the configuration of those classes and how they should work. </a:t>
-            </a:r>
-            <a:r>
-              <a:rPr lang="en-US" i="1" dirty="0" err="1"/>
-              <a:t>NgModule</a:t>
-            </a:r>
-            <a:r>
-              <a:rPr lang="en-US" i="1" dirty="0"/>
-              <a:t> </a:t>
-            </a:r>
+              <a:t>A snippet of the HTML code of a component</a:t>
+            </a:r>
+          </a:p>
+          <a:p>
+            <a:pPr lvl="1"/>
             <a:r>
               <a:rPr lang="en-US" dirty="0"/>
-              <a:t>is a decorator function that takes metadata objects whose properties describe the module. The properties are</a:t>
-            </a:r>
-            <a:r>
-              <a:rPr lang="en-US" dirty="0" smtClean="0"/>
-              <a:t>:</a:t>
-            </a:r>
-          </a:p>
-          <a:p>
-            <a:pPr lvl="1"/>
-            <a:r>
-              <a:rPr lang="en-US" b="1" i="1" dirty="0"/>
-              <a:t>declarations:</a:t>
-            </a:r>
+              <a:t>A component’s view is defined with its template</a:t>
+            </a:r>
+          </a:p>
+          <a:p>
             <a:r>
               <a:rPr lang="en-US" dirty="0"/>
-              <a:t> The classes that are related to views and they belong to this module. There are three classes of Angular that can contain view: components, directives, and </a:t>
-            </a:r>
-            <a:r>
-              <a:rPr lang="en-US" dirty="0" smtClean="0"/>
-              <a:t>pipes.</a:t>
-            </a:r>
-          </a:p>
-          <a:p>
-            <a:pPr lvl="1"/>
-            <a:r>
-              <a:rPr lang="en-US" b="1" i="1" dirty="0"/>
-              <a:t>exports</a:t>
+              <a:t>Uses </a:t>
+            </a:r>
+            <a:r>
+              <a:rPr lang="en-US" dirty="0" err="1"/>
+              <a:t>Angular’s</a:t>
             </a:r>
             <a:r>
               <a:rPr lang="en-US" dirty="0"/>
-              <a:t>: The subset of declarations that should be visible and usable in the component templates of other </a:t>
-            </a:r>
-            <a:r>
-              <a:rPr lang="en-US" dirty="0" err="1"/>
-              <a:t>NgModules</a:t>
-            </a:r>
-            <a:r>
-              <a:rPr lang="en-US" dirty="0" smtClean="0"/>
-              <a:t>.</a:t>
-            </a:r>
-          </a:p>
-          <a:p>
-            <a:pPr lvl="1"/>
-            <a:r>
-              <a:rPr lang="en-US" b="1" i="1" dirty="0"/>
-              <a:t>imports</a:t>
-            </a:r>
-            <a:r>
-              <a:rPr lang="en-US" dirty="0"/>
-              <a:t>: Other modules whose exported classes are needed by component templates declared in this </a:t>
-            </a:r>
-            <a:r>
-              <a:rPr lang="en-US" dirty="0" err="1"/>
-              <a:t>NgModule</a:t>
-            </a:r>
-            <a:r>
-              <a:rPr lang="en-US" dirty="0" smtClean="0"/>
-              <a:t>.</a:t>
-            </a:r>
-          </a:p>
-          <a:p>
-            <a:pPr lvl="1"/>
-            <a:r>
-              <a:rPr lang="en-US" b="1" i="1" dirty="0"/>
-              <a:t>providers</a:t>
-            </a:r>
-            <a:r>
-              <a:rPr lang="en-US" dirty="0"/>
-              <a:t>: Creators of services that this </a:t>
-            </a:r>
-            <a:r>
-              <a:rPr lang="en-US" dirty="0" err="1"/>
-              <a:t>NgModule</a:t>
-            </a:r>
-            <a:r>
-              <a:rPr lang="en-US" dirty="0"/>
-              <a:t> contributes to the global collection of services; they become accessible in all parts of the app. (You can also specify providers at the component level</a:t>
-            </a:r>
-            <a:r>
-              <a:rPr lang="en-US" dirty="0" smtClean="0"/>
-              <a:t>.)</a:t>
-            </a:r>
-          </a:p>
-          <a:p>
-            <a:pPr lvl="1"/>
-            <a:r>
-              <a:rPr lang="en-US" b="1" i="1" dirty="0"/>
-              <a:t>bootstrap</a:t>
-            </a:r>
-            <a:r>
-              <a:rPr lang="en-US" dirty="0"/>
-              <a:t>: The main application view, called the root component, which hosts all other app views. Only the root </a:t>
-            </a:r>
-            <a:r>
-              <a:rPr lang="en-US" dirty="0" err="1"/>
-              <a:t>NgModule</a:t>
-            </a:r>
-            <a:r>
-              <a:rPr lang="en-US" dirty="0"/>
-              <a:t> should set the bootstrap property.</a:t>
-            </a:r>
+              <a:t> template syntax, with custom elements.</a:t>
+            </a:r>
+          </a:p>
+          <a:p>
+            <a:endParaRPr lang="en-US" dirty="0"/>
           </a:p>
         </p:txBody>
       </p:sp>
+      <p:pic>
+        <p:nvPicPr>
+          <p:cNvPr id="5" name="Picture 4">
+            <a:extLst>
+              <a:ext uri="{FF2B5EF4-FFF2-40B4-BE49-F238E27FC236}">
+                <a16:creationId xmlns:a16="http://schemas.microsoft.com/office/drawing/2014/main" id="{2E8356B4-CF1E-43D5-8C91-57B201DA06ED}"/>
+              </a:ext>
+            </a:extLst>
+          </p:cNvPr>
+          <p:cNvPicPr>
+            <a:picLocks noChangeAspect="1"/>
+          </p:cNvPicPr>
+          <p:nvPr/>
+        </p:nvPicPr>
+        <p:blipFill>
+          <a:blip r:embed="rId3">
+            <a:extLst>
+              <a:ext uri="{28A0092B-C50C-407E-A947-70E740481C1C}">
+                <a14:useLocalDpi xmlns:a14="http://schemas.microsoft.com/office/drawing/2010/main" val="0"/>
+              </a:ext>
+            </a:extLst>
+          </a:blip>
+          <a:stretch>
+            <a:fillRect/>
+          </a:stretch>
+        </p:blipFill>
+        <p:spPr>
+          <a:xfrm>
+            <a:off x="1606285" y="2861071"/>
+            <a:ext cx="4116780" cy="3169920"/>
+          </a:xfrm>
+          <a:prstGeom prst="rect">
+            <a:avLst/>
+          </a:prstGeom>
+        </p:spPr>
+      </p:pic>
+      <p:pic>
+        <p:nvPicPr>
+          <p:cNvPr id="8" name="Picture 7">
+            <a:extLst>
+              <a:ext uri="{FF2B5EF4-FFF2-40B4-BE49-F238E27FC236}">
+                <a16:creationId xmlns:a16="http://schemas.microsoft.com/office/drawing/2014/main" id="{1E113007-6437-496E-A3A7-42D8F390C6C0}"/>
+              </a:ext>
+            </a:extLst>
+          </p:cNvPr>
+          <p:cNvPicPr>
+            <a:picLocks noChangeAspect="1"/>
+          </p:cNvPicPr>
+          <p:nvPr/>
+        </p:nvPicPr>
+        <p:blipFill>
+          <a:blip r:embed="rId4">
+            <a:extLst>
+              <a:ext uri="{28A0092B-C50C-407E-A947-70E740481C1C}">
+                <a14:useLocalDpi xmlns:a14="http://schemas.microsoft.com/office/drawing/2010/main" val="0"/>
+              </a:ext>
+            </a:extLst>
+          </a:blip>
+          <a:stretch>
+            <a:fillRect/>
+          </a:stretch>
+        </p:blipFill>
+        <p:spPr>
+          <a:xfrm>
+            <a:off x="6136899" y="2854693"/>
+            <a:ext cx="4448816" cy="3169919"/>
+          </a:xfrm>
+          <a:prstGeom prst="rect">
+            <a:avLst/>
+          </a:prstGeom>
+        </p:spPr>
+      </p:pic>
     </p:spTree>
     <p:extLst>
       <p:ext uri="{BB962C8B-B14F-4D97-AF65-F5344CB8AC3E}">
-        <p14:creationId xmlns:p14="http://schemas.microsoft.com/office/powerpoint/2010/main" val="3149852990"/>
+        <p14:creationId xmlns:p14="http://schemas.microsoft.com/office/powerpoint/2010/main" val="3074387400"/>
       </p:ext>
     </p:extLst>
   </p:cSld>
   <p:clrMapOvr>
     <a:masterClrMapping/>
   </p:clrMapOvr>
-  <p:timing>
-    <p:tnLst>
-      <p:par>
-        <p:cTn id="1" dur="indefinite" restart="never" nodeType="tmRoot"/>
-      </p:par>
-    </p:tnLst>
-  </p:timing>
 </p:sld>
 </file>
 
@@ -22730,25 +21291,170 @@
           <a:lstStyle/>
           <a:p>
             <a:r>
-              <a:rPr lang="en-US" dirty="0" smtClean="0"/>
-              <a:t>Take a look at how the root module looks like</a:t>
-            </a:r>
+              <a:rPr lang="en-US" dirty="0"/>
+              <a:t>Metadata</a:t>
+            </a:r>
+            <a:br>
+              <a:rPr lang="en-US" dirty="0"/>
+            </a:br>
+            <a:r>
+              <a:rPr lang="en-US" sz="2400" dirty="0"/>
+              <a:t>Angular Architecture</a:t>
+            </a:r>
+          </a:p>
+        </p:txBody>
+      </p:sp>
+      <p:sp>
+        <p:nvSpPr>
+          <p:cNvPr id="3" name="Content Placeholder 2"/>
+          <p:cNvSpPr>
+            <a:spLocks noGrp="1"/>
+          </p:cNvSpPr>
+          <p:nvPr>
+            <p:ph idx="1"/>
+          </p:nvPr>
+        </p:nvSpPr>
+        <p:spPr>
+          <a:xfrm>
+            <a:off x="1161676" y="1453244"/>
+            <a:ext cx="9868645" cy="4849585"/>
+          </a:xfrm>
+        </p:spPr>
+        <p:txBody>
+          <a:bodyPr>
+            <a:normAutofit/>
+          </a:bodyPr>
+          <a:lstStyle/>
+          <a:p>
+            <a:r>
+              <a:rPr lang="en-US" dirty="0"/>
+              <a:t>Tells Angular how to process a class</a:t>
+            </a:r>
+          </a:p>
+          <a:p>
+            <a:r>
+              <a:rPr lang="en-US" dirty="0"/>
+              <a:t>Uses decorators to attach information to a class:</a:t>
+            </a:r>
+          </a:p>
+          <a:p>
+            <a:pPr lvl="1"/>
+            <a:r>
+              <a:rPr lang="en-US" dirty="0"/>
+              <a:t>@Component: identifies the class below it as a component class, with options:</a:t>
+            </a:r>
+          </a:p>
+          <a:p>
+            <a:pPr lvl="2">
+              <a:buFont typeface="Arial" panose="020B0604020202020204" pitchFamily="34" charset="0"/>
+              <a:buChar char="•"/>
+            </a:pPr>
+            <a:r>
+              <a:rPr lang="en-US" dirty="0"/>
+              <a:t>selector: CSS selector for the template code</a:t>
+            </a:r>
+          </a:p>
+          <a:p>
+            <a:pPr lvl="2">
+              <a:buFont typeface="Arial" panose="020B0604020202020204" pitchFamily="34" charset="0"/>
+              <a:buChar char="•"/>
+            </a:pPr>
+            <a:r>
+              <a:rPr lang="en-US" dirty="0" err="1"/>
+              <a:t>templateURL</a:t>
+            </a:r>
+            <a:r>
+              <a:rPr lang="en-US" dirty="0"/>
+              <a:t>: address of the component’s HTML template</a:t>
+            </a:r>
+          </a:p>
+          <a:p>
+            <a:pPr lvl="2">
+              <a:buFont typeface="Arial" panose="020B0604020202020204" pitchFamily="34" charset="0"/>
+              <a:buChar char="•"/>
+            </a:pPr>
+            <a:r>
+              <a:rPr lang="en-US" dirty="0"/>
+              <a:t>providers: array of dependency injection providers for services that the component requires</a:t>
+            </a:r>
+          </a:p>
+          <a:p>
+            <a:pPr lvl="2">
+              <a:buFont typeface="Arial" panose="020B0604020202020204" pitchFamily="34" charset="0"/>
+              <a:buChar char="•"/>
+            </a:pPr>
+            <a:r>
+              <a:rPr lang="en-US" dirty="0" err="1"/>
+              <a:t>styleUrls</a:t>
+            </a:r>
+            <a:r>
+              <a:rPr lang="en-US" dirty="0"/>
+              <a:t>: the path of the CSS style sheet</a:t>
+            </a:r>
+          </a:p>
+          <a:p>
+            <a:pPr lvl="2">
+              <a:buFont typeface="Arial" panose="020B0604020202020204" pitchFamily="34" charset="0"/>
+              <a:buChar char="•"/>
+            </a:pPr>
+            <a:endParaRPr lang="en-US" dirty="0"/>
+          </a:p>
+          <a:p>
+            <a:pPr lvl="2">
+              <a:buFont typeface="Arial" panose="020B0604020202020204" pitchFamily="34" charset="0"/>
+              <a:buChar char="•"/>
+            </a:pPr>
+            <a:endParaRPr lang="en-US" dirty="0"/>
+          </a:p>
+          <a:p>
+            <a:pPr lvl="2">
+              <a:buFont typeface="Arial" panose="020B0604020202020204" pitchFamily="34" charset="0"/>
+              <a:buChar char="•"/>
+            </a:pPr>
+            <a:endParaRPr lang="en-US" dirty="0"/>
+          </a:p>
+          <a:p>
+            <a:pPr lvl="2">
+              <a:buFont typeface="Arial" panose="020B0604020202020204" pitchFamily="34" charset="0"/>
+              <a:buChar char="•"/>
+            </a:pPr>
+            <a:endParaRPr lang="en-US" dirty="0"/>
+          </a:p>
+          <a:p>
+            <a:pPr lvl="2">
+              <a:buFont typeface="Arial" panose="020B0604020202020204" pitchFamily="34" charset="0"/>
+              <a:buChar char="•"/>
+            </a:pPr>
+            <a:endParaRPr lang="en-US" dirty="0"/>
+          </a:p>
+          <a:p>
+            <a:pPr lvl="1"/>
+            <a:r>
+              <a:rPr lang="en-US" dirty="0"/>
+              <a:t>Other metadata decorators: @Injectable, @Input, @Output…</a:t>
+            </a:r>
+          </a:p>
+          <a:p>
             <a:endParaRPr lang="en-US" dirty="0"/>
           </a:p>
         </p:txBody>
       </p:sp>
       <p:pic>
         <p:nvPicPr>
-          <p:cNvPr id="4" name="Content Placeholder 3"/>
+          <p:cNvPr id="6" name="Picture 5">
+            <a:extLst>
+              <a:ext uri="{FF2B5EF4-FFF2-40B4-BE49-F238E27FC236}">
+                <a16:creationId xmlns:a16="http://schemas.microsoft.com/office/drawing/2014/main" id="{268231E7-9FA6-4A59-9C75-68C311410EEF}"/>
+              </a:ext>
+            </a:extLst>
+          </p:cNvPr>
           <p:cNvPicPr>
-            <a:picLocks noGrp="1" noChangeAspect="1"/>
+            <a:picLocks noChangeAspect="1"/>
           </p:cNvPicPr>
-          <p:nvPr>
-            <p:ph idx="1"/>
-          </p:nvPr>
+          <p:nvPr/>
         </p:nvPicPr>
         <p:blipFill>
-          <a:blip r:embed="rId2">
+          <a:blip r:embed="rId3">
             <a:extLst>
               <a:ext uri="{28A0092B-C50C-407E-A947-70E740481C1C}">
                 <a14:useLocalDpi xmlns:a14="http://schemas.microsoft.com/office/drawing/2010/main" val="0"/>
@@ -22761,28 +21467,24 @@
         </p:blipFill>
         <p:spPr>
           <a:xfrm>
-            <a:off x="3497187" y="1436611"/>
-            <a:ext cx="5184178" cy="4744480"/>
+            <a:off x="3578519" y="3989463"/>
+            <a:ext cx="5034961" cy="1642707"/>
           </a:xfrm>
+          <a:prstGeom prst="rect">
+            <a:avLst/>
+          </a:prstGeom>
         </p:spPr>
       </p:pic>
     </p:spTree>
     <p:extLst>
       <p:ext uri="{BB962C8B-B14F-4D97-AF65-F5344CB8AC3E}">
-        <p14:creationId xmlns:p14="http://schemas.microsoft.com/office/powerpoint/2010/main" val="891180599"/>
+        <p14:creationId xmlns:p14="http://schemas.microsoft.com/office/powerpoint/2010/main" val="1681607715"/>
       </p:ext>
     </p:extLst>
   </p:cSld>
   <p:clrMapOvr>
     <a:masterClrMapping/>
   </p:clrMapOvr>
-  <p:timing>
-    <p:tnLst>
-      <p:par>
-        <p:cTn id="1" dur="indefinite" restart="never" nodeType="tmRoot"/>
-      </p:par>
-    </p:tnLst>
-  </p:timing>
 </p:sld>
 </file>
 
@@ -22820,7 +21522,14 @@
           <a:p>
             <a:r>
               <a:rPr lang="en-US" dirty="0"/>
-              <a:t>Introduction to components and templates</a:t>
+              <a:t>Data Binding</a:t>
+            </a:r>
+            <a:br>
+              <a:rPr lang="en-US" dirty="0"/>
+            </a:br>
+            <a:r>
+              <a:rPr lang="en-US" sz="2400" dirty="0"/>
+              <a:t>Angular Architecture</a:t>
             </a:r>
           </a:p>
         </p:txBody>
@@ -22835,113 +21544,395 @@
             <p:ph idx="1"/>
           </p:nvPr>
         </p:nvSpPr>
-        <p:spPr/>
+        <p:spPr>
+          <a:xfrm>
+            <a:off x="1154955" y="2323493"/>
+            <a:ext cx="7074645" cy="3320524"/>
+          </a:xfrm>
+        </p:spPr>
         <p:txBody>
-          <a:bodyPr/>
+          <a:bodyPr>
+            <a:normAutofit/>
+          </a:bodyPr>
           <a:lstStyle/>
           <a:p>
             <a:r>
               <a:rPr lang="en-US" dirty="0"/>
-              <a:t>A </a:t>
-            </a:r>
-            <a:r>
-              <a:rPr lang="en-US" i="1" dirty="0"/>
-              <a:t>component</a:t>
+              <a:t>The following diagram shows the four forms of data binding markup. Each form has a direction: to the DOM, from the DOM, or both.</a:t>
+            </a:r>
+          </a:p>
+          <a:p>
+            <a:pPr lvl="1"/>
+            <a:r>
+              <a:rPr lang="en-US" b="1" i="1" dirty="0"/>
+              <a:t>interpolation</a:t>
             </a:r>
             <a:r>
               <a:rPr lang="en-US" dirty="0"/>
-              <a:t> controls a patch of screen called a </a:t>
-            </a:r>
-            <a:r>
-              <a:rPr lang="en-US" i="1" dirty="0">
-                <a:hlinkClick r:id="rId2" tooltip="Definition of view"/>
-              </a:rPr>
-              <a:t>view</a:t>
+              <a:t> {{value}} displays the component's property value within the tag element.</a:t>
+            </a:r>
+          </a:p>
+          <a:p>
+            <a:pPr lvl="1"/>
+            <a:r>
+              <a:rPr lang="en-US" b="1" i="1" dirty="0"/>
+              <a:t>property binding </a:t>
             </a:r>
             <a:r>
               <a:rPr lang="en-US" dirty="0"/>
-              <a:t>. For example, individual components define and control each of the following views from </a:t>
-            </a:r>
-            <a:r>
-              <a:rPr lang="en-US" dirty="0" smtClean="0"/>
-              <a:t>the Employee Demo:</a:t>
-            </a:r>
-            <a:endParaRPr lang="en-US" dirty="0"/>
+              <a:t>[property] passes the value from the parent to the child</a:t>
+            </a:r>
+            <a:endParaRPr lang="en-US" b="1" i="1" dirty="0"/>
           </a:p>
           <a:p>
             <a:pPr lvl="1"/>
             <a:r>
+              <a:rPr lang="en-US" b="1" i="1" dirty="0"/>
+              <a:t>event binding </a:t>
+            </a:r>
+            <a:r>
               <a:rPr lang="en-US" dirty="0"/>
-              <a:t>The app root with the navigation links.</a:t>
+              <a:t>(click) calls the </a:t>
+            </a:r>
+            <a:r>
+              <a:rPr lang="en-US" dirty="0" err="1"/>
+              <a:t>compnent’s</a:t>
+            </a:r>
+            <a:r>
+              <a:rPr lang="en-US" dirty="0"/>
+              <a:t> method when user click on HTML</a:t>
             </a:r>
           </a:p>
           <a:p>
             <a:pPr lvl="1"/>
             <a:r>
+              <a:rPr lang="en-US" b="1" dirty="0"/>
+              <a:t>Two-way data binding</a:t>
+            </a:r>
+            <a:r>
               <a:rPr lang="en-US" dirty="0"/>
-              <a:t>The list of </a:t>
-            </a:r>
-            <a:r>
-              <a:rPr lang="en-US" dirty="0" smtClean="0"/>
-              <a:t>employees.</a:t>
-            </a:r>
-            <a:endParaRPr lang="en-US" dirty="0"/>
+              <a:t> [(</a:t>
+            </a:r>
+            <a:r>
+              <a:rPr lang="en-US" dirty="0" err="1"/>
+              <a:t>ngModel</a:t>
+            </a:r>
+            <a:r>
+              <a:rPr lang="en-US" dirty="0"/>
+              <a:t>)] </a:t>
+            </a:r>
+          </a:p>
+        </p:txBody>
+      </p:sp>
+      <p:pic>
+        <p:nvPicPr>
+          <p:cNvPr id="6" name="Picture 5"/>
+          <p:cNvPicPr>
+            <a:picLocks noChangeAspect="1"/>
+          </p:cNvPicPr>
+          <p:nvPr/>
+        </p:nvPicPr>
+        <p:blipFill>
+          <a:blip r:embed="rId2">
+            <a:extLst>
+              <a:ext uri="{28A0092B-C50C-407E-A947-70E740481C1C}">
+                <a14:useLocalDpi xmlns:a14="http://schemas.microsoft.com/office/drawing/2010/main" val="0"/>
+              </a:ext>
+            </a:extLst>
+          </a:blip>
+          <a:stretch>
+            <a:fillRect/>
+          </a:stretch>
+        </p:blipFill>
+        <p:spPr>
+          <a:xfrm>
+            <a:off x="8229600" y="2357891"/>
+            <a:ext cx="3517747" cy="3286126"/>
+          </a:xfrm>
+          <a:prstGeom prst="rect">
+            <a:avLst/>
+          </a:prstGeom>
+        </p:spPr>
+      </p:pic>
+      <p:sp>
+        <p:nvSpPr>
+          <p:cNvPr id="5" name="Content Placeholder 2">
+            <a:extLst>
+              <a:ext uri="{FF2B5EF4-FFF2-40B4-BE49-F238E27FC236}">
+                <a16:creationId xmlns:a16="http://schemas.microsoft.com/office/drawing/2014/main" id="{0290CF76-FD1E-4C1E-9B64-2586BF9F43F0}"/>
+              </a:ext>
+            </a:extLst>
+          </p:cNvPr>
+          <p:cNvSpPr txBox="1">
+            <a:spLocks/>
+          </p:cNvSpPr>
+          <p:nvPr/>
+        </p:nvSpPr>
+        <p:spPr>
+          <a:xfrm>
+            <a:off x="1154953" y="1480154"/>
+            <a:ext cx="9132047" cy="1001789"/>
+          </a:xfrm>
+          <a:prstGeom prst="rect">
+            <a:avLst/>
+          </a:prstGeom>
+        </p:spPr>
+        <p:txBody>
+          <a:bodyPr vert="horz" lIns="91440" tIns="45720" rIns="91440" bIns="45720" rtlCol="0">
+            <a:normAutofit/>
+          </a:bodyPr>
+          <a:lstStyle>
+            <a:lvl1pPr marL="342900" indent="-342900" algn="l" defTabSz="457200" rtl="0" eaLnBrk="1" latinLnBrk="0" hangingPunct="1">
+              <a:spcBef>
+                <a:spcPts val="1000"/>
+              </a:spcBef>
+              <a:spcAft>
+                <a:spcPts val="0"/>
+              </a:spcAft>
+              <a:buClr>
+                <a:schemeClr val="accent1"/>
+              </a:buClr>
+              <a:buSzPct val="80000"/>
+              <a:buFont typeface="Wingdings 3" charset="2"/>
+              <a:buChar char=""/>
+              <a:defRPr sz="1800" b="0" i="0" kern="1200">
+                <a:solidFill>
+                  <a:schemeClr val="tx1">
+                    <a:lumMod val="75000"/>
+                    <a:lumOff val="25000"/>
+                  </a:schemeClr>
+                </a:solidFill>
+                <a:latin typeface="+mn-lt"/>
+                <a:ea typeface="+mn-ea"/>
+                <a:cs typeface="+mn-cs"/>
+              </a:defRPr>
+            </a:lvl1pPr>
+            <a:lvl2pPr marL="742950" indent="-285750" algn="l" defTabSz="457200" rtl="0" eaLnBrk="1" latinLnBrk="0" hangingPunct="1">
+              <a:spcBef>
+                <a:spcPts val="1000"/>
+              </a:spcBef>
+              <a:spcAft>
+                <a:spcPts val="0"/>
+              </a:spcAft>
+              <a:buClr>
+                <a:schemeClr val="accent1"/>
+              </a:buClr>
+              <a:buSzPct val="80000"/>
+              <a:buFont typeface="Wingdings 3" charset="2"/>
+              <a:buChar char=""/>
+              <a:defRPr sz="1600" b="0" i="0" kern="1200">
+                <a:solidFill>
+                  <a:schemeClr val="tx1">
+                    <a:lumMod val="75000"/>
+                    <a:lumOff val="25000"/>
+                  </a:schemeClr>
+                </a:solidFill>
+                <a:latin typeface="+mn-lt"/>
+                <a:ea typeface="+mn-ea"/>
+                <a:cs typeface="+mn-cs"/>
+              </a:defRPr>
+            </a:lvl2pPr>
+            <a:lvl3pPr marL="1143000" indent="-228600" algn="l" defTabSz="457200" rtl="0" eaLnBrk="1" latinLnBrk="0" hangingPunct="1">
+              <a:spcBef>
+                <a:spcPts val="1000"/>
+              </a:spcBef>
+              <a:spcAft>
+                <a:spcPts val="0"/>
+              </a:spcAft>
+              <a:buClr>
+                <a:schemeClr val="accent1"/>
+              </a:buClr>
+              <a:buSzPct val="80000"/>
+              <a:buFont typeface="Wingdings 3" charset="2"/>
+              <a:buChar char=""/>
+              <a:defRPr sz="1400" b="0" i="0" kern="1200">
+                <a:solidFill>
+                  <a:schemeClr val="tx1">
+                    <a:lumMod val="75000"/>
+                    <a:lumOff val="25000"/>
+                  </a:schemeClr>
+                </a:solidFill>
+                <a:latin typeface="+mn-lt"/>
+                <a:ea typeface="+mn-ea"/>
+                <a:cs typeface="+mn-cs"/>
+              </a:defRPr>
+            </a:lvl3pPr>
+            <a:lvl4pPr marL="1600200" indent="-228600" algn="l" defTabSz="457200" rtl="0" eaLnBrk="1" latinLnBrk="0" hangingPunct="1">
+              <a:spcBef>
+                <a:spcPts val="1000"/>
+              </a:spcBef>
+              <a:spcAft>
+                <a:spcPts val="0"/>
+              </a:spcAft>
+              <a:buClr>
+                <a:schemeClr val="accent1"/>
+              </a:buClr>
+              <a:buSzPct val="80000"/>
+              <a:buFont typeface="Wingdings 3" charset="2"/>
+              <a:buChar char=""/>
+              <a:defRPr sz="1200" b="0" i="0" kern="1200">
+                <a:solidFill>
+                  <a:schemeClr val="tx1">
+                    <a:lumMod val="75000"/>
+                    <a:lumOff val="25000"/>
+                  </a:schemeClr>
+                </a:solidFill>
+                <a:latin typeface="+mn-lt"/>
+                <a:ea typeface="+mn-ea"/>
+                <a:cs typeface="+mn-cs"/>
+              </a:defRPr>
+            </a:lvl4pPr>
+            <a:lvl5pPr marL="2057400" indent="-228600" algn="l" defTabSz="457200" rtl="0" eaLnBrk="1" latinLnBrk="0" hangingPunct="1">
+              <a:spcBef>
+                <a:spcPts val="1000"/>
+              </a:spcBef>
+              <a:spcAft>
+                <a:spcPts val="0"/>
+              </a:spcAft>
+              <a:buClr>
+                <a:schemeClr val="accent1"/>
+              </a:buClr>
+              <a:buSzPct val="80000"/>
+              <a:buFont typeface="Wingdings 3" charset="2"/>
+              <a:buChar char=""/>
+              <a:defRPr sz="1200" b="0" i="0" kern="1200">
+                <a:solidFill>
+                  <a:schemeClr val="tx1">
+                    <a:lumMod val="75000"/>
+                    <a:lumOff val="25000"/>
+                  </a:schemeClr>
+                </a:solidFill>
+                <a:latin typeface="+mn-lt"/>
+                <a:ea typeface="+mn-ea"/>
+                <a:cs typeface="+mn-cs"/>
+              </a:defRPr>
+            </a:lvl5pPr>
+            <a:lvl6pPr marL="2514600" indent="-228600" algn="l" defTabSz="457200" rtl="0" eaLnBrk="1" latinLnBrk="0" hangingPunct="1">
+              <a:spcBef>
+                <a:spcPts val="1000"/>
+              </a:spcBef>
+              <a:spcAft>
+                <a:spcPts val="0"/>
+              </a:spcAft>
+              <a:buClr>
+                <a:schemeClr val="accent1"/>
+              </a:buClr>
+              <a:buSzPct val="80000"/>
+              <a:buFont typeface="Wingdings 3" charset="2"/>
+              <a:buChar char=""/>
+              <a:defRPr sz="1200" b="0" i="0" kern="1200">
+                <a:solidFill>
+                  <a:schemeClr val="tx1">
+                    <a:lumMod val="75000"/>
+                    <a:lumOff val="25000"/>
+                  </a:schemeClr>
+                </a:solidFill>
+                <a:latin typeface="+mn-lt"/>
+                <a:ea typeface="+mn-ea"/>
+                <a:cs typeface="+mn-cs"/>
+              </a:defRPr>
+            </a:lvl6pPr>
+            <a:lvl7pPr marL="2971800" indent="-228600" algn="l" defTabSz="457200" rtl="0" eaLnBrk="1" latinLnBrk="0" hangingPunct="1">
+              <a:spcBef>
+                <a:spcPts val="1000"/>
+              </a:spcBef>
+              <a:spcAft>
+                <a:spcPts val="0"/>
+              </a:spcAft>
+              <a:buClr>
+                <a:schemeClr val="accent1"/>
+              </a:buClr>
+              <a:buSzPct val="80000"/>
+              <a:buFont typeface="Wingdings 3" charset="2"/>
+              <a:buChar char=""/>
+              <a:defRPr sz="1200" b="0" i="0" kern="1200">
+                <a:solidFill>
+                  <a:schemeClr val="tx1">
+                    <a:lumMod val="75000"/>
+                    <a:lumOff val="25000"/>
+                  </a:schemeClr>
+                </a:solidFill>
+                <a:latin typeface="+mn-lt"/>
+                <a:ea typeface="+mn-ea"/>
+                <a:cs typeface="+mn-cs"/>
+              </a:defRPr>
+            </a:lvl7pPr>
+            <a:lvl8pPr marL="3429000" indent="-228600" algn="l" defTabSz="457200" rtl="0" eaLnBrk="1" latinLnBrk="0" hangingPunct="1">
+              <a:spcBef>
+                <a:spcPts val="1000"/>
+              </a:spcBef>
+              <a:spcAft>
+                <a:spcPts val="0"/>
+              </a:spcAft>
+              <a:buClr>
+                <a:schemeClr val="accent1"/>
+              </a:buClr>
+              <a:buSzPct val="80000"/>
+              <a:buFont typeface="Wingdings 3" charset="2"/>
+              <a:buChar char=""/>
+              <a:defRPr sz="1200" b="0" i="0" kern="1200">
+                <a:solidFill>
+                  <a:schemeClr val="tx1">
+                    <a:lumMod val="75000"/>
+                    <a:lumOff val="25000"/>
+                  </a:schemeClr>
+                </a:solidFill>
+                <a:latin typeface="+mn-lt"/>
+                <a:ea typeface="+mn-ea"/>
+                <a:cs typeface="+mn-cs"/>
+              </a:defRPr>
+            </a:lvl8pPr>
+            <a:lvl9pPr marL="3886200" indent="-228600" algn="l" defTabSz="457200" rtl="0" eaLnBrk="1" latinLnBrk="0" hangingPunct="1">
+              <a:spcBef>
+                <a:spcPts val="1000"/>
+              </a:spcBef>
+              <a:spcAft>
+                <a:spcPts val="0"/>
+              </a:spcAft>
+              <a:buClr>
+                <a:schemeClr val="accent1"/>
+              </a:buClr>
+              <a:buSzPct val="80000"/>
+              <a:buFont typeface="Wingdings 3" charset="2"/>
+              <a:buChar char=""/>
+              <a:defRPr sz="1200" b="0" i="0" kern="1200">
+                <a:solidFill>
+                  <a:schemeClr val="tx1">
+                    <a:lumMod val="75000"/>
+                    <a:lumOff val="25000"/>
+                  </a:schemeClr>
+                </a:solidFill>
+                <a:latin typeface="+mn-lt"/>
+                <a:ea typeface="+mn-ea"/>
+                <a:cs typeface="+mn-cs"/>
+              </a:defRPr>
+            </a:lvl9pPr>
+          </a:lstStyle>
+          <a:p>
+            <a:r>
+              <a:rPr lang="en-US" dirty="0"/>
+              <a:t>Angular supports Data Binding</a:t>
+            </a:r>
           </a:p>
           <a:p>
             <a:pPr lvl="1"/>
             <a:r>
               <a:rPr lang="en-US" dirty="0"/>
-              <a:t>The </a:t>
-            </a:r>
-            <a:r>
-              <a:rPr lang="en-US" dirty="0" smtClean="0"/>
-              <a:t>employee </a:t>
-            </a:r>
-            <a:r>
-              <a:rPr lang="en-US" dirty="0"/>
-              <a:t>editor</a:t>
-            </a:r>
-            <a:r>
-              <a:rPr lang="en-US" dirty="0" smtClean="0"/>
-              <a:t>.</a:t>
-            </a:r>
-          </a:p>
-          <a:p>
-            <a:pPr lvl="1"/>
-            <a:r>
-              <a:rPr lang="en-US" dirty="0" err="1" smtClean="0"/>
-              <a:t>etc</a:t>
-            </a:r>
-            <a:endParaRPr lang="en-US" dirty="0"/>
-          </a:p>
-          <a:p>
-            <a:r>
-              <a:rPr lang="en-US" dirty="0"/>
-              <a:t>You define a component's application logic—what it does to support the view—inside a class. The class interacts with the view through an API of properties and methods.</a:t>
-            </a:r>
-          </a:p>
-          <a:p>
-            <a:endParaRPr lang="en-US" dirty="0"/>
+              <a:t>Mechanism for coordinating parts of a template with parts of a component</a:t>
+            </a:r>
           </a:p>
         </p:txBody>
       </p:sp>
     </p:spTree>
     <p:extLst>
       <p:ext uri="{BB962C8B-B14F-4D97-AF65-F5344CB8AC3E}">
-        <p14:creationId xmlns:p14="http://schemas.microsoft.com/office/powerpoint/2010/main" val="4264684578"/>
+        <p14:creationId xmlns:p14="http://schemas.microsoft.com/office/powerpoint/2010/main" val="3389977214"/>
       </p:ext>
     </p:extLst>
   </p:cSld>
   <p:clrMapOvr>
     <a:masterClrMapping/>
   </p:clrMapOvr>
-  <p:timing>
-    <p:tnLst>
-      <p:par>
-        <p:cTn id="1" dur="indefinite" restart="never" nodeType="tmRoot"/>
-      </p:par>
-    </p:tnLst>
-  </p:timing>
 </p:sld>
 </file>
 
